--- a/PPT/第二部分 软件测试技术/3.8  黑盒测试技术 -状态迁移法.pptx
+++ b/PPT/第二部分 软件测试技术/3.8  黑盒测试技术 -状态迁移法.pptx
@@ -1,27 +1,29 @@
 
 <file path=ppt/presentation.xml><?xml version="1.0" encoding="utf-8"?>
-<p:presentation xmlns:a="http://schemas.openxmlformats.org/drawingml/2006/main" xmlns:r="http://schemas.openxmlformats.org/officeDocument/2006/relationships" xmlns:p="http://schemas.openxmlformats.org/presentationml/2006/main" saveSubsetFonts="1">
+<p:presentation xmlns:a="http://schemas.openxmlformats.org/drawingml/2006/main" xmlns:r="http://schemas.openxmlformats.org/officeDocument/2006/relationships" xmlns:p="http://schemas.openxmlformats.org/presentationml/2006/main">
   <p:sldMasterIdLst>
-    <p:sldMasterId id="2147483776" r:id="rId1"/>
+    <p:sldMasterId id="2147483648" r:id="rId1"/>
   </p:sldMasterIdLst>
   <p:notesMasterIdLst>
-    <p:notesMasterId r:id="rId13"/>
+    <p:notesMasterId r:id="rId14"/>
   </p:notesMasterIdLst>
   <p:handoutMasterIdLst>
-    <p:handoutMasterId r:id="rId14"/>
+    <p:handoutMasterId r:id="rId17"/>
   </p:handoutMasterIdLst>
   <p:sldIdLst>
-    <p:sldId id="256" r:id="rId2"/>
-    <p:sldId id="333" r:id="rId3"/>
-    <p:sldId id="335" r:id="rId4"/>
-    <p:sldId id="337" r:id="rId5"/>
-    <p:sldId id="336" r:id="rId6"/>
-    <p:sldId id="338" r:id="rId7"/>
-    <p:sldId id="339" r:id="rId8"/>
-    <p:sldId id="340" r:id="rId9"/>
-    <p:sldId id="341" r:id="rId10"/>
-    <p:sldId id="342" r:id="rId11"/>
-    <p:sldId id="316" r:id="rId12"/>
+    <p:sldId id="256" r:id="rId3"/>
+    <p:sldId id="333" r:id="rId4"/>
+    <p:sldId id="335" r:id="rId5"/>
+    <p:sldId id="345" r:id="rId6"/>
+    <p:sldId id="337" r:id="rId7"/>
+    <p:sldId id="336" r:id="rId8"/>
+    <p:sldId id="338" r:id="rId9"/>
+    <p:sldId id="339" r:id="rId10"/>
+    <p:sldId id="340" r:id="rId11"/>
+    <p:sldId id="354" r:id="rId12"/>
+    <p:sldId id="341" r:id="rId13"/>
+    <p:sldId id="342" r:id="rId15"/>
+    <p:sldId id="316" r:id="rId16"/>
   </p:sldIdLst>
   <p:sldSz cx="9144000" cy="6858000" type="screen4x3"/>
   <p:notesSz cx="6858000" cy="9144000"/>
@@ -40,8 +42,8 @@
         <a:solidFill>
           <a:schemeClr val="tx1"/>
         </a:solidFill>
-        <a:latin typeface="Verdana" pitchFamily="34" charset="0"/>
-        <a:ea typeface="宋体" charset="-122"/>
+        <a:latin typeface="Verdana" panose="020B0604030504040204" pitchFamily="34" charset="0"/>
+        <a:ea typeface="宋体" panose="02010600030101010101" pitchFamily="2" charset="-122"/>
         <a:cs typeface="+mn-cs"/>
       </a:defRPr>
     </a:lvl1pPr>
@@ -56,8 +58,8 @@
         <a:solidFill>
           <a:schemeClr val="tx1"/>
         </a:solidFill>
-        <a:latin typeface="Verdana" pitchFamily="34" charset="0"/>
-        <a:ea typeface="宋体" charset="-122"/>
+        <a:latin typeface="Verdana" panose="020B0604030504040204" pitchFamily="34" charset="0"/>
+        <a:ea typeface="宋体" panose="02010600030101010101" pitchFamily="2" charset="-122"/>
         <a:cs typeface="+mn-cs"/>
       </a:defRPr>
     </a:lvl2pPr>
@@ -72,8 +74,8 @@
         <a:solidFill>
           <a:schemeClr val="tx1"/>
         </a:solidFill>
-        <a:latin typeface="Verdana" pitchFamily="34" charset="0"/>
-        <a:ea typeface="宋体" charset="-122"/>
+        <a:latin typeface="Verdana" panose="020B0604030504040204" pitchFamily="34" charset="0"/>
+        <a:ea typeface="宋体" panose="02010600030101010101" pitchFamily="2" charset="-122"/>
         <a:cs typeface="+mn-cs"/>
       </a:defRPr>
     </a:lvl3pPr>
@@ -88,8 +90,8 @@
         <a:solidFill>
           <a:schemeClr val="tx1"/>
         </a:solidFill>
-        <a:latin typeface="Verdana" pitchFamily="34" charset="0"/>
-        <a:ea typeface="宋体" charset="-122"/>
+        <a:latin typeface="Verdana" panose="020B0604030504040204" pitchFamily="34" charset="0"/>
+        <a:ea typeface="宋体" panose="02010600030101010101" pitchFamily="2" charset="-122"/>
         <a:cs typeface="+mn-cs"/>
       </a:defRPr>
     </a:lvl4pPr>
@@ -104,8 +106,8 @@
         <a:solidFill>
           <a:schemeClr val="tx1"/>
         </a:solidFill>
-        <a:latin typeface="Verdana" pitchFamily="34" charset="0"/>
-        <a:ea typeface="宋体" charset="-122"/>
+        <a:latin typeface="Verdana" panose="020B0604030504040204" pitchFamily="34" charset="0"/>
+        <a:ea typeface="宋体" panose="02010600030101010101" pitchFamily="2" charset="-122"/>
         <a:cs typeface="+mn-cs"/>
       </a:defRPr>
     </a:lvl5pPr>
@@ -114,8 +116,8 @@
         <a:solidFill>
           <a:schemeClr val="tx1"/>
         </a:solidFill>
-        <a:latin typeface="Verdana" pitchFamily="34" charset="0"/>
-        <a:ea typeface="宋体" charset="-122"/>
+        <a:latin typeface="Verdana" panose="020B0604030504040204" pitchFamily="34" charset="0"/>
+        <a:ea typeface="宋体" panose="02010600030101010101" pitchFamily="2" charset="-122"/>
         <a:cs typeface="+mn-cs"/>
       </a:defRPr>
     </a:lvl6pPr>
@@ -124,8 +126,8 @@
         <a:solidFill>
           <a:schemeClr val="tx1"/>
         </a:solidFill>
-        <a:latin typeface="Verdana" pitchFamily="34" charset="0"/>
-        <a:ea typeface="宋体" charset="-122"/>
+        <a:latin typeface="Verdana" panose="020B0604030504040204" pitchFamily="34" charset="0"/>
+        <a:ea typeface="宋体" panose="02010600030101010101" pitchFamily="2" charset="-122"/>
         <a:cs typeface="+mn-cs"/>
       </a:defRPr>
     </a:lvl7pPr>
@@ -134,8 +136,8 @@
         <a:solidFill>
           <a:schemeClr val="tx1"/>
         </a:solidFill>
-        <a:latin typeface="Verdana" pitchFamily="34" charset="0"/>
-        <a:ea typeface="宋体" charset="-122"/>
+        <a:latin typeface="Verdana" panose="020B0604030504040204" pitchFamily="34" charset="0"/>
+        <a:ea typeface="宋体" panose="02010600030101010101" pitchFamily="2" charset="-122"/>
         <a:cs typeface="+mn-cs"/>
       </a:defRPr>
     </a:lvl8pPr>
@@ -144,8 +146,8 @@
         <a:solidFill>
           <a:schemeClr val="tx1"/>
         </a:solidFill>
-        <a:latin typeface="Verdana" pitchFamily="34" charset="0"/>
-        <a:ea typeface="宋体" charset="-122"/>
+        <a:latin typeface="Verdana" panose="020B0604030504040204" pitchFamily="34" charset="0"/>
+        <a:ea typeface="宋体" panose="02010600030101010101" pitchFamily="2" charset="-122"/>
         <a:cs typeface="+mn-cs"/>
       </a:defRPr>
     </a:lvl9pPr>
@@ -200,22 +202,16 @@
           <a:ln w="9525">
             <a:noFill/>
             <a:miter lim="800000"/>
-            <a:headEnd/>
-            <a:tailEnd/>
           </a:ln>
           <a:effectLst/>
         </p:spPr>
         <p:txBody>
-          <a:bodyPr vert="horz" wrap="square" lIns="91440" tIns="45720" rIns="91440" bIns="45720" numCol="1" anchor="t" anchorCtr="0" compatLnSpc="1">
-            <a:prstTxWarp prst="textNoShape">
-              <a:avLst/>
-            </a:prstTxWarp>
-          </a:bodyPr>
+          <a:bodyPr vert="horz" wrap="square" lIns="91440" tIns="45720" rIns="91440" bIns="45720" numCol="1" anchor="t" anchorCtr="0" compatLnSpc="1"/>
           <a:lstStyle>
             <a:lvl1pPr>
               <a:defRPr sz="1200">
-                <a:latin typeface="Arial" charset="0"/>
-                <a:ea typeface="宋体" pitchFamily="2" charset="-122"/>
+                <a:latin typeface="Arial" panose="020B0604020202020204" pitchFamily="34" charset="0"/>
+                <a:ea typeface="宋体" panose="02010600030101010101" pitchFamily="2" charset="-122"/>
               </a:defRPr>
             </a:lvl1pPr>
           </a:lstStyle>
@@ -249,22 +245,16 @@
           <a:ln w="9525">
             <a:noFill/>
             <a:miter lim="800000"/>
-            <a:headEnd/>
-            <a:tailEnd/>
           </a:ln>
           <a:effectLst/>
         </p:spPr>
         <p:txBody>
-          <a:bodyPr vert="horz" wrap="square" lIns="91440" tIns="45720" rIns="91440" bIns="45720" numCol="1" anchor="t" anchorCtr="0" compatLnSpc="1">
-            <a:prstTxWarp prst="textNoShape">
-              <a:avLst/>
-            </a:prstTxWarp>
-          </a:bodyPr>
+          <a:bodyPr vert="horz" wrap="square" lIns="91440" tIns="45720" rIns="91440" bIns="45720" numCol="1" anchor="t" anchorCtr="0" compatLnSpc="1"/>
           <a:lstStyle>
             <a:lvl1pPr algn="r">
               <a:defRPr sz="1200">
-                <a:latin typeface="Arial" charset="0"/>
-                <a:ea typeface="宋体" pitchFamily="2" charset="-122"/>
+                <a:latin typeface="Arial" panose="020B0604020202020204" pitchFamily="34" charset="0"/>
+                <a:ea typeface="宋体" panose="02010600030101010101" pitchFamily="2" charset="-122"/>
               </a:defRPr>
             </a:lvl1pPr>
           </a:lstStyle>
@@ -298,22 +288,16 @@
           <a:ln w="9525">
             <a:noFill/>
             <a:miter lim="800000"/>
-            <a:headEnd/>
-            <a:tailEnd/>
           </a:ln>
           <a:effectLst/>
         </p:spPr>
         <p:txBody>
-          <a:bodyPr vert="horz" wrap="square" lIns="91440" tIns="45720" rIns="91440" bIns="45720" numCol="1" anchor="b" anchorCtr="0" compatLnSpc="1">
-            <a:prstTxWarp prst="textNoShape">
-              <a:avLst/>
-            </a:prstTxWarp>
-          </a:bodyPr>
+          <a:bodyPr vert="horz" wrap="square" lIns="91440" tIns="45720" rIns="91440" bIns="45720" numCol="1" anchor="b" anchorCtr="0" compatLnSpc="1"/>
           <a:lstStyle>
             <a:lvl1pPr>
               <a:defRPr sz="1200">
-                <a:latin typeface="Arial" charset="0"/>
-                <a:ea typeface="宋体" pitchFamily="2" charset="-122"/>
+                <a:latin typeface="Arial" panose="020B0604020202020204" pitchFamily="34" charset="0"/>
+                <a:ea typeface="宋体" panose="02010600030101010101" pitchFamily="2" charset="-122"/>
               </a:defRPr>
             </a:lvl1pPr>
           </a:lstStyle>
@@ -347,22 +331,16 @@
           <a:ln w="9525">
             <a:noFill/>
             <a:miter lim="800000"/>
-            <a:headEnd/>
-            <a:tailEnd/>
           </a:ln>
           <a:effectLst/>
         </p:spPr>
         <p:txBody>
-          <a:bodyPr vert="horz" wrap="square" lIns="91440" tIns="45720" rIns="91440" bIns="45720" numCol="1" anchor="b" anchorCtr="0" compatLnSpc="1">
-            <a:prstTxWarp prst="textNoShape">
-              <a:avLst/>
-            </a:prstTxWarp>
-          </a:bodyPr>
+          <a:bodyPr vert="horz" wrap="square" lIns="91440" tIns="45720" rIns="91440" bIns="45720" numCol="1" anchor="b" anchorCtr="0" compatLnSpc="1"/>
           <a:lstStyle>
             <a:lvl1pPr algn="r">
               <a:defRPr sz="1200">
-                <a:latin typeface="Arial" charset="0"/>
-                <a:ea typeface="宋体" pitchFamily="2" charset="-122"/>
+                <a:latin typeface="Arial" panose="020B0604020202020204" pitchFamily="34" charset="0"/>
+                <a:ea typeface="宋体" panose="02010600030101010101" pitchFamily="2" charset="-122"/>
               </a:defRPr>
             </a:lvl1pPr>
           </a:lstStyle>
@@ -372,21 +350,12 @@
             </a:pPr>
             <a:fld id="{A4B6774F-B969-4134-AA4B-4ED831A1D1B9}" type="slidenum">
               <a:rPr lang="en-US" altLang="zh-CN"/>
-              <a:pPr>
-                <a:defRPr/>
-              </a:pPr>
-              <a:t>‹#›</a:t>
             </a:fld>
             <a:endParaRPr lang="en-US" altLang="zh-CN"/>
           </a:p>
         </p:txBody>
       </p:sp>
     </p:spTree>
-    <p:extLst>
-      <p:ext uri="{BB962C8B-B14F-4D97-AF65-F5344CB8AC3E}">
-        <p14:creationId xmlns:p14="http://schemas.microsoft.com/office/powerpoint/2010/main" val="35720751"/>
-      </p:ext>
-    </p:extLst>
   </p:cSld>
   <p:clrMap bg1="lt1" tx1="dk1" bg2="lt2" tx2="dk2" accent1="accent1" accent2="accent2" accent3="accent3" accent4="accent4" accent5="accent5" accent6="accent6" hlink="hlink" folHlink="folHlink"/>
 </p:handoutMaster>
@@ -439,22 +408,16 @@
           <a:ln w="9525">
             <a:noFill/>
             <a:miter lim="800000"/>
-            <a:headEnd/>
-            <a:tailEnd/>
           </a:ln>
           <a:effectLst/>
         </p:spPr>
         <p:txBody>
-          <a:bodyPr vert="horz" wrap="square" lIns="91440" tIns="45720" rIns="91440" bIns="45720" numCol="1" anchor="t" anchorCtr="0" compatLnSpc="1">
-            <a:prstTxWarp prst="textNoShape">
-              <a:avLst/>
-            </a:prstTxWarp>
-          </a:bodyPr>
+          <a:bodyPr vert="horz" wrap="square" lIns="91440" tIns="45720" rIns="91440" bIns="45720" numCol="1" anchor="t" anchorCtr="0" compatLnSpc="1"/>
           <a:lstStyle>
             <a:lvl1pPr>
               <a:defRPr sz="1200">
-                <a:latin typeface="Arial" charset="0"/>
-                <a:ea typeface="宋体" pitchFamily="2" charset="-122"/>
+                <a:latin typeface="Arial" panose="020B0604020202020204" pitchFamily="34" charset="0"/>
+                <a:ea typeface="宋体" panose="02010600030101010101" pitchFamily="2" charset="-122"/>
               </a:defRPr>
             </a:lvl1pPr>
           </a:lstStyle>
@@ -488,22 +451,16 @@
           <a:ln w="9525">
             <a:noFill/>
             <a:miter lim="800000"/>
-            <a:headEnd/>
-            <a:tailEnd/>
           </a:ln>
           <a:effectLst/>
         </p:spPr>
         <p:txBody>
-          <a:bodyPr vert="horz" wrap="square" lIns="91440" tIns="45720" rIns="91440" bIns="45720" numCol="1" anchor="t" anchorCtr="0" compatLnSpc="1">
-            <a:prstTxWarp prst="textNoShape">
-              <a:avLst/>
-            </a:prstTxWarp>
-          </a:bodyPr>
+          <a:bodyPr vert="horz" wrap="square" lIns="91440" tIns="45720" rIns="91440" bIns="45720" numCol="1" anchor="t" anchorCtr="0" compatLnSpc="1"/>
           <a:lstStyle>
             <a:lvl1pPr algn="r">
               <a:defRPr sz="1200">
-                <a:latin typeface="Arial" charset="0"/>
-                <a:ea typeface="宋体" pitchFamily="2" charset="-122"/>
+                <a:latin typeface="Arial" panose="020B0604020202020204" pitchFamily="34" charset="0"/>
+                <a:ea typeface="宋体" panose="02010600030101010101" pitchFamily="2" charset="-122"/>
               </a:defRPr>
             </a:lvl1pPr>
           </a:lstStyle>
@@ -539,8 +496,6 @@
               <a:srgbClr val="000000"/>
             </a:solidFill>
             <a:miter lim="800000"/>
-            <a:headEnd/>
-            <a:tailEnd/>
           </a:ln>
           <a:extLst>
             <a:ext uri="{909E8E84-426E-40DD-AFC4-6F175D3DCCD1}">
@@ -575,17 +530,11 @@
           <a:ln w="9525">
             <a:noFill/>
             <a:miter lim="800000"/>
-            <a:headEnd/>
-            <a:tailEnd/>
           </a:ln>
           <a:effectLst/>
         </p:spPr>
         <p:txBody>
-          <a:bodyPr vert="horz" wrap="square" lIns="91440" tIns="45720" rIns="91440" bIns="45720" numCol="1" anchor="t" anchorCtr="0" compatLnSpc="1">
-            <a:prstTxWarp prst="textNoShape">
-              <a:avLst/>
-            </a:prstTxWarp>
-          </a:bodyPr>
+          <a:bodyPr vert="horz" wrap="square" lIns="91440" tIns="45720" rIns="91440" bIns="45720" numCol="1" anchor="t" anchorCtr="0" compatLnSpc="1"/>
           <a:lstStyle/>
           <a:p>
             <a:pPr lvl="0"/>
@@ -593,6 +542,7 @@
               <a:rPr lang="zh-CN" altLang="en-US" noProof="0" smtClean="0"/>
               <a:t>单击此处编辑母版文本样式</a:t>
             </a:r>
+            <a:endParaRPr lang="zh-CN" altLang="en-US" noProof="0" smtClean="0"/>
           </a:p>
           <a:p>
             <a:pPr lvl="1"/>
@@ -600,6 +550,7 @@
               <a:rPr lang="zh-CN" altLang="en-US" noProof="0" smtClean="0"/>
               <a:t>第二级</a:t>
             </a:r>
+            <a:endParaRPr lang="zh-CN" altLang="en-US" noProof="0" smtClean="0"/>
           </a:p>
           <a:p>
             <a:pPr lvl="2"/>
@@ -607,6 +558,7 @@
               <a:rPr lang="zh-CN" altLang="en-US" noProof="0" smtClean="0"/>
               <a:t>第三级</a:t>
             </a:r>
+            <a:endParaRPr lang="zh-CN" altLang="en-US" noProof="0" smtClean="0"/>
           </a:p>
           <a:p>
             <a:pPr lvl="3"/>
@@ -614,6 +566,7 @@
               <a:rPr lang="zh-CN" altLang="en-US" noProof="0" smtClean="0"/>
               <a:t>第四级</a:t>
             </a:r>
+            <a:endParaRPr lang="zh-CN" altLang="en-US" noProof="0" smtClean="0"/>
           </a:p>
           <a:p>
             <a:pPr lvl="4"/>
@@ -621,6 +574,7 @@
               <a:rPr lang="zh-CN" altLang="en-US" noProof="0" smtClean="0"/>
               <a:t>第五级</a:t>
             </a:r>
+            <a:endParaRPr lang="zh-CN" altLang="en-US" noProof="0" smtClean="0"/>
           </a:p>
         </p:txBody>
       </p:sp>
@@ -646,22 +600,16 @@
           <a:ln w="9525">
             <a:noFill/>
             <a:miter lim="800000"/>
-            <a:headEnd/>
-            <a:tailEnd/>
           </a:ln>
           <a:effectLst/>
         </p:spPr>
         <p:txBody>
-          <a:bodyPr vert="horz" wrap="square" lIns="91440" tIns="45720" rIns="91440" bIns="45720" numCol="1" anchor="b" anchorCtr="0" compatLnSpc="1">
-            <a:prstTxWarp prst="textNoShape">
-              <a:avLst/>
-            </a:prstTxWarp>
-          </a:bodyPr>
+          <a:bodyPr vert="horz" wrap="square" lIns="91440" tIns="45720" rIns="91440" bIns="45720" numCol="1" anchor="b" anchorCtr="0" compatLnSpc="1"/>
           <a:lstStyle>
             <a:lvl1pPr>
               <a:defRPr sz="1200">
-                <a:latin typeface="Arial" charset="0"/>
-                <a:ea typeface="宋体" pitchFamily="2" charset="-122"/>
+                <a:latin typeface="Arial" panose="020B0604020202020204" pitchFamily="34" charset="0"/>
+                <a:ea typeface="宋体" panose="02010600030101010101" pitchFamily="2" charset="-122"/>
               </a:defRPr>
             </a:lvl1pPr>
           </a:lstStyle>
@@ -695,22 +643,16 @@
           <a:ln w="9525">
             <a:noFill/>
             <a:miter lim="800000"/>
-            <a:headEnd/>
-            <a:tailEnd/>
           </a:ln>
           <a:effectLst/>
         </p:spPr>
         <p:txBody>
-          <a:bodyPr vert="horz" wrap="square" lIns="91440" tIns="45720" rIns="91440" bIns="45720" numCol="1" anchor="b" anchorCtr="0" compatLnSpc="1">
-            <a:prstTxWarp prst="textNoShape">
-              <a:avLst/>
-            </a:prstTxWarp>
-          </a:bodyPr>
+          <a:bodyPr vert="horz" wrap="square" lIns="91440" tIns="45720" rIns="91440" bIns="45720" numCol="1" anchor="b" anchorCtr="0" compatLnSpc="1"/>
           <a:lstStyle>
             <a:lvl1pPr algn="r">
               <a:defRPr sz="1200">
-                <a:latin typeface="Arial" charset="0"/>
-                <a:ea typeface="宋体" pitchFamily="2" charset="-122"/>
+                <a:latin typeface="Arial" panose="020B0604020202020204" pitchFamily="34" charset="0"/>
+                <a:ea typeface="宋体" panose="02010600030101010101" pitchFamily="2" charset="-122"/>
               </a:defRPr>
             </a:lvl1pPr>
           </a:lstStyle>
@@ -720,21 +662,12 @@
             </a:pPr>
             <a:fld id="{C6E7EC9E-A07B-4D49-8E17-EEA97947E75D}" type="slidenum">
               <a:rPr lang="en-US" altLang="zh-CN"/>
-              <a:pPr>
-                <a:defRPr/>
-              </a:pPr>
-              <a:t>‹#›</a:t>
             </a:fld>
             <a:endParaRPr lang="en-US" altLang="zh-CN"/>
           </a:p>
         </p:txBody>
       </p:sp>
     </p:spTree>
-    <p:extLst>
-      <p:ext uri="{BB962C8B-B14F-4D97-AF65-F5344CB8AC3E}">
-        <p14:creationId xmlns:p14="http://schemas.microsoft.com/office/powerpoint/2010/main" val="1270455578"/>
-      </p:ext>
-    </p:extLst>
   </p:cSld>
   <p:clrMap bg1="lt1" tx1="dk1" bg2="lt2" tx2="dk2" accent1="accent1" accent2="accent2" accent3="accent3" accent4="accent4" accent5="accent5" accent6="accent6" hlink="hlink" folHlink="folHlink"/>
   <p:notesStyle>
@@ -749,8 +682,8 @@
         <a:solidFill>
           <a:schemeClr val="tx1"/>
         </a:solidFill>
-        <a:latin typeface="Arial" charset="0"/>
-        <a:ea typeface="宋体" pitchFamily="2" charset="-122"/>
+        <a:latin typeface="Arial" panose="020B0604020202020204" pitchFamily="34" charset="0"/>
+        <a:ea typeface="宋体" panose="02010600030101010101" pitchFamily="2" charset="-122"/>
         <a:cs typeface="+mn-cs"/>
       </a:defRPr>
     </a:lvl1pPr>
@@ -765,8 +698,8 @@
         <a:solidFill>
           <a:schemeClr val="tx1"/>
         </a:solidFill>
-        <a:latin typeface="Arial" charset="0"/>
-        <a:ea typeface="宋体" pitchFamily="2" charset="-122"/>
+        <a:latin typeface="Arial" panose="020B0604020202020204" pitchFamily="34" charset="0"/>
+        <a:ea typeface="宋体" panose="02010600030101010101" pitchFamily="2" charset="-122"/>
         <a:cs typeface="+mn-cs"/>
       </a:defRPr>
     </a:lvl2pPr>
@@ -781,8 +714,8 @@
         <a:solidFill>
           <a:schemeClr val="tx1"/>
         </a:solidFill>
-        <a:latin typeface="Arial" charset="0"/>
-        <a:ea typeface="宋体" pitchFamily="2" charset="-122"/>
+        <a:latin typeface="Arial" panose="020B0604020202020204" pitchFamily="34" charset="0"/>
+        <a:ea typeface="宋体" panose="02010600030101010101" pitchFamily="2" charset="-122"/>
         <a:cs typeface="+mn-cs"/>
       </a:defRPr>
     </a:lvl3pPr>
@@ -797,8 +730,8 @@
         <a:solidFill>
           <a:schemeClr val="tx1"/>
         </a:solidFill>
-        <a:latin typeface="Arial" charset="0"/>
-        <a:ea typeface="宋体" pitchFamily="2" charset="-122"/>
+        <a:latin typeface="Arial" panose="020B0604020202020204" pitchFamily="34" charset="0"/>
+        <a:ea typeface="宋体" panose="02010600030101010101" pitchFamily="2" charset="-122"/>
         <a:cs typeface="+mn-cs"/>
       </a:defRPr>
     </a:lvl4pPr>
@@ -813,8 +746,8 @@
         <a:solidFill>
           <a:schemeClr val="tx1"/>
         </a:solidFill>
-        <a:latin typeface="Arial" charset="0"/>
-        <a:ea typeface="宋体" pitchFamily="2" charset="-122"/>
+        <a:latin typeface="Arial" panose="020B0604020202020204" pitchFamily="34" charset="0"/>
+        <a:ea typeface="宋体" panose="02010600030101010101" pitchFamily="2" charset="-122"/>
         <a:cs typeface="+mn-cs"/>
       </a:defRPr>
     </a:lvl5pPr>
@@ -862,8 +795,56 @@
 </p:notesMaster>
 </file>
 
+<file path=ppt/notesSlides/notesSlide1.xml><?xml version="1.0" encoding="utf-8"?>
+<p:notes xmlns:a="http://schemas.openxmlformats.org/drawingml/2006/main" xmlns:r="http://schemas.openxmlformats.org/officeDocument/2006/relationships" xmlns:p="http://schemas.openxmlformats.org/presentationml/2006/main">
+  <p:cSld>
+    <p:spTree>
+      <p:nvGrpSpPr>
+        <p:cNvPr id="1" name=""/>
+        <p:cNvGrpSpPr/>
+        <p:nvPr/>
+      </p:nvGrpSpPr>
+      <p:grpSpPr/>
+      <p:sp>
+        <p:nvSpPr>
+          <p:cNvPr id="2" name="幻灯片图像占位符 1"/>
+          <p:cNvSpPr/>
+          <p:nvPr>
+            <p:ph type="sldImg" idx="2"/>
+          </p:nvPr>
+        </p:nvSpPr>
+        <p:spPr/>
+      </p:sp>
+      <p:sp>
+        <p:nvSpPr>
+          <p:cNvPr id="3" name="文本占位符 2"/>
+          <p:cNvSpPr/>
+          <p:nvPr>
+            <p:ph type="body" idx="3"/>
+          </p:nvPr>
+        </p:nvSpPr>
+        <p:spPr/>
+        <p:txBody>
+          <a:bodyPr/>
+          <a:p>
+            <a:r>
+              <a:rPr lang="zh-CN" altLang="en-US"/>
+              <a:t>这个例子我觉得不是很好做 啊？用状态转换应该怎样做呢？我觉得可以换成那个音乐播放器的那个例子。这个的状态都有什呢？可能是没有用过，我想学生们也都没有用过这个，我觉得这个作业可以留的更生动一些，就是让学生们自己课下去给自己的音乐播放器或者是视频播放器设计测试用例。就用这个状态转换的方法。</a:t>
+            </a:r>
+            <a:endParaRPr lang="zh-CN" altLang="en-US"/>
+          </a:p>
+        </p:txBody>
+      </p:sp>
+    </p:spTree>
+  </p:cSld>
+  <p:clrMapOvr>
+    <a:masterClrMapping/>
+  </p:clrMapOvr>
+</p:notes>
+</file>
+
 <file path=ppt/slideLayouts/slideLayout1.xml><?xml version="1.0" encoding="utf-8"?>
-<p:sldLayout xmlns:a="http://schemas.openxmlformats.org/drawingml/2006/main" xmlns:r="http://schemas.openxmlformats.org/officeDocument/2006/relationships" xmlns:p="http://schemas.openxmlformats.org/presentationml/2006/main" showMasterSp="0" type="title" preserve="1">
+<p:sldLayout xmlns:a="http://schemas.openxmlformats.org/drawingml/2006/main" xmlns:r="http://schemas.openxmlformats.org/officeDocument/2006/relationships" xmlns:p="http://schemas.openxmlformats.org/presentationml/2006/main" type="title" preserve="1" showMasterSp="0">
   <p:cSld name="标题幻灯片">
     <p:spTree>
       <p:nvGrpSpPr>
@@ -973,8 +954,6 @@
               <a:schemeClr val="accent2"/>
             </a:solidFill>
             <a:round/>
-            <a:headEnd/>
-            <a:tailEnd/>
           </a:ln>
         </p:spPr>
         <p:txBody>
@@ -1013,6 +992,7 @@
               <a:rPr lang="zh-CN" altLang="en-US"/>
               <a:t>单击此处编辑母版标题样式</a:t>
             </a:r>
+            <a:endParaRPr lang="zh-CN" altLang="en-US"/>
           </a:p>
         </p:txBody>
       </p:sp>
@@ -1036,7 +1016,7 @@
           <a:bodyPr/>
           <a:lstStyle>
             <a:lvl1pPr marL="0" indent="0">
-              <a:buFont typeface="Wingdings" pitchFamily="2" charset="2"/>
+              <a:buFont typeface="Wingdings" panose="05000000000000000000" pitchFamily="2" charset="2"/>
               <a:buNone/>
               <a:defRPr sz="2800"/>
             </a:lvl1pPr>
@@ -1046,6 +1026,7 @@
               <a:rPr lang="zh-CN" altLang="en-US"/>
               <a:t>单击此处编辑母版副标题样式</a:t>
             </a:r>
+            <a:endParaRPr lang="zh-CN" altLang="en-US"/>
           </a:p>
         </p:txBody>
       </p:sp>
@@ -1140,21 +1121,12 @@
             </a:pPr>
             <a:fld id="{00CA8D71-C3EC-4BA8-8391-4F5BE00376FA}" type="slidenum">
               <a:rPr lang="en-US" altLang="zh-CN"/>
-              <a:pPr>
-                <a:defRPr/>
-              </a:pPr>
-              <a:t>‹#›</a:t>
             </a:fld>
             <a:endParaRPr lang="en-US" altLang="zh-CN"/>
           </a:p>
         </p:txBody>
       </p:sp>
     </p:spTree>
-    <p:extLst>
-      <p:ext uri="{BB962C8B-B14F-4D97-AF65-F5344CB8AC3E}">
-        <p14:creationId xmlns:p14="http://schemas.microsoft.com/office/powerpoint/2010/main" val="2528888964"/>
-      </p:ext>
-    </p:extLst>
   </p:cSld>
   <p:clrMapOvr>
     <a:masterClrMapping/>
@@ -1225,6 +1197,7 @@
               <a:rPr lang="zh-CN" altLang="en-US" smtClean="0"/>
               <a:t>单击此处编辑母版文本样式</a:t>
             </a:r>
+            <a:endParaRPr lang="zh-CN" altLang="en-US" smtClean="0"/>
           </a:p>
           <a:p>
             <a:pPr lvl="1"/>
@@ -1232,6 +1205,7 @@
               <a:rPr lang="zh-CN" altLang="en-US" smtClean="0"/>
               <a:t>第二级</a:t>
             </a:r>
+            <a:endParaRPr lang="zh-CN" altLang="en-US" smtClean="0"/>
           </a:p>
           <a:p>
             <a:pPr lvl="2"/>
@@ -1239,6 +1213,7 @@
               <a:rPr lang="zh-CN" altLang="en-US" smtClean="0"/>
               <a:t>第三级</a:t>
             </a:r>
+            <a:endParaRPr lang="zh-CN" altLang="en-US" smtClean="0"/>
           </a:p>
           <a:p>
             <a:pPr lvl="3"/>
@@ -1246,6 +1221,7 @@
               <a:rPr lang="zh-CN" altLang="en-US" smtClean="0"/>
               <a:t>第四级</a:t>
             </a:r>
+            <a:endParaRPr lang="zh-CN" altLang="en-US" smtClean="0"/>
           </a:p>
           <a:p>
             <a:pPr lvl="4"/>
@@ -1267,9 +1243,7 @@
             <p:ph type="dt" sz="half" idx="10"/>
           </p:nvPr>
         </p:nvSpPr>
-        <p:spPr>
-          <a:ln/>
-        </p:spPr>
+        <p:spPr/>
         <p:txBody>
           <a:bodyPr/>
           <a:lstStyle>
@@ -1295,9 +1269,7 @@
             <p:ph type="ftr" sz="quarter" idx="11"/>
           </p:nvPr>
         </p:nvSpPr>
-        <p:spPr>
-          <a:ln/>
-        </p:spPr>
+        <p:spPr/>
         <p:txBody>
           <a:bodyPr/>
           <a:lstStyle>
@@ -1323,9 +1295,7 @@
             <p:ph type="sldNum" sz="quarter" idx="12"/>
           </p:nvPr>
         </p:nvSpPr>
-        <p:spPr>
-          <a:ln/>
-        </p:spPr>
+        <p:spPr/>
         <p:txBody>
           <a:bodyPr/>
           <a:lstStyle>
@@ -1339,21 +1309,12 @@
             </a:pPr>
             <a:fld id="{6FB7A9A1-467B-452D-AE21-B17E4BA29EEB}" type="slidenum">
               <a:rPr lang="en-US" altLang="zh-CN"/>
-              <a:pPr>
-                <a:defRPr/>
-              </a:pPr>
-              <a:t>‹#›</a:t>
             </a:fld>
             <a:endParaRPr lang="en-US" altLang="zh-CN"/>
           </a:p>
         </p:txBody>
       </p:sp>
     </p:spTree>
-    <p:extLst>
-      <p:ext uri="{BB962C8B-B14F-4D97-AF65-F5344CB8AC3E}">
-        <p14:creationId xmlns:p14="http://schemas.microsoft.com/office/powerpoint/2010/main" val="3698883792"/>
-      </p:ext>
-    </p:extLst>
   </p:cSld>
   <p:clrMapOvr>
     <a:masterClrMapping/>
@@ -1434,6 +1395,7 @@
               <a:rPr lang="zh-CN" altLang="en-US" smtClean="0"/>
               <a:t>单击此处编辑母版文本样式</a:t>
             </a:r>
+            <a:endParaRPr lang="zh-CN" altLang="en-US" smtClean="0"/>
           </a:p>
           <a:p>
             <a:pPr lvl="1"/>
@@ -1441,6 +1403,7 @@
               <a:rPr lang="zh-CN" altLang="en-US" smtClean="0"/>
               <a:t>第二级</a:t>
             </a:r>
+            <a:endParaRPr lang="zh-CN" altLang="en-US" smtClean="0"/>
           </a:p>
           <a:p>
             <a:pPr lvl="2"/>
@@ -1448,6 +1411,7 @@
               <a:rPr lang="zh-CN" altLang="en-US" smtClean="0"/>
               <a:t>第三级</a:t>
             </a:r>
+            <a:endParaRPr lang="zh-CN" altLang="en-US" smtClean="0"/>
           </a:p>
           <a:p>
             <a:pPr lvl="3"/>
@@ -1455,6 +1419,7 @@
               <a:rPr lang="zh-CN" altLang="en-US" smtClean="0"/>
               <a:t>第四级</a:t>
             </a:r>
+            <a:endParaRPr lang="zh-CN" altLang="en-US" smtClean="0"/>
           </a:p>
           <a:p>
             <a:pPr lvl="4"/>
@@ -1476,9 +1441,7 @@
             <p:ph type="dt" sz="half" idx="10"/>
           </p:nvPr>
         </p:nvSpPr>
-        <p:spPr>
-          <a:ln/>
-        </p:spPr>
+        <p:spPr/>
         <p:txBody>
           <a:bodyPr/>
           <a:lstStyle>
@@ -1504,9 +1467,7 @@
             <p:ph type="ftr" sz="quarter" idx="11"/>
           </p:nvPr>
         </p:nvSpPr>
-        <p:spPr>
-          <a:ln/>
-        </p:spPr>
+        <p:spPr/>
         <p:txBody>
           <a:bodyPr/>
           <a:lstStyle>
@@ -1532,9 +1493,7 @@
             <p:ph type="sldNum" sz="quarter" idx="12"/>
           </p:nvPr>
         </p:nvSpPr>
-        <p:spPr>
-          <a:ln/>
-        </p:spPr>
+        <p:spPr/>
         <p:txBody>
           <a:bodyPr/>
           <a:lstStyle>
@@ -1548,21 +1507,12 @@
             </a:pPr>
             <a:fld id="{920E4D55-174F-47DB-8C7E-745DD6B5C1D6}" type="slidenum">
               <a:rPr lang="en-US" altLang="zh-CN"/>
-              <a:pPr>
-                <a:defRPr/>
-              </a:pPr>
-              <a:t>‹#›</a:t>
             </a:fld>
             <a:endParaRPr lang="en-US" altLang="zh-CN"/>
           </a:p>
         </p:txBody>
       </p:sp>
     </p:spTree>
-    <p:extLst>
-      <p:ext uri="{BB962C8B-B14F-4D97-AF65-F5344CB8AC3E}">
-        <p14:creationId xmlns:p14="http://schemas.microsoft.com/office/powerpoint/2010/main" val="3146650370"/>
-      </p:ext>
-    </p:extLst>
   </p:cSld>
   <p:clrMapOvr>
     <a:masterClrMapping/>
@@ -1643,6 +1593,7 @@
               <a:rPr lang="zh-CN" altLang="en-US" smtClean="0"/>
               <a:t>单击此处编辑母版文本样式</a:t>
             </a:r>
+            <a:endParaRPr lang="zh-CN" altLang="en-US" smtClean="0"/>
           </a:p>
           <a:p>
             <a:pPr lvl="1"/>
@@ -1650,6 +1601,7 @@
               <a:rPr lang="zh-CN" altLang="en-US" smtClean="0"/>
               <a:t>第二级</a:t>
             </a:r>
+            <a:endParaRPr lang="zh-CN" altLang="en-US" smtClean="0"/>
           </a:p>
           <a:p>
             <a:pPr lvl="2"/>
@@ -1657,6 +1609,7 @@
               <a:rPr lang="zh-CN" altLang="en-US" smtClean="0"/>
               <a:t>第三级</a:t>
             </a:r>
+            <a:endParaRPr lang="zh-CN" altLang="en-US" smtClean="0"/>
           </a:p>
           <a:p>
             <a:pPr lvl="3"/>
@@ -1664,6 +1617,7 @@
               <a:rPr lang="zh-CN" altLang="en-US" smtClean="0"/>
               <a:t>第四级</a:t>
             </a:r>
+            <a:endParaRPr lang="zh-CN" altLang="en-US" smtClean="0"/>
           </a:p>
           <a:p>
             <a:pPr lvl="4"/>
@@ -1700,6 +1654,7 @@
               <a:rPr lang="zh-CN" altLang="en-US" smtClean="0"/>
               <a:t>单击此处编辑母版文本样式</a:t>
             </a:r>
+            <a:endParaRPr lang="zh-CN" altLang="en-US" smtClean="0"/>
           </a:p>
           <a:p>
             <a:pPr lvl="1"/>
@@ -1707,6 +1662,7 @@
               <a:rPr lang="zh-CN" altLang="en-US" smtClean="0"/>
               <a:t>第二级</a:t>
             </a:r>
+            <a:endParaRPr lang="zh-CN" altLang="en-US" smtClean="0"/>
           </a:p>
           <a:p>
             <a:pPr lvl="2"/>
@@ -1714,6 +1670,7 @@
               <a:rPr lang="zh-CN" altLang="en-US" smtClean="0"/>
               <a:t>第三级</a:t>
             </a:r>
+            <a:endParaRPr lang="zh-CN" altLang="en-US" smtClean="0"/>
           </a:p>
           <a:p>
             <a:pPr lvl="3"/>
@@ -1721,6 +1678,7 @@
               <a:rPr lang="zh-CN" altLang="en-US" smtClean="0"/>
               <a:t>第四级</a:t>
             </a:r>
+            <a:endParaRPr lang="zh-CN" altLang="en-US" smtClean="0"/>
           </a:p>
           <a:p>
             <a:pPr lvl="4"/>
@@ -1742,9 +1700,7 @@
             <p:ph type="dt" sz="half" idx="10"/>
           </p:nvPr>
         </p:nvSpPr>
-        <p:spPr>
-          <a:ln/>
-        </p:spPr>
+        <p:spPr/>
         <p:txBody>
           <a:bodyPr/>
           <a:lstStyle>
@@ -1770,9 +1726,7 @@
             <p:ph type="ftr" sz="quarter" idx="11"/>
           </p:nvPr>
         </p:nvSpPr>
-        <p:spPr>
-          <a:ln/>
-        </p:spPr>
+        <p:spPr/>
         <p:txBody>
           <a:bodyPr/>
           <a:lstStyle>
@@ -1798,9 +1752,7 @@
             <p:ph type="sldNum" sz="quarter" idx="12"/>
           </p:nvPr>
         </p:nvSpPr>
-        <p:spPr>
-          <a:ln/>
-        </p:spPr>
+        <p:spPr/>
         <p:txBody>
           <a:bodyPr/>
           <a:lstStyle>
@@ -1814,21 +1766,12 @@
             </a:pPr>
             <a:fld id="{5EF407EB-7816-4E54-A7D3-C53D7C57ABF7}" type="slidenum">
               <a:rPr lang="en-US" altLang="zh-CN"/>
-              <a:pPr>
-                <a:defRPr/>
-              </a:pPr>
-              <a:t>‹#›</a:t>
             </a:fld>
             <a:endParaRPr lang="en-US" altLang="zh-CN"/>
           </a:p>
         </p:txBody>
       </p:sp>
     </p:spTree>
-    <p:extLst>
-      <p:ext uri="{BB962C8B-B14F-4D97-AF65-F5344CB8AC3E}">
-        <p14:creationId xmlns:p14="http://schemas.microsoft.com/office/powerpoint/2010/main" val="1718849296"/>
-      </p:ext>
-    </p:extLst>
   </p:cSld>
   <p:clrMapOvr>
     <a:masterClrMapping/>
@@ -1909,6 +1852,7 @@
               <a:rPr lang="zh-CN" altLang="en-US" dirty="0"/>
               <a:t>单击此处编辑母版文本样式</a:t>
             </a:r>
+            <a:endParaRPr lang="zh-CN" altLang="en-US" dirty="0"/>
           </a:p>
           <a:p>
             <a:pPr lvl="1"/>
@@ -1916,6 +1860,7 @@
               <a:rPr lang="zh-CN" altLang="en-US" dirty="0"/>
               <a:t>第二级</a:t>
             </a:r>
+            <a:endParaRPr lang="zh-CN" altLang="en-US" dirty="0"/>
           </a:p>
           <a:p>
             <a:pPr lvl="2"/>
@@ -1923,6 +1868,7 @@
               <a:rPr lang="zh-CN" altLang="en-US" dirty="0"/>
               <a:t>第三级</a:t>
             </a:r>
+            <a:endParaRPr lang="zh-CN" altLang="en-US" dirty="0"/>
           </a:p>
           <a:p>
             <a:pPr lvl="3"/>
@@ -1930,6 +1876,7 @@
               <a:rPr lang="zh-CN" altLang="en-US" dirty="0"/>
               <a:t>第四级</a:t>
             </a:r>
+            <a:endParaRPr lang="zh-CN" altLang="en-US" dirty="0"/>
           </a:p>
           <a:p>
             <a:pPr lvl="4"/>
@@ -1942,15 +1889,13 @@
         </p:txBody>
       </p:sp>
     </p:spTree>
-    <p:extLst>
-      <p:ext uri="{BB962C8B-B14F-4D97-AF65-F5344CB8AC3E}">
-        <p14:creationId xmlns:p14="http://schemas.microsoft.com/office/powerpoint/2010/main" val="1643329030"/>
-      </p:ext>
-    </p:extLst>
   </p:cSld>
   <p:clrMapOvr>
     <a:masterClrMapping/>
   </p:clrMapOvr>
+  <p:transition>
+    <p:blinds dir="vert"/>
+  </p:transition>
   <p:timing>
     <p:tnLst>
       <p:par>
@@ -2031,6 +1976,7 @@
               <a:rPr lang="zh-CN" altLang="en-US" dirty="0"/>
               <a:t>单击此处编辑母版文本样式</a:t>
             </a:r>
+            <a:endParaRPr lang="zh-CN" altLang="en-US" dirty="0"/>
           </a:p>
           <a:p>
             <a:pPr lvl="1"/>
@@ -2038,6 +1984,7 @@
               <a:rPr lang="zh-CN" altLang="en-US" dirty="0"/>
               <a:t>第二级</a:t>
             </a:r>
+            <a:endParaRPr lang="zh-CN" altLang="en-US" dirty="0"/>
           </a:p>
           <a:p>
             <a:pPr lvl="2"/>
@@ -2045,6 +1992,7 @@
               <a:rPr lang="zh-CN" altLang="en-US" dirty="0"/>
               <a:t>第三级</a:t>
             </a:r>
+            <a:endParaRPr lang="zh-CN" altLang="en-US" dirty="0"/>
           </a:p>
           <a:p>
             <a:pPr lvl="3"/>
@@ -2052,6 +2000,7 @@
               <a:rPr lang="zh-CN" altLang="en-US" dirty="0"/>
               <a:t>第四级</a:t>
             </a:r>
+            <a:endParaRPr lang="zh-CN" altLang="en-US" dirty="0"/>
           </a:p>
           <a:p>
             <a:pPr lvl="4"/>
@@ -2064,15 +2013,13 @@
         </p:txBody>
       </p:sp>
     </p:spTree>
-    <p:extLst>
-      <p:ext uri="{BB962C8B-B14F-4D97-AF65-F5344CB8AC3E}">
-        <p14:creationId xmlns:p14="http://schemas.microsoft.com/office/powerpoint/2010/main" val="1643329030"/>
-      </p:ext>
-    </p:extLst>
   </p:cSld>
   <p:clrMapOvr>
     <a:masterClrMapping/>
   </p:clrMapOvr>
+  <p:transition>
+    <p:blinds dir="vert"/>
+  </p:transition>
   <p:timing>
     <p:tnLst>
       <p:par>
@@ -2153,6 +2100,7 @@
               <a:rPr lang="zh-CN" altLang="en-US" dirty="0"/>
               <a:t>单击此处编辑母版文本样式</a:t>
             </a:r>
+            <a:endParaRPr lang="zh-CN" altLang="en-US" dirty="0"/>
           </a:p>
           <a:p>
             <a:pPr lvl="1"/>
@@ -2160,6 +2108,7 @@
               <a:rPr lang="zh-CN" altLang="en-US" dirty="0"/>
               <a:t>第二级</a:t>
             </a:r>
+            <a:endParaRPr lang="zh-CN" altLang="en-US" dirty="0"/>
           </a:p>
           <a:p>
             <a:pPr lvl="2"/>
@@ -2167,6 +2116,7 @@
               <a:rPr lang="zh-CN" altLang="en-US" dirty="0"/>
               <a:t>第三级</a:t>
             </a:r>
+            <a:endParaRPr lang="zh-CN" altLang="en-US" dirty="0"/>
           </a:p>
           <a:p>
             <a:pPr lvl="3"/>
@@ -2174,6 +2124,7 @@
               <a:rPr lang="zh-CN" altLang="en-US" dirty="0"/>
               <a:t>第四级</a:t>
             </a:r>
+            <a:endParaRPr lang="zh-CN" altLang="en-US" dirty="0"/>
           </a:p>
           <a:p>
             <a:pPr lvl="4"/>
@@ -2186,15 +2137,13 @@
         </p:txBody>
       </p:sp>
     </p:spTree>
-    <p:extLst>
-      <p:ext uri="{BB962C8B-B14F-4D97-AF65-F5344CB8AC3E}">
-        <p14:creationId xmlns:p14="http://schemas.microsoft.com/office/powerpoint/2010/main" val="1643329030"/>
-      </p:ext>
-    </p:extLst>
   </p:cSld>
   <p:clrMapOvr>
     <a:masterClrMapping/>
   </p:clrMapOvr>
+  <p:transition>
+    <p:blinds dir="vert"/>
+  </p:transition>
   <p:timing>
     <p:tnLst>
       <p:par>
@@ -2275,6 +2224,7 @@
               <a:rPr lang="zh-CN" altLang="en-US" dirty="0"/>
               <a:t>单击此处编辑母版文本样式</a:t>
             </a:r>
+            <a:endParaRPr lang="zh-CN" altLang="en-US" dirty="0"/>
           </a:p>
           <a:p>
             <a:pPr lvl="1"/>
@@ -2282,6 +2232,7 @@
               <a:rPr lang="zh-CN" altLang="en-US" dirty="0"/>
               <a:t>第二级</a:t>
             </a:r>
+            <a:endParaRPr lang="zh-CN" altLang="en-US" dirty="0"/>
           </a:p>
           <a:p>
             <a:pPr lvl="2"/>
@@ -2289,6 +2240,7 @@
               <a:rPr lang="zh-CN" altLang="en-US" dirty="0"/>
               <a:t>第三级</a:t>
             </a:r>
+            <a:endParaRPr lang="zh-CN" altLang="en-US" dirty="0"/>
           </a:p>
           <a:p>
             <a:pPr lvl="3"/>
@@ -2296,6 +2248,7 @@
               <a:rPr lang="zh-CN" altLang="en-US" dirty="0"/>
               <a:t>第四级</a:t>
             </a:r>
+            <a:endParaRPr lang="zh-CN" altLang="en-US" dirty="0"/>
           </a:p>
           <a:p>
             <a:pPr lvl="4"/>
@@ -2308,15 +2261,13 @@
         </p:txBody>
       </p:sp>
     </p:spTree>
-    <p:extLst>
-      <p:ext uri="{BB962C8B-B14F-4D97-AF65-F5344CB8AC3E}">
-        <p14:creationId xmlns:p14="http://schemas.microsoft.com/office/powerpoint/2010/main" val="1643329030"/>
-      </p:ext>
-    </p:extLst>
   </p:cSld>
   <p:clrMapOvr>
     <a:masterClrMapping/>
   </p:clrMapOvr>
+  <p:transition>
+    <p:blinds dir="vert"/>
+  </p:transition>
   <p:timing>
     <p:tnLst>
       <p:par>
@@ -2397,6 +2348,7 @@
               <a:rPr lang="zh-CN" altLang="en-US" dirty="0"/>
               <a:t>单击此处编辑母版文本样式</a:t>
             </a:r>
+            <a:endParaRPr lang="zh-CN" altLang="en-US" dirty="0"/>
           </a:p>
           <a:p>
             <a:pPr lvl="1"/>
@@ -2404,6 +2356,7 @@
               <a:rPr lang="zh-CN" altLang="en-US" dirty="0"/>
               <a:t>第二级</a:t>
             </a:r>
+            <a:endParaRPr lang="zh-CN" altLang="en-US" dirty="0"/>
           </a:p>
           <a:p>
             <a:pPr lvl="2"/>
@@ -2411,6 +2364,7 @@
               <a:rPr lang="zh-CN" altLang="en-US" dirty="0"/>
               <a:t>第三级</a:t>
             </a:r>
+            <a:endParaRPr lang="zh-CN" altLang="en-US" dirty="0"/>
           </a:p>
           <a:p>
             <a:pPr lvl="3"/>
@@ -2418,6 +2372,7 @@
               <a:rPr lang="zh-CN" altLang="en-US" dirty="0"/>
               <a:t>第四级</a:t>
             </a:r>
+            <a:endParaRPr lang="zh-CN" altLang="en-US" dirty="0"/>
           </a:p>
           <a:p>
             <a:pPr lvl="4"/>
@@ -2430,15 +2385,13 @@
         </p:txBody>
       </p:sp>
     </p:spTree>
-    <p:extLst>
-      <p:ext uri="{BB962C8B-B14F-4D97-AF65-F5344CB8AC3E}">
-        <p14:creationId xmlns:p14="http://schemas.microsoft.com/office/powerpoint/2010/main" val="1643329030"/>
-      </p:ext>
-    </p:extLst>
   </p:cSld>
   <p:clrMapOvr>
     <a:masterClrMapping/>
   </p:clrMapOvr>
+  <p:transition>
+    <p:blinds dir="vert"/>
+  </p:transition>
   <p:timing>
     <p:tnLst>
       <p:par>
@@ -2519,6 +2472,7 @@
               <a:rPr lang="zh-CN" altLang="en-US" dirty="0"/>
               <a:t>单击此处编辑母版文本样式</a:t>
             </a:r>
+            <a:endParaRPr lang="zh-CN" altLang="en-US" dirty="0"/>
           </a:p>
           <a:p>
             <a:pPr lvl="1"/>
@@ -2526,6 +2480,7 @@
               <a:rPr lang="zh-CN" altLang="en-US" dirty="0"/>
               <a:t>第二级</a:t>
             </a:r>
+            <a:endParaRPr lang="zh-CN" altLang="en-US" dirty="0"/>
           </a:p>
           <a:p>
             <a:pPr lvl="2"/>
@@ -2533,6 +2488,7 @@
               <a:rPr lang="zh-CN" altLang="en-US" dirty="0"/>
               <a:t>第三级</a:t>
             </a:r>
+            <a:endParaRPr lang="zh-CN" altLang="en-US" dirty="0"/>
           </a:p>
           <a:p>
             <a:pPr lvl="3"/>
@@ -2540,6 +2496,7 @@
               <a:rPr lang="zh-CN" altLang="en-US" dirty="0"/>
               <a:t>第四级</a:t>
             </a:r>
+            <a:endParaRPr lang="zh-CN" altLang="en-US" dirty="0"/>
           </a:p>
           <a:p>
             <a:pPr lvl="4"/>
@@ -2552,15 +2509,13 @@
         </p:txBody>
       </p:sp>
     </p:spTree>
-    <p:extLst>
-      <p:ext uri="{BB962C8B-B14F-4D97-AF65-F5344CB8AC3E}">
-        <p14:creationId xmlns:p14="http://schemas.microsoft.com/office/powerpoint/2010/main" val="1643329030"/>
-      </p:ext>
-    </p:extLst>
   </p:cSld>
   <p:clrMapOvr>
     <a:masterClrMapping/>
   </p:clrMapOvr>
+  <p:transition>
+    <p:blinds dir="vert"/>
+  </p:transition>
   <p:timing>
     <p:tnLst>
       <p:par>
@@ -2641,6 +2596,7 @@
               <a:rPr lang="zh-CN" altLang="en-US" dirty="0"/>
               <a:t>单击此处编辑母版文本样式</a:t>
             </a:r>
+            <a:endParaRPr lang="zh-CN" altLang="en-US" dirty="0"/>
           </a:p>
           <a:p>
             <a:pPr lvl="1"/>
@@ -2648,6 +2604,7 @@
               <a:rPr lang="zh-CN" altLang="en-US" dirty="0"/>
               <a:t>第二级</a:t>
             </a:r>
+            <a:endParaRPr lang="zh-CN" altLang="en-US" dirty="0"/>
           </a:p>
           <a:p>
             <a:pPr lvl="2"/>
@@ -2655,6 +2612,7 @@
               <a:rPr lang="zh-CN" altLang="en-US" dirty="0"/>
               <a:t>第三级</a:t>
             </a:r>
+            <a:endParaRPr lang="zh-CN" altLang="en-US" dirty="0"/>
           </a:p>
           <a:p>
             <a:pPr lvl="3"/>
@@ -2662,6 +2620,7 @@
               <a:rPr lang="zh-CN" altLang="en-US" dirty="0"/>
               <a:t>第四级</a:t>
             </a:r>
+            <a:endParaRPr lang="zh-CN" altLang="en-US" dirty="0"/>
           </a:p>
           <a:p>
             <a:pPr lvl="4"/>
@@ -2674,15 +2633,13 @@
         </p:txBody>
       </p:sp>
     </p:spTree>
-    <p:extLst>
-      <p:ext uri="{BB962C8B-B14F-4D97-AF65-F5344CB8AC3E}">
-        <p14:creationId xmlns:p14="http://schemas.microsoft.com/office/powerpoint/2010/main" val="1643329030"/>
-      </p:ext>
-    </p:extLst>
   </p:cSld>
   <p:clrMapOvr>
     <a:masterClrMapping/>
   </p:clrMapOvr>
+  <p:transition>
+    <p:blinds dir="vert"/>
+  </p:transition>
   <p:timing>
     <p:tnLst>
       <p:par>
@@ -2753,6 +2710,7 @@
               <a:rPr lang="zh-CN" altLang="en-US" smtClean="0"/>
               <a:t>单击此处编辑母版文本样式</a:t>
             </a:r>
+            <a:endParaRPr lang="zh-CN" altLang="en-US" smtClean="0"/>
           </a:p>
           <a:p>
             <a:pPr lvl="1"/>
@@ -2760,6 +2718,7 @@
               <a:rPr lang="zh-CN" altLang="en-US" smtClean="0"/>
               <a:t>第二级</a:t>
             </a:r>
+            <a:endParaRPr lang="zh-CN" altLang="en-US" smtClean="0"/>
           </a:p>
           <a:p>
             <a:pPr lvl="2"/>
@@ -2767,6 +2726,7 @@
               <a:rPr lang="zh-CN" altLang="en-US" smtClean="0"/>
               <a:t>第三级</a:t>
             </a:r>
+            <a:endParaRPr lang="zh-CN" altLang="en-US" smtClean="0"/>
           </a:p>
           <a:p>
             <a:pPr lvl="3"/>
@@ -2774,6 +2734,7 @@
               <a:rPr lang="zh-CN" altLang="en-US" smtClean="0"/>
               <a:t>第四级</a:t>
             </a:r>
+            <a:endParaRPr lang="zh-CN" altLang="en-US" smtClean="0"/>
           </a:p>
           <a:p>
             <a:pPr lvl="4"/>
@@ -2795,9 +2756,7 @@
             <p:ph type="dt" sz="half" idx="10"/>
           </p:nvPr>
         </p:nvSpPr>
-        <p:spPr>
-          <a:ln/>
-        </p:spPr>
+        <p:spPr/>
         <p:txBody>
           <a:bodyPr/>
           <a:lstStyle>
@@ -2823,9 +2782,7 @@
             <p:ph type="ftr" sz="quarter" idx="11"/>
           </p:nvPr>
         </p:nvSpPr>
-        <p:spPr>
-          <a:ln/>
-        </p:spPr>
+        <p:spPr/>
         <p:txBody>
           <a:bodyPr/>
           <a:lstStyle>
@@ -2851,9 +2808,7 @@
             <p:ph type="sldNum" sz="quarter" idx="12"/>
           </p:nvPr>
         </p:nvSpPr>
-        <p:spPr>
-          <a:ln/>
-        </p:spPr>
+        <p:spPr/>
         <p:txBody>
           <a:bodyPr/>
           <a:lstStyle>
@@ -2867,21 +2822,12 @@
             </a:pPr>
             <a:fld id="{5ABF56A4-D1A6-4E9C-871E-2D1E17A0ACE1}" type="slidenum">
               <a:rPr lang="en-US" altLang="zh-CN"/>
-              <a:pPr>
-                <a:defRPr/>
-              </a:pPr>
-              <a:t>‹#›</a:t>
             </a:fld>
             <a:endParaRPr lang="en-US" altLang="zh-CN"/>
           </a:p>
         </p:txBody>
       </p:sp>
     </p:spTree>
-    <p:extLst>
-      <p:ext uri="{BB962C8B-B14F-4D97-AF65-F5344CB8AC3E}">
-        <p14:creationId xmlns:p14="http://schemas.microsoft.com/office/powerpoint/2010/main" val="70372074"/>
-      </p:ext>
-    </p:extLst>
   </p:cSld>
   <p:clrMapOvr>
     <a:masterClrMapping/>
@@ -2910,15 +2856,13 @@
         </a:xfrm>
       </p:grpSpPr>
     </p:spTree>
-    <p:extLst>
-      <p:ext uri="{BB962C8B-B14F-4D97-AF65-F5344CB8AC3E}">
-        <p14:creationId xmlns:p14="http://schemas.microsoft.com/office/powerpoint/2010/main" val="133833962"/>
-      </p:ext>
-    </p:extLst>
   </p:cSld>
   <p:clrMapOvr>
     <a:masterClrMapping/>
   </p:clrMapOvr>
+  <p:transition>
+    <p:blinds dir="vert"/>
+  </p:transition>
   <p:timing>
     <p:tnLst>
       <p:par>
@@ -3040,6 +2984,7 @@
               <a:rPr lang="zh-CN" altLang="en-US" smtClean="0"/>
               <a:t>单击此处编辑母版文本样式</a:t>
             </a:r>
+            <a:endParaRPr lang="zh-CN" altLang="en-US" smtClean="0"/>
           </a:p>
         </p:txBody>
       </p:sp>
@@ -3053,9 +2998,7 @@
             <p:ph type="dt" sz="half" idx="10"/>
           </p:nvPr>
         </p:nvSpPr>
-        <p:spPr>
-          <a:ln/>
-        </p:spPr>
+        <p:spPr/>
         <p:txBody>
           <a:bodyPr/>
           <a:lstStyle>
@@ -3081,9 +3024,7 @@
             <p:ph type="ftr" sz="quarter" idx="11"/>
           </p:nvPr>
         </p:nvSpPr>
-        <p:spPr>
-          <a:ln/>
-        </p:spPr>
+        <p:spPr/>
         <p:txBody>
           <a:bodyPr/>
           <a:lstStyle>
@@ -3109,9 +3050,7 @@
             <p:ph type="sldNum" sz="quarter" idx="12"/>
           </p:nvPr>
         </p:nvSpPr>
-        <p:spPr>
-          <a:ln/>
-        </p:spPr>
+        <p:spPr/>
         <p:txBody>
           <a:bodyPr/>
           <a:lstStyle>
@@ -3125,21 +3064,12 @@
             </a:pPr>
             <a:fld id="{D01D7293-FDCC-401D-9D7C-1C7B4B4099F6}" type="slidenum">
               <a:rPr lang="en-US" altLang="zh-CN"/>
-              <a:pPr>
-                <a:defRPr/>
-              </a:pPr>
-              <a:t>‹#›</a:t>
             </a:fld>
             <a:endParaRPr lang="en-US" altLang="zh-CN"/>
           </a:p>
         </p:txBody>
       </p:sp>
     </p:spTree>
-    <p:extLst>
-      <p:ext uri="{BB962C8B-B14F-4D97-AF65-F5344CB8AC3E}">
-        <p14:creationId xmlns:p14="http://schemas.microsoft.com/office/powerpoint/2010/main" val="1048861015"/>
-      </p:ext>
-    </p:extLst>
   </p:cSld>
   <p:clrMapOvr>
     <a:masterClrMapping/>
@@ -3243,6 +3173,7 @@
               <a:rPr lang="zh-CN" altLang="en-US" smtClean="0"/>
               <a:t>单击此处编辑母版文本样式</a:t>
             </a:r>
+            <a:endParaRPr lang="zh-CN" altLang="en-US" smtClean="0"/>
           </a:p>
           <a:p>
             <a:pPr lvl="1"/>
@@ -3250,6 +3181,7 @@
               <a:rPr lang="zh-CN" altLang="en-US" smtClean="0"/>
               <a:t>第二级</a:t>
             </a:r>
+            <a:endParaRPr lang="zh-CN" altLang="en-US" smtClean="0"/>
           </a:p>
           <a:p>
             <a:pPr lvl="2"/>
@@ -3257,6 +3189,7 @@
               <a:rPr lang="zh-CN" altLang="en-US" smtClean="0"/>
               <a:t>第三级</a:t>
             </a:r>
+            <a:endParaRPr lang="zh-CN" altLang="en-US" smtClean="0"/>
           </a:p>
           <a:p>
             <a:pPr lvl="3"/>
@@ -3264,6 +3197,7 @@
               <a:rPr lang="zh-CN" altLang="en-US" smtClean="0"/>
               <a:t>第四级</a:t>
             </a:r>
+            <a:endParaRPr lang="zh-CN" altLang="en-US" smtClean="0"/>
           </a:p>
           <a:p>
             <a:pPr lvl="4"/>
@@ -3328,6 +3262,7 @@
               <a:rPr lang="zh-CN" altLang="en-US" smtClean="0"/>
               <a:t>单击此处编辑母版文本样式</a:t>
             </a:r>
+            <a:endParaRPr lang="zh-CN" altLang="en-US" smtClean="0"/>
           </a:p>
           <a:p>
             <a:pPr lvl="1"/>
@@ -3335,6 +3270,7 @@
               <a:rPr lang="zh-CN" altLang="en-US" smtClean="0"/>
               <a:t>第二级</a:t>
             </a:r>
+            <a:endParaRPr lang="zh-CN" altLang="en-US" smtClean="0"/>
           </a:p>
           <a:p>
             <a:pPr lvl="2"/>
@@ -3342,6 +3278,7 @@
               <a:rPr lang="zh-CN" altLang="en-US" smtClean="0"/>
               <a:t>第三级</a:t>
             </a:r>
+            <a:endParaRPr lang="zh-CN" altLang="en-US" smtClean="0"/>
           </a:p>
           <a:p>
             <a:pPr lvl="3"/>
@@ -3349,6 +3286,7 @@
               <a:rPr lang="zh-CN" altLang="en-US" smtClean="0"/>
               <a:t>第四级</a:t>
             </a:r>
+            <a:endParaRPr lang="zh-CN" altLang="en-US" smtClean="0"/>
           </a:p>
           <a:p>
             <a:pPr lvl="4"/>
@@ -3370,9 +3308,7 @@
             <p:ph type="dt" sz="half" idx="10"/>
           </p:nvPr>
         </p:nvSpPr>
-        <p:spPr>
-          <a:ln/>
-        </p:spPr>
+        <p:spPr/>
         <p:txBody>
           <a:bodyPr/>
           <a:lstStyle>
@@ -3398,9 +3334,7 @@
             <p:ph type="ftr" sz="quarter" idx="11"/>
           </p:nvPr>
         </p:nvSpPr>
-        <p:spPr>
-          <a:ln/>
-        </p:spPr>
+        <p:spPr/>
         <p:txBody>
           <a:bodyPr/>
           <a:lstStyle>
@@ -3426,9 +3360,7 @@
             <p:ph type="sldNum" sz="quarter" idx="12"/>
           </p:nvPr>
         </p:nvSpPr>
-        <p:spPr>
-          <a:ln/>
-        </p:spPr>
+        <p:spPr/>
         <p:txBody>
           <a:bodyPr/>
           <a:lstStyle>
@@ -3442,21 +3374,12 @@
             </a:pPr>
             <a:fld id="{71A280A2-ED30-4763-A001-B292549BCC34}" type="slidenum">
               <a:rPr lang="en-US" altLang="zh-CN"/>
-              <a:pPr>
-                <a:defRPr/>
-              </a:pPr>
-              <a:t>‹#›</a:t>
             </a:fld>
             <a:endParaRPr lang="en-US" altLang="zh-CN"/>
           </a:p>
         </p:txBody>
       </p:sp>
     </p:spTree>
-    <p:extLst>
-      <p:ext uri="{BB962C8B-B14F-4D97-AF65-F5344CB8AC3E}">
-        <p14:creationId xmlns:p14="http://schemas.microsoft.com/office/powerpoint/2010/main" val="935638500"/>
-      </p:ext>
-    </p:extLst>
   </p:cSld>
   <p:clrMapOvr>
     <a:masterClrMapping/>
@@ -3578,6 +3501,7 @@
               <a:rPr lang="zh-CN" altLang="en-US" smtClean="0"/>
               <a:t>单击此处编辑母版文本样式</a:t>
             </a:r>
+            <a:endParaRPr lang="zh-CN" altLang="en-US" smtClean="0"/>
           </a:p>
         </p:txBody>
       </p:sp>
@@ -3634,6 +3558,7 @@
               <a:rPr lang="zh-CN" altLang="en-US" smtClean="0"/>
               <a:t>单击此处编辑母版文本样式</a:t>
             </a:r>
+            <a:endParaRPr lang="zh-CN" altLang="en-US" smtClean="0"/>
           </a:p>
           <a:p>
             <a:pPr lvl="1"/>
@@ -3641,6 +3566,7 @@
               <a:rPr lang="zh-CN" altLang="en-US" smtClean="0"/>
               <a:t>第二级</a:t>
             </a:r>
+            <a:endParaRPr lang="zh-CN" altLang="en-US" smtClean="0"/>
           </a:p>
           <a:p>
             <a:pPr lvl="2"/>
@@ -3648,6 +3574,7 @@
               <a:rPr lang="zh-CN" altLang="en-US" smtClean="0"/>
               <a:t>第三级</a:t>
             </a:r>
+            <a:endParaRPr lang="zh-CN" altLang="en-US" smtClean="0"/>
           </a:p>
           <a:p>
             <a:pPr lvl="3"/>
@@ -3655,6 +3582,7 @@
               <a:rPr lang="zh-CN" altLang="en-US" smtClean="0"/>
               <a:t>第四级</a:t>
             </a:r>
+            <a:endParaRPr lang="zh-CN" altLang="en-US" smtClean="0"/>
           </a:p>
           <a:p>
             <a:pPr lvl="4"/>
@@ -3728,6 +3656,7 @@
               <a:rPr lang="zh-CN" altLang="en-US" smtClean="0"/>
               <a:t>单击此处编辑母版文本样式</a:t>
             </a:r>
+            <a:endParaRPr lang="zh-CN" altLang="en-US" smtClean="0"/>
           </a:p>
         </p:txBody>
       </p:sp>
@@ -3784,6 +3713,7 @@
               <a:rPr lang="zh-CN" altLang="en-US" smtClean="0"/>
               <a:t>单击此处编辑母版文本样式</a:t>
             </a:r>
+            <a:endParaRPr lang="zh-CN" altLang="en-US" smtClean="0"/>
           </a:p>
           <a:p>
             <a:pPr lvl="1"/>
@@ -3791,6 +3721,7 @@
               <a:rPr lang="zh-CN" altLang="en-US" smtClean="0"/>
               <a:t>第二级</a:t>
             </a:r>
+            <a:endParaRPr lang="zh-CN" altLang="en-US" smtClean="0"/>
           </a:p>
           <a:p>
             <a:pPr lvl="2"/>
@@ -3798,6 +3729,7 @@
               <a:rPr lang="zh-CN" altLang="en-US" smtClean="0"/>
               <a:t>第三级</a:t>
             </a:r>
+            <a:endParaRPr lang="zh-CN" altLang="en-US" smtClean="0"/>
           </a:p>
           <a:p>
             <a:pPr lvl="3"/>
@@ -3805,6 +3737,7 @@
               <a:rPr lang="zh-CN" altLang="en-US" smtClean="0"/>
               <a:t>第四级</a:t>
             </a:r>
+            <a:endParaRPr lang="zh-CN" altLang="en-US" smtClean="0"/>
           </a:p>
           <a:p>
             <a:pPr lvl="4"/>
@@ -3826,9 +3759,7 @@
             <p:ph type="dt" sz="half" idx="10"/>
           </p:nvPr>
         </p:nvSpPr>
-        <p:spPr>
-          <a:ln/>
-        </p:spPr>
+        <p:spPr/>
         <p:txBody>
           <a:bodyPr/>
           <a:lstStyle>
@@ -3854,9 +3785,7 @@
             <p:ph type="ftr" sz="quarter" idx="11"/>
           </p:nvPr>
         </p:nvSpPr>
-        <p:spPr>
-          <a:ln/>
-        </p:spPr>
+        <p:spPr/>
         <p:txBody>
           <a:bodyPr/>
           <a:lstStyle>
@@ -3882,9 +3811,7 @@
             <p:ph type="sldNum" sz="quarter" idx="12"/>
           </p:nvPr>
         </p:nvSpPr>
-        <p:spPr>
-          <a:ln/>
-        </p:spPr>
+        <p:spPr/>
         <p:txBody>
           <a:bodyPr/>
           <a:lstStyle>
@@ -3898,21 +3825,12 @@
             </a:pPr>
             <a:fld id="{8A0D9FFB-8CB3-45FA-88C0-1EA3565E3CB4}" type="slidenum">
               <a:rPr lang="en-US" altLang="zh-CN"/>
-              <a:pPr>
-                <a:defRPr/>
-              </a:pPr>
-              <a:t>‹#›</a:t>
             </a:fld>
             <a:endParaRPr lang="en-US" altLang="zh-CN"/>
           </a:p>
         </p:txBody>
       </p:sp>
     </p:spTree>
-    <p:extLst>
-      <p:ext uri="{BB962C8B-B14F-4D97-AF65-F5344CB8AC3E}">
-        <p14:creationId xmlns:p14="http://schemas.microsoft.com/office/powerpoint/2010/main" val="369986350"/>
-      </p:ext>
-    </p:extLst>
   </p:cSld>
   <p:clrMapOvr>
     <a:masterClrMapping/>
@@ -3973,9 +3891,7 @@
             <p:ph type="dt" sz="half" idx="10"/>
           </p:nvPr>
         </p:nvSpPr>
-        <p:spPr>
-          <a:ln/>
-        </p:spPr>
+        <p:spPr/>
         <p:txBody>
           <a:bodyPr/>
           <a:lstStyle>
@@ -4001,9 +3917,7 @@
             <p:ph type="ftr" sz="quarter" idx="11"/>
           </p:nvPr>
         </p:nvSpPr>
-        <p:spPr>
-          <a:ln/>
-        </p:spPr>
+        <p:spPr/>
         <p:txBody>
           <a:bodyPr/>
           <a:lstStyle>
@@ -4029,9 +3943,7 @@
             <p:ph type="sldNum" sz="quarter" idx="12"/>
           </p:nvPr>
         </p:nvSpPr>
-        <p:spPr>
-          <a:ln/>
-        </p:spPr>
+        <p:spPr/>
         <p:txBody>
           <a:bodyPr/>
           <a:lstStyle>
@@ -4045,21 +3957,12 @@
             </a:pPr>
             <a:fld id="{BF2E7FEE-26E5-4539-81A7-E955BBCC3BF9}" type="slidenum">
               <a:rPr lang="en-US" altLang="zh-CN"/>
-              <a:pPr>
-                <a:defRPr/>
-              </a:pPr>
-              <a:t>‹#›</a:t>
             </a:fld>
             <a:endParaRPr lang="en-US" altLang="zh-CN"/>
           </a:p>
         </p:txBody>
       </p:sp>
     </p:spTree>
-    <p:extLst>
-      <p:ext uri="{BB962C8B-B14F-4D97-AF65-F5344CB8AC3E}">
-        <p14:creationId xmlns:p14="http://schemas.microsoft.com/office/powerpoint/2010/main" val="3499608139"/>
-      </p:ext>
-    </p:extLst>
   </p:cSld>
   <p:clrMapOvr>
     <a:masterClrMapping/>
@@ -4097,9 +4000,7 @@
             <p:ph type="dt" sz="half" idx="10"/>
           </p:nvPr>
         </p:nvSpPr>
-        <p:spPr>
-          <a:ln/>
-        </p:spPr>
+        <p:spPr/>
         <p:txBody>
           <a:bodyPr/>
           <a:lstStyle>
@@ -4125,9 +4026,7 @@
             <p:ph type="ftr" sz="quarter" idx="11"/>
           </p:nvPr>
         </p:nvSpPr>
-        <p:spPr>
-          <a:ln/>
-        </p:spPr>
+        <p:spPr/>
         <p:txBody>
           <a:bodyPr/>
           <a:lstStyle>
@@ -4153,9 +4052,7 @@
             <p:ph type="sldNum" sz="quarter" idx="12"/>
           </p:nvPr>
         </p:nvSpPr>
-        <p:spPr>
-          <a:ln/>
-        </p:spPr>
+        <p:spPr/>
         <p:txBody>
           <a:bodyPr/>
           <a:lstStyle>
@@ -4169,21 +4066,12 @@
             </a:pPr>
             <a:fld id="{CA7F960D-6231-43B6-9650-9BD9520AA097}" type="slidenum">
               <a:rPr lang="en-US" altLang="zh-CN"/>
-              <a:pPr>
-                <a:defRPr/>
-              </a:pPr>
-              <a:t>‹#›</a:t>
             </a:fld>
             <a:endParaRPr lang="en-US" altLang="zh-CN"/>
           </a:p>
         </p:txBody>
       </p:sp>
     </p:spTree>
-    <p:extLst>
-      <p:ext uri="{BB962C8B-B14F-4D97-AF65-F5344CB8AC3E}">
-        <p14:creationId xmlns:p14="http://schemas.microsoft.com/office/powerpoint/2010/main" val="2763251768"/>
-      </p:ext>
-    </p:extLst>
   </p:cSld>
   <p:clrMapOvr>
     <a:masterClrMapping/>
@@ -4296,6 +4184,7 @@
               <a:rPr lang="zh-CN" altLang="en-US" smtClean="0"/>
               <a:t>单击此处编辑母版文本样式</a:t>
             </a:r>
+            <a:endParaRPr lang="zh-CN" altLang="en-US" smtClean="0"/>
           </a:p>
           <a:p>
             <a:pPr lvl="1"/>
@@ -4303,6 +4192,7 @@
               <a:rPr lang="zh-CN" altLang="en-US" smtClean="0"/>
               <a:t>第二级</a:t>
             </a:r>
+            <a:endParaRPr lang="zh-CN" altLang="en-US" smtClean="0"/>
           </a:p>
           <a:p>
             <a:pPr lvl="2"/>
@@ -4310,6 +4200,7 @@
               <a:rPr lang="zh-CN" altLang="en-US" smtClean="0"/>
               <a:t>第三级</a:t>
             </a:r>
+            <a:endParaRPr lang="zh-CN" altLang="en-US" smtClean="0"/>
           </a:p>
           <a:p>
             <a:pPr lvl="3"/>
@@ -4317,6 +4208,7 @@
               <a:rPr lang="zh-CN" altLang="en-US" smtClean="0"/>
               <a:t>第四级</a:t>
             </a:r>
+            <a:endParaRPr lang="zh-CN" altLang="en-US" smtClean="0"/>
           </a:p>
           <a:p>
             <a:pPr lvl="4"/>
@@ -4390,6 +4282,7 @@
               <a:rPr lang="zh-CN" altLang="en-US" smtClean="0"/>
               <a:t>单击此处编辑母版文本样式</a:t>
             </a:r>
+            <a:endParaRPr lang="zh-CN" altLang="en-US" smtClean="0"/>
           </a:p>
         </p:txBody>
       </p:sp>
@@ -4403,9 +4296,7 @@
             <p:ph type="dt" sz="half" idx="10"/>
           </p:nvPr>
         </p:nvSpPr>
-        <p:spPr>
-          <a:ln/>
-        </p:spPr>
+        <p:spPr/>
         <p:txBody>
           <a:bodyPr/>
           <a:lstStyle>
@@ -4431,9 +4322,7 @@
             <p:ph type="ftr" sz="quarter" idx="11"/>
           </p:nvPr>
         </p:nvSpPr>
-        <p:spPr>
-          <a:ln/>
-        </p:spPr>
+        <p:spPr/>
         <p:txBody>
           <a:bodyPr/>
           <a:lstStyle>
@@ -4459,9 +4348,7 @@
             <p:ph type="sldNum" sz="quarter" idx="12"/>
           </p:nvPr>
         </p:nvSpPr>
-        <p:spPr>
-          <a:ln/>
-        </p:spPr>
+        <p:spPr/>
         <p:txBody>
           <a:bodyPr/>
           <a:lstStyle>
@@ -4475,21 +4362,12 @@
             </a:pPr>
             <a:fld id="{CEBA7D07-52A8-4EB8-B6C6-36BF4149D14E}" type="slidenum">
               <a:rPr lang="en-US" altLang="zh-CN"/>
-              <a:pPr>
-                <a:defRPr/>
-              </a:pPr>
-              <a:t>‹#›</a:t>
             </a:fld>
             <a:endParaRPr lang="en-US" altLang="zh-CN"/>
           </a:p>
         </p:txBody>
       </p:sp>
     </p:spTree>
-    <p:extLst>
-      <p:ext uri="{BB962C8B-B14F-4D97-AF65-F5344CB8AC3E}">
-        <p14:creationId xmlns:p14="http://schemas.microsoft.com/office/powerpoint/2010/main" val="2827296160"/>
-      </p:ext>
-    </p:extLst>
   </p:cSld>
   <p:clrMapOvr>
     <a:masterClrMapping/>
@@ -4673,6 +4551,7 @@
               <a:rPr lang="zh-CN" altLang="en-US" smtClean="0"/>
               <a:t>单击此处编辑母版文本样式</a:t>
             </a:r>
+            <a:endParaRPr lang="zh-CN" altLang="en-US" smtClean="0"/>
           </a:p>
         </p:txBody>
       </p:sp>
@@ -4686,9 +4565,7 @@
             <p:ph type="dt" sz="half" idx="10"/>
           </p:nvPr>
         </p:nvSpPr>
-        <p:spPr>
-          <a:ln/>
-        </p:spPr>
+        <p:spPr/>
         <p:txBody>
           <a:bodyPr/>
           <a:lstStyle>
@@ -4714,9 +4591,7 @@
             <p:ph type="ftr" sz="quarter" idx="11"/>
           </p:nvPr>
         </p:nvSpPr>
-        <p:spPr>
-          <a:ln/>
-        </p:spPr>
+        <p:spPr/>
         <p:txBody>
           <a:bodyPr/>
           <a:lstStyle>
@@ -4742,9 +4617,7 @@
             <p:ph type="sldNum" sz="quarter" idx="12"/>
           </p:nvPr>
         </p:nvSpPr>
-        <p:spPr>
-          <a:ln/>
-        </p:spPr>
+        <p:spPr/>
         <p:txBody>
           <a:bodyPr/>
           <a:lstStyle>
@@ -4758,21 +4631,12 @@
             </a:pPr>
             <a:fld id="{EC0F6349-AF04-4D95-A961-8ECE3A25CE44}" type="slidenum">
               <a:rPr lang="en-US" altLang="zh-CN"/>
-              <a:pPr>
-                <a:defRPr/>
-              </a:pPr>
-              <a:t>‹#›</a:t>
             </a:fld>
             <a:endParaRPr lang="en-US" altLang="zh-CN"/>
           </a:p>
         </p:txBody>
       </p:sp>
     </p:spTree>
-    <p:extLst>
-      <p:ext uri="{BB962C8B-B14F-4D97-AF65-F5344CB8AC3E}">
-        <p14:creationId xmlns:p14="http://schemas.microsoft.com/office/powerpoint/2010/main" val="4003841076"/>
-      </p:ext>
-    </p:extLst>
   </p:cSld>
   <p:clrMapOvr>
     <a:masterClrMapping/>
@@ -4856,11 +4720,7 @@
           </a:extLst>
         </p:spPr>
         <p:txBody>
-          <a:bodyPr vert="horz" wrap="square" lIns="91440" tIns="45720" rIns="91440" bIns="45720" numCol="1" anchor="b" anchorCtr="0" compatLnSpc="1">
-            <a:prstTxWarp prst="textNoShape">
-              <a:avLst/>
-            </a:prstTxWarp>
-          </a:bodyPr>
+          <a:bodyPr vert="horz" wrap="square" lIns="91440" tIns="45720" rIns="91440" bIns="45720" numCol="1" anchor="b" anchorCtr="0" compatLnSpc="1"/>
           <a:lstStyle/>
           <a:p>
             <a:pPr lvl="0"/>
@@ -4868,6 +4728,7 @@
               <a:rPr lang="zh-CN" altLang="en-US" smtClean="0"/>
               <a:t>单击此处编辑母版标题样式</a:t>
             </a:r>
+            <a:endParaRPr lang="zh-CN" altLang="en-US" smtClean="0"/>
           </a:p>
         </p:txBody>
       </p:sp>
@@ -4914,11 +4775,7 @@
           </a:extLst>
         </p:spPr>
         <p:txBody>
-          <a:bodyPr vert="horz" wrap="square" lIns="91440" tIns="45720" rIns="91440" bIns="45720" numCol="1" anchor="t" anchorCtr="0" compatLnSpc="1">
-            <a:prstTxWarp prst="textNoShape">
-              <a:avLst/>
-            </a:prstTxWarp>
-          </a:bodyPr>
+          <a:bodyPr vert="horz" wrap="square" lIns="91440" tIns="45720" rIns="91440" bIns="45720" numCol="1" anchor="t" anchorCtr="0" compatLnSpc="1"/>
           <a:lstStyle/>
           <a:p>
             <a:pPr lvl="0"/>
@@ -4926,6 +4783,7 @@
               <a:rPr lang="zh-CN" altLang="en-US" smtClean="0"/>
               <a:t>单击此处编辑母版文本样式</a:t>
             </a:r>
+            <a:endParaRPr lang="zh-CN" altLang="en-US" smtClean="0"/>
           </a:p>
           <a:p>
             <a:pPr lvl="1"/>
@@ -4933,6 +4791,7 @@
               <a:rPr lang="zh-CN" altLang="en-US" smtClean="0"/>
               <a:t>第二级</a:t>
             </a:r>
+            <a:endParaRPr lang="zh-CN" altLang="en-US" smtClean="0"/>
           </a:p>
           <a:p>
             <a:pPr lvl="2"/>
@@ -4940,6 +4799,7 @@
               <a:rPr lang="zh-CN" altLang="en-US" smtClean="0"/>
               <a:t>第三级</a:t>
             </a:r>
+            <a:endParaRPr lang="zh-CN" altLang="en-US" smtClean="0"/>
           </a:p>
           <a:p>
             <a:pPr lvl="3"/>
@@ -4947,6 +4807,7 @@
               <a:rPr lang="zh-CN" altLang="en-US" smtClean="0"/>
               <a:t>第四级</a:t>
             </a:r>
+            <a:endParaRPr lang="zh-CN" altLang="en-US" smtClean="0"/>
           </a:p>
           <a:p>
             <a:pPr lvl="4"/>
@@ -4954,6 +4815,7 @@
               <a:rPr lang="zh-CN" altLang="en-US" smtClean="0"/>
               <a:t>第五级</a:t>
             </a:r>
+            <a:endParaRPr lang="zh-CN" altLang="en-US" smtClean="0"/>
           </a:p>
         </p:txBody>
       </p:sp>
@@ -5051,8 +4913,6 @@
               <a:schemeClr val="accent2"/>
             </a:solidFill>
             <a:round/>
-            <a:headEnd/>
-            <a:tailEnd/>
           </a:ln>
         </p:spPr>
         <p:txBody>
@@ -5085,8 +4945,6 @@
               <a:schemeClr val="accent2"/>
             </a:solidFill>
             <a:round/>
-            <a:headEnd/>
-            <a:tailEnd/>
           </a:ln>
           <a:extLst>
             <a:ext uri="{909E8E84-426E-40DD-AFC4-6F175D3DCCD1}">
@@ -5126,21 +4984,15 @@
           <a:ln w="9525">
             <a:noFill/>
             <a:miter lim="800000"/>
-            <a:headEnd/>
-            <a:tailEnd/>
           </a:ln>
           <a:effectLst/>
         </p:spPr>
         <p:txBody>
-          <a:bodyPr vert="horz" wrap="square" lIns="91440" tIns="45720" rIns="91440" bIns="45720" numCol="1" anchor="t" anchorCtr="0" compatLnSpc="1">
-            <a:prstTxWarp prst="textNoShape">
-              <a:avLst/>
-            </a:prstTxWarp>
-          </a:bodyPr>
+          <a:bodyPr vert="horz" wrap="square" lIns="91440" tIns="45720" rIns="91440" bIns="45720" numCol="1" anchor="t" anchorCtr="0" compatLnSpc="1"/>
           <a:lstStyle>
             <a:lvl1pPr>
               <a:defRPr sz="1200">
-                <a:ea typeface="宋体" pitchFamily="2" charset="-122"/>
+                <a:ea typeface="宋体" panose="02010600030101010101" pitchFamily="2" charset="-122"/>
               </a:defRPr>
             </a:lvl1pPr>
           </a:lstStyle>
@@ -5174,21 +5026,15 @@
           <a:ln w="9525">
             <a:noFill/>
             <a:miter lim="800000"/>
-            <a:headEnd/>
-            <a:tailEnd/>
           </a:ln>
           <a:effectLst/>
         </p:spPr>
         <p:txBody>
-          <a:bodyPr vert="horz" wrap="square" lIns="91440" tIns="45720" rIns="91440" bIns="45720" numCol="1" anchor="t" anchorCtr="0" compatLnSpc="1">
-            <a:prstTxWarp prst="textNoShape">
-              <a:avLst/>
-            </a:prstTxWarp>
-          </a:bodyPr>
+          <a:bodyPr vert="horz" wrap="square" lIns="91440" tIns="45720" rIns="91440" bIns="45720" numCol="1" anchor="t" anchorCtr="0" compatLnSpc="1"/>
           <a:lstStyle>
             <a:lvl1pPr algn="ctr">
               <a:defRPr sz="1200">
-                <a:ea typeface="宋体" pitchFamily="2" charset="-122"/>
+                <a:ea typeface="宋体" panose="02010600030101010101" pitchFamily="2" charset="-122"/>
               </a:defRPr>
             </a:lvl1pPr>
           </a:lstStyle>
@@ -5222,21 +5068,15 @@
           <a:ln w="9525">
             <a:noFill/>
             <a:miter lim="800000"/>
-            <a:headEnd/>
-            <a:tailEnd/>
           </a:ln>
           <a:effectLst/>
         </p:spPr>
         <p:txBody>
-          <a:bodyPr vert="horz" wrap="square" lIns="91440" tIns="45720" rIns="91440" bIns="45720" numCol="1" anchor="t" anchorCtr="0" compatLnSpc="1">
-            <a:prstTxWarp prst="textNoShape">
-              <a:avLst/>
-            </a:prstTxWarp>
-          </a:bodyPr>
+          <a:bodyPr vert="horz" wrap="square" lIns="91440" tIns="45720" rIns="91440" bIns="45720" numCol="1" anchor="t" anchorCtr="0" compatLnSpc="1"/>
           <a:lstStyle>
             <a:lvl1pPr algn="r">
               <a:defRPr sz="1200">
-                <a:ea typeface="宋体" pitchFamily="2" charset="-122"/>
+                <a:ea typeface="宋体" panose="02010600030101010101" pitchFamily="2" charset="-122"/>
               </a:defRPr>
             </a:lvl1pPr>
           </a:lstStyle>
@@ -5246,10 +5086,6 @@
             </a:pPr>
             <a:fld id="{A759C58F-AAE7-41DA-8CD3-FE133CD8564E}" type="slidenum">
               <a:rPr lang="en-US" altLang="zh-CN"/>
-              <a:pPr>
-                <a:defRPr/>
-              </a:pPr>
-              <a:t>‹#›</a:t>
             </a:fld>
             <a:endParaRPr lang="en-US" altLang="zh-CN"/>
           </a:p>
@@ -5259,26 +5095,26 @@
   </p:cSld>
   <p:clrMap bg1="lt1" tx1="dk1" bg2="lt2" tx2="dk2" accent1="accent1" accent2="accent2" accent3="accent3" accent4="accent4" accent5="accent5" accent6="accent6" hlink="hlink" folHlink="folHlink"/>
   <p:sldLayoutIdLst>
-    <p:sldLayoutId id="2147483918" r:id="rId1"/>
-    <p:sldLayoutId id="2147483907" r:id="rId2"/>
-    <p:sldLayoutId id="2147483908" r:id="rId3"/>
-    <p:sldLayoutId id="2147483909" r:id="rId4"/>
-    <p:sldLayoutId id="2147483910" r:id="rId5"/>
-    <p:sldLayoutId id="2147483911" r:id="rId6"/>
-    <p:sldLayoutId id="2147483912" r:id="rId7"/>
-    <p:sldLayoutId id="2147483913" r:id="rId8"/>
-    <p:sldLayoutId id="2147483914" r:id="rId9"/>
-    <p:sldLayoutId id="2147483915" r:id="rId10"/>
-    <p:sldLayoutId id="2147483916" r:id="rId11"/>
-    <p:sldLayoutId id="2147483917" r:id="rId12"/>
-    <p:sldLayoutId id="2147483919" r:id="rId13"/>
-    <p:sldLayoutId id="2147483920" r:id="rId14"/>
-    <p:sldLayoutId id="2147483921" r:id="rId15"/>
-    <p:sldLayoutId id="2147483922" r:id="rId16"/>
-    <p:sldLayoutId id="2147483923" r:id="rId17"/>
-    <p:sldLayoutId id="2147483924" r:id="rId18"/>
-    <p:sldLayoutId id="2147483925" r:id="rId19"/>
-    <p:sldLayoutId id="2147483926" r:id="rId20"/>
+    <p:sldLayoutId id="2147483649" r:id="rId1"/>
+    <p:sldLayoutId id="2147483650" r:id="rId2"/>
+    <p:sldLayoutId id="2147483651" r:id="rId3"/>
+    <p:sldLayoutId id="2147483652" r:id="rId4"/>
+    <p:sldLayoutId id="2147483653" r:id="rId5"/>
+    <p:sldLayoutId id="2147483654" r:id="rId6"/>
+    <p:sldLayoutId id="2147483655" r:id="rId7"/>
+    <p:sldLayoutId id="2147483656" r:id="rId8"/>
+    <p:sldLayoutId id="2147483657" r:id="rId9"/>
+    <p:sldLayoutId id="2147483658" r:id="rId10"/>
+    <p:sldLayoutId id="2147483659" r:id="rId11"/>
+    <p:sldLayoutId id="2147483660" r:id="rId12"/>
+    <p:sldLayoutId id="2147483661" r:id="rId13"/>
+    <p:sldLayoutId id="2147483662" r:id="rId14"/>
+    <p:sldLayoutId id="2147483663" r:id="rId15"/>
+    <p:sldLayoutId id="2147483664" r:id="rId16"/>
+    <p:sldLayoutId id="2147483665" r:id="rId17"/>
+    <p:sldLayoutId id="2147483666" r:id="rId18"/>
+    <p:sldLayoutId id="2147483667" r:id="rId19"/>
+    <p:sldLayoutId id="2147483668" r:id="rId20"/>
   </p:sldLayoutIdLst>
   <p:transition>
     <p:blinds dir="vert"/>
@@ -5320,8 +5156,8 @@
           <a:solidFill>
             <a:schemeClr val="tx2"/>
           </a:solidFill>
-          <a:latin typeface="Verdana" pitchFamily="34" charset="0"/>
-          <a:ea typeface="宋体" pitchFamily="2" charset="-122"/>
+          <a:latin typeface="Verdana" panose="020B0604030504040204" pitchFamily="34" charset="0"/>
+          <a:ea typeface="宋体" panose="02010600030101010101" pitchFamily="2" charset="-122"/>
         </a:defRPr>
       </a:lvl2pPr>
       <a:lvl3pPr algn="l" rtl="0" eaLnBrk="0" fontAlgn="base" hangingPunct="0">
@@ -5335,8 +5171,8 @@
           <a:solidFill>
             <a:schemeClr val="tx2"/>
           </a:solidFill>
-          <a:latin typeface="Verdana" pitchFamily="34" charset="0"/>
-          <a:ea typeface="宋体" pitchFamily="2" charset="-122"/>
+          <a:latin typeface="Verdana" panose="020B0604030504040204" pitchFamily="34" charset="0"/>
+          <a:ea typeface="宋体" panose="02010600030101010101" pitchFamily="2" charset="-122"/>
         </a:defRPr>
       </a:lvl3pPr>
       <a:lvl4pPr algn="l" rtl="0" eaLnBrk="0" fontAlgn="base" hangingPunct="0">
@@ -5350,8 +5186,8 @@
           <a:solidFill>
             <a:schemeClr val="tx2"/>
           </a:solidFill>
-          <a:latin typeface="Verdana" pitchFamily="34" charset="0"/>
-          <a:ea typeface="宋体" pitchFamily="2" charset="-122"/>
+          <a:latin typeface="Verdana" panose="020B0604030504040204" pitchFamily="34" charset="0"/>
+          <a:ea typeface="宋体" panose="02010600030101010101" pitchFamily="2" charset="-122"/>
         </a:defRPr>
       </a:lvl4pPr>
       <a:lvl5pPr algn="l" rtl="0" eaLnBrk="0" fontAlgn="base" hangingPunct="0">
@@ -5365,8 +5201,8 @@
           <a:solidFill>
             <a:schemeClr val="tx2"/>
           </a:solidFill>
-          <a:latin typeface="Verdana" pitchFamily="34" charset="0"/>
-          <a:ea typeface="宋体" pitchFamily="2" charset="-122"/>
+          <a:latin typeface="Verdana" panose="020B0604030504040204" pitchFamily="34" charset="0"/>
+          <a:ea typeface="宋体" panose="02010600030101010101" pitchFamily="2" charset="-122"/>
         </a:defRPr>
       </a:lvl5pPr>
       <a:lvl6pPr marL="457200" algn="l" rtl="0" fontAlgn="base">
@@ -5380,8 +5216,8 @@
           <a:solidFill>
             <a:schemeClr val="tx2"/>
           </a:solidFill>
-          <a:latin typeface="Verdana" pitchFamily="34" charset="0"/>
-          <a:ea typeface="宋体" pitchFamily="2" charset="-122"/>
+          <a:latin typeface="Verdana" panose="020B0604030504040204" pitchFamily="34" charset="0"/>
+          <a:ea typeface="宋体" panose="02010600030101010101" pitchFamily="2" charset="-122"/>
         </a:defRPr>
       </a:lvl6pPr>
       <a:lvl7pPr marL="914400" algn="l" rtl="0" fontAlgn="base">
@@ -5395,8 +5231,8 @@
           <a:solidFill>
             <a:schemeClr val="tx2"/>
           </a:solidFill>
-          <a:latin typeface="Verdana" pitchFamily="34" charset="0"/>
-          <a:ea typeface="宋体" pitchFamily="2" charset="-122"/>
+          <a:latin typeface="Verdana" panose="020B0604030504040204" pitchFamily="34" charset="0"/>
+          <a:ea typeface="宋体" panose="02010600030101010101" pitchFamily="2" charset="-122"/>
         </a:defRPr>
       </a:lvl7pPr>
       <a:lvl8pPr marL="1371600" algn="l" rtl="0" fontAlgn="base">
@@ -5410,8 +5246,8 @@
           <a:solidFill>
             <a:schemeClr val="tx2"/>
           </a:solidFill>
-          <a:latin typeface="Verdana" pitchFamily="34" charset="0"/>
-          <a:ea typeface="宋体" pitchFamily="2" charset="-122"/>
+          <a:latin typeface="Verdana" panose="020B0604030504040204" pitchFamily="34" charset="0"/>
+          <a:ea typeface="宋体" panose="02010600030101010101" pitchFamily="2" charset="-122"/>
         </a:defRPr>
       </a:lvl8pPr>
       <a:lvl9pPr marL="1828800" algn="l" rtl="0" fontAlgn="base">
@@ -5425,8 +5261,8 @@
           <a:solidFill>
             <a:schemeClr val="tx2"/>
           </a:solidFill>
-          <a:latin typeface="Verdana" pitchFamily="34" charset="0"/>
-          <a:ea typeface="宋体" pitchFamily="2" charset="-122"/>
+          <a:latin typeface="Verdana" panose="020B0604030504040204" pitchFamily="34" charset="0"/>
+          <a:ea typeface="宋体" panose="02010600030101010101" pitchFamily="2" charset="-122"/>
         </a:defRPr>
       </a:lvl9pPr>
     </p:titleStyle>
@@ -5441,7 +5277,7 @@
         <a:buClr>
           <a:schemeClr val="accent2"/>
         </a:buClr>
-        <a:buFont typeface="Wingdings" pitchFamily="2" charset="2"/>
+        <a:buFont typeface="Wingdings" panose="05000000000000000000" pitchFamily="2" charset="2"/>
         <a:buChar char="o"/>
         <a:defRPr sz="3000">
           <a:solidFill>
@@ -5452,7 +5288,7 @@
           <a:cs typeface="+mn-cs"/>
         </a:defRPr>
       </a:lvl1pPr>
-      <a:lvl2pPr marL="908050" indent="-436563" algn="l" rtl="0" eaLnBrk="0" fontAlgn="base" hangingPunct="0">
+      <a:lvl2pPr marL="908050" indent="-436880" algn="l" rtl="0" eaLnBrk="0" fontAlgn="base" hangingPunct="0">
         <a:spcBef>
           <a:spcPct val="20000"/>
         </a:spcBef>
@@ -5462,7 +5298,7 @@
         <a:buClr>
           <a:schemeClr val="accent2"/>
         </a:buClr>
-        <a:buFont typeface="Wingdings" pitchFamily="2" charset="2"/>
+        <a:buFont typeface="Wingdings" panose="05000000000000000000" pitchFamily="2" charset="2"/>
         <a:buChar char="n"/>
         <a:defRPr sz="2600">
           <a:solidFill>
@@ -5472,7 +5308,7 @@
           <a:ea typeface="+mn-ea"/>
         </a:defRPr>
       </a:lvl2pPr>
-      <a:lvl3pPr marL="1304925" indent="-395288" algn="l" rtl="0" eaLnBrk="0" fontAlgn="base" hangingPunct="0">
+      <a:lvl3pPr marL="1304925" indent="-395605" algn="l" rtl="0" eaLnBrk="0" fontAlgn="base" hangingPunct="0">
         <a:spcBef>
           <a:spcPct val="20000"/>
         </a:spcBef>
@@ -5482,7 +5318,7 @@
         <a:buClr>
           <a:schemeClr val="accent2"/>
         </a:buClr>
-        <a:buFont typeface="Wingdings" pitchFamily="2" charset="2"/>
+        <a:buFont typeface="Wingdings" panose="05000000000000000000" pitchFamily="2" charset="2"/>
         <a:buChar char="o"/>
         <a:defRPr sz="2300">
           <a:solidFill>
@@ -5492,7 +5328,7 @@
           <a:ea typeface="+mn-ea"/>
         </a:defRPr>
       </a:lvl3pPr>
-      <a:lvl4pPr marL="1693863" indent="-387350" algn="l" rtl="0" eaLnBrk="0" fontAlgn="base" hangingPunct="0">
+      <a:lvl4pPr marL="1694180" indent="-387350" algn="l" rtl="0" eaLnBrk="0" fontAlgn="base" hangingPunct="0">
         <a:spcBef>
           <a:spcPct val="20000"/>
         </a:spcBef>
@@ -5502,7 +5338,7 @@
         <a:buClr>
           <a:schemeClr val="accent2"/>
         </a:buClr>
-        <a:buFont typeface="Wingdings" pitchFamily="2" charset="2"/>
+        <a:buFont typeface="Wingdings" panose="05000000000000000000" pitchFamily="2" charset="2"/>
         <a:buChar char="n"/>
         <a:defRPr sz="2000">
           <a:solidFill>
@@ -5512,7 +5348,7 @@
           <a:ea typeface="+mn-ea"/>
         </a:defRPr>
       </a:lvl4pPr>
-      <a:lvl5pPr marL="2093913" indent="-398463" algn="l" rtl="0" eaLnBrk="0" fontAlgn="base" hangingPunct="0">
+      <a:lvl5pPr marL="2094230" indent="-398780" algn="l" rtl="0" eaLnBrk="0" fontAlgn="base" hangingPunct="0">
         <a:spcBef>
           <a:spcPct val="25000"/>
         </a:spcBef>
@@ -5522,7 +5358,7 @@
         <a:buClr>
           <a:schemeClr val="accent2"/>
         </a:buClr>
-        <a:buFont typeface="Wingdings" pitchFamily="2" charset="2"/>
+        <a:buFont typeface="Wingdings" panose="05000000000000000000" pitchFamily="2" charset="2"/>
         <a:buChar char="§"/>
         <a:defRPr sz="2000">
           <a:solidFill>
@@ -5532,7 +5368,7 @@
           <a:ea typeface="+mn-ea"/>
         </a:defRPr>
       </a:lvl5pPr>
-      <a:lvl6pPr marL="2551113" indent="-398463" algn="l" rtl="0" fontAlgn="base">
+      <a:lvl6pPr marL="2551430" indent="-398780" algn="l" rtl="0" fontAlgn="base">
         <a:spcBef>
           <a:spcPct val="25000"/>
         </a:spcBef>
@@ -5542,7 +5378,7 @@
         <a:buClr>
           <a:schemeClr val="accent2"/>
         </a:buClr>
-        <a:buFont typeface="Wingdings" pitchFamily="2" charset="2"/>
+        <a:buFont typeface="Wingdings" panose="05000000000000000000" pitchFamily="2" charset="2"/>
         <a:buChar char="§"/>
         <a:defRPr sz="2000">
           <a:solidFill>
@@ -5552,7 +5388,7 @@
           <a:ea typeface="+mn-ea"/>
         </a:defRPr>
       </a:lvl6pPr>
-      <a:lvl7pPr marL="3008313" indent="-398463" algn="l" rtl="0" fontAlgn="base">
+      <a:lvl7pPr marL="3008630" indent="-398780" algn="l" rtl="0" fontAlgn="base">
         <a:spcBef>
           <a:spcPct val="25000"/>
         </a:spcBef>
@@ -5562,7 +5398,7 @@
         <a:buClr>
           <a:schemeClr val="accent2"/>
         </a:buClr>
-        <a:buFont typeface="Wingdings" pitchFamily="2" charset="2"/>
+        <a:buFont typeface="Wingdings" panose="05000000000000000000" pitchFamily="2" charset="2"/>
         <a:buChar char="§"/>
         <a:defRPr sz="2000">
           <a:solidFill>
@@ -5572,7 +5408,7 @@
           <a:ea typeface="+mn-ea"/>
         </a:defRPr>
       </a:lvl7pPr>
-      <a:lvl8pPr marL="3465513" indent="-398463" algn="l" rtl="0" fontAlgn="base">
+      <a:lvl8pPr marL="3465830" indent="-398780" algn="l" rtl="0" fontAlgn="base">
         <a:spcBef>
           <a:spcPct val="25000"/>
         </a:spcBef>
@@ -5582,7 +5418,7 @@
         <a:buClr>
           <a:schemeClr val="accent2"/>
         </a:buClr>
-        <a:buFont typeface="Wingdings" pitchFamily="2" charset="2"/>
+        <a:buFont typeface="Wingdings" panose="05000000000000000000" pitchFamily="2" charset="2"/>
         <a:buChar char="§"/>
         <a:defRPr sz="2000">
           <a:solidFill>
@@ -5592,7 +5428,7 @@
           <a:ea typeface="+mn-ea"/>
         </a:defRPr>
       </a:lvl8pPr>
-      <a:lvl9pPr marL="3922713" indent="-398463" algn="l" rtl="0" fontAlgn="base">
+      <a:lvl9pPr marL="3923030" indent="-398780" algn="l" rtl="0" fontAlgn="base">
         <a:spcBef>
           <a:spcPct val="25000"/>
         </a:spcBef>
@@ -5602,7 +5438,7 @@
         <a:buClr>
           <a:schemeClr val="accent2"/>
         </a:buClr>
-        <a:buFont typeface="Wingdings" pitchFamily="2" charset="2"/>
+        <a:buFont typeface="Wingdings" panose="05000000000000000000" pitchFamily="2" charset="2"/>
         <a:buChar char="§"/>
         <a:defRPr sz="2000">
           <a:solidFill>
@@ -5741,7 +5577,6 @@
         </p:nvSpPr>
         <p:spPr>
           <a:noFill/>
-          <a:ln/>
           <a:extLst>
             <a:ext uri="{909E8E84-426E-40DD-AFC4-6F175D3DCCD1}">
               <a14:hiddenFill xmlns:a14="http://schemas.microsoft.com/office/drawing/2010/main">
@@ -5770,8 +5605,8 @@
                 <a:solidFill>
                   <a:schemeClr val="tx1"/>
                 </a:solidFill>
-                <a:latin typeface="Verdana" pitchFamily="34" charset="0"/>
-                <a:ea typeface="宋体" charset="-122"/>
+                <a:latin typeface="Verdana" panose="020B0604030504040204" pitchFamily="34" charset="0"/>
+                <a:ea typeface="宋体" panose="02010600030101010101" pitchFamily="2" charset="-122"/>
               </a:defRPr>
             </a:lvl1pPr>
             <a:lvl2pPr marL="742950" indent="-285750" eaLnBrk="0" hangingPunct="0">
@@ -5779,8 +5614,8 @@
                 <a:solidFill>
                   <a:schemeClr val="tx1"/>
                 </a:solidFill>
-                <a:latin typeface="Verdana" pitchFamily="34" charset="0"/>
-                <a:ea typeface="宋体" charset="-122"/>
+                <a:latin typeface="Verdana" panose="020B0604030504040204" pitchFamily="34" charset="0"/>
+                <a:ea typeface="宋体" panose="02010600030101010101" pitchFamily="2" charset="-122"/>
               </a:defRPr>
             </a:lvl2pPr>
             <a:lvl3pPr marL="1143000" indent="-228600" eaLnBrk="0" hangingPunct="0">
@@ -5788,8 +5623,8 @@
                 <a:solidFill>
                   <a:schemeClr val="tx1"/>
                 </a:solidFill>
-                <a:latin typeface="Verdana" pitchFamily="34" charset="0"/>
-                <a:ea typeface="宋体" charset="-122"/>
+                <a:latin typeface="Verdana" panose="020B0604030504040204" pitchFamily="34" charset="0"/>
+                <a:ea typeface="宋体" panose="02010600030101010101" pitchFamily="2" charset="-122"/>
               </a:defRPr>
             </a:lvl3pPr>
             <a:lvl4pPr marL="1600200" indent="-228600" eaLnBrk="0" hangingPunct="0">
@@ -5797,8 +5632,8 @@
                 <a:solidFill>
                   <a:schemeClr val="tx1"/>
                 </a:solidFill>
-                <a:latin typeface="Verdana" pitchFamily="34" charset="0"/>
-                <a:ea typeface="宋体" charset="-122"/>
+                <a:latin typeface="Verdana" panose="020B0604030504040204" pitchFamily="34" charset="0"/>
+                <a:ea typeface="宋体" panose="02010600030101010101" pitchFamily="2" charset="-122"/>
               </a:defRPr>
             </a:lvl4pPr>
             <a:lvl5pPr marL="2057400" indent="-228600" eaLnBrk="0" hangingPunct="0">
@@ -5806,8 +5641,8 @@
                 <a:solidFill>
                   <a:schemeClr val="tx1"/>
                 </a:solidFill>
-                <a:latin typeface="Verdana" pitchFamily="34" charset="0"/>
-                <a:ea typeface="宋体" charset="-122"/>
+                <a:latin typeface="Verdana" panose="020B0604030504040204" pitchFamily="34" charset="0"/>
+                <a:ea typeface="宋体" panose="02010600030101010101" pitchFamily="2" charset="-122"/>
               </a:defRPr>
             </a:lvl5pPr>
             <a:lvl6pPr marL="2514600" indent="-228600" eaLnBrk="0" fontAlgn="base" hangingPunct="0">
@@ -5821,8 +5656,8 @@
                 <a:solidFill>
                   <a:schemeClr val="tx1"/>
                 </a:solidFill>
-                <a:latin typeface="Verdana" pitchFamily="34" charset="0"/>
-                <a:ea typeface="宋体" charset="-122"/>
+                <a:latin typeface="Verdana" panose="020B0604030504040204" pitchFamily="34" charset="0"/>
+                <a:ea typeface="宋体" panose="02010600030101010101" pitchFamily="2" charset="-122"/>
               </a:defRPr>
             </a:lvl6pPr>
             <a:lvl7pPr marL="2971800" indent="-228600" eaLnBrk="0" fontAlgn="base" hangingPunct="0">
@@ -5836,8 +5671,8 @@
                 <a:solidFill>
                   <a:schemeClr val="tx1"/>
                 </a:solidFill>
-                <a:latin typeface="Verdana" pitchFamily="34" charset="0"/>
-                <a:ea typeface="宋体" charset="-122"/>
+                <a:latin typeface="Verdana" panose="020B0604030504040204" pitchFamily="34" charset="0"/>
+                <a:ea typeface="宋体" panose="02010600030101010101" pitchFamily="2" charset="-122"/>
               </a:defRPr>
             </a:lvl7pPr>
             <a:lvl8pPr marL="3429000" indent="-228600" eaLnBrk="0" fontAlgn="base" hangingPunct="0">
@@ -5851,8 +5686,8 @@
                 <a:solidFill>
                   <a:schemeClr val="tx1"/>
                 </a:solidFill>
-                <a:latin typeface="Verdana" pitchFamily="34" charset="0"/>
-                <a:ea typeface="宋体" charset="-122"/>
+                <a:latin typeface="Verdana" panose="020B0604030504040204" pitchFamily="34" charset="0"/>
+                <a:ea typeface="宋体" panose="02010600030101010101" pitchFamily="2" charset="-122"/>
               </a:defRPr>
             </a:lvl8pPr>
             <a:lvl9pPr marL="3886200" indent="-228600" eaLnBrk="0" fontAlgn="base" hangingPunct="0">
@@ -5866,8 +5701,8 @@
                 <a:solidFill>
                   <a:schemeClr val="tx1"/>
                 </a:solidFill>
-                <a:latin typeface="Verdana" pitchFamily="34" charset="0"/>
-                <a:ea typeface="宋体" charset="-122"/>
+                <a:latin typeface="Verdana" panose="020B0604030504040204" pitchFamily="34" charset="0"/>
+                <a:ea typeface="宋体" panose="02010600030101010101" pitchFamily="2" charset="-122"/>
               </a:defRPr>
             </a:lvl9pPr>
           </a:lstStyle>
@@ -5875,8 +5710,6 @@
             <a:pPr eaLnBrk="1" hangingPunct="1"/>
             <a:fld id="{CF3F84FD-A9EF-411A-AD41-005FD50D6B7A}" type="slidenum">
               <a:rPr lang="en-US" altLang="zh-CN" smtClean="0"/>
-              <a:pPr eaLnBrk="1" hangingPunct="1"/>
-              <a:t>1</a:t>
             </a:fld>
             <a:endParaRPr lang="en-US" altLang="zh-CN" smtClean="0"/>
           </a:p>
@@ -5900,33 +5733,30 @@
             <a:pPr algn="ctr" eaLnBrk="1" hangingPunct="1"/>
             <a:r>
               <a:rPr lang="zh-CN" altLang="en-US" sz="6000" b="1" smtClean="0">
-                <a:ea typeface="华文隶书" pitchFamily="2" charset="-122"/>
+                <a:ea typeface="华文隶书" panose="02010800040101010101" pitchFamily="2" charset="-122"/>
               </a:rPr>
               <a:t>软件测试实用教程</a:t>
             </a:r>
-            <a:r>
-              <a:rPr lang="en-US" altLang="zh-CN" sz="6000" b="1" smtClean="0">
-                <a:ea typeface="华文隶书" pitchFamily="2" charset="-122"/>
-              </a:rPr>
-              <a:t/>
-            </a:r>
             <a:br>
               <a:rPr lang="en-US" altLang="zh-CN" sz="6000" b="1" smtClean="0">
-                <a:ea typeface="华文隶书" pitchFamily="2" charset="-122"/>
+                <a:ea typeface="华文隶书" panose="02010800040101010101" pitchFamily="2" charset="-122"/>
               </a:rPr>
             </a:br>
             <a:r>
               <a:rPr lang="en-US" altLang="zh-CN" sz="6000" b="1" smtClean="0">
-                <a:ea typeface="华文隶书" pitchFamily="2" charset="-122"/>
+                <a:ea typeface="华文隶书" panose="02010800040101010101" pitchFamily="2" charset="-122"/>
               </a:rPr>
               <a:t>——</a:t>
             </a:r>
             <a:r>
               <a:rPr lang="zh-CN" altLang="en-US" sz="6000" b="1" smtClean="0">
-                <a:ea typeface="华文隶书" pitchFamily="2" charset="-122"/>
+                <a:ea typeface="华文隶书" panose="02010800040101010101" pitchFamily="2" charset="-122"/>
               </a:rPr>
               <a:t>方法与实践</a:t>
             </a:r>
+            <a:endParaRPr lang="zh-CN" altLang="en-US" sz="6000" b="1" smtClean="0">
+              <a:ea typeface="华文隶书" panose="02010800040101010101" pitchFamily="2" charset="-122"/>
+            </a:endParaRPr>
           </a:p>
         </p:txBody>
       </p:sp>
@@ -5948,18 +5778,22 @@
             <a:pPr algn="ctr" eaLnBrk="1" hangingPunct="1"/>
             <a:r>
               <a:rPr lang="en-US" altLang="zh-CN" sz="4400" b="1" smtClean="0">
-                <a:latin typeface="华文隶书" pitchFamily="2" charset="-122"/>
-                <a:ea typeface="华文隶书" pitchFamily="2" charset="-122"/>
+                <a:latin typeface="华文隶书" panose="02010800040101010101" pitchFamily="2" charset="-122"/>
+                <a:ea typeface="华文隶书" panose="02010800040101010101" pitchFamily="2" charset="-122"/>
               </a:rPr>
-              <a:t>PartII </a:t>
+              <a:t>PartII    </a:t>
             </a:r>
             <a:r>
               <a:rPr lang="zh-CN" altLang="en-US" sz="4400" b="1" smtClean="0">
-                <a:latin typeface="华文隶书" pitchFamily="2" charset="-122"/>
-                <a:ea typeface="华文隶书" pitchFamily="2" charset="-122"/>
+                <a:latin typeface="华文隶书" panose="02010800040101010101" pitchFamily="2" charset="-122"/>
+                <a:ea typeface="华文隶书" panose="02010800040101010101" pitchFamily="2" charset="-122"/>
               </a:rPr>
               <a:t>软件测试技术</a:t>
             </a:r>
+            <a:endParaRPr lang="zh-CN" altLang="en-US" sz="4400" b="1" smtClean="0">
+              <a:latin typeface="华文隶书" panose="02010800040101010101" pitchFamily="2" charset="-122"/>
+              <a:ea typeface="华文隶书" panose="02010800040101010101" pitchFamily="2" charset="-122"/>
+            </a:endParaRPr>
           </a:p>
         </p:txBody>
       </p:sp>
@@ -5973,6 +5807,980 @@
 </file>
 
 <file path=ppt/slides/slide10.xml><?xml version="1.0" encoding="utf-8"?>
+<p:sld xmlns:a="http://schemas.openxmlformats.org/drawingml/2006/main" xmlns:r="http://schemas.openxmlformats.org/officeDocument/2006/relationships" xmlns:p="http://schemas.openxmlformats.org/presentationml/2006/main">
+  <p:cSld>
+    <p:spTree>
+      <p:nvGrpSpPr>
+        <p:cNvPr id="1" name=""/>
+        <p:cNvGrpSpPr/>
+        <p:nvPr/>
+      </p:nvGrpSpPr>
+      <p:grpSpPr>
+        <a:xfrm>
+          <a:off x="0" y="0"/>
+          <a:ext cx="0" cy="0"/>
+          <a:chOff x="0" y="0"/>
+          <a:chExt cx="0" cy="0"/>
+        </a:xfrm>
+      </p:grpSpPr>
+      <p:sp>
+        <p:nvSpPr>
+          <p:cNvPr id="3" name="内容占位符 2"/>
+          <p:cNvSpPr>
+            <a:spLocks noGrp="1"/>
+          </p:cNvSpPr>
+          <p:nvPr>
+            <p:ph sz="half" idx="1"/>
+          </p:nvPr>
+        </p:nvSpPr>
+        <p:spPr>
+          <a:xfrm>
+            <a:off x="619125" y="1731010"/>
+            <a:ext cx="7972425" cy="4717415"/>
+          </a:xfrm>
+          <a:ln>
+            <a:noFill/>
+            <a:tailEnd type="arrow"/>
+          </a:ln>
+        </p:spPr>
+        <p:style>
+          <a:lnRef idx="1">
+            <a:schemeClr val="accent1"/>
+          </a:lnRef>
+          <a:fillRef idx="0">
+            <a:schemeClr val="accent1"/>
+          </a:fillRef>
+          <a:effectRef idx="0">
+            <a:schemeClr val="accent1"/>
+          </a:effectRef>
+          <a:fontRef idx="minor">
+            <a:schemeClr val="tx1"/>
+          </a:fontRef>
+        </p:style>
+        <p:txBody>
+          <a:bodyPr/>
+          <a:lstStyle/>
+          <a:p>
+            <a:r>
+              <a:rPr lang="zh-CN" altLang="en-US" sz="3100" b="1" dirty="0"/>
+              <a:t>状态图转换成状态树</a:t>
+            </a:r>
+            <a:endParaRPr lang="zh-CN" altLang="en-US" sz="3100" b="1" dirty="0"/>
+          </a:p>
+          <a:p>
+            <a:pPr lvl="1">
+              <a:lnSpc>
+                <a:spcPct val="150000"/>
+              </a:lnSpc>
+            </a:pPr>
+            <a:r>
+              <a:rPr lang="zh-CN" altLang="en-US" sz="2685" b="1" dirty="0" smtClean="0">
+                <a:sym typeface="+mn-ea"/>
+              </a:rPr>
+              <a:t>将</a:t>
+            </a:r>
+            <a:r>
+              <a:rPr lang="zh-CN" altLang="en-US" sz="2685" b="1" dirty="0" smtClean="0">
+                <a:solidFill>
+                  <a:srgbClr val="FF0000"/>
+                </a:solidFill>
+                <a:sym typeface="+mn-ea"/>
+              </a:rPr>
+              <a:t>初始状态</a:t>
+            </a:r>
+            <a:r>
+              <a:rPr lang="zh-CN" altLang="en-US" sz="2685" b="1" dirty="0" smtClean="0">
+                <a:sym typeface="+mn-ea"/>
+              </a:rPr>
+              <a:t>或</a:t>
+            </a:r>
+            <a:r>
+              <a:rPr lang="zh-CN" altLang="en-US" sz="2685" b="1" dirty="0" smtClean="0">
+                <a:solidFill>
+                  <a:srgbClr val="FF0000"/>
+                </a:solidFill>
+                <a:sym typeface="+mn-ea"/>
+              </a:rPr>
+              <a:t>开始状态</a:t>
+            </a:r>
+            <a:r>
+              <a:rPr lang="zh-CN" altLang="en-US" sz="2685" b="1" dirty="0" smtClean="0">
+                <a:sym typeface="+mn-ea"/>
+              </a:rPr>
+              <a:t>作为状态转换树的</a:t>
+            </a:r>
+            <a:r>
+              <a:rPr lang="zh-CN" altLang="en-US" sz="2685" b="1" dirty="0" smtClean="0">
+                <a:solidFill>
+                  <a:srgbClr val="FF0000"/>
+                </a:solidFill>
+                <a:sym typeface="+mn-ea"/>
+              </a:rPr>
+              <a:t>根</a:t>
+            </a:r>
+            <a:endParaRPr lang="zh-CN" altLang="en-US" sz="2685" b="1" dirty="0" smtClean="0">
+              <a:solidFill>
+                <a:srgbClr val="FF0000"/>
+              </a:solidFill>
+              <a:sym typeface="+mn-ea"/>
+            </a:endParaRPr>
+          </a:p>
+          <a:p>
+            <a:pPr lvl="1">
+              <a:lnSpc>
+                <a:spcPct val="150000"/>
+              </a:lnSpc>
+            </a:pPr>
+            <a:r>
+              <a:rPr lang="zh-CN" altLang="en-US" sz="2685" b="1" dirty="0" smtClean="0">
+                <a:solidFill>
+                  <a:schemeClr val="tx1"/>
+                </a:solidFill>
+                <a:sym typeface="+mn-ea"/>
+              </a:rPr>
+              <a:t>如果状态树的某层的下一层是根，则本层节点为</a:t>
+            </a:r>
+            <a:r>
+              <a:rPr lang="zh-CN" altLang="en-US" sz="2685" b="1" dirty="0" smtClean="0">
+                <a:solidFill>
+                  <a:srgbClr val="FF0000"/>
+                </a:solidFill>
+                <a:sym typeface="+mn-ea"/>
+              </a:rPr>
+              <a:t>结束节点</a:t>
+            </a:r>
+            <a:endParaRPr lang="zh-CN" altLang="en-US" sz="2685" b="1" dirty="0" smtClean="0">
+              <a:solidFill>
+                <a:srgbClr val="FF0000"/>
+              </a:solidFill>
+              <a:sym typeface="+mn-ea"/>
+            </a:endParaRPr>
+          </a:p>
+          <a:p>
+            <a:endParaRPr lang="zh-CN" altLang="en-US" b="1" dirty="0"/>
+          </a:p>
+        </p:txBody>
+      </p:sp>
+      <p:sp>
+        <p:nvSpPr>
+          <p:cNvPr id="27" name="Rectangle 2"/>
+          <p:cNvSpPr txBox="1">
+            <a:spLocks noChangeArrowheads="1"/>
+          </p:cNvSpPr>
+          <p:nvPr/>
+        </p:nvSpPr>
+        <p:spPr bwMode="auto">
+          <a:xfrm>
+            <a:off x="574675" y="567690"/>
+            <a:ext cx="8001000" cy="953135"/>
+          </a:xfrm>
+          <a:prstGeom prst="rect">
+            <a:avLst/>
+          </a:prstGeom>
+          <a:noFill/>
+          <a:ln>
+            <a:noFill/>
+          </a:ln>
+          <a:extLst>
+            <a:ext uri="{909E8E84-426E-40DD-AFC4-6F175D3DCCD1}">
+              <a14:hiddenFill xmlns:a14="http://schemas.microsoft.com/office/drawing/2010/main">
+                <a:solidFill>
+                  <a:srgbClr val="FFFFFF"/>
+                </a:solidFill>
+              </a14:hiddenFill>
+            </a:ext>
+            <a:ext uri="{91240B29-F687-4F45-9708-019B960494DF}">
+              <a14:hiddenLine xmlns:a14="http://schemas.microsoft.com/office/drawing/2010/main" w="9525">
+                <a:solidFill>
+                  <a:srgbClr val="000000"/>
+                </a:solidFill>
+                <a:miter lim="800000"/>
+                <a:headEnd/>
+                <a:tailEnd/>
+              </a14:hiddenLine>
+            </a:ext>
+          </a:extLst>
+        </p:spPr>
+        <p:txBody>
+          <a:bodyPr vert="horz" wrap="square" lIns="91440" tIns="45720" rIns="91440" bIns="45720" numCol="1" anchor="b" anchorCtr="0" compatLnSpc="1"/>
+          <a:lstStyle>
+            <a:lvl1pPr algn="l" rtl="0" eaLnBrk="0" fontAlgn="base" hangingPunct="0">
+              <a:spcBef>
+                <a:spcPct val="0"/>
+              </a:spcBef>
+              <a:spcAft>
+                <a:spcPct val="0"/>
+              </a:spcAft>
+              <a:defRPr sz="3800">
+                <a:solidFill>
+                  <a:schemeClr val="tx2"/>
+                </a:solidFill>
+                <a:latin typeface="+mj-lt"/>
+                <a:ea typeface="+mj-ea"/>
+                <a:cs typeface="+mj-cs"/>
+              </a:defRPr>
+            </a:lvl1pPr>
+            <a:lvl2pPr algn="l" rtl="0" eaLnBrk="0" fontAlgn="base" hangingPunct="0">
+              <a:spcBef>
+                <a:spcPct val="0"/>
+              </a:spcBef>
+              <a:spcAft>
+                <a:spcPct val="0"/>
+              </a:spcAft>
+              <a:defRPr sz="3800">
+                <a:solidFill>
+                  <a:schemeClr val="tx2"/>
+                </a:solidFill>
+                <a:latin typeface="Verdana" panose="020B0604030504040204" pitchFamily="34" charset="0"/>
+                <a:ea typeface="宋体" panose="02010600030101010101" pitchFamily="2" charset="-122"/>
+              </a:defRPr>
+            </a:lvl2pPr>
+            <a:lvl3pPr algn="l" rtl="0" eaLnBrk="0" fontAlgn="base" hangingPunct="0">
+              <a:spcBef>
+                <a:spcPct val="0"/>
+              </a:spcBef>
+              <a:spcAft>
+                <a:spcPct val="0"/>
+              </a:spcAft>
+              <a:defRPr sz="3800">
+                <a:solidFill>
+                  <a:schemeClr val="tx2"/>
+                </a:solidFill>
+                <a:latin typeface="Verdana" panose="020B0604030504040204" pitchFamily="34" charset="0"/>
+                <a:ea typeface="宋体" panose="02010600030101010101" pitchFamily="2" charset="-122"/>
+              </a:defRPr>
+            </a:lvl3pPr>
+            <a:lvl4pPr algn="l" rtl="0" eaLnBrk="0" fontAlgn="base" hangingPunct="0">
+              <a:spcBef>
+                <a:spcPct val="0"/>
+              </a:spcBef>
+              <a:spcAft>
+                <a:spcPct val="0"/>
+              </a:spcAft>
+              <a:defRPr sz="3800">
+                <a:solidFill>
+                  <a:schemeClr val="tx2"/>
+                </a:solidFill>
+                <a:latin typeface="Verdana" panose="020B0604030504040204" pitchFamily="34" charset="0"/>
+                <a:ea typeface="宋体" panose="02010600030101010101" pitchFamily="2" charset="-122"/>
+              </a:defRPr>
+            </a:lvl4pPr>
+            <a:lvl5pPr algn="l" rtl="0" eaLnBrk="0" fontAlgn="base" hangingPunct="0">
+              <a:spcBef>
+                <a:spcPct val="0"/>
+              </a:spcBef>
+              <a:spcAft>
+                <a:spcPct val="0"/>
+              </a:spcAft>
+              <a:defRPr sz="3800">
+                <a:solidFill>
+                  <a:schemeClr val="tx2"/>
+                </a:solidFill>
+                <a:latin typeface="Verdana" panose="020B0604030504040204" pitchFamily="34" charset="0"/>
+                <a:ea typeface="宋体" panose="02010600030101010101" pitchFamily="2" charset="-122"/>
+              </a:defRPr>
+            </a:lvl5pPr>
+            <a:lvl6pPr marL="457200" algn="l" rtl="0" fontAlgn="base">
+              <a:spcBef>
+                <a:spcPct val="0"/>
+              </a:spcBef>
+              <a:spcAft>
+                <a:spcPct val="0"/>
+              </a:spcAft>
+              <a:defRPr sz="3800">
+                <a:solidFill>
+                  <a:schemeClr val="tx2"/>
+                </a:solidFill>
+                <a:latin typeface="Verdana" panose="020B0604030504040204" pitchFamily="34" charset="0"/>
+                <a:ea typeface="宋体" panose="02010600030101010101" pitchFamily="2" charset="-122"/>
+              </a:defRPr>
+            </a:lvl6pPr>
+            <a:lvl7pPr marL="914400" algn="l" rtl="0" fontAlgn="base">
+              <a:spcBef>
+                <a:spcPct val="0"/>
+              </a:spcBef>
+              <a:spcAft>
+                <a:spcPct val="0"/>
+              </a:spcAft>
+              <a:defRPr sz="3800">
+                <a:solidFill>
+                  <a:schemeClr val="tx2"/>
+                </a:solidFill>
+                <a:latin typeface="Verdana" panose="020B0604030504040204" pitchFamily="34" charset="0"/>
+                <a:ea typeface="宋体" panose="02010600030101010101" pitchFamily="2" charset="-122"/>
+              </a:defRPr>
+            </a:lvl7pPr>
+            <a:lvl8pPr marL="1371600" algn="l" rtl="0" fontAlgn="base">
+              <a:spcBef>
+                <a:spcPct val="0"/>
+              </a:spcBef>
+              <a:spcAft>
+                <a:spcPct val="0"/>
+              </a:spcAft>
+              <a:defRPr sz="3800">
+                <a:solidFill>
+                  <a:schemeClr val="tx2"/>
+                </a:solidFill>
+                <a:latin typeface="Verdana" panose="020B0604030504040204" pitchFamily="34" charset="0"/>
+                <a:ea typeface="宋体" panose="02010600030101010101" pitchFamily="2" charset="-122"/>
+              </a:defRPr>
+            </a:lvl8pPr>
+            <a:lvl9pPr marL="1828800" algn="l" rtl="0" fontAlgn="base">
+              <a:spcBef>
+                <a:spcPct val="0"/>
+              </a:spcBef>
+              <a:spcAft>
+                <a:spcPct val="0"/>
+              </a:spcAft>
+              <a:defRPr sz="3800">
+                <a:solidFill>
+                  <a:schemeClr val="tx2"/>
+                </a:solidFill>
+                <a:latin typeface="Verdana" panose="020B0604030504040204" pitchFamily="34" charset="0"/>
+                <a:ea typeface="宋体" panose="02010600030101010101" pitchFamily="2" charset="-122"/>
+              </a:defRPr>
+            </a:lvl9pPr>
+          </a:lstStyle>
+          <a:p>
+            <a:pPr eaLnBrk="1" hangingPunct="1"/>
+            <a:r>
+              <a:rPr lang="en-US" altLang="zh-CN" b="1" dirty="0" smtClean="0">
+                <a:latin typeface="黑体" panose="02010609060101010101" pitchFamily="2" charset="-122"/>
+                <a:ea typeface="黑体" panose="02010609060101010101" pitchFamily="2" charset="-122"/>
+              </a:rPr>
+              <a:t>3.8 </a:t>
+            </a:r>
+            <a:r>
+              <a:rPr lang="zh-CN" altLang="en-US" b="1" dirty="0" smtClean="0">
+                <a:latin typeface="黑体" panose="02010609060101010101" pitchFamily="2" charset="-122"/>
+                <a:ea typeface="黑体" panose="02010609060101010101" pitchFamily="2" charset="-122"/>
+              </a:rPr>
+              <a:t>状态迁移图</a:t>
+            </a:r>
+            <a:endParaRPr lang="zh-CN" altLang="en-US" b="1" dirty="0" smtClean="0">
+              <a:latin typeface="黑体" panose="02010609060101010101" pitchFamily="2" charset="-122"/>
+              <a:ea typeface="黑体" panose="02010609060101010101" pitchFamily="2" charset="-122"/>
+            </a:endParaRPr>
+          </a:p>
+        </p:txBody>
+      </p:sp>
+    </p:spTree>
+  </p:cSld>
+  <p:clrMapOvr>
+    <a:masterClrMapping/>
+  </p:clrMapOvr>
+  <p:transition>
+    <p:blinds dir="vert"/>
+  </p:transition>
+  <p:timing>
+    <p:tnLst>
+      <p:par>
+        <p:cTn id="1" dur="indefinite" restart="never" nodeType="tmRoot"/>
+      </p:par>
+    </p:tnLst>
+  </p:timing>
+</p:sld>
+</file>
+
+<file path=ppt/slides/slide11.xml><?xml version="1.0" encoding="utf-8"?>
+<p:sld xmlns:a="http://schemas.openxmlformats.org/drawingml/2006/main" xmlns:r="http://schemas.openxmlformats.org/officeDocument/2006/relationships" xmlns:p="http://schemas.openxmlformats.org/presentationml/2006/main" show="0">
+  <p:cSld>
+    <p:spTree>
+      <p:nvGrpSpPr>
+        <p:cNvPr id="1" name=""/>
+        <p:cNvGrpSpPr/>
+        <p:nvPr/>
+      </p:nvGrpSpPr>
+      <p:grpSpPr>
+        <a:xfrm>
+          <a:off x="0" y="0"/>
+          <a:ext cx="0" cy="0"/>
+          <a:chOff x="0" y="0"/>
+          <a:chExt cx="0" cy="0"/>
+        </a:xfrm>
+      </p:grpSpPr>
+      <p:sp>
+        <p:nvSpPr>
+          <p:cNvPr id="3" name="内容占位符 2"/>
+          <p:cNvSpPr>
+            <a:spLocks noGrp="1"/>
+          </p:cNvSpPr>
+          <p:nvPr>
+            <p:ph sz="half" idx="1"/>
+          </p:nvPr>
+        </p:nvSpPr>
+        <p:spPr>
+          <a:xfrm>
+            <a:off x="611505" y="1658620"/>
+            <a:ext cx="7972425" cy="5060315"/>
+          </a:xfrm>
+        </p:spPr>
+        <p:txBody>
+          <a:bodyPr>
+            <a:normAutofit/>
+          </a:bodyPr>
+          <a:lstStyle/>
+          <a:p>
+            <a:r>
+              <a:rPr lang="zh-CN" altLang="en-US" sz="3100" b="1" kern="1200" noProof="0" dirty="0" smtClean="0">
+                <a:ln>
+                  <a:noFill/>
+                </a:ln>
+                <a:effectLst/>
+                <a:uLnTx/>
+                <a:uFillTx/>
+                <a:latin typeface="宋体" panose="02010600030101010101" pitchFamily="2" charset="-122"/>
+                <a:ea typeface="宋体" panose="02010600030101010101" pitchFamily="2" charset="-122"/>
+                <a:cs typeface="+mj-cs"/>
+                <a:sym typeface="+mn-ea"/>
+              </a:rPr>
+              <a:t>根据如下图播放器提供的功能进行用例设计</a:t>
+            </a:r>
+            <a:endParaRPr kumimoji="0" lang="zh-CN" altLang="en-US" sz="3100" b="1" i="0" u="none" strike="noStrike" kern="1200" cap="none" spc="0" normalizeH="0" baseline="0" noProof="0" dirty="0" smtClean="0">
+              <a:ln>
+                <a:noFill/>
+              </a:ln>
+              <a:effectLst/>
+              <a:uLnTx/>
+              <a:uFillTx/>
+              <a:latin typeface="宋体" panose="02010600030101010101" pitchFamily="2" charset="-122"/>
+              <a:ea typeface="宋体" panose="02010600030101010101" pitchFamily="2" charset="-122"/>
+              <a:cs typeface="+mj-cs"/>
+              <a:sym typeface="+mn-ea"/>
+            </a:endParaRPr>
+          </a:p>
+          <a:p>
+            <a:endParaRPr lang="en-US" altLang="zh-CN" dirty="0" smtClean="0"/>
+          </a:p>
+          <a:p>
+            <a:pPr lvl="1"/>
+            <a:endParaRPr lang="en-US" altLang="zh-CN" dirty="0" smtClean="0"/>
+          </a:p>
+        </p:txBody>
+      </p:sp>
+      <p:sp>
+        <p:nvSpPr>
+          <p:cNvPr id="5" name="Rectangle 2"/>
+          <p:cNvSpPr txBox="1">
+            <a:spLocks noChangeArrowheads="1"/>
+          </p:cNvSpPr>
+          <p:nvPr/>
+        </p:nvSpPr>
+        <p:spPr bwMode="auto">
+          <a:xfrm>
+            <a:off x="574675" y="304800"/>
+            <a:ext cx="8001000" cy="1216025"/>
+          </a:xfrm>
+          <a:prstGeom prst="rect">
+            <a:avLst/>
+          </a:prstGeom>
+          <a:noFill/>
+          <a:ln>
+            <a:noFill/>
+          </a:ln>
+          <a:extLst>
+            <a:ext uri="{909E8E84-426E-40DD-AFC4-6F175D3DCCD1}">
+              <a14:hiddenFill xmlns:a14="http://schemas.microsoft.com/office/drawing/2010/main">
+                <a:solidFill>
+                  <a:srgbClr val="FFFFFF"/>
+                </a:solidFill>
+              </a14:hiddenFill>
+            </a:ext>
+            <a:ext uri="{91240B29-F687-4F45-9708-019B960494DF}">
+              <a14:hiddenLine xmlns:a14="http://schemas.microsoft.com/office/drawing/2010/main" w="9525">
+                <a:solidFill>
+                  <a:srgbClr val="000000"/>
+                </a:solidFill>
+                <a:miter lim="800000"/>
+                <a:headEnd/>
+                <a:tailEnd/>
+              </a14:hiddenLine>
+            </a:ext>
+          </a:extLst>
+        </p:spPr>
+        <p:txBody>
+          <a:bodyPr vert="horz" wrap="square" lIns="91440" tIns="45720" rIns="91440" bIns="45720" numCol="1" anchor="b" anchorCtr="0" compatLnSpc="1"/>
+          <a:lstStyle>
+            <a:lvl1pPr algn="l" rtl="0" eaLnBrk="0" fontAlgn="base" hangingPunct="0">
+              <a:spcBef>
+                <a:spcPct val="0"/>
+              </a:spcBef>
+              <a:spcAft>
+                <a:spcPct val="0"/>
+              </a:spcAft>
+              <a:defRPr sz="3800">
+                <a:solidFill>
+                  <a:schemeClr val="tx2"/>
+                </a:solidFill>
+                <a:latin typeface="+mj-lt"/>
+                <a:ea typeface="+mj-ea"/>
+                <a:cs typeface="+mj-cs"/>
+              </a:defRPr>
+            </a:lvl1pPr>
+            <a:lvl2pPr algn="l" rtl="0" eaLnBrk="0" fontAlgn="base" hangingPunct="0">
+              <a:spcBef>
+                <a:spcPct val="0"/>
+              </a:spcBef>
+              <a:spcAft>
+                <a:spcPct val="0"/>
+              </a:spcAft>
+              <a:defRPr sz="3800">
+                <a:solidFill>
+                  <a:schemeClr val="tx2"/>
+                </a:solidFill>
+                <a:latin typeface="Verdana" panose="020B0604030504040204" pitchFamily="34" charset="0"/>
+                <a:ea typeface="宋体" panose="02010600030101010101" pitchFamily="2" charset="-122"/>
+              </a:defRPr>
+            </a:lvl2pPr>
+            <a:lvl3pPr algn="l" rtl="0" eaLnBrk="0" fontAlgn="base" hangingPunct="0">
+              <a:spcBef>
+                <a:spcPct val="0"/>
+              </a:spcBef>
+              <a:spcAft>
+                <a:spcPct val="0"/>
+              </a:spcAft>
+              <a:defRPr sz="3800">
+                <a:solidFill>
+                  <a:schemeClr val="tx2"/>
+                </a:solidFill>
+                <a:latin typeface="Verdana" panose="020B0604030504040204" pitchFamily="34" charset="0"/>
+                <a:ea typeface="宋体" panose="02010600030101010101" pitchFamily="2" charset="-122"/>
+              </a:defRPr>
+            </a:lvl3pPr>
+            <a:lvl4pPr algn="l" rtl="0" eaLnBrk="0" fontAlgn="base" hangingPunct="0">
+              <a:spcBef>
+                <a:spcPct val="0"/>
+              </a:spcBef>
+              <a:spcAft>
+                <a:spcPct val="0"/>
+              </a:spcAft>
+              <a:defRPr sz="3800">
+                <a:solidFill>
+                  <a:schemeClr val="tx2"/>
+                </a:solidFill>
+                <a:latin typeface="Verdana" panose="020B0604030504040204" pitchFamily="34" charset="0"/>
+                <a:ea typeface="宋体" panose="02010600030101010101" pitchFamily="2" charset="-122"/>
+              </a:defRPr>
+            </a:lvl4pPr>
+            <a:lvl5pPr algn="l" rtl="0" eaLnBrk="0" fontAlgn="base" hangingPunct="0">
+              <a:spcBef>
+                <a:spcPct val="0"/>
+              </a:spcBef>
+              <a:spcAft>
+                <a:spcPct val="0"/>
+              </a:spcAft>
+              <a:defRPr sz="3800">
+                <a:solidFill>
+                  <a:schemeClr val="tx2"/>
+                </a:solidFill>
+                <a:latin typeface="Verdana" panose="020B0604030504040204" pitchFamily="34" charset="0"/>
+                <a:ea typeface="宋体" panose="02010600030101010101" pitchFamily="2" charset="-122"/>
+              </a:defRPr>
+            </a:lvl5pPr>
+            <a:lvl6pPr marL="457200" algn="l" rtl="0" fontAlgn="base">
+              <a:spcBef>
+                <a:spcPct val="0"/>
+              </a:spcBef>
+              <a:spcAft>
+                <a:spcPct val="0"/>
+              </a:spcAft>
+              <a:defRPr sz="3800">
+                <a:solidFill>
+                  <a:schemeClr val="tx2"/>
+                </a:solidFill>
+                <a:latin typeface="Verdana" panose="020B0604030504040204" pitchFamily="34" charset="0"/>
+                <a:ea typeface="宋体" panose="02010600030101010101" pitchFamily="2" charset="-122"/>
+              </a:defRPr>
+            </a:lvl6pPr>
+            <a:lvl7pPr marL="914400" algn="l" rtl="0" fontAlgn="base">
+              <a:spcBef>
+                <a:spcPct val="0"/>
+              </a:spcBef>
+              <a:spcAft>
+                <a:spcPct val="0"/>
+              </a:spcAft>
+              <a:defRPr sz="3800">
+                <a:solidFill>
+                  <a:schemeClr val="tx2"/>
+                </a:solidFill>
+                <a:latin typeface="Verdana" panose="020B0604030504040204" pitchFamily="34" charset="0"/>
+                <a:ea typeface="宋体" panose="02010600030101010101" pitchFamily="2" charset="-122"/>
+              </a:defRPr>
+            </a:lvl7pPr>
+            <a:lvl8pPr marL="1371600" algn="l" rtl="0" fontAlgn="base">
+              <a:spcBef>
+                <a:spcPct val="0"/>
+              </a:spcBef>
+              <a:spcAft>
+                <a:spcPct val="0"/>
+              </a:spcAft>
+              <a:defRPr sz="3800">
+                <a:solidFill>
+                  <a:schemeClr val="tx2"/>
+                </a:solidFill>
+                <a:latin typeface="Verdana" panose="020B0604030504040204" pitchFamily="34" charset="0"/>
+                <a:ea typeface="宋体" panose="02010600030101010101" pitchFamily="2" charset="-122"/>
+              </a:defRPr>
+            </a:lvl8pPr>
+            <a:lvl9pPr marL="1828800" algn="l" rtl="0" fontAlgn="base">
+              <a:spcBef>
+                <a:spcPct val="0"/>
+              </a:spcBef>
+              <a:spcAft>
+                <a:spcPct val="0"/>
+              </a:spcAft>
+              <a:defRPr sz="3800">
+                <a:solidFill>
+                  <a:schemeClr val="tx2"/>
+                </a:solidFill>
+                <a:latin typeface="Verdana" panose="020B0604030504040204" pitchFamily="34" charset="0"/>
+                <a:ea typeface="宋体" panose="02010600030101010101" pitchFamily="2" charset="-122"/>
+              </a:defRPr>
+            </a:lvl9pPr>
+          </a:lstStyle>
+          <a:p>
+            <a:pPr eaLnBrk="1" hangingPunct="1"/>
+            <a:r>
+              <a:rPr lang="en-US" altLang="zh-CN" b="1" dirty="0" smtClean="0">
+                <a:latin typeface="黑体" panose="02010609060101010101" pitchFamily="2" charset="-122"/>
+                <a:ea typeface="黑体" panose="02010609060101010101" pitchFamily="2" charset="-122"/>
+              </a:rPr>
+              <a:t>3.8 </a:t>
+            </a:r>
+            <a:r>
+              <a:rPr lang="zh-CN" altLang="en-US" b="1" dirty="0" smtClean="0">
+                <a:latin typeface="黑体" panose="02010609060101010101" pitchFamily="2" charset="-122"/>
+                <a:ea typeface="黑体" panose="02010609060101010101" pitchFamily="2" charset="-122"/>
+              </a:rPr>
+              <a:t>状态迁移图</a:t>
+            </a:r>
+            <a:endParaRPr lang="zh-CN" altLang="en-US" b="1" dirty="0" smtClean="0">
+              <a:latin typeface="黑体" panose="02010609060101010101" pitchFamily="2" charset="-122"/>
+              <a:ea typeface="黑体" panose="02010609060101010101" pitchFamily="2" charset="-122"/>
+            </a:endParaRPr>
+          </a:p>
+        </p:txBody>
+      </p:sp>
+      <p:pic>
+        <p:nvPicPr>
+          <p:cNvPr id="2" name="图片 1"/>
+          <p:cNvPicPr>
+            <a:picLocks noChangeAspect="1"/>
+          </p:cNvPicPr>
+          <p:nvPr/>
+        </p:nvPicPr>
+        <p:blipFill>
+          <a:blip r:embed="rId1"/>
+          <a:stretch>
+            <a:fillRect/>
+          </a:stretch>
+        </p:blipFill>
+        <p:spPr>
+          <a:xfrm>
+            <a:off x="2685552" y="2491720"/>
+            <a:ext cx="6100511" cy="1028657"/>
+          </a:xfrm>
+          <a:prstGeom prst="rect">
+            <a:avLst/>
+          </a:prstGeom>
+        </p:spPr>
+      </p:pic>
+      <p:sp>
+        <p:nvSpPr>
+          <p:cNvPr id="4" name="内容占位符 2"/>
+          <p:cNvSpPr>
+            <a:spLocks noGrp="1"/>
+          </p:cNvSpPr>
+          <p:nvPr/>
+        </p:nvSpPr>
+        <p:spPr>
+          <a:xfrm>
+            <a:off x="944880" y="3242945"/>
+            <a:ext cx="3391535" cy="3036570"/>
+          </a:xfrm>
+          <a:prstGeom prst="rect">
+            <a:avLst/>
+          </a:prstGeom>
+        </p:spPr>
+        <p:txBody>
+          <a:bodyPr vert="horz" lIns="91440" tIns="45720" rIns="91440" bIns="45720" rtlCol="0">
+            <a:normAutofit/>
+          </a:bodyPr>
+          <a:lstStyle>
+            <a:lvl1pPr marL="228600" indent="-228600" algn="l" defTabSz="914400" rtl="0" eaLnBrk="1" latinLnBrk="0" hangingPunct="1">
+              <a:lnSpc>
+                <a:spcPct val="150000"/>
+              </a:lnSpc>
+              <a:spcBef>
+                <a:spcPts val="1000"/>
+              </a:spcBef>
+              <a:buFont typeface="Arial" panose="020B0604020202020204" pitchFamily="34" charset="0"/>
+              <a:buChar char="•"/>
+              <a:defRPr sz="2800" b="1" kern="1200" baseline="0">
+                <a:solidFill>
+                  <a:schemeClr val="tx1"/>
+                </a:solidFill>
+                <a:latin typeface="Times New Roman" panose="02020603050405020304" pitchFamily="18" charset="0"/>
+                <a:ea typeface="楷体" panose="02010609060101010101" pitchFamily="49" charset="-122"/>
+                <a:cs typeface="+mn-cs"/>
+              </a:defRPr>
+            </a:lvl1pPr>
+            <a:lvl2pPr marL="685800" indent="-228600" algn="l" defTabSz="914400" rtl="0" eaLnBrk="1" latinLnBrk="0" hangingPunct="1">
+              <a:lnSpc>
+                <a:spcPct val="150000"/>
+              </a:lnSpc>
+              <a:spcBef>
+                <a:spcPts val="500"/>
+              </a:spcBef>
+              <a:buFont typeface="Arial" panose="020B0604020202020204" pitchFamily="34" charset="0"/>
+              <a:buChar char="•"/>
+              <a:defRPr sz="2700" b="1" kern="1200" baseline="0">
+                <a:solidFill>
+                  <a:schemeClr val="tx1"/>
+                </a:solidFill>
+                <a:latin typeface="Times New Roman" panose="02020603050405020304" pitchFamily="18" charset="0"/>
+                <a:ea typeface="楷体" panose="02010609060101010101" pitchFamily="49" charset="-122"/>
+                <a:cs typeface="+mn-cs"/>
+              </a:defRPr>
+            </a:lvl2pPr>
+            <a:lvl3pPr marL="1143000" indent="-228600" algn="l" defTabSz="914400" rtl="0" eaLnBrk="1" latinLnBrk="0" hangingPunct="1">
+              <a:lnSpc>
+                <a:spcPct val="150000"/>
+              </a:lnSpc>
+              <a:spcBef>
+                <a:spcPts val="500"/>
+              </a:spcBef>
+              <a:buFont typeface="Arial" panose="020B0604020202020204" pitchFamily="34" charset="0"/>
+              <a:buChar char="•"/>
+              <a:defRPr sz="2600" b="1" kern="1200" baseline="0">
+                <a:solidFill>
+                  <a:schemeClr val="tx1"/>
+                </a:solidFill>
+                <a:latin typeface="Times New Roman" panose="02020603050405020304" pitchFamily="18" charset="0"/>
+                <a:ea typeface="楷体" panose="02010609060101010101" pitchFamily="49" charset="-122"/>
+                <a:cs typeface="+mn-cs"/>
+              </a:defRPr>
+            </a:lvl3pPr>
+            <a:lvl4pPr marL="1600200" indent="-228600" algn="l" defTabSz="914400" rtl="0" eaLnBrk="1" latinLnBrk="0" hangingPunct="1">
+              <a:lnSpc>
+                <a:spcPct val="150000"/>
+              </a:lnSpc>
+              <a:spcBef>
+                <a:spcPts val="500"/>
+              </a:spcBef>
+              <a:buFont typeface="Arial" panose="020B0604020202020204" pitchFamily="34" charset="0"/>
+              <a:buChar char="•"/>
+              <a:defRPr sz="2500" b="1" kern="1200" baseline="0">
+                <a:solidFill>
+                  <a:schemeClr val="tx1"/>
+                </a:solidFill>
+                <a:latin typeface="Times New Roman" panose="02020603050405020304" pitchFamily="18" charset="0"/>
+                <a:ea typeface="楷体" panose="02010609060101010101" pitchFamily="49" charset="-122"/>
+                <a:cs typeface="+mn-cs"/>
+              </a:defRPr>
+            </a:lvl4pPr>
+            <a:lvl5pPr marL="2057400" indent="-228600" algn="l" defTabSz="914400" rtl="0" eaLnBrk="1" latinLnBrk="0" hangingPunct="1">
+              <a:lnSpc>
+                <a:spcPct val="150000"/>
+              </a:lnSpc>
+              <a:spcBef>
+                <a:spcPts val="500"/>
+              </a:spcBef>
+              <a:buFont typeface="Arial" panose="020B0604020202020204" pitchFamily="34" charset="0"/>
+              <a:buChar char="•"/>
+              <a:defRPr sz="2400" b="1" kern="1200" baseline="0">
+                <a:solidFill>
+                  <a:schemeClr val="tx1"/>
+                </a:solidFill>
+                <a:latin typeface="Times New Roman" panose="02020603050405020304" pitchFamily="18" charset="0"/>
+                <a:ea typeface="楷体" panose="02010609060101010101" pitchFamily="49" charset="-122"/>
+                <a:cs typeface="+mn-cs"/>
+              </a:defRPr>
+            </a:lvl5pPr>
+            <a:lvl6pPr marL="2514600" indent="-228600" algn="l" defTabSz="914400" rtl="0" eaLnBrk="1" latinLnBrk="0" hangingPunct="1">
+              <a:lnSpc>
+                <a:spcPct val="90000"/>
+              </a:lnSpc>
+              <a:spcBef>
+                <a:spcPts val="500"/>
+              </a:spcBef>
+              <a:buFont typeface="Arial" panose="020B0604020202020204" pitchFamily="34" charset="0"/>
+              <a:buChar char="•"/>
+              <a:defRPr sz="1800" kern="1200">
+                <a:solidFill>
+                  <a:schemeClr val="tx1"/>
+                </a:solidFill>
+                <a:latin typeface="+mn-lt"/>
+                <a:ea typeface="+mn-ea"/>
+                <a:cs typeface="+mn-cs"/>
+              </a:defRPr>
+            </a:lvl6pPr>
+            <a:lvl7pPr marL="2971800" indent="-228600" algn="l" defTabSz="914400" rtl="0" eaLnBrk="1" latinLnBrk="0" hangingPunct="1">
+              <a:lnSpc>
+                <a:spcPct val="90000"/>
+              </a:lnSpc>
+              <a:spcBef>
+                <a:spcPts val="500"/>
+              </a:spcBef>
+              <a:buFont typeface="Arial" panose="020B0604020202020204" pitchFamily="34" charset="0"/>
+              <a:buChar char="•"/>
+              <a:defRPr sz="1800" kern="1200">
+                <a:solidFill>
+                  <a:schemeClr val="tx1"/>
+                </a:solidFill>
+                <a:latin typeface="+mn-lt"/>
+                <a:ea typeface="+mn-ea"/>
+                <a:cs typeface="+mn-cs"/>
+              </a:defRPr>
+            </a:lvl7pPr>
+            <a:lvl8pPr marL="3429000" indent="-228600" algn="l" defTabSz="914400" rtl="0" eaLnBrk="1" latinLnBrk="0" hangingPunct="1">
+              <a:lnSpc>
+                <a:spcPct val="90000"/>
+              </a:lnSpc>
+              <a:spcBef>
+                <a:spcPts val="500"/>
+              </a:spcBef>
+              <a:buFont typeface="Arial" panose="020B0604020202020204" pitchFamily="34" charset="0"/>
+              <a:buChar char="•"/>
+              <a:defRPr sz="1800" kern="1200">
+                <a:solidFill>
+                  <a:schemeClr val="tx1"/>
+                </a:solidFill>
+                <a:latin typeface="+mn-lt"/>
+                <a:ea typeface="+mn-ea"/>
+                <a:cs typeface="+mn-cs"/>
+              </a:defRPr>
+            </a:lvl8pPr>
+            <a:lvl9pPr marL="3886200" indent="-228600" algn="l" defTabSz="914400" rtl="0" eaLnBrk="1" latinLnBrk="0" hangingPunct="1">
+              <a:lnSpc>
+                <a:spcPct val="90000"/>
+              </a:lnSpc>
+              <a:spcBef>
+                <a:spcPts val="500"/>
+              </a:spcBef>
+              <a:buFont typeface="Arial" panose="020B0604020202020204" pitchFamily="34" charset="0"/>
+              <a:buChar char="•"/>
+              <a:defRPr sz="1800" kern="1200">
+                <a:solidFill>
+                  <a:schemeClr val="tx1"/>
+                </a:solidFill>
+                <a:latin typeface="+mn-lt"/>
+                <a:ea typeface="+mn-ea"/>
+                <a:cs typeface="+mn-cs"/>
+              </a:defRPr>
+            </a:lvl9pPr>
+          </a:lstStyle>
+          <a:p>
+            <a:pPr>
+              <a:lnSpc>
+                <a:spcPct val="100000"/>
+              </a:lnSpc>
+            </a:pPr>
+            <a:r>
+              <a:rPr lang="zh-CN" altLang="en-US" dirty="0" smtClean="0">
+                <a:latin typeface="宋体" panose="02010600030101010101" pitchFamily="2" charset="-122"/>
+                <a:ea typeface="宋体" panose="02010600030101010101" pitchFamily="2" charset="-122"/>
+              </a:rPr>
+              <a:t>播放</a:t>
+            </a:r>
+            <a:endParaRPr lang="en-US" altLang="zh-CN" dirty="0" smtClean="0">
+              <a:latin typeface="宋体" panose="02010600030101010101" pitchFamily="2" charset="-122"/>
+              <a:ea typeface="宋体" panose="02010600030101010101" pitchFamily="2" charset="-122"/>
+            </a:endParaRPr>
+          </a:p>
+          <a:p>
+            <a:pPr>
+              <a:lnSpc>
+                <a:spcPct val="100000"/>
+              </a:lnSpc>
+            </a:pPr>
+            <a:r>
+              <a:rPr lang="zh-CN" altLang="en-US" dirty="0" smtClean="0">
+                <a:latin typeface="宋体" panose="02010600030101010101" pitchFamily="2" charset="-122"/>
+                <a:ea typeface="宋体" panose="02010600030101010101" pitchFamily="2" charset="-122"/>
+              </a:rPr>
+              <a:t>前进</a:t>
+            </a:r>
+            <a:endParaRPr lang="en-US" altLang="zh-CN" dirty="0" smtClean="0">
+              <a:latin typeface="宋体" panose="02010600030101010101" pitchFamily="2" charset="-122"/>
+              <a:ea typeface="宋体" panose="02010600030101010101" pitchFamily="2" charset="-122"/>
+            </a:endParaRPr>
+          </a:p>
+          <a:p>
+            <a:pPr>
+              <a:lnSpc>
+                <a:spcPct val="100000"/>
+              </a:lnSpc>
+            </a:pPr>
+            <a:r>
+              <a:rPr lang="zh-CN" altLang="en-US" dirty="0" smtClean="0">
+                <a:latin typeface="宋体" panose="02010600030101010101" pitchFamily="2" charset="-122"/>
+                <a:ea typeface="宋体" panose="02010600030101010101" pitchFamily="2" charset="-122"/>
+              </a:rPr>
+              <a:t>后退</a:t>
+            </a:r>
+            <a:endParaRPr lang="en-US" altLang="zh-CN" dirty="0" smtClean="0">
+              <a:latin typeface="宋体" panose="02010600030101010101" pitchFamily="2" charset="-122"/>
+              <a:ea typeface="宋体" panose="02010600030101010101" pitchFamily="2" charset="-122"/>
+            </a:endParaRPr>
+          </a:p>
+          <a:p>
+            <a:pPr>
+              <a:lnSpc>
+                <a:spcPct val="100000"/>
+              </a:lnSpc>
+            </a:pPr>
+            <a:r>
+              <a:rPr lang="zh-CN" altLang="en-US" dirty="0" smtClean="0">
+                <a:latin typeface="宋体" panose="02010600030101010101" pitchFamily="2" charset="-122"/>
+                <a:ea typeface="宋体" panose="02010600030101010101" pitchFamily="2" charset="-122"/>
+              </a:rPr>
+              <a:t>暂停</a:t>
+            </a:r>
+            <a:endParaRPr lang="en-US" altLang="zh-CN" dirty="0" smtClean="0">
+              <a:latin typeface="宋体" panose="02010600030101010101" pitchFamily="2" charset="-122"/>
+              <a:ea typeface="宋体" panose="02010600030101010101" pitchFamily="2" charset="-122"/>
+            </a:endParaRPr>
+          </a:p>
+          <a:p>
+            <a:pPr>
+              <a:lnSpc>
+                <a:spcPct val="100000"/>
+              </a:lnSpc>
+            </a:pPr>
+            <a:r>
+              <a:rPr lang="zh-CN" altLang="en-US" dirty="0" smtClean="0">
+                <a:latin typeface="宋体" panose="02010600030101010101" pitchFamily="2" charset="-122"/>
+                <a:ea typeface="宋体" panose="02010600030101010101" pitchFamily="2" charset="-122"/>
+              </a:rPr>
+              <a:t>停止等功能</a:t>
+            </a:r>
+            <a:endParaRPr lang="zh-CN" altLang="en-US" dirty="0">
+              <a:latin typeface="宋体" panose="02010600030101010101" pitchFamily="2" charset="-122"/>
+              <a:ea typeface="宋体" panose="02010600030101010101" pitchFamily="2" charset="-122"/>
+            </a:endParaRPr>
+          </a:p>
+        </p:txBody>
+      </p:sp>
+    </p:spTree>
+  </p:cSld>
+  <p:clrMapOvr>
+    <a:masterClrMapping/>
+  </p:clrMapOvr>
+  <p:transition>
+    <p:blinds dir="vert"/>
+  </p:transition>
+  <p:timing>
+    <p:tnLst>
+      <p:par>
+        <p:cTn id="1" dur="indefinite" restart="never" nodeType="tmRoot"/>
+      </p:par>
+    </p:tnLst>
+  </p:timing>
+</p:sld>
+</file>
+
+<file path=ppt/slides/slide12.xml><?xml version="1.0" encoding="utf-8"?>
 <p:sld xmlns:a="http://schemas.openxmlformats.org/drawingml/2006/main" xmlns:r="http://schemas.openxmlformats.org/officeDocument/2006/relationships" xmlns:p="http://schemas.openxmlformats.org/presentationml/2006/main">
   <p:cSld>
     <p:spTree>
@@ -6011,7 +6819,7 @@
           </a:bodyPr>
           <a:lstStyle/>
           <a:p>
-            <a:pPr marL="57122" lvl="1">
+            <a:pPr marL="57150" lvl="1">
               <a:lnSpc>
                 <a:spcPct val="150000"/>
               </a:lnSpc>
@@ -6047,8 +6855,8 @@
         </p:nvSpPr>
         <p:spPr>
           <a:xfrm>
-            <a:off x="611560" y="1772816"/>
-            <a:ext cx="7344816" cy="4548938"/>
+            <a:off x="611560" y="1629306"/>
+            <a:ext cx="7344816" cy="4545965"/>
           </a:xfrm>
           <a:prstGeom prst="rect">
             <a:avLst/>
@@ -6070,7 +6878,7 @@
               <a:buClr>
                 <a:schemeClr val="accent2"/>
               </a:buClr>
-              <a:buFont typeface="Wingdings" pitchFamily="2" charset="2"/>
+              <a:buFont typeface="Wingdings" panose="05000000000000000000" pitchFamily="2" charset="2"/>
               <a:buChar char="o"/>
             </a:pPr>
             <a:r>
@@ -6078,7 +6886,7 @@
                 <a:latin typeface="+mn-lt"/>
                 <a:ea typeface="+mn-ea"/>
               </a:rPr>
-              <a:t>什么是状态转换法设计测试用例</a:t>
+              <a:t>什么是状态迁移图法设计测试用例</a:t>
             </a:r>
             <a:endParaRPr lang="en-US" altLang="zh-CN" sz="3100" b="1" dirty="0">
               <a:latin typeface="+mn-lt"/>
@@ -6096,7 +6904,7 @@
               <a:buClr>
                 <a:schemeClr val="accent2"/>
               </a:buClr>
-              <a:buFont typeface="Wingdings" pitchFamily="2" charset="2"/>
+              <a:buFont typeface="Wingdings" panose="05000000000000000000" pitchFamily="2" charset="2"/>
               <a:buChar char="o"/>
             </a:pPr>
             <a:r>
@@ -6104,7 +6912,7 @@
                 <a:latin typeface="+mn-lt"/>
                 <a:ea typeface="+mn-ea"/>
               </a:rPr>
-              <a:t>怎样使用状态转换法设计</a:t>
+              <a:t>怎样使用状态迁移图法设计</a:t>
             </a:r>
             <a:r>
               <a:rPr lang="zh-CN" altLang="en-US" sz="3100" b="1" dirty="0" smtClean="0">
@@ -6119,7 +6927,7 @@
             </a:endParaRPr>
           </a:p>
           <a:p>
-            <a:pPr marL="908050" lvl="1" indent="-436563" eaLnBrk="0" hangingPunct="0">
+            <a:pPr marL="908050" lvl="1" indent="-436880" eaLnBrk="0" hangingPunct="0">
               <a:lnSpc>
                 <a:spcPct val="150000"/>
               </a:lnSpc>
@@ -6129,7 +6937,7 @@
               <a:buClr>
                 <a:schemeClr val="accent2"/>
               </a:buClr>
-              <a:buFont typeface="Wingdings" pitchFamily="2" charset="2"/>
+              <a:buFont typeface="Wingdings" panose="05000000000000000000" pitchFamily="2" charset="2"/>
               <a:buChar char="n"/>
             </a:pPr>
             <a:r>
@@ -6137,14 +6945,7 @@
                 <a:latin typeface="+mn-lt"/>
                 <a:ea typeface="+mn-ea"/>
               </a:rPr>
-              <a:t>分析</a:t>
-            </a:r>
-            <a:r>
-              <a:rPr lang="zh-CN" altLang="en-US" sz="2700" b="1" dirty="0">
-                <a:latin typeface="+mn-lt"/>
-                <a:ea typeface="+mn-ea"/>
-              </a:rPr>
-              <a:t>需求并画出状态转换图</a:t>
+              <a:t>分析需求并画出状态转换图</a:t>
             </a:r>
             <a:endParaRPr lang="en-US" altLang="zh-CN" sz="2700" b="1" dirty="0">
               <a:latin typeface="+mn-lt"/>
@@ -6152,7 +6953,7 @@
             </a:endParaRPr>
           </a:p>
           <a:p>
-            <a:pPr marL="908050" lvl="1" indent="-436563" eaLnBrk="0" hangingPunct="0">
+            <a:pPr marL="908050" lvl="1" indent="-436880" eaLnBrk="0" hangingPunct="0">
               <a:lnSpc>
                 <a:spcPct val="150000"/>
               </a:lnSpc>
@@ -6162,7 +6963,7 @@
               <a:buClr>
                 <a:schemeClr val="accent2"/>
               </a:buClr>
-              <a:buFont typeface="Wingdings" pitchFamily="2" charset="2"/>
+              <a:buFont typeface="Wingdings" panose="05000000000000000000" pitchFamily="2" charset="2"/>
               <a:buChar char="n"/>
             </a:pPr>
             <a:r>
@@ -6185,7 +6986,7 @@
             </a:endParaRPr>
           </a:p>
           <a:p>
-            <a:pPr marL="908050" lvl="1" indent="-436563" eaLnBrk="0" hangingPunct="0">
+            <a:pPr marL="908050" lvl="1" indent="-436880" eaLnBrk="0" hangingPunct="0">
               <a:lnSpc>
                 <a:spcPct val="150000"/>
               </a:lnSpc>
@@ -6195,7 +6996,7 @@
               <a:buClr>
                 <a:schemeClr val="accent2"/>
               </a:buClr>
-              <a:buFont typeface="Wingdings" pitchFamily="2" charset="2"/>
+              <a:buFont typeface="Wingdings" panose="05000000000000000000" pitchFamily="2" charset="2"/>
               <a:buChar char="n"/>
             </a:pPr>
             <a:r>
@@ -6228,7 +7029,7 @@
               <a:buClr>
                 <a:schemeClr val="accent2"/>
               </a:buClr>
-              <a:buFont typeface="Wingdings" pitchFamily="2" charset="2"/>
+              <a:buFont typeface="Wingdings" panose="05000000000000000000" pitchFamily="2" charset="2"/>
               <a:buChar char="o"/>
             </a:pPr>
             <a:r>
@@ -6286,11 +7087,7 @@
           </a:extLst>
         </p:spPr>
         <p:txBody>
-          <a:bodyPr vert="horz" wrap="square" lIns="91440" tIns="45720" rIns="91440" bIns="45720" numCol="1" anchor="b" anchorCtr="0" compatLnSpc="1">
-            <a:prstTxWarp prst="textNoShape">
-              <a:avLst/>
-            </a:prstTxWarp>
-          </a:bodyPr>
+          <a:bodyPr vert="horz" wrap="square" lIns="91440" tIns="45720" rIns="91440" bIns="45720" numCol="1" anchor="b" anchorCtr="0" compatLnSpc="1"/>
           <a:lstStyle>
             <a:lvl1pPr algn="l" rtl="0" eaLnBrk="0" fontAlgn="base" hangingPunct="0">
               <a:spcBef>
@@ -6319,8 +7116,8 @@
                 <a:solidFill>
                   <a:schemeClr val="tx2"/>
                 </a:solidFill>
-                <a:latin typeface="Verdana" pitchFamily="34" charset="0"/>
-                <a:ea typeface="宋体" pitchFamily="2" charset="-122"/>
+                <a:latin typeface="Verdana" panose="020B0604030504040204" pitchFamily="34" charset="0"/>
+                <a:ea typeface="宋体" panose="02010600030101010101" pitchFamily="2" charset="-122"/>
               </a:defRPr>
             </a:lvl2pPr>
             <a:lvl3pPr algn="l" rtl="0" eaLnBrk="0" fontAlgn="base" hangingPunct="0">
@@ -6334,8 +7131,8 @@
                 <a:solidFill>
                   <a:schemeClr val="tx2"/>
                 </a:solidFill>
-                <a:latin typeface="Verdana" pitchFamily="34" charset="0"/>
-                <a:ea typeface="宋体" pitchFamily="2" charset="-122"/>
+                <a:latin typeface="Verdana" panose="020B0604030504040204" pitchFamily="34" charset="0"/>
+                <a:ea typeface="宋体" panose="02010600030101010101" pitchFamily="2" charset="-122"/>
               </a:defRPr>
             </a:lvl3pPr>
             <a:lvl4pPr algn="l" rtl="0" eaLnBrk="0" fontAlgn="base" hangingPunct="0">
@@ -6349,8 +7146,8 @@
                 <a:solidFill>
                   <a:schemeClr val="tx2"/>
                 </a:solidFill>
-                <a:latin typeface="Verdana" pitchFamily="34" charset="0"/>
-                <a:ea typeface="宋体" pitchFamily="2" charset="-122"/>
+                <a:latin typeface="Verdana" panose="020B0604030504040204" pitchFamily="34" charset="0"/>
+                <a:ea typeface="宋体" panose="02010600030101010101" pitchFamily="2" charset="-122"/>
               </a:defRPr>
             </a:lvl4pPr>
             <a:lvl5pPr algn="l" rtl="0" eaLnBrk="0" fontAlgn="base" hangingPunct="0">
@@ -6364,8 +7161,8 @@
                 <a:solidFill>
                   <a:schemeClr val="tx2"/>
                 </a:solidFill>
-                <a:latin typeface="Verdana" pitchFamily="34" charset="0"/>
-                <a:ea typeface="宋体" pitchFamily="2" charset="-122"/>
+                <a:latin typeface="Verdana" panose="020B0604030504040204" pitchFamily="34" charset="0"/>
+                <a:ea typeface="宋体" panose="02010600030101010101" pitchFamily="2" charset="-122"/>
               </a:defRPr>
             </a:lvl5pPr>
             <a:lvl6pPr marL="457200" algn="l" rtl="0" fontAlgn="base">
@@ -6379,8 +7176,8 @@
                 <a:solidFill>
                   <a:schemeClr val="tx2"/>
                 </a:solidFill>
-                <a:latin typeface="Verdana" pitchFamily="34" charset="0"/>
-                <a:ea typeface="宋体" pitchFamily="2" charset="-122"/>
+                <a:latin typeface="Verdana" panose="020B0604030504040204" pitchFamily="34" charset="0"/>
+                <a:ea typeface="宋体" panose="02010600030101010101" pitchFamily="2" charset="-122"/>
               </a:defRPr>
             </a:lvl6pPr>
             <a:lvl7pPr marL="914400" algn="l" rtl="0" fontAlgn="base">
@@ -6394,8 +7191,8 @@
                 <a:solidFill>
                   <a:schemeClr val="tx2"/>
                 </a:solidFill>
-                <a:latin typeface="Verdana" pitchFamily="34" charset="0"/>
-                <a:ea typeface="宋体" pitchFamily="2" charset="-122"/>
+                <a:latin typeface="Verdana" panose="020B0604030504040204" pitchFamily="34" charset="0"/>
+                <a:ea typeface="宋体" panose="02010600030101010101" pitchFamily="2" charset="-122"/>
               </a:defRPr>
             </a:lvl7pPr>
             <a:lvl8pPr marL="1371600" algn="l" rtl="0" fontAlgn="base">
@@ -6409,8 +7206,8 @@
                 <a:solidFill>
                   <a:schemeClr val="tx2"/>
                 </a:solidFill>
-                <a:latin typeface="Verdana" pitchFamily="34" charset="0"/>
-                <a:ea typeface="宋体" pitchFamily="2" charset="-122"/>
+                <a:latin typeface="Verdana" panose="020B0604030504040204" pitchFamily="34" charset="0"/>
+                <a:ea typeface="宋体" panose="02010600030101010101" pitchFamily="2" charset="-122"/>
               </a:defRPr>
             </a:lvl8pPr>
             <a:lvl9pPr marL="1828800" algn="l" rtl="0" fontAlgn="base">
@@ -6424,8 +7221,8 @@
                 <a:solidFill>
                   <a:schemeClr val="tx2"/>
                 </a:solidFill>
-                <a:latin typeface="Verdana" pitchFamily="34" charset="0"/>
-                <a:ea typeface="宋体" pitchFamily="2" charset="-122"/>
+                <a:latin typeface="Verdana" panose="020B0604030504040204" pitchFamily="34" charset="0"/>
+                <a:ea typeface="宋体" panose="02010600030101010101" pitchFamily="2" charset="-122"/>
               </a:defRPr>
             </a:lvl9pPr>
           </a:lstStyle>
@@ -6433,56 +7230,51 @@
             <a:pPr eaLnBrk="1" hangingPunct="1"/>
             <a:r>
               <a:rPr lang="en-US" altLang="zh-CN" b="1" dirty="0" smtClean="0">
-                <a:latin typeface="黑体" pitchFamily="2" charset="-122"/>
-                <a:ea typeface="黑体" pitchFamily="2" charset="-122"/>
+                <a:latin typeface="黑体" panose="02010609060101010101" pitchFamily="2" charset="-122"/>
+                <a:ea typeface="黑体" panose="02010609060101010101" pitchFamily="2" charset="-122"/>
               </a:rPr>
               <a:t>3.8 </a:t>
             </a:r>
             <a:r>
               <a:rPr lang="zh-CN" altLang="en-US" b="1" dirty="0" smtClean="0">
-                <a:latin typeface="黑体" pitchFamily="2" charset="-122"/>
-                <a:ea typeface="黑体" pitchFamily="2" charset="-122"/>
+                <a:latin typeface="黑体" panose="02010609060101010101" pitchFamily="2" charset="-122"/>
+                <a:ea typeface="黑体" panose="02010609060101010101" pitchFamily="2" charset="-122"/>
               </a:rPr>
               <a:t>状态迁移图</a:t>
             </a:r>
             <a:r>
               <a:rPr lang="en-US" altLang="zh-CN" b="1" dirty="0" smtClean="0">
-                <a:latin typeface="黑体" pitchFamily="2" charset="-122"/>
-                <a:ea typeface="黑体" pitchFamily="2" charset="-122"/>
+                <a:latin typeface="黑体" panose="02010609060101010101" pitchFamily="2" charset="-122"/>
+                <a:ea typeface="黑体" panose="02010609060101010101" pitchFamily="2" charset="-122"/>
               </a:rPr>
               <a:t>-</a:t>
             </a:r>
             <a:r>
               <a:rPr lang="zh-CN" altLang="en-US" b="1" dirty="0" smtClean="0">
-                <a:latin typeface="黑体" pitchFamily="2" charset="-122"/>
-                <a:ea typeface="黑体" pitchFamily="2" charset="-122"/>
+                <a:latin typeface="黑体" panose="02010609060101010101" pitchFamily="2" charset="-122"/>
+                <a:ea typeface="黑体" panose="02010609060101010101" pitchFamily="2" charset="-122"/>
               </a:rPr>
               <a:t>总结</a:t>
             </a:r>
             <a:endParaRPr lang="zh-CN" altLang="en-US" b="1" dirty="0" smtClean="0">
-              <a:latin typeface="黑体" pitchFamily="2" charset="-122"/>
-              <a:ea typeface="黑体" pitchFamily="2" charset="-122"/>
+              <a:latin typeface="黑体" panose="02010609060101010101" pitchFamily="2" charset="-122"/>
+              <a:ea typeface="黑体" panose="02010609060101010101" pitchFamily="2" charset="-122"/>
             </a:endParaRPr>
           </a:p>
         </p:txBody>
       </p:sp>
     </p:spTree>
-    <p:extLst>
-      <p:ext uri="{BB962C8B-B14F-4D97-AF65-F5344CB8AC3E}">
-        <p14:creationId xmlns:p14="http://schemas.microsoft.com/office/powerpoint/2010/main" val="2686186014"/>
-      </p:ext>
-    </p:extLst>
   </p:cSld>
   <p:clrMapOvr>
     <a:masterClrMapping/>
   </p:clrMapOvr>
-  <mc:AlternateContent xmlns:mc="http://schemas.openxmlformats.org/markup-compatibility/2006" xmlns:p14="http://schemas.microsoft.com/office/powerpoint/2010/main">
-    <mc:Choice Requires="p14">
+  <mc:AlternateContent xmlns:mc="http://schemas.openxmlformats.org/markup-compatibility/2006">
+    <mc:Choice xmlns:p14="http://schemas.microsoft.com/office/powerpoint/2010/main" Requires="p14">
       <p:transition spd="slow" p14:dur="800">
         <p:circle/>
       </p:transition>
     </mc:Choice>
-    <mc:Fallback xmlns="">
+    <mc:Fallback>
       <p:transition spd="slow">
         <p:circle/>
       </p:transition>
@@ -6721,7 +7513,7 @@
 </p:sld>
 </file>
 
-<file path=ppt/slides/slide11.xml><?xml version="1.0" encoding="utf-8"?>
+<file path=ppt/slides/slide13.xml><?xml version="1.0" encoding="utf-8"?>
 <p:sld xmlns:a="http://schemas.openxmlformats.org/drawingml/2006/main" xmlns:r="http://schemas.openxmlformats.org/officeDocument/2006/relationships" xmlns:p="http://schemas.openxmlformats.org/presentationml/2006/main">
   <p:cSld>
     <p:spTree>
@@ -6750,7 +7542,7 @@
         </p:nvSpPr>
         <p:spPr>
           <a:xfrm>
-            <a:off x="539552" y="3356992"/>
+            <a:off x="539552" y="2854707"/>
             <a:ext cx="8001000" cy="1216025"/>
           </a:xfrm>
         </p:spPr>
@@ -6761,30 +7553,15 @@
             <a:pPr algn="ctr"/>
             <a:r>
               <a:rPr lang="zh-CN" altLang="en-US" b="1" dirty="0" smtClean="0">
-                <a:latin typeface="黑体" pitchFamily="2" charset="-122"/>
-                <a:ea typeface="黑体" pitchFamily="2" charset="-122"/>
+                <a:latin typeface="黑体" panose="02010609060101010101" pitchFamily="2" charset="-122"/>
+                <a:ea typeface="黑体" panose="02010609060101010101" pitchFamily="2" charset="-122"/>
               </a:rPr>
               <a:t>谢 谢</a:t>
             </a:r>
-          </a:p>
-        </p:txBody>
-      </p:sp>
-      <p:sp>
-        <p:nvSpPr>
-          <p:cNvPr id="147459" name="内容占位符 2"/>
-          <p:cNvSpPr>
-            <a:spLocks noGrp="1"/>
-          </p:cNvSpPr>
-          <p:nvPr>
-            <p:ph idx="1"/>
-          </p:nvPr>
-        </p:nvSpPr>
-        <p:spPr/>
-        <p:txBody>
-          <a:bodyPr/>
-          <a:lstStyle/>
-          <a:p>
-            <a:endParaRPr lang="zh-CN" altLang="en-US" smtClean="0"/>
+            <a:endParaRPr lang="zh-CN" altLang="en-US" b="1" dirty="0" smtClean="0">
+              <a:latin typeface="黑体" panose="02010609060101010101" pitchFamily="2" charset="-122"/>
+              <a:ea typeface="黑体" panose="02010609060101010101" pitchFamily="2" charset="-122"/>
+            </a:endParaRPr>
           </a:p>
         </p:txBody>
       </p:sp>
@@ -6800,7 +7577,6 @@
         </p:nvSpPr>
         <p:spPr>
           <a:noFill/>
-          <a:ln/>
           <a:extLst>
             <a:ext uri="{909E8E84-426E-40DD-AFC4-6F175D3DCCD1}">
               <a14:hiddenFill xmlns:a14="http://schemas.microsoft.com/office/drawing/2010/main">
@@ -6829,8 +7605,8 @@
                 <a:solidFill>
                   <a:schemeClr val="tx1"/>
                 </a:solidFill>
-                <a:latin typeface="Verdana" pitchFamily="34" charset="0"/>
-                <a:ea typeface="宋体" charset="-122"/>
+                <a:latin typeface="Verdana" panose="020B0604030504040204" pitchFamily="34" charset="0"/>
+                <a:ea typeface="宋体" panose="02010600030101010101" pitchFamily="2" charset="-122"/>
               </a:defRPr>
             </a:lvl1pPr>
             <a:lvl2pPr marL="742950" indent="-285750" eaLnBrk="0" hangingPunct="0">
@@ -6838,8 +7614,8 @@
                 <a:solidFill>
                   <a:schemeClr val="tx1"/>
                 </a:solidFill>
-                <a:latin typeface="Verdana" pitchFamily="34" charset="0"/>
-                <a:ea typeface="宋体" charset="-122"/>
+                <a:latin typeface="Verdana" panose="020B0604030504040204" pitchFamily="34" charset="0"/>
+                <a:ea typeface="宋体" panose="02010600030101010101" pitchFamily="2" charset="-122"/>
               </a:defRPr>
             </a:lvl2pPr>
             <a:lvl3pPr marL="1143000" indent="-228600" eaLnBrk="0" hangingPunct="0">
@@ -6847,8 +7623,8 @@
                 <a:solidFill>
                   <a:schemeClr val="tx1"/>
                 </a:solidFill>
-                <a:latin typeface="Verdana" pitchFamily="34" charset="0"/>
-                <a:ea typeface="宋体" charset="-122"/>
+                <a:latin typeface="Verdana" panose="020B0604030504040204" pitchFamily="34" charset="0"/>
+                <a:ea typeface="宋体" panose="02010600030101010101" pitchFamily="2" charset="-122"/>
               </a:defRPr>
             </a:lvl3pPr>
             <a:lvl4pPr marL="1600200" indent="-228600" eaLnBrk="0" hangingPunct="0">
@@ -6856,8 +7632,8 @@
                 <a:solidFill>
                   <a:schemeClr val="tx1"/>
                 </a:solidFill>
-                <a:latin typeface="Verdana" pitchFamily="34" charset="0"/>
-                <a:ea typeface="宋体" charset="-122"/>
+                <a:latin typeface="Verdana" panose="020B0604030504040204" pitchFamily="34" charset="0"/>
+                <a:ea typeface="宋体" panose="02010600030101010101" pitchFamily="2" charset="-122"/>
               </a:defRPr>
             </a:lvl4pPr>
             <a:lvl5pPr marL="2057400" indent="-228600" eaLnBrk="0" hangingPunct="0">
@@ -6865,8 +7641,8 @@
                 <a:solidFill>
                   <a:schemeClr val="tx1"/>
                 </a:solidFill>
-                <a:latin typeface="Verdana" pitchFamily="34" charset="0"/>
-                <a:ea typeface="宋体" charset="-122"/>
+                <a:latin typeface="Verdana" panose="020B0604030504040204" pitchFamily="34" charset="0"/>
+                <a:ea typeface="宋体" panose="02010600030101010101" pitchFamily="2" charset="-122"/>
               </a:defRPr>
             </a:lvl5pPr>
             <a:lvl6pPr marL="2514600" indent="-228600" eaLnBrk="0" fontAlgn="base" hangingPunct="0">
@@ -6880,8 +7656,8 @@
                 <a:solidFill>
                   <a:schemeClr val="tx1"/>
                 </a:solidFill>
-                <a:latin typeface="Verdana" pitchFamily="34" charset="0"/>
-                <a:ea typeface="宋体" charset="-122"/>
+                <a:latin typeface="Verdana" panose="020B0604030504040204" pitchFamily="34" charset="0"/>
+                <a:ea typeface="宋体" panose="02010600030101010101" pitchFamily="2" charset="-122"/>
               </a:defRPr>
             </a:lvl6pPr>
             <a:lvl7pPr marL="2971800" indent="-228600" eaLnBrk="0" fontAlgn="base" hangingPunct="0">
@@ -6895,8 +7671,8 @@
                 <a:solidFill>
                   <a:schemeClr val="tx1"/>
                 </a:solidFill>
-                <a:latin typeface="Verdana" pitchFamily="34" charset="0"/>
-                <a:ea typeface="宋体" charset="-122"/>
+                <a:latin typeface="Verdana" panose="020B0604030504040204" pitchFamily="34" charset="0"/>
+                <a:ea typeface="宋体" panose="02010600030101010101" pitchFamily="2" charset="-122"/>
               </a:defRPr>
             </a:lvl7pPr>
             <a:lvl8pPr marL="3429000" indent="-228600" eaLnBrk="0" fontAlgn="base" hangingPunct="0">
@@ -6910,8 +7686,8 @@
                 <a:solidFill>
                   <a:schemeClr val="tx1"/>
                 </a:solidFill>
-                <a:latin typeface="Verdana" pitchFamily="34" charset="0"/>
-                <a:ea typeface="宋体" charset="-122"/>
+                <a:latin typeface="Verdana" panose="020B0604030504040204" pitchFamily="34" charset="0"/>
+                <a:ea typeface="宋体" panose="02010600030101010101" pitchFamily="2" charset="-122"/>
               </a:defRPr>
             </a:lvl8pPr>
             <a:lvl9pPr marL="3886200" indent="-228600" eaLnBrk="0" fontAlgn="base" hangingPunct="0">
@@ -6925,8 +7701,8 @@
                 <a:solidFill>
                   <a:schemeClr val="tx1"/>
                 </a:solidFill>
-                <a:latin typeface="Verdana" pitchFamily="34" charset="0"/>
-                <a:ea typeface="宋体" charset="-122"/>
+                <a:latin typeface="Verdana" panose="020B0604030504040204" pitchFamily="34" charset="0"/>
+                <a:ea typeface="宋体" panose="02010600030101010101" pitchFamily="2" charset="-122"/>
               </a:defRPr>
             </a:lvl9pPr>
           </a:lstStyle>
@@ -6934,8 +7710,6 @@
             <a:pPr eaLnBrk="1" hangingPunct="1"/>
             <a:fld id="{767E3E2C-221F-4D7E-91A8-AF486AD69B14}" type="slidenum">
               <a:rPr lang="en-US" altLang="zh-CN" smtClean="0"/>
-              <a:pPr eaLnBrk="1" hangingPunct="1"/>
-              <a:t>11</a:t>
             </a:fld>
             <a:endParaRPr lang="en-US" altLang="zh-CN" smtClean="0"/>
           </a:p>
@@ -6986,7 +7760,6 @@
         </p:nvSpPr>
         <p:spPr>
           <a:noFill/>
-          <a:ln/>
           <a:extLst>
             <a:ext uri="{909E8E84-426E-40DD-AFC4-6F175D3DCCD1}">
               <a14:hiddenFill xmlns:a14="http://schemas.microsoft.com/office/drawing/2010/main">
@@ -7015,8 +7788,8 @@
                 <a:solidFill>
                   <a:schemeClr val="tx1"/>
                 </a:solidFill>
-                <a:latin typeface="Verdana" pitchFamily="34" charset="0"/>
-                <a:ea typeface="宋体" charset="-122"/>
+                <a:latin typeface="Verdana" panose="020B0604030504040204" pitchFamily="34" charset="0"/>
+                <a:ea typeface="宋体" panose="02010600030101010101" pitchFamily="2" charset="-122"/>
               </a:defRPr>
             </a:lvl1pPr>
             <a:lvl2pPr marL="742950" indent="-285750" eaLnBrk="0" hangingPunct="0">
@@ -7024,8 +7797,8 @@
                 <a:solidFill>
                   <a:schemeClr val="tx1"/>
                 </a:solidFill>
-                <a:latin typeface="Verdana" pitchFamily="34" charset="0"/>
-                <a:ea typeface="宋体" charset="-122"/>
+                <a:latin typeface="Verdana" panose="020B0604030504040204" pitchFamily="34" charset="0"/>
+                <a:ea typeface="宋体" panose="02010600030101010101" pitchFamily="2" charset="-122"/>
               </a:defRPr>
             </a:lvl2pPr>
             <a:lvl3pPr marL="1143000" indent="-228600" eaLnBrk="0" hangingPunct="0">
@@ -7033,8 +7806,8 @@
                 <a:solidFill>
                   <a:schemeClr val="tx1"/>
                 </a:solidFill>
-                <a:latin typeface="Verdana" pitchFamily="34" charset="0"/>
-                <a:ea typeface="宋体" charset="-122"/>
+                <a:latin typeface="Verdana" panose="020B0604030504040204" pitchFamily="34" charset="0"/>
+                <a:ea typeface="宋体" panose="02010600030101010101" pitchFamily="2" charset="-122"/>
               </a:defRPr>
             </a:lvl3pPr>
             <a:lvl4pPr marL="1600200" indent="-228600" eaLnBrk="0" hangingPunct="0">
@@ -7042,8 +7815,8 @@
                 <a:solidFill>
                   <a:schemeClr val="tx1"/>
                 </a:solidFill>
-                <a:latin typeface="Verdana" pitchFamily="34" charset="0"/>
-                <a:ea typeface="宋体" charset="-122"/>
+                <a:latin typeface="Verdana" panose="020B0604030504040204" pitchFamily="34" charset="0"/>
+                <a:ea typeface="宋体" panose="02010600030101010101" pitchFamily="2" charset="-122"/>
               </a:defRPr>
             </a:lvl4pPr>
             <a:lvl5pPr marL="2057400" indent="-228600" eaLnBrk="0" hangingPunct="0">
@@ -7051,8 +7824,8 @@
                 <a:solidFill>
                   <a:schemeClr val="tx1"/>
                 </a:solidFill>
-                <a:latin typeface="Verdana" pitchFamily="34" charset="0"/>
-                <a:ea typeface="宋体" charset="-122"/>
+                <a:latin typeface="Verdana" panose="020B0604030504040204" pitchFamily="34" charset="0"/>
+                <a:ea typeface="宋体" panose="02010600030101010101" pitchFamily="2" charset="-122"/>
               </a:defRPr>
             </a:lvl5pPr>
             <a:lvl6pPr marL="2514600" indent="-228600" eaLnBrk="0" fontAlgn="base" hangingPunct="0">
@@ -7066,8 +7839,8 @@
                 <a:solidFill>
                   <a:schemeClr val="tx1"/>
                 </a:solidFill>
-                <a:latin typeface="Verdana" pitchFamily="34" charset="0"/>
-                <a:ea typeface="宋体" charset="-122"/>
+                <a:latin typeface="Verdana" panose="020B0604030504040204" pitchFamily="34" charset="0"/>
+                <a:ea typeface="宋体" panose="02010600030101010101" pitchFamily="2" charset="-122"/>
               </a:defRPr>
             </a:lvl6pPr>
             <a:lvl7pPr marL="2971800" indent="-228600" eaLnBrk="0" fontAlgn="base" hangingPunct="0">
@@ -7081,8 +7854,8 @@
                 <a:solidFill>
                   <a:schemeClr val="tx1"/>
                 </a:solidFill>
-                <a:latin typeface="Verdana" pitchFamily="34" charset="0"/>
-                <a:ea typeface="宋体" charset="-122"/>
+                <a:latin typeface="Verdana" panose="020B0604030504040204" pitchFamily="34" charset="0"/>
+                <a:ea typeface="宋体" panose="02010600030101010101" pitchFamily="2" charset="-122"/>
               </a:defRPr>
             </a:lvl7pPr>
             <a:lvl8pPr marL="3429000" indent="-228600" eaLnBrk="0" fontAlgn="base" hangingPunct="0">
@@ -7096,8 +7869,8 @@
                 <a:solidFill>
                   <a:schemeClr val="tx1"/>
                 </a:solidFill>
-                <a:latin typeface="Verdana" pitchFamily="34" charset="0"/>
-                <a:ea typeface="宋体" charset="-122"/>
+                <a:latin typeface="Verdana" panose="020B0604030504040204" pitchFamily="34" charset="0"/>
+                <a:ea typeface="宋体" panose="02010600030101010101" pitchFamily="2" charset="-122"/>
               </a:defRPr>
             </a:lvl8pPr>
             <a:lvl9pPr marL="3886200" indent="-228600" eaLnBrk="0" fontAlgn="base" hangingPunct="0">
@@ -7111,8 +7884,8 @@
                 <a:solidFill>
                   <a:schemeClr val="tx1"/>
                 </a:solidFill>
-                <a:latin typeface="Verdana" pitchFamily="34" charset="0"/>
-                <a:ea typeface="宋体" charset="-122"/>
+                <a:latin typeface="Verdana" panose="020B0604030504040204" pitchFamily="34" charset="0"/>
+                <a:ea typeface="宋体" panose="02010600030101010101" pitchFamily="2" charset="-122"/>
               </a:defRPr>
             </a:lvl9pPr>
           </a:lstStyle>
@@ -7120,8 +7893,6 @@
             <a:pPr eaLnBrk="1" hangingPunct="1"/>
             <a:fld id="{2FE39F64-A1D4-4C6E-BAC3-DB3E303ED693}" type="slidenum">
               <a:rPr lang="en-US" altLang="zh-CN" smtClean="0"/>
-              <a:pPr eaLnBrk="1" hangingPunct="1"/>
-              <a:t>2</a:t>
             </a:fld>
             <a:endParaRPr lang="en-US" altLang="zh-CN" smtClean="0"/>
           </a:p>
@@ -7145,25 +7916,29 @@
             <a:pPr eaLnBrk="1" hangingPunct="1"/>
             <a:r>
               <a:rPr lang="zh-CN" altLang="en-US" b="1" dirty="0" smtClean="0">
-                <a:latin typeface="黑体" pitchFamily="2" charset="-122"/>
-                <a:ea typeface="黑体" pitchFamily="2" charset="-122"/>
+                <a:latin typeface="黑体" panose="02010609060101010101" pitchFamily="2" charset="-122"/>
+                <a:ea typeface="黑体" panose="02010609060101010101" pitchFamily="2" charset="-122"/>
               </a:rPr>
               <a:t>第</a:t>
             </a:r>
             <a:r>
               <a:rPr lang="en-US" altLang="zh-CN" b="1" dirty="0" smtClean="0">
-                <a:latin typeface="黑体" pitchFamily="2" charset="-122"/>
-                <a:ea typeface="黑体" pitchFamily="2" charset="-122"/>
+                <a:latin typeface="黑体" panose="02010609060101010101" pitchFamily="2" charset="-122"/>
+                <a:ea typeface="黑体" panose="02010609060101010101" pitchFamily="2" charset="-122"/>
               </a:rPr>
               <a:t>3</a:t>
             </a:r>
             <a:r>
               <a:rPr lang="zh-CN" altLang="en-US" b="1" dirty="0" smtClean="0">
-                <a:latin typeface="黑体" pitchFamily="2" charset="-122"/>
-                <a:ea typeface="黑体" pitchFamily="2" charset="-122"/>
+                <a:latin typeface="黑体" panose="02010609060101010101" pitchFamily="2" charset="-122"/>
+                <a:ea typeface="黑体" panose="02010609060101010101" pitchFamily="2" charset="-122"/>
               </a:rPr>
               <a:t>章  黑盒测试技术</a:t>
             </a:r>
+            <a:endParaRPr lang="zh-CN" altLang="en-US" b="1" dirty="0" smtClean="0">
+              <a:latin typeface="黑体" panose="02010609060101010101" pitchFamily="2" charset="-122"/>
+              <a:ea typeface="黑体" panose="02010609060101010101" pitchFamily="2" charset="-122"/>
+            </a:endParaRPr>
           </a:p>
         </p:txBody>
       </p:sp>
@@ -7187,6 +7962,7 @@
               <a:rPr lang="zh-CN" altLang="en-US" sz="3400" b="1" dirty="0"/>
               <a:t>本章重点</a:t>
             </a:r>
+            <a:endParaRPr lang="zh-CN" altLang="en-US" sz="3400" b="1" dirty="0"/>
           </a:p>
           <a:p>
             <a:pPr lvl="1" eaLnBrk="1" hangingPunct="1">
@@ -7205,7 +7981,7 @@
                 </a:solidFill>
                 <a:latin typeface="+mn-ea"/>
               </a:rPr>
-              <a:t>什么是状态测试</a:t>
+              <a:t>什么是状态迁移图法</a:t>
             </a:r>
             <a:endParaRPr lang="en-US" altLang="zh-CN" sz="2800" b="1" dirty="0">
               <a:solidFill>
@@ -7282,19 +8058,7 @@
                 </a:solidFill>
                 <a:latin typeface="+mn-ea"/>
               </a:rPr>
-              <a:t>测试用例</a:t>
-            </a:r>
-            <a:r>
-              <a:rPr lang="zh-CN" altLang="en-US" sz="2800" b="1" dirty="0">
-                <a:solidFill>
-                  <a:schemeClr val="tx1">
-                    <a:lumMod val="95000"/>
-                    <a:lumOff val="5000"/>
-                  </a:schemeClr>
-                </a:solidFill>
-                <a:latin typeface="+mn-ea"/>
-              </a:rPr>
-              <a:t>的步骤</a:t>
+              <a:t>测试用例的步骤</a:t>
             </a:r>
             <a:endParaRPr lang="en-US" altLang="zh-CN" sz="2800" b="1" dirty="0">
               <a:solidFill>
@@ -7326,11 +8090,6 @@
         </p:txBody>
       </p:sp>
     </p:spTree>
-    <p:extLst>
-      <p:ext uri="{BB962C8B-B14F-4D97-AF65-F5344CB8AC3E}">
-        <p14:creationId xmlns:p14="http://schemas.microsoft.com/office/powerpoint/2010/main" val="4281754347"/>
-      </p:ext>
-    </p:extLst>
   </p:cSld>
   <p:clrMapOvr>
     <a:masterClrMapping/>
@@ -7368,8 +8127,8 @@
         </p:nvSpPr>
         <p:spPr>
           <a:xfrm>
-            <a:off x="589307" y="1586557"/>
-            <a:ext cx="7972425" cy="5730875"/>
+            <a:off x="302260" y="1730375"/>
+            <a:ext cx="4337685" cy="4890770"/>
           </a:xfrm>
         </p:spPr>
         <p:txBody>
@@ -7437,63 +8196,15 @@
           <p:nvPr/>
         </p:nvPicPr>
         <p:blipFill>
-          <a:blip r:embed="rId2"/>
+          <a:blip r:embed="rId1"/>
           <a:stretch>
             <a:fillRect/>
           </a:stretch>
         </p:blipFill>
         <p:spPr>
           <a:xfrm>
-            <a:off x="6228184" y="4221089"/>
-            <a:ext cx="2160240" cy="2376264"/>
-          </a:xfrm>
-          <a:prstGeom prst="rect">
-            <a:avLst/>
-          </a:prstGeom>
-        </p:spPr>
-      </p:pic>
-      <p:pic>
-        <p:nvPicPr>
-          <p:cNvPr id="5" name="图片 4"/>
-          <p:cNvPicPr>
-            <a:picLocks noChangeAspect="1"/>
-          </p:cNvPicPr>
-          <p:nvPr/>
-        </p:nvPicPr>
-        <p:blipFill>
-          <a:blip r:embed="rId3"/>
-          <a:stretch>
-            <a:fillRect/>
-          </a:stretch>
-        </p:blipFill>
-        <p:spPr>
-          <a:xfrm>
-            <a:off x="3538728" y="4221088"/>
-            <a:ext cx="2136515" cy="2636913"/>
-          </a:xfrm>
-          <a:prstGeom prst="rect">
-            <a:avLst/>
-          </a:prstGeom>
-        </p:spPr>
-      </p:pic>
-      <p:pic>
-        <p:nvPicPr>
-          <p:cNvPr id="6" name="图片 5"/>
-          <p:cNvPicPr>
-            <a:picLocks noChangeAspect="1"/>
-          </p:cNvPicPr>
-          <p:nvPr/>
-        </p:nvPicPr>
-        <p:blipFill>
-          <a:blip r:embed="rId4"/>
-          <a:stretch>
-            <a:fillRect/>
-          </a:stretch>
-        </p:blipFill>
-        <p:spPr>
-          <a:xfrm>
-            <a:off x="208722" y="4306957"/>
-            <a:ext cx="2935149" cy="2087217"/>
+            <a:off x="4662170" y="1658620"/>
+            <a:ext cx="3765550" cy="4353560"/>
           </a:xfrm>
           <a:prstGeom prst="rect">
             <a:avLst/>
@@ -7523,35 +8234,33 @@
             <a:pPr eaLnBrk="1" hangingPunct="1"/>
             <a:r>
               <a:rPr lang="en-US" altLang="zh-CN" b="1" dirty="0" smtClean="0">
-                <a:latin typeface="黑体" pitchFamily="2" charset="-122"/>
-                <a:ea typeface="黑体" pitchFamily="2" charset="-122"/>
+                <a:latin typeface="黑体" panose="02010609060101010101" pitchFamily="2" charset="-122"/>
+                <a:ea typeface="黑体" panose="02010609060101010101" pitchFamily="2" charset="-122"/>
               </a:rPr>
               <a:t>3.8 </a:t>
             </a:r>
             <a:r>
               <a:rPr lang="zh-CN" altLang="en-US" b="1" dirty="0" smtClean="0">
-                <a:latin typeface="黑体" pitchFamily="2" charset="-122"/>
-                <a:ea typeface="黑体" pitchFamily="2" charset="-122"/>
+                <a:latin typeface="黑体" panose="02010609060101010101" pitchFamily="2" charset="-122"/>
+                <a:ea typeface="黑体" panose="02010609060101010101" pitchFamily="2" charset="-122"/>
               </a:rPr>
               <a:t>状态迁移图</a:t>
             </a:r>
             <a:endParaRPr lang="zh-CN" altLang="en-US" b="1" dirty="0" smtClean="0">
-              <a:latin typeface="黑体" pitchFamily="2" charset="-122"/>
-              <a:ea typeface="黑体" pitchFamily="2" charset="-122"/>
+              <a:latin typeface="黑体" panose="02010609060101010101" pitchFamily="2" charset="-122"/>
+              <a:ea typeface="黑体" panose="02010609060101010101" pitchFamily="2" charset="-122"/>
             </a:endParaRPr>
           </a:p>
         </p:txBody>
       </p:sp>
     </p:spTree>
-    <p:extLst>
-      <p:ext uri="{BB962C8B-B14F-4D97-AF65-F5344CB8AC3E}">
-        <p14:creationId xmlns:p14="http://schemas.microsoft.com/office/powerpoint/2010/main" val="3972524576"/>
-      </p:ext>
-    </p:extLst>
   </p:cSld>
   <p:clrMapOvr>
     <a:masterClrMapping/>
   </p:clrMapOvr>
+  <p:transition>
+    <p:blinds dir="vert"/>
+  </p:transition>
   <p:timing>
     <p:tnLst>
       <p:par>
@@ -7760,197 +8469,15 @@
                                   </p:childTnLst>
                                 </p:cTn>
                               </p:par>
-                            </p:childTnLst>
-                          </p:cTn>
-                        </p:par>
-                      </p:childTnLst>
-                    </p:cTn>
-                  </p:par>
-                  <p:par>
-                    <p:cTn id="15" fill="hold">
-                      <p:stCondLst>
-                        <p:cond delay="indefinite"/>
-                      </p:stCondLst>
-                      <p:childTnLst>
-                        <p:par>
-                          <p:cTn id="16" fill="hold">
-                            <p:stCondLst>
-                              <p:cond delay="0"/>
-                            </p:stCondLst>
-                            <p:childTnLst>
                               <p:par>
-                                <p:cTn id="17" presetID="2" presetClass="entr" presetSubtype="12" fill="hold" nodeType="clickEffect">
+                                <p:cTn id="15" presetID="2" presetClass="entr" presetSubtype="6" fill="hold" nodeType="withEffect">
                                   <p:stCondLst>
                                     <p:cond delay="0"/>
                                   </p:stCondLst>
                                   <p:childTnLst>
                                     <p:set>
                                       <p:cBhvr>
-                                        <p:cTn id="18" dur="1" fill="hold">
-                                          <p:stCondLst>
-                                            <p:cond delay="0"/>
-                                          </p:stCondLst>
-                                        </p:cTn>
-                                        <p:tgtEl>
-                                          <p:spTgt spid="6"/>
-                                        </p:tgtEl>
-                                        <p:attrNameLst>
-                                          <p:attrName>style.visibility</p:attrName>
-                                        </p:attrNameLst>
-                                      </p:cBhvr>
-                                      <p:to>
-                                        <p:strVal val="visible"/>
-                                      </p:to>
-                                    </p:set>
-                                    <p:anim calcmode="lin" valueType="num">
-                                      <p:cBhvr additive="base">
-                                        <p:cTn id="19" dur="500" fill="hold"/>
-                                        <p:tgtEl>
-                                          <p:spTgt spid="6"/>
-                                        </p:tgtEl>
-                                        <p:attrNameLst>
-                                          <p:attrName>ppt_x</p:attrName>
-                                        </p:attrNameLst>
-                                      </p:cBhvr>
-                                      <p:tavLst>
-                                        <p:tav tm="0">
-                                          <p:val>
-                                            <p:strVal val="0-#ppt_w/2"/>
-                                          </p:val>
-                                        </p:tav>
-                                        <p:tav tm="100000">
-                                          <p:val>
-                                            <p:strVal val="#ppt_x"/>
-                                          </p:val>
-                                        </p:tav>
-                                      </p:tavLst>
-                                    </p:anim>
-                                    <p:anim calcmode="lin" valueType="num">
-                                      <p:cBhvr additive="base">
-                                        <p:cTn id="20" dur="500" fill="hold"/>
-                                        <p:tgtEl>
-                                          <p:spTgt spid="6"/>
-                                        </p:tgtEl>
-                                        <p:attrNameLst>
-                                          <p:attrName>ppt_y</p:attrName>
-                                        </p:attrNameLst>
-                                      </p:cBhvr>
-                                      <p:tavLst>
-                                        <p:tav tm="0">
-                                          <p:val>
-                                            <p:strVal val="1+#ppt_h/2"/>
-                                          </p:val>
-                                        </p:tav>
-                                        <p:tav tm="100000">
-                                          <p:val>
-                                            <p:strVal val="#ppt_y"/>
-                                          </p:val>
-                                        </p:tav>
-                                      </p:tavLst>
-                                    </p:anim>
-                                  </p:childTnLst>
-                                </p:cTn>
-                              </p:par>
-                            </p:childTnLst>
-                          </p:cTn>
-                        </p:par>
-                      </p:childTnLst>
-                    </p:cTn>
-                  </p:par>
-                  <p:par>
-                    <p:cTn id="21" fill="hold">
-                      <p:stCondLst>
-                        <p:cond delay="indefinite"/>
-                      </p:stCondLst>
-                      <p:childTnLst>
-                        <p:par>
-                          <p:cTn id="22" fill="hold">
-                            <p:stCondLst>
-                              <p:cond delay="0"/>
-                            </p:stCondLst>
-                            <p:childTnLst>
-                              <p:par>
-                                <p:cTn id="23" presetID="2" presetClass="entr" presetSubtype="4" fill="hold" nodeType="clickEffect">
-                                  <p:stCondLst>
-                                    <p:cond delay="0"/>
-                                  </p:stCondLst>
-                                  <p:childTnLst>
-                                    <p:set>
-                                      <p:cBhvr>
-                                        <p:cTn id="24" dur="1" fill="hold">
-                                          <p:stCondLst>
-                                            <p:cond delay="0"/>
-                                          </p:stCondLst>
-                                        </p:cTn>
-                                        <p:tgtEl>
-                                          <p:spTgt spid="5"/>
-                                        </p:tgtEl>
-                                        <p:attrNameLst>
-                                          <p:attrName>style.visibility</p:attrName>
-                                        </p:attrNameLst>
-                                      </p:cBhvr>
-                                      <p:to>
-                                        <p:strVal val="visible"/>
-                                      </p:to>
-                                    </p:set>
-                                    <p:anim calcmode="lin" valueType="num">
-                                      <p:cBhvr additive="base">
-                                        <p:cTn id="25" dur="500" fill="hold"/>
-                                        <p:tgtEl>
-                                          <p:spTgt spid="5"/>
-                                        </p:tgtEl>
-                                        <p:attrNameLst>
-                                          <p:attrName>ppt_x</p:attrName>
-                                        </p:attrNameLst>
-                                      </p:cBhvr>
-                                      <p:tavLst>
-                                        <p:tav tm="0">
-                                          <p:val>
-                                            <p:strVal val="#ppt_x"/>
-                                          </p:val>
-                                        </p:tav>
-                                        <p:tav tm="100000">
-                                          <p:val>
-                                            <p:strVal val="#ppt_x"/>
-                                          </p:val>
-                                        </p:tav>
-                                      </p:tavLst>
-                                    </p:anim>
-                                    <p:anim calcmode="lin" valueType="num">
-                                      <p:cBhvr additive="base">
-                                        <p:cTn id="26" dur="500" fill="hold"/>
-                                        <p:tgtEl>
-                                          <p:spTgt spid="5"/>
-                                        </p:tgtEl>
-                                        <p:attrNameLst>
-                                          <p:attrName>ppt_y</p:attrName>
-                                        </p:attrNameLst>
-                                      </p:cBhvr>
-                                      <p:tavLst>
-                                        <p:tav tm="0">
-                                          <p:val>
-                                            <p:strVal val="1+#ppt_h/2"/>
-                                          </p:val>
-                                        </p:tav>
-                                        <p:tav tm="100000">
-                                          <p:val>
-                                            <p:strVal val="#ppt_y"/>
-                                          </p:val>
-                                        </p:tav>
-                                      </p:tavLst>
-                                    </p:anim>
-                                  </p:childTnLst>
-                                </p:cTn>
-                              </p:par>
-                              <p:par>
-                                <p:cTn id="27" presetID="2" presetClass="entr" presetSubtype="6" fill="hold" nodeType="withEffect">
-                                  <p:stCondLst>
-                                    <p:cond delay="0"/>
-                                  </p:stCondLst>
-                                  <p:childTnLst>
-                                    <p:set>
-                                      <p:cBhvr>
-                                        <p:cTn id="28" dur="1" fill="hold">
+                                        <p:cTn id="16" dur="1" fill="hold">
                                           <p:stCondLst>
                                             <p:cond delay="0"/>
                                           </p:stCondLst>
@@ -7968,7 +8495,7 @@
                                     </p:set>
                                     <p:anim calcmode="lin" valueType="num">
                                       <p:cBhvr additive="base">
-                                        <p:cTn id="29" dur="500" fill="hold"/>
+                                        <p:cTn id="17" dur="500" fill="hold"/>
                                         <p:tgtEl>
                                           <p:spTgt spid="4"/>
                                         </p:tgtEl>
@@ -7991,7 +8518,7 @@
                                     </p:anim>
                                     <p:anim calcmode="lin" valueType="num">
                                       <p:cBhvr additive="base">
-                                        <p:cTn id="30" dur="500" fill="hold"/>
+                                        <p:cTn id="18" dur="500" fill="hold"/>
                                         <p:tgtEl>
                                           <p:spTgt spid="4"/>
                                         </p:tgtEl>
@@ -8022,26 +8549,26 @@
                     </p:cTn>
                   </p:par>
                   <p:par>
-                    <p:cTn id="31" fill="hold">
+                    <p:cTn id="19" fill="hold">
                       <p:stCondLst>
                         <p:cond delay="indefinite"/>
                       </p:stCondLst>
                       <p:childTnLst>
                         <p:par>
-                          <p:cTn id="32" fill="hold">
+                          <p:cTn id="20" fill="hold">
                             <p:stCondLst>
                               <p:cond delay="0"/>
                             </p:stCondLst>
                             <p:childTnLst>
                               <p:par>
-                                <p:cTn id="33" presetID="2" presetClass="entr" presetSubtype="4" fill="hold" grpId="0" nodeType="clickEffect">
+                                <p:cTn id="21" presetID="2" presetClass="entr" presetSubtype="4" fill="hold" grpId="0" nodeType="clickEffect">
                                   <p:stCondLst>
                                     <p:cond delay="0"/>
                                   </p:stCondLst>
                                   <p:childTnLst>
                                     <p:set>
                                       <p:cBhvr>
-                                        <p:cTn id="34" dur="1" fill="hold">
+                                        <p:cTn id="22" dur="1" fill="hold">
                                           <p:stCondLst>
                                             <p:cond delay="0"/>
                                           </p:stCondLst>
@@ -8063,7 +8590,7 @@
                                     </p:set>
                                     <p:anim calcmode="lin" valueType="num">
                                       <p:cBhvr additive="base">
-                                        <p:cTn id="35" dur="500" fill="hold"/>
+                                        <p:cTn id="23" dur="500" fill="hold"/>
                                         <p:tgtEl>
                                           <p:spTgt spid="3">
                                             <p:txEl>
@@ -8090,7 +8617,7 @@
                                     </p:anim>
                                     <p:anim calcmode="lin" valueType="num">
                                       <p:cBhvr additive="base">
-                                        <p:cTn id="36" dur="500" fill="hold"/>
+                                        <p:cTn id="24" dur="500" fill="hold"/>
                                         <p:tgtEl>
                                           <p:spTgt spid="3">
                                             <p:txEl>
@@ -8181,8 +8708,8 @@
         </p:nvSpPr>
         <p:spPr>
           <a:xfrm>
-            <a:off x="467544" y="1700808"/>
-            <a:ext cx="7886700" cy="752475"/>
+            <a:off x="539115" y="1574165"/>
+            <a:ext cx="7886700" cy="1165860"/>
           </a:xfrm>
         </p:spPr>
         <p:txBody>
@@ -8196,123 +8723,53 @@
               <a:buClr>
                 <a:schemeClr val="accent2"/>
               </a:buClr>
-              <a:buFont typeface="Wingdings" pitchFamily="2" charset="2"/>
+              <a:buFont typeface="Wingdings" panose="05000000000000000000" pitchFamily="2" charset="2"/>
               <a:buChar char="o"/>
             </a:pPr>
             <a:r>
-              <a:rPr lang="zh-CN" altLang="en-US" sz="3100" b="1" dirty="0">
-                <a:solidFill>
-                  <a:schemeClr val="tx1"/>
-                </a:solidFill>
-                <a:latin typeface="+mn-lt"/>
-                <a:ea typeface="+mn-ea"/>
-                <a:cs typeface="+mn-cs"/>
+              <a:rPr lang="zh-CN" altLang="en-US" sz="3100" b="1" dirty="0" smtClean="0">
+                <a:sym typeface="+mn-ea"/>
               </a:rPr>
-              <a:t>状态图的使用步骤</a:t>
-            </a:r>
-          </a:p>
-        </p:txBody>
-      </p:sp>
-      <p:sp>
-        <p:nvSpPr>
-          <p:cNvPr id="3" name="内容占位符 2"/>
-          <p:cNvSpPr>
-            <a:spLocks noGrp="1"/>
-          </p:cNvSpPr>
-          <p:nvPr>
-            <p:ph sz="half" idx="1"/>
-          </p:nvPr>
-        </p:nvSpPr>
-        <p:spPr>
-          <a:xfrm>
-            <a:off x="611560" y="2420888"/>
-            <a:ext cx="7972425" cy="5730875"/>
-          </a:xfrm>
-        </p:spPr>
-        <p:txBody>
-          <a:bodyPr/>
-          <a:lstStyle/>
-          <a:p>
-            <a:pPr lvl="1"/>
-            <a:r>
-              <a:rPr lang="zh-CN" altLang="en-US" sz="2700" b="1" dirty="0"/>
-              <a:t>使用场合：多状态变化的情况</a:t>
-            </a:r>
-            <a:endParaRPr lang="en-US" altLang="zh-CN" sz="2700" b="1" dirty="0"/>
-          </a:p>
-          <a:p>
-            <a:pPr marL="471487" lvl="1" indent="0">
-              <a:buNone/>
-            </a:pPr>
-            <a:r>
-              <a:rPr lang="en-US" altLang="zh-CN" sz="2700" b="1" dirty="0"/>
-              <a:t>1.</a:t>
-            </a:r>
-            <a:r>
-              <a:rPr lang="zh-CN" altLang="zh-CN" sz="2700" b="1" dirty="0"/>
-              <a:t>根据</a:t>
-            </a:r>
-            <a:r>
-              <a:rPr lang="zh-CN" altLang="zh-CN" sz="2700" b="1" dirty="0"/>
-              <a:t>需求，理解关键字段，获得主要的状态</a:t>
-            </a:r>
-          </a:p>
-          <a:p>
-            <a:pPr marL="471487" lvl="1" indent="0">
-              <a:buNone/>
-            </a:pPr>
-            <a:r>
-              <a:rPr lang="en-US" altLang="zh-CN" sz="2700" b="1" dirty="0"/>
-              <a:t>2</a:t>
-            </a:r>
-            <a:r>
-              <a:rPr lang="en-US" altLang="zh-CN" sz="2700" b="1" dirty="0"/>
-              <a:t>.</a:t>
-            </a:r>
-            <a:r>
-              <a:rPr lang="zh-CN" altLang="en-US" sz="2700" b="1" dirty="0"/>
-              <a:t>绘制</a:t>
-            </a:r>
-            <a:r>
-              <a:rPr lang="zh-CN" altLang="zh-CN" sz="2700" b="1" dirty="0"/>
-              <a:t>状态</a:t>
-            </a:r>
-            <a:r>
-              <a:rPr lang="zh-CN" altLang="zh-CN" sz="2700" b="1" dirty="0"/>
-              <a:t>迁移图</a:t>
-            </a:r>
-          </a:p>
-          <a:p>
-            <a:pPr marL="471487" lvl="1" indent="0">
-              <a:buNone/>
-            </a:pPr>
-            <a:r>
-              <a:rPr lang="en-US" altLang="zh-CN" sz="2700" b="1" dirty="0"/>
-              <a:t>3.</a:t>
-            </a:r>
-            <a:r>
-              <a:rPr lang="zh-CN" altLang="zh-CN" sz="2700" b="1" dirty="0"/>
-              <a:t>画出状态迁移</a:t>
-            </a:r>
-            <a:r>
-              <a:rPr lang="zh-CN" altLang="zh-CN" sz="2700" b="1" dirty="0"/>
-              <a:t>树</a:t>
-            </a:r>
-            <a:endParaRPr lang="en-US" altLang="zh-CN" sz="2700" b="1" dirty="0"/>
-          </a:p>
-          <a:p>
-            <a:pPr marL="471487" lvl="1" indent="0">
-              <a:buNone/>
-            </a:pPr>
-            <a:r>
-              <a:rPr lang="en-US" altLang="zh-CN" sz="2700" b="1" dirty="0"/>
-              <a:t>4.</a:t>
-            </a:r>
-            <a:r>
-              <a:rPr lang="zh-CN" altLang="en-US" sz="2700" b="1" dirty="0"/>
-              <a:t>抽取测试用例</a:t>
-            </a:r>
-            <a:endParaRPr lang="zh-CN" altLang="en-US" sz="2700" b="1" dirty="0"/>
+              <a:t>有限状态机表示有限个状态以及在这些状态之间的</a:t>
+            </a:r>
+            <a:r>
+              <a:rPr lang="zh-CN" altLang="en-US" sz="3100" b="1" dirty="0" smtClean="0">
+                <a:solidFill>
+                  <a:srgbClr val="FF0000"/>
+                </a:solidFill>
+                <a:sym typeface="+mn-ea"/>
+              </a:rPr>
+              <a:t>转移</a:t>
+            </a:r>
+            <a:r>
+              <a:rPr lang="zh-CN" altLang="en-US" sz="3100" b="1" dirty="0" smtClean="0">
+                <a:sym typeface="+mn-ea"/>
+              </a:rPr>
+              <a:t>和</a:t>
+            </a:r>
+            <a:r>
+              <a:rPr lang="zh-CN" altLang="en-US" sz="3100" b="1" dirty="0" smtClean="0">
+                <a:solidFill>
+                  <a:srgbClr val="FF0000"/>
+                </a:solidFill>
+                <a:sym typeface="+mn-ea"/>
+              </a:rPr>
+              <a:t>动作</a:t>
+            </a:r>
+            <a:r>
+              <a:rPr lang="zh-CN" altLang="en-US" sz="3100" b="1" dirty="0" smtClean="0">
+                <a:sym typeface="+mn-ea"/>
+              </a:rPr>
+              <a:t>等行为的数学模型。</a:t>
+            </a:r>
+            <a:endParaRPr lang="zh-CN" altLang="en-US" sz="3100" b="1" dirty="0">
+              <a:solidFill>
+                <a:schemeClr val="tx1"/>
+              </a:solidFill>
+              <a:latin typeface="+mn-lt"/>
+              <a:ea typeface="+mn-ea"/>
+              <a:cs typeface="+mn-cs"/>
+            </a:endParaRPr>
           </a:p>
         </p:txBody>
       </p:sp>
@@ -8357,11 +8814,7 @@
           </a:extLst>
         </p:spPr>
         <p:txBody>
-          <a:bodyPr vert="horz" wrap="square" lIns="91440" tIns="45720" rIns="91440" bIns="45720" numCol="1" anchor="b" anchorCtr="0" compatLnSpc="1">
-            <a:prstTxWarp prst="textNoShape">
-              <a:avLst/>
-            </a:prstTxWarp>
-          </a:bodyPr>
+          <a:bodyPr vert="horz" wrap="square" lIns="91440" tIns="45720" rIns="91440" bIns="45720" numCol="1" anchor="b" anchorCtr="0" compatLnSpc="1"/>
           <a:lstStyle>
             <a:lvl1pPr algn="l" rtl="0" eaLnBrk="0" fontAlgn="base" hangingPunct="0">
               <a:spcBef>
@@ -8390,8 +8843,8 @@
                 <a:solidFill>
                   <a:schemeClr val="tx2"/>
                 </a:solidFill>
-                <a:latin typeface="Verdana" pitchFamily="34" charset="0"/>
-                <a:ea typeface="宋体" pitchFamily="2" charset="-122"/>
+                <a:latin typeface="Verdana" panose="020B0604030504040204" pitchFamily="34" charset="0"/>
+                <a:ea typeface="宋体" panose="02010600030101010101" pitchFamily="2" charset="-122"/>
               </a:defRPr>
             </a:lvl2pPr>
             <a:lvl3pPr algn="l" rtl="0" eaLnBrk="0" fontAlgn="base" hangingPunct="0">
@@ -8405,8 +8858,8 @@
                 <a:solidFill>
                   <a:schemeClr val="tx2"/>
                 </a:solidFill>
-                <a:latin typeface="Verdana" pitchFamily="34" charset="0"/>
-                <a:ea typeface="宋体" pitchFamily="2" charset="-122"/>
+                <a:latin typeface="Verdana" panose="020B0604030504040204" pitchFamily="34" charset="0"/>
+                <a:ea typeface="宋体" panose="02010600030101010101" pitchFamily="2" charset="-122"/>
               </a:defRPr>
             </a:lvl3pPr>
             <a:lvl4pPr algn="l" rtl="0" eaLnBrk="0" fontAlgn="base" hangingPunct="0">
@@ -8420,8 +8873,8 @@
                 <a:solidFill>
                   <a:schemeClr val="tx2"/>
                 </a:solidFill>
-                <a:latin typeface="Verdana" pitchFamily="34" charset="0"/>
-                <a:ea typeface="宋体" pitchFamily="2" charset="-122"/>
+                <a:latin typeface="Verdana" panose="020B0604030504040204" pitchFamily="34" charset="0"/>
+                <a:ea typeface="宋体" panose="02010600030101010101" pitchFamily="2" charset="-122"/>
               </a:defRPr>
             </a:lvl4pPr>
             <a:lvl5pPr algn="l" rtl="0" eaLnBrk="0" fontAlgn="base" hangingPunct="0">
@@ -8435,8 +8888,8 @@
                 <a:solidFill>
                   <a:schemeClr val="tx2"/>
                 </a:solidFill>
-                <a:latin typeface="Verdana" pitchFamily="34" charset="0"/>
-                <a:ea typeface="宋体" pitchFamily="2" charset="-122"/>
+                <a:latin typeface="Verdana" panose="020B0604030504040204" pitchFamily="34" charset="0"/>
+                <a:ea typeface="宋体" panose="02010600030101010101" pitchFamily="2" charset="-122"/>
               </a:defRPr>
             </a:lvl5pPr>
             <a:lvl6pPr marL="457200" algn="l" rtl="0" fontAlgn="base">
@@ -8450,8 +8903,8 @@
                 <a:solidFill>
                   <a:schemeClr val="tx2"/>
                 </a:solidFill>
-                <a:latin typeface="Verdana" pitchFamily="34" charset="0"/>
-                <a:ea typeface="宋体" pitchFamily="2" charset="-122"/>
+                <a:latin typeface="Verdana" panose="020B0604030504040204" pitchFamily="34" charset="0"/>
+                <a:ea typeface="宋体" panose="02010600030101010101" pitchFamily="2" charset="-122"/>
               </a:defRPr>
             </a:lvl6pPr>
             <a:lvl7pPr marL="914400" algn="l" rtl="0" fontAlgn="base">
@@ -8465,8 +8918,8 @@
                 <a:solidFill>
                   <a:schemeClr val="tx2"/>
                 </a:solidFill>
-                <a:latin typeface="Verdana" pitchFamily="34" charset="0"/>
-                <a:ea typeface="宋体" pitchFamily="2" charset="-122"/>
+                <a:latin typeface="Verdana" panose="020B0604030504040204" pitchFamily="34" charset="0"/>
+                <a:ea typeface="宋体" panose="02010600030101010101" pitchFamily="2" charset="-122"/>
               </a:defRPr>
             </a:lvl7pPr>
             <a:lvl8pPr marL="1371600" algn="l" rtl="0" fontAlgn="base">
@@ -8480,8 +8933,8 @@
                 <a:solidFill>
                   <a:schemeClr val="tx2"/>
                 </a:solidFill>
-                <a:latin typeface="Verdana" pitchFamily="34" charset="0"/>
-                <a:ea typeface="宋体" pitchFamily="2" charset="-122"/>
+                <a:latin typeface="Verdana" panose="020B0604030504040204" pitchFamily="34" charset="0"/>
+                <a:ea typeface="宋体" panose="02010600030101010101" pitchFamily="2" charset="-122"/>
               </a:defRPr>
             </a:lvl8pPr>
             <a:lvl9pPr marL="1828800" algn="l" rtl="0" fontAlgn="base">
@@ -8495,8 +8948,8 @@
                 <a:solidFill>
                   <a:schemeClr val="tx2"/>
                 </a:solidFill>
-                <a:latin typeface="Verdana" pitchFamily="34" charset="0"/>
-                <a:ea typeface="宋体" pitchFamily="2" charset="-122"/>
+                <a:latin typeface="Verdana" panose="020B0604030504040204" pitchFamily="34" charset="0"/>
+                <a:ea typeface="宋体" panose="02010600030101010101" pitchFamily="2" charset="-122"/>
               </a:defRPr>
             </a:lvl9pPr>
           </a:lstStyle>
@@ -8504,39 +8957,877 @@
             <a:pPr eaLnBrk="1" hangingPunct="1"/>
             <a:r>
               <a:rPr lang="en-US" altLang="zh-CN" b="1" dirty="0" smtClean="0">
-                <a:latin typeface="黑体" pitchFamily="2" charset="-122"/>
-                <a:ea typeface="黑体" pitchFamily="2" charset="-122"/>
+                <a:latin typeface="黑体" panose="02010609060101010101" pitchFamily="2" charset="-122"/>
+                <a:ea typeface="黑体" panose="02010609060101010101" pitchFamily="2" charset="-122"/>
               </a:rPr>
               <a:t>3.8 </a:t>
             </a:r>
             <a:r>
               <a:rPr lang="zh-CN" altLang="en-US" b="1" dirty="0" smtClean="0">
-                <a:latin typeface="黑体" pitchFamily="2" charset="-122"/>
-                <a:ea typeface="黑体" pitchFamily="2" charset="-122"/>
+                <a:latin typeface="黑体" panose="02010609060101010101" pitchFamily="2" charset="-122"/>
+                <a:ea typeface="黑体" panose="02010609060101010101" pitchFamily="2" charset="-122"/>
               </a:rPr>
               <a:t>状态迁移图</a:t>
             </a:r>
             <a:endParaRPr lang="zh-CN" altLang="en-US" b="1" dirty="0" smtClean="0">
-              <a:latin typeface="黑体" pitchFamily="2" charset="-122"/>
-              <a:ea typeface="黑体" pitchFamily="2" charset="-122"/>
+              <a:latin typeface="黑体" panose="02010609060101010101" pitchFamily="2" charset="-122"/>
+              <a:ea typeface="黑体" panose="02010609060101010101" pitchFamily="2" charset="-122"/>
             </a:endParaRPr>
           </a:p>
         </p:txBody>
       </p:sp>
+      <p:sp>
+        <p:nvSpPr>
+          <p:cNvPr id="5" name="标题 1"/>
+          <p:cNvSpPr>
+            <a:spLocks noGrp="1"/>
+          </p:cNvSpPr>
+          <p:nvPr/>
+        </p:nvSpPr>
+        <p:spPr>
+          <a:xfrm>
+            <a:off x="574675" y="2559050"/>
+            <a:ext cx="7886700" cy="1165860"/>
+          </a:xfrm>
+          <a:prstGeom prst="rect">
+            <a:avLst/>
+          </a:prstGeom>
+          <a:noFill/>
+          <a:ln>
+            <a:noFill/>
+          </a:ln>
+        </p:spPr>
+        <p:txBody>
+          <a:bodyPr vert="horz" wrap="square" lIns="91440" tIns="45720" rIns="91440" bIns="45720" numCol="1" anchor="b" anchorCtr="0" compatLnSpc="1"/>
+          <a:lstStyle>
+            <a:lvl1pPr algn="l" rtl="0" eaLnBrk="0" fontAlgn="base" hangingPunct="0">
+              <a:spcBef>
+                <a:spcPct val="0"/>
+              </a:spcBef>
+              <a:spcAft>
+                <a:spcPct val="0"/>
+              </a:spcAft>
+              <a:defRPr sz="3800">
+                <a:solidFill>
+                  <a:schemeClr val="tx2"/>
+                </a:solidFill>
+                <a:latin typeface="+mj-lt"/>
+                <a:ea typeface="+mj-ea"/>
+                <a:cs typeface="+mj-cs"/>
+              </a:defRPr>
+            </a:lvl1pPr>
+            <a:lvl2pPr algn="l" rtl="0" eaLnBrk="0" fontAlgn="base" hangingPunct="0">
+              <a:spcBef>
+                <a:spcPct val="0"/>
+              </a:spcBef>
+              <a:spcAft>
+                <a:spcPct val="0"/>
+              </a:spcAft>
+              <a:defRPr sz="3800">
+                <a:solidFill>
+                  <a:schemeClr val="tx2"/>
+                </a:solidFill>
+                <a:latin typeface="Verdana" panose="020B0604030504040204" pitchFamily="34" charset="0"/>
+                <a:ea typeface="宋体" panose="02010600030101010101" pitchFamily="2" charset="-122"/>
+              </a:defRPr>
+            </a:lvl2pPr>
+            <a:lvl3pPr algn="l" rtl="0" eaLnBrk="0" fontAlgn="base" hangingPunct="0">
+              <a:spcBef>
+                <a:spcPct val="0"/>
+              </a:spcBef>
+              <a:spcAft>
+                <a:spcPct val="0"/>
+              </a:spcAft>
+              <a:defRPr sz="3800">
+                <a:solidFill>
+                  <a:schemeClr val="tx2"/>
+                </a:solidFill>
+                <a:latin typeface="Verdana" panose="020B0604030504040204" pitchFamily="34" charset="0"/>
+                <a:ea typeface="宋体" panose="02010600030101010101" pitchFamily="2" charset="-122"/>
+              </a:defRPr>
+            </a:lvl3pPr>
+            <a:lvl4pPr algn="l" rtl="0" eaLnBrk="0" fontAlgn="base" hangingPunct="0">
+              <a:spcBef>
+                <a:spcPct val="0"/>
+              </a:spcBef>
+              <a:spcAft>
+                <a:spcPct val="0"/>
+              </a:spcAft>
+              <a:defRPr sz="3800">
+                <a:solidFill>
+                  <a:schemeClr val="tx2"/>
+                </a:solidFill>
+                <a:latin typeface="Verdana" panose="020B0604030504040204" pitchFamily="34" charset="0"/>
+                <a:ea typeface="宋体" panose="02010600030101010101" pitchFamily="2" charset="-122"/>
+              </a:defRPr>
+            </a:lvl4pPr>
+            <a:lvl5pPr algn="l" rtl="0" eaLnBrk="0" fontAlgn="base" hangingPunct="0">
+              <a:spcBef>
+                <a:spcPct val="0"/>
+              </a:spcBef>
+              <a:spcAft>
+                <a:spcPct val="0"/>
+              </a:spcAft>
+              <a:defRPr sz="3800">
+                <a:solidFill>
+                  <a:schemeClr val="tx2"/>
+                </a:solidFill>
+                <a:latin typeface="Verdana" panose="020B0604030504040204" pitchFamily="34" charset="0"/>
+                <a:ea typeface="宋体" panose="02010600030101010101" pitchFamily="2" charset="-122"/>
+              </a:defRPr>
+            </a:lvl5pPr>
+            <a:lvl6pPr marL="457200" algn="l" rtl="0" fontAlgn="base">
+              <a:spcBef>
+                <a:spcPct val="0"/>
+              </a:spcBef>
+              <a:spcAft>
+                <a:spcPct val="0"/>
+              </a:spcAft>
+              <a:defRPr sz="3800">
+                <a:solidFill>
+                  <a:schemeClr val="tx2"/>
+                </a:solidFill>
+                <a:latin typeface="Verdana" panose="020B0604030504040204" pitchFamily="34" charset="0"/>
+                <a:ea typeface="宋体" panose="02010600030101010101" pitchFamily="2" charset="-122"/>
+              </a:defRPr>
+            </a:lvl6pPr>
+            <a:lvl7pPr marL="914400" algn="l" rtl="0" fontAlgn="base">
+              <a:spcBef>
+                <a:spcPct val="0"/>
+              </a:spcBef>
+              <a:spcAft>
+                <a:spcPct val="0"/>
+              </a:spcAft>
+              <a:defRPr sz="3800">
+                <a:solidFill>
+                  <a:schemeClr val="tx2"/>
+                </a:solidFill>
+                <a:latin typeface="Verdana" panose="020B0604030504040204" pitchFamily="34" charset="0"/>
+                <a:ea typeface="宋体" panose="02010600030101010101" pitchFamily="2" charset="-122"/>
+              </a:defRPr>
+            </a:lvl7pPr>
+            <a:lvl8pPr marL="1371600" algn="l" rtl="0" fontAlgn="base">
+              <a:spcBef>
+                <a:spcPct val="0"/>
+              </a:spcBef>
+              <a:spcAft>
+                <a:spcPct val="0"/>
+              </a:spcAft>
+              <a:defRPr sz="3800">
+                <a:solidFill>
+                  <a:schemeClr val="tx2"/>
+                </a:solidFill>
+                <a:latin typeface="Verdana" panose="020B0604030504040204" pitchFamily="34" charset="0"/>
+                <a:ea typeface="宋体" panose="02010600030101010101" pitchFamily="2" charset="-122"/>
+              </a:defRPr>
+            </a:lvl8pPr>
+            <a:lvl9pPr marL="1828800" algn="l" rtl="0" fontAlgn="base">
+              <a:spcBef>
+                <a:spcPct val="0"/>
+              </a:spcBef>
+              <a:spcAft>
+                <a:spcPct val="0"/>
+              </a:spcAft>
+              <a:defRPr sz="3800">
+                <a:solidFill>
+                  <a:schemeClr val="tx2"/>
+                </a:solidFill>
+                <a:latin typeface="Verdana" panose="020B0604030504040204" pitchFamily="34" charset="0"/>
+                <a:ea typeface="宋体" panose="02010600030101010101" pitchFamily="2" charset="-122"/>
+              </a:defRPr>
+            </a:lvl9pPr>
+          </a:lstStyle>
+          <a:p>
+            <a:pPr marL="469900" indent="-469900">
+              <a:spcBef>
+                <a:spcPct val="20000"/>
+              </a:spcBef>
+              <a:buClr>
+                <a:schemeClr val="accent2"/>
+              </a:buClr>
+              <a:buFont typeface="Wingdings" panose="05000000000000000000" pitchFamily="2" charset="2"/>
+              <a:buChar char="o"/>
+            </a:pPr>
+            <a:r>
+              <a:rPr lang="zh-CN" altLang="en-US" sz="3100" b="1" dirty="0" smtClean="0">
+                <a:sym typeface="+mn-ea"/>
+              </a:rPr>
+              <a:t>有限状态机，可以用</a:t>
+            </a:r>
+            <a:r>
+              <a:rPr lang="zh-CN" altLang="en-US" sz="3100" b="1" dirty="0" smtClean="0">
+                <a:solidFill>
+                  <a:srgbClr val="FF0000"/>
+                </a:solidFill>
+                <a:sym typeface="+mn-ea"/>
+              </a:rPr>
+              <a:t>状态图</a:t>
+            </a:r>
+            <a:r>
+              <a:rPr lang="zh-CN" altLang="en-US" sz="3100" b="1" dirty="0" smtClean="0">
+                <a:sym typeface="+mn-ea"/>
+              </a:rPr>
+              <a:t>，</a:t>
+            </a:r>
+            <a:r>
+              <a:rPr lang="zh-CN" altLang="en-US" sz="3100" b="1" dirty="0" smtClean="0">
+                <a:solidFill>
+                  <a:srgbClr val="FF0000"/>
+                </a:solidFill>
+                <a:sym typeface="+mn-ea"/>
+              </a:rPr>
+              <a:t>状态表</a:t>
+            </a:r>
+            <a:r>
+              <a:rPr lang="zh-CN" altLang="en-US" sz="3100" b="1" dirty="0" smtClean="0">
+                <a:sym typeface="+mn-ea"/>
+              </a:rPr>
+              <a:t>，</a:t>
+            </a:r>
+            <a:r>
+              <a:rPr lang="zh-CN" altLang="en-US" sz="3100" b="1" dirty="0" smtClean="0">
+                <a:solidFill>
+                  <a:srgbClr val="FF0000"/>
+                </a:solidFill>
+                <a:sym typeface="+mn-ea"/>
+              </a:rPr>
+              <a:t>状态树</a:t>
+            </a:r>
+            <a:r>
+              <a:rPr lang="zh-CN" altLang="en-US" sz="3100" b="1" dirty="0" smtClean="0">
+                <a:sym typeface="+mn-ea"/>
+              </a:rPr>
+              <a:t>表示</a:t>
+            </a:r>
+            <a:endParaRPr lang="zh-CN" altLang="en-US" sz="3100" b="1" dirty="0">
+              <a:solidFill>
+                <a:schemeClr val="tx1"/>
+              </a:solidFill>
+              <a:latin typeface="+mn-lt"/>
+              <a:ea typeface="+mn-ea"/>
+              <a:cs typeface="+mn-cs"/>
+            </a:endParaRPr>
+          </a:p>
+        </p:txBody>
+      </p:sp>
+      <p:pic>
+        <p:nvPicPr>
+          <p:cNvPr id="7" name="图片 6"/>
+          <p:cNvPicPr>
+            <a:picLocks noChangeAspect="1"/>
+          </p:cNvPicPr>
+          <p:nvPr/>
+        </p:nvPicPr>
+        <p:blipFill>
+          <a:blip r:embed="rId1">
+            <a:clrChange>
+              <a:clrFrom>
+                <a:srgbClr val="FFFFFF"/>
+              </a:clrFrom>
+              <a:clrTo>
+                <a:srgbClr val="FFFFFF">
+                  <a:alpha val="0"/>
+                </a:srgbClr>
+              </a:clrTo>
+            </a:clrChange>
+          </a:blip>
+          <a:stretch>
+            <a:fillRect/>
+          </a:stretch>
+        </p:blipFill>
+        <p:spPr>
+          <a:xfrm>
+            <a:off x="0" y="3724275"/>
+            <a:ext cx="3797300" cy="3133725"/>
+          </a:xfrm>
+          <a:prstGeom prst="rect">
+            <a:avLst/>
+          </a:prstGeom>
+        </p:spPr>
+      </p:pic>
+      <p:graphicFrame>
+        <p:nvGraphicFramePr>
+          <p:cNvPr id="10" name="表格 9"/>
+          <p:cNvGraphicFramePr>
+            <a:graphicFrameLocks noGrp="1"/>
+          </p:cNvGraphicFramePr>
+          <p:nvPr/>
+        </p:nvGraphicFramePr>
+        <p:xfrm>
+          <a:off x="3708400" y="3361055"/>
+          <a:ext cx="3432810" cy="3352800"/>
+        </p:xfrm>
+        <a:graphic>
+          <a:graphicData uri="http://schemas.openxmlformats.org/drawingml/2006/table">
+            <a:tbl>
+              <a:tblPr firstRow="1" bandRow="1">
+                <a:tableStyleId>{0505E3EF-67EA-436B-97B2-0124C06EBD24}</a:tableStyleId>
+              </a:tblPr>
+              <a:tblGrid>
+                <a:gridCol w="1144270"/>
+                <a:gridCol w="1144270"/>
+                <a:gridCol w="1144270"/>
+              </a:tblGrid>
+              <a:tr h="1371600">
+                <a:tc>
+                  <a:txBody>
+                    <a:bodyPr/>
+                    <a:p>
+                      <a:pPr algn="ctr"/>
+                      <a:r>
+                        <a:rPr lang="en-US" altLang="zh-CN" sz="2800" dirty="0" smtClean="0">
+                          <a:latin typeface="Times New Roman" panose="02020603050405020304" pitchFamily="18" charset="0"/>
+                          <a:cs typeface="Times New Roman" panose="02020603050405020304" pitchFamily="18" charset="0"/>
+                        </a:rPr>
+                        <a:t>State Name</a:t>
+                      </a:r>
+                      <a:endParaRPr lang="zh-CN" altLang="en-US" sz="2800" dirty="0">
+                        <a:latin typeface="Times New Roman" panose="02020603050405020304" pitchFamily="18" charset="0"/>
+                        <a:cs typeface="Times New Roman" panose="02020603050405020304" pitchFamily="18" charset="0"/>
+                      </a:endParaRPr>
+                    </a:p>
+                  </a:txBody>
+                  <a:tcPr/>
+                </a:tc>
+                <a:tc gridSpan="2">
+                  <a:txBody>
+                    <a:bodyPr/>
+                    <a:p>
+                      <a:pPr algn="l"/>
+                      <a:r>
+                        <a:rPr lang="en-US" altLang="zh-CN" sz="2800" dirty="0" smtClean="0">
+                          <a:latin typeface="Times New Roman" panose="02020603050405020304" pitchFamily="18" charset="0"/>
+                          <a:cs typeface="Times New Roman" panose="02020603050405020304" pitchFamily="18" charset="0"/>
+                        </a:rPr>
+                        <a:t>Output/convert</a:t>
+                      </a:r>
+                      <a:endParaRPr lang="zh-CN" altLang="en-US" sz="2800" dirty="0">
+                        <a:latin typeface="Times New Roman" panose="02020603050405020304" pitchFamily="18" charset="0"/>
+                        <a:cs typeface="Times New Roman" panose="02020603050405020304" pitchFamily="18" charset="0"/>
+                      </a:endParaRPr>
+                    </a:p>
+                  </a:txBody>
+                  <a:tcPr/>
+                </a:tc>
+                <a:tc hMerge="1">
+                  <a:tcPr/>
+                </a:tc>
+              </a:tr>
+              <a:tr h="518160">
+                <a:tc>
+                  <a:txBody>
+                    <a:bodyPr/>
+                    <a:p>
+                      <a:pPr algn="ctr"/>
+                      <a:r>
+                        <a:rPr lang="zh-CN" altLang="en-US" sz="2800" b="1" dirty="0" smtClean="0">
+                          <a:latin typeface="楷体" panose="02010609060101010101" pitchFamily="49" charset="-122"/>
+                          <a:ea typeface="楷体" panose="02010609060101010101" pitchFamily="49" charset="-122"/>
+                        </a:rPr>
+                        <a:t>就绪</a:t>
+                      </a:r>
+                      <a:endParaRPr lang="zh-CN" altLang="en-US" sz="2800" b="1" dirty="0">
+                        <a:latin typeface="楷体" panose="02010609060101010101" pitchFamily="49" charset="-122"/>
+                        <a:ea typeface="楷体" panose="02010609060101010101" pitchFamily="49" charset="-122"/>
+                      </a:endParaRPr>
+                    </a:p>
+                  </a:txBody>
+                  <a:tcPr/>
+                </a:tc>
+                <a:tc>
+                  <a:txBody>
+                    <a:bodyPr/>
+                    <a:p>
+                      <a:pPr algn="ctr"/>
+                      <a:r>
+                        <a:rPr lang="zh-CN" altLang="en-US" sz="2800" b="1" dirty="0" smtClean="0">
+                          <a:latin typeface="楷体" panose="02010609060101010101" pitchFamily="49" charset="-122"/>
+                          <a:ea typeface="楷体" panose="02010609060101010101" pitchFamily="49" charset="-122"/>
+                        </a:rPr>
+                        <a:t>执行</a:t>
+                      </a:r>
+                      <a:endParaRPr lang="zh-CN" altLang="en-US" sz="2800" b="1" dirty="0">
+                        <a:latin typeface="楷体" panose="02010609060101010101" pitchFamily="49" charset="-122"/>
+                        <a:ea typeface="楷体" panose="02010609060101010101" pitchFamily="49" charset="-122"/>
+                      </a:endParaRPr>
+                    </a:p>
+                  </a:txBody>
+                  <a:tcPr/>
+                </a:tc>
+                <a:tc>
+                  <a:txBody>
+                    <a:bodyPr/>
+                    <a:p>
+                      <a:pPr algn="ctr"/>
+                      <a:endParaRPr lang="zh-CN" altLang="en-US" sz="2800" b="1" dirty="0">
+                        <a:latin typeface="楷体" panose="02010609060101010101" pitchFamily="49" charset="-122"/>
+                        <a:ea typeface="楷体" panose="02010609060101010101" pitchFamily="49" charset="-122"/>
+                      </a:endParaRPr>
+                    </a:p>
+                  </a:txBody>
+                  <a:tcPr/>
+                </a:tc>
+              </a:tr>
+              <a:tr h="944880">
+                <a:tc>
+                  <a:txBody>
+                    <a:bodyPr/>
+                    <a:p>
+                      <a:pPr algn="ctr"/>
+                      <a:r>
+                        <a:rPr lang="zh-CN" altLang="en-US" sz="2800" b="1" dirty="0" smtClean="0">
+                          <a:latin typeface="楷体" panose="02010609060101010101" pitchFamily="49" charset="-122"/>
+                          <a:ea typeface="楷体" panose="02010609060101010101" pitchFamily="49" charset="-122"/>
+                        </a:rPr>
+                        <a:t>执行</a:t>
+                      </a:r>
+                      <a:endParaRPr lang="en-US" altLang="zh-CN" sz="2800" b="1" dirty="0" smtClean="0">
+                        <a:latin typeface="楷体" panose="02010609060101010101" pitchFamily="49" charset="-122"/>
+                        <a:ea typeface="楷体" panose="02010609060101010101" pitchFamily="49" charset="-122"/>
+                      </a:endParaRPr>
+                    </a:p>
+                    <a:p>
+                      <a:pPr algn="ctr"/>
+                      <a:endParaRPr lang="zh-CN" altLang="en-US" sz="2800" b="1" dirty="0">
+                        <a:latin typeface="楷体" panose="02010609060101010101" pitchFamily="49" charset="-122"/>
+                        <a:ea typeface="楷体" panose="02010609060101010101" pitchFamily="49" charset="-122"/>
+                      </a:endParaRPr>
+                    </a:p>
+                  </a:txBody>
+                  <a:tcPr/>
+                </a:tc>
+                <a:tc>
+                  <a:txBody>
+                    <a:bodyPr/>
+                    <a:p>
+                      <a:pPr algn="ctr"/>
+                      <a:r>
+                        <a:rPr lang="zh-CN" altLang="en-US" sz="2800" b="1" dirty="0" smtClean="0">
+                          <a:latin typeface="楷体" panose="02010609060101010101" pitchFamily="49" charset="-122"/>
+                          <a:ea typeface="楷体" panose="02010609060101010101" pitchFamily="49" charset="-122"/>
+                        </a:rPr>
+                        <a:t>就绪</a:t>
+                      </a:r>
+                      <a:endParaRPr lang="zh-CN" altLang="en-US" sz="2800" b="1" dirty="0">
+                        <a:latin typeface="楷体" panose="02010609060101010101" pitchFamily="49" charset="-122"/>
+                        <a:ea typeface="楷体" panose="02010609060101010101" pitchFamily="49" charset="-122"/>
+                      </a:endParaRPr>
+                    </a:p>
+                  </a:txBody>
+                  <a:tcPr/>
+                </a:tc>
+                <a:tc>
+                  <a:txBody>
+                    <a:bodyPr/>
+                    <a:p>
+                      <a:pPr algn="ctr"/>
+                      <a:r>
+                        <a:rPr lang="zh-CN" altLang="en-US" sz="2800" b="1" dirty="0" smtClean="0">
+                          <a:latin typeface="楷体" panose="02010609060101010101" pitchFamily="49" charset="-122"/>
+                          <a:ea typeface="楷体" panose="02010609060101010101" pitchFamily="49" charset="-122"/>
+                        </a:rPr>
+                        <a:t>阻塞</a:t>
+                      </a:r>
+                      <a:endParaRPr lang="zh-CN" altLang="en-US" sz="2800" b="1" dirty="0">
+                        <a:latin typeface="楷体" panose="02010609060101010101" pitchFamily="49" charset="-122"/>
+                        <a:ea typeface="楷体" panose="02010609060101010101" pitchFamily="49" charset="-122"/>
+                      </a:endParaRPr>
+                    </a:p>
+                  </a:txBody>
+                  <a:tcPr/>
+                </a:tc>
+              </a:tr>
+              <a:tr h="518160">
+                <a:tc>
+                  <a:txBody>
+                    <a:bodyPr/>
+                    <a:p>
+                      <a:pPr algn="ctr"/>
+                      <a:r>
+                        <a:rPr lang="zh-CN" altLang="en-US" sz="2800" b="1" dirty="0" smtClean="0">
+                          <a:latin typeface="楷体" panose="02010609060101010101" pitchFamily="49" charset="-122"/>
+                          <a:ea typeface="楷体" panose="02010609060101010101" pitchFamily="49" charset="-122"/>
+                        </a:rPr>
+                        <a:t>阻塞</a:t>
+                      </a:r>
+                      <a:endParaRPr lang="zh-CN" altLang="en-US" sz="2800" b="1" dirty="0">
+                        <a:latin typeface="楷体" panose="02010609060101010101" pitchFamily="49" charset="-122"/>
+                        <a:ea typeface="楷体" panose="02010609060101010101" pitchFamily="49" charset="-122"/>
+                      </a:endParaRPr>
+                    </a:p>
+                  </a:txBody>
+                  <a:tcPr/>
+                </a:tc>
+                <a:tc>
+                  <a:txBody>
+                    <a:bodyPr/>
+                    <a:p>
+                      <a:pPr algn="ctr"/>
+                      <a:r>
+                        <a:rPr lang="zh-CN" altLang="en-US" sz="2800" b="1" dirty="0" smtClean="0">
+                          <a:latin typeface="楷体" panose="02010609060101010101" pitchFamily="49" charset="-122"/>
+                          <a:ea typeface="楷体" panose="02010609060101010101" pitchFamily="49" charset="-122"/>
+                        </a:rPr>
+                        <a:t>就绪</a:t>
+                      </a:r>
+                      <a:endParaRPr lang="zh-CN" altLang="en-US" sz="2800" b="1" dirty="0">
+                        <a:latin typeface="楷体" panose="02010609060101010101" pitchFamily="49" charset="-122"/>
+                        <a:ea typeface="楷体" panose="02010609060101010101" pitchFamily="49" charset="-122"/>
+                      </a:endParaRPr>
+                    </a:p>
+                  </a:txBody>
+                  <a:tcPr/>
+                </a:tc>
+                <a:tc>
+                  <a:txBody>
+                    <a:bodyPr/>
+                    <a:p>
+                      <a:pPr algn="ctr"/>
+                      <a:endParaRPr lang="zh-CN" altLang="en-US" sz="2800" b="1" dirty="0">
+                        <a:latin typeface="楷体" panose="02010609060101010101" pitchFamily="49" charset="-122"/>
+                        <a:ea typeface="楷体" panose="02010609060101010101" pitchFamily="49" charset="-122"/>
+                      </a:endParaRPr>
+                    </a:p>
+                  </a:txBody>
+                  <a:tcPr/>
+                </a:tc>
+              </a:tr>
+            </a:tbl>
+          </a:graphicData>
+        </a:graphic>
+      </p:graphicFrame>
+      <p:pic>
+        <p:nvPicPr>
+          <p:cNvPr id="13" name="图片 12"/>
+          <p:cNvPicPr>
+            <a:picLocks noChangeAspect="1"/>
+          </p:cNvPicPr>
+          <p:nvPr/>
+        </p:nvPicPr>
+        <p:blipFill>
+          <a:blip r:embed="rId2"/>
+          <a:stretch>
+            <a:fillRect/>
+          </a:stretch>
+        </p:blipFill>
+        <p:spPr>
+          <a:xfrm>
+            <a:off x="7095490" y="3385185"/>
+            <a:ext cx="2067560" cy="3463925"/>
+          </a:xfrm>
+          <a:prstGeom prst="rect">
+            <a:avLst/>
+          </a:prstGeom>
+        </p:spPr>
+      </p:pic>
     </p:spTree>
-    <p:extLst>
-      <p:ext uri="{BB962C8B-B14F-4D97-AF65-F5344CB8AC3E}">
-        <p14:creationId xmlns:p14="http://schemas.microsoft.com/office/powerpoint/2010/main" val="3373438745"/>
-      </p:ext>
-    </p:extLst>
   </p:cSld>
   <p:clrMapOvr>
     <a:masterClrMapping/>
   </p:clrMapOvr>
+  <p:transition>
+    <p:blinds dir="vert"/>
+  </p:transition>
   <p:timing>
     <p:tnLst>
       <p:par>
-        <p:cTn id="1" dur="indefinite" restart="never" nodeType="tmRoot"/>
+        <p:cTn id="1" dur="indefinite" restart="never" nodeType="tmRoot">
+          <p:childTnLst>
+            <p:seq concurrent="1" nextAc="seek">
+              <p:cTn id="2" dur="indefinite" nodeType="mainSeq">
+                <p:childTnLst>
+                  <p:par>
+                    <p:cTn id="3" fill="hold">
+                      <p:stCondLst>
+                        <p:cond delay="indefinite"/>
+                      </p:stCondLst>
+                      <p:childTnLst>
+                        <p:par>
+                          <p:cTn id="4" fill="hold">
+                            <p:stCondLst>
+                              <p:cond delay="0"/>
+                            </p:stCondLst>
+                            <p:childTnLst>
+                              <p:par>
+                                <p:cTn id="5" presetID="2" presetClass="entr" presetSubtype="12" fill="hold" nodeType="clickEffect">
+                                  <p:stCondLst>
+                                    <p:cond delay="0"/>
+                                  </p:stCondLst>
+                                  <p:childTnLst>
+                                    <p:set>
+                                      <p:cBhvr>
+                                        <p:cTn id="6" dur="1" fill="hold">
+                                          <p:stCondLst>
+                                            <p:cond delay="0"/>
+                                          </p:stCondLst>
+                                        </p:cTn>
+                                        <p:tgtEl>
+                                          <p:spTgt spid="7"/>
+                                        </p:tgtEl>
+                                        <p:attrNameLst>
+                                          <p:attrName>style.visibility</p:attrName>
+                                        </p:attrNameLst>
+                                      </p:cBhvr>
+                                      <p:to>
+                                        <p:strVal val="visible"/>
+                                      </p:to>
+                                    </p:set>
+                                    <p:anim calcmode="lin" valueType="num">
+                                      <p:cBhvr additive="base">
+                                        <p:cTn id="7" dur="500" fill="hold"/>
+                                        <p:tgtEl>
+                                          <p:spTgt spid="7"/>
+                                        </p:tgtEl>
+                                        <p:attrNameLst>
+                                          <p:attrName>ppt_x</p:attrName>
+                                        </p:attrNameLst>
+                                      </p:cBhvr>
+                                      <p:tavLst>
+                                        <p:tav tm="0">
+                                          <p:val>
+                                            <p:strVal val="0-#ppt_w/2"/>
+                                          </p:val>
+                                        </p:tav>
+                                        <p:tav tm="100000">
+                                          <p:val>
+                                            <p:strVal val="#ppt_x"/>
+                                          </p:val>
+                                        </p:tav>
+                                      </p:tavLst>
+                                    </p:anim>
+                                    <p:anim calcmode="lin" valueType="num">
+                                      <p:cBhvr additive="base">
+                                        <p:cTn id="8" dur="500" fill="hold"/>
+                                        <p:tgtEl>
+                                          <p:spTgt spid="7"/>
+                                        </p:tgtEl>
+                                        <p:attrNameLst>
+                                          <p:attrName>ppt_y</p:attrName>
+                                        </p:attrNameLst>
+                                      </p:cBhvr>
+                                      <p:tavLst>
+                                        <p:tav tm="0">
+                                          <p:val>
+                                            <p:strVal val="1+#ppt_h/2"/>
+                                          </p:val>
+                                        </p:tav>
+                                        <p:tav tm="100000">
+                                          <p:val>
+                                            <p:strVal val="#ppt_y"/>
+                                          </p:val>
+                                        </p:tav>
+                                      </p:tavLst>
+                                    </p:anim>
+                                  </p:childTnLst>
+                                </p:cTn>
+                              </p:par>
+                            </p:childTnLst>
+                          </p:cTn>
+                        </p:par>
+                      </p:childTnLst>
+                    </p:cTn>
+                  </p:par>
+                  <p:par>
+                    <p:cTn id="9" fill="hold">
+                      <p:stCondLst>
+                        <p:cond delay="indefinite"/>
+                      </p:stCondLst>
+                      <p:childTnLst>
+                        <p:par>
+                          <p:cTn id="10" fill="hold">
+                            <p:stCondLst>
+                              <p:cond delay="0"/>
+                            </p:stCondLst>
+                            <p:childTnLst>
+                              <p:par>
+                                <p:cTn id="11" presetID="2" presetClass="entr" presetSubtype="4" fill="hold" nodeType="clickEffect">
+                                  <p:stCondLst>
+                                    <p:cond delay="0"/>
+                                  </p:stCondLst>
+                                  <p:childTnLst>
+                                    <p:set>
+                                      <p:cBhvr>
+                                        <p:cTn id="12" dur="1" fill="hold">
+                                          <p:stCondLst>
+                                            <p:cond delay="0"/>
+                                          </p:stCondLst>
+                                        </p:cTn>
+                                        <p:tgtEl>
+                                          <p:spTgt spid="10"/>
+                                        </p:tgtEl>
+                                        <p:attrNameLst>
+                                          <p:attrName>style.visibility</p:attrName>
+                                        </p:attrNameLst>
+                                      </p:cBhvr>
+                                      <p:to>
+                                        <p:strVal val="visible"/>
+                                      </p:to>
+                                    </p:set>
+                                    <p:anim calcmode="lin" valueType="num">
+                                      <p:cBhvr additive="base">
+                                        <p:cTn id="13" dur="500" fill="hold"/>
+                                        <p:tgtEl>
+                                          <p:spTgt spid="10"/>
+                                        </p:tgtEl>
+                                        <p:attrNameLst>
+                                          <p:attrName>ppt_x</p:attrName>
+                                        </p:attrNameLst>
+                                      </p:cBhvr>
+                                      <p:tavLst>
+                                        <p:tav tm="0">
+                                          <p:val>
+                                            <p:strVal val="#ppt_x"/>
+                                          </p:val>
+                                        </p:tav>
+                                        <p:tav tm="100000">
+                                          <p:val>
+                                            <p:strVal val="#ppt_x"/>
+                                          </p:val>
+                                        </p:tav>
+                                      </p:tavLst>
+                                    </p:anim>
+                                    <p:anim calcmode="lin" valueType="num">
+                                      <p:cBhvr additive="base">
+                                        <p:cTn id="14" dur="500" fill="hold"/>
+                                        <p:tgtEl>
+                                          <p:spTgt spid="10"/>
+                                        </p:tgtEl>
+                                        <p:attrNameLst>
+                                          <p:attrName>ppt_y</p:attrName>
+                                        </p:attrNameLst>
+                                      </p:cBhvr>
+                                      <p:tavLst>
+                                        <p:tav tm="0">
+                                          <p:val>
+                                            <p:strVal val="1+#ppt_h/2"/>
+                                          </p:val>
+                                        </p:tav>
+                                        <p:tav tm="100000">
+                                          <p:val>
+                                            <p:strVal val="#ppt_y"/>
+                                          </p:val>
+                                        </p:tav>
+                                      </p:tavLst>
+                                    </p:anim>
+                                  </p:childTnLst>
+                                </p:cTn>
+                              </p:par>
+                            </p:childTnLst>
+                          </p:cTn>
+                        </p:par>
+                      </p:childTnLst>
+                    </p:cTn>
+                  </p:par>
+                  <p:par>
+                    <p:cTn id="15" fill="hold">
+                      <p:stCondLst>
+                        <p:cond delay="indefinite"/>
+                      </p:stCondLst>
+                      <p:childTnLst>
+                        <p:par>
+                          <p:cTn id="16" fill="hold">
+                            <p:stCondLst>
+                              <p:cond delay="0"/>
+                            </p:stCondLst>
+                            <p:childTnLst>
+                              <p:par>
+                                <p:cTn id="17" presetID="2" presetClass="entr" presetSubtype="6" fill="hold" nodeType="clickEffect">
+                                  <p:stCondLst>
+                                    <p:cond delay="0"/>
+                                  </p:stCondLst>
+                                  <p:childTnLst>
+                                    <p:set>
+                                      <p:cBhvr>
+                                        <p:cTn id="18" dur="1" fill="hold">
+                                          <p:stCondLst>
+                                            <p:cond delay="0"/>
+                                          </p:stCondLst>
+                                        </p:cTn>
+                                        <p:tgtEl>
+                                          <p:spTgt spid="13"/>
+                                        </p:tgtEl>
+                                        <p:attrNameLst>
+                                          <p:attrName>style.visibility</p:attrName>
+                                        </p:attrNameLst>
+                                      </p:cBhvr>
+                                      <p:to>
+                                        <p:strVal val="visible"/>
+                                      </p:to>
+                                    </p:set>
+                                    <p:anim calcmode="lin" valueType="num">
+                                      <p:cBhvr additive="base">
+                                        <p:cTn id="19" dur="500" fill="hold"/>
+                                        <p:tgtEl>
+                                          <p:spTgt spid="13"/>
+                                        </p:tgtEl>
+                                        <p:attrNameLst>
+                                          <p:attrName>ppt_x</p:attrName>
+                                        </p:attrNameLst>
+                                      </p:cBhvr>
+                                      <p:tavLst>
+                                        <p:tav tm="0">
+                                          <p:val>
+                                            <p:strVal val="1+#ppt_w/2"/>
+                                          </p:val>
+                                        </p:tav>
+                                        <p:tav tm="100000">
+                                          <p:val>
+                                            <p:strVal val="#ppt_x"/>
+                                          </p:val>
+                                        </p:tav>
+                                      </p:tavLst>
+                                    </p:anim>
+                                    <p:anim calcmode="lin" valueType="num">
+                                      <p:cBhvr additive="base">
+                                        <p:cTn id="20" dur="500" fill="hold"/>
+                                        <p:tgtEl>
+                                          <p:spTgt spid="13"/>
+                                        </p:tgtEl>
+                                        <p:attrNameLst>
+                                          <p:attrName>ppt_y</p:attrName>
+                                        </p:attrNameLst>
+                                      </p:cBhvr>
+                                      <p:tavLst>
+                                        <p:tav tm="0">
+                                          <p:val>
+                                            <p:strVal val="1+#ppt_h/2"/>
+                                          </p:val>
+                                        </p:tav>
+                                        <p:tav tm="100000">
+                                          <p:val>
+                                            <p:strVal val="#ppt_y"/>
+                                          </p:val>
+                                        </p:tav>
+                                      </p:tavLst>
+                                    </p:anim>
+                                  </p:childTnLst>
+                                </p:cTn>
+                              </p:par>
+                            </p:childTnLst>
+                          </p:cTn>
+                        </p:par>
+                      </p:childTnLst>
+                    </p:cTn>
+                  </p:par>
+                </p:childTnLst>
+              </p:cTn>
+              <p:prevCondLst>
+                <p:cond evt="onPrev" delay="0">
+                  <p:tgtEl>
+                    <p:sldTgt/>
+                  </p:tgtEl>
+                </p:cond>
+              </p:prevCondLst>
+              <p:nextCondLst>
+                <p:cond evt="onNext" delay="0">
+                  <p:tgtEl>
+                    <p:sldTgt/>
+                  </p:tgtEl>
+                </p:cond>
+              </p:nextCondLst>
+            </p:seq>
+          </p:childTnLst>
+        </p:cTn>
       </p:par>
     </p:tnLst>
   </p:timing>
@@ -8572,7 +9863,7 @@
         </p:nvSpPr>
         <p:spPr>
           <a:xfrm>
-            <a:off x="395536" y="1628800"/>
+            <a:off x="603434" y="2221508"/>
             <a:ext cx="7886700" cy="752475"/>
           </a:xfrm>
         </p:spPr>
@@ -8587,7 +9878,7 @@
               <a:buClr>
                 <a:schemeClr val="accent2"/>
               </a:buClr>
-              <a:buFont typeface="Wingdings" pitchFamily="2" charset="2"/>
+              <a:buFont typeface="Wingdings" panose="05000000000000000000" pitchFamily="2" charset="2"/>
               <a:buChar char="o"/>
             </a:pPr>
             <a:r>
@@ -8599,8 +9890,16 @@
                 <a:ea typeface="+mn-ea"/>
                 <a:cs typeface="+mn-cs"/>
               </a:rPr>
-              <a:t>根据需求设计测试用例</a:t>
-            </a:r>
+              <a:t>状态图的使用步骤</a:t>
+            </a:r>
+            <a:endParaRPr lang="zh-CN" altLang="en-US" sz="3100" b="1" dirty="0">
+              <a:solidFill>
+                <a:schemeClr val="tx1"/>
+              </a:solidFill>
+              <a:latin typeface="+mn-lt"/>
+              <a:ea typeface="+mn-ea"/>
+              <a:cs typeface="+mn-cs"/>
+            </a:endParaRPr>
           </a:p>
         </p:txBody>
       </p:sp>
@@ -8616,100 +9915,78 @@
         </p:nvSpPr>
         <p:spPr>
           <a:xfrm>
-            <a:off x="251520" y="2492896"/>
-            <a:ext cx="7972425" cy="5730875"/>
+            <a:off x="603250" y="2526665"/>
+            <a:ext cx="7972425" cy="2853055"/>
           </a:xfrm>
         </p:spPr>
         <p:txBody>
-          <a:bodyPr>
-            <a:noAutofit/>
-          </a:bodyPr>
+          <a:bodyPr/>
           <a:lstStyle/>
           <a:p>
-            <a:pPr marL="471487" lvl="1" indent="0">
+            <a:pPr marL="471170" lvl="1" indent="0">
               <a:buNone/>
             </a:pPr>
-            <a:r>
-              <a:rPr lang="en-US" altLang="zh-CN" sz="2700" b="1" dirty="0"/>
-              <a:t>1</a:t>
-            </a:r>
-            <a:r>
-              <a:rPr lang="en-US" altLang="zh-CN" sz="2700" b="1" dirty="0"/>
-              <a:t>.</a:t>
-            </a:r>
-            <a:r>
-              <a:rPr lang="zh-CN" altLang="en-US" sz="2700" b="1" dirty="0"/>
-              <a:t>网上订票，此时订单处于“待支付”</a:t>
-            </a:r>
             <a:endParaRPr lang="en-US" altLang="zh-CN" sz="2700" b="1" dirty="0"/>
           </a:p>
           <a:p>
-            <a:pPr marL="471487" lvl="1" indent="0">
+            <a:pPr marL="471170" lvl="1" indent="0">
               <a:buNone/>
             </a:pPr>
             <a:r>
               <a:rPr lang="en-US" altLang="zh-CN" sz="2700" b="1" dirty="0"/>
-              <a:t>2.</a:t>
-            </a:r>
-            <a:r>
-              <a:rPr lang="zh-CN" altLang="en-US" sz="2700" b="1" dirty="0"/>
-              <a:t>付款后，</a:t>
-            </a:r>
-            <a:r>
-              <a:rPr lang="zh-CN" altLang="en-US" sz="2700" b="1" dirty="0"/>
-              <a:t>订单处于“已支付”</a:t>
-            </a:r>
-            <a:endParaRPr lang="en-US" altLang="zh-CN" sz="2700" b="1" dirty="0"/>
-          </a:p>
-          <a:p>
-            <a:pPr marL="471487" lvl="1" indent="0">
+              <a:t>1.</a:t>
+            </a:r>
+            <a:r>
+              <a:rPr lang="zh-CN" altLang="zh-CN" sz="2700" b="1" dirty="0"/>
+              <a:t>根据需求，理解关键字段，获得主要的状态</a:t>
+            </a:r>
+            <a:endParaRPr lang="zh-CN" altLang="zh-CN" sz="2700" b="1" dirty="0"/>
+          </a:p>
+          <a:p>
+            <a:pPr marL="471170" lvl="1" indent="0">
               <a:buNone/>
             </a:pPr>
             <a:r>
               <a:rPr lang="en-US" altLang="zh-CN" sz="2700" b="1" dirty="0"/>
-              <a:t>3.</a:t>
+              <a:t>2.</a:t>
             </a:r>
             <a:r>
               <a:rPr lang="zh-CN" altLang="en-US" sz="2700" b="1" dirty="0"/>
-              <a:t>火车站取票后，订单处于“已出票”</a:t>
-            </a:r>
-            <a:endParaRPr lang="en-US" altLang="zh-CN" sz="2700" b="1" dirty="0"/>
-          </a:p>
-          <a:p>
-            <a:pPr marL="471487" lvl="1" indent="0">
+              <a:t>绘制</a:t>
+            </a:r>
+            <a:r>
+              <a:rPr lang="zh-CN" altLang="zh-CN" sz="2700" b="1" dirty="0"/>
+              <a:t>状态迁移图</a:t>
+            </a:r>
+            <a:endParaRPr lang="zh-CN" altLang="zh-CN" sz="2700" b="1" dirty="0"/>
+          </a:p>
+          <a:p>
+            <a:pPr marL="471170" lvl="1" indent="0">
               <a:buNone/>
             </a:pPr>
             <a:r>
               <a:rPr lang="en-US" altLang="zh-CN" sz="2700" b="1" dirty="0"/>
-              <a:t>4.</a:t>
-            </a:r>
-            <a:r>
-              <a:rPr lang="zh-CN" altLang="en-US" sz="2700" b="1" dirty="0"/>
-              <a:t>检票后，</a:t>
-            </a:r>
-            <a:r>
-              <a:rPr lang="zh-CN" altLang="en-US" sz="2700" b="1" dirty="0"/>
-              <a:t>订单处于</a:t>
-            </a:r>
-            <a:r>
-              <a:rPr lang="zh-CN" altLang="en-US" sz="2700" b="1" dirty="0"/>
-              <a:t>“已使用”</a:t>
+              <a:t>3.</a:t>
+            </a:r>
+            <a:r>
+              <a:rPr lang="zh-CN" altLang="zh-CN" sz="2700" b="1" dirty="0"/>
+              <a:t>画出状态迁移树</a:t>
             </a:r>
             <a:endParaRPr lang="en-US" altLang="zh-CN" sz="2700" b="1" dirty="0"/>
           </a:p>
           <a:p>
-            <a:pPr marL="471487" lvl="1" indent="0">
+            <a:pPr marL="471170" lvl="1" indent="0">
               <a:buNone/>
             </a:pPr>
             <a:r>
               <a:rPr lang="en-US" altLang="zh-CN" sz="2700" b="1" dirty="0"/>
-              <a:t>5.</a:t>
+              <a:t>4.</a:t>
             </a:r>
             <a:r>
               <a:rPr lang="zh-CN" altLang="en-US" sz="2700" b="1" dirty="0"/>
-              <a:t>上车前任何时间都可以取消自己的订票信息，如果已经支付了车票的费用，则可以退款，订单处于“已取消”</a:t>
-            </a:r>
-            <a:endParaRPr lang="en-US" altLang="zh-CN" sz="2700" b="1" dirty="0"/>
+              <a:t>抽取测试用例</a:t>
+            </a:r>
+            <a:endParaRPr lang="zh-CN" altLang="en-US" sz="2700" b="1" dirty="0"/>
           </a:p>
         </p:txBody>
       </p:sp>
@@ -8754,11 +10031,7 @@
           </a:extLst>
         </p:spPr>
         <p:txBody>
-          <a:bodyPr vert="horz" wrap="square" lIns="91440" tIns="45720" rIns="91440" bIns="45720" numCol="1" anchor="b" anchorCtr="0" compatLnSpc="1">
-            <a:prstTxWarp prst="textNoShape">
-              <a:avLst/>
-            </a:prstTxWarp>
-          </a:bodyPr>
+          <a:bodyPr vert="horz" wrap="square" lIns="91440" tIns="45720" rIns="91440" bIns="45720" numCol="1" anchor="b" anchorCtr="0" compatLnSpc="1"/>
           <a:lstStyle>
             <a:lvl1pPr algn="l" rtl="0" eaLnBrk="0" fontAlgn="base" hangingPunct="0">
               <a:spcBef>
@@ -8787,8 +10060,8 @@
                 <a:solidFill>
                   <a:schemeClr val="tx2"/>
                 </a:solidFill>
-                <a:latin typeface="Verdana" pitchFamily="34" charset="0"/>
-                <a:ea typeface="宋体" pitchFamily="2" charset="-122"/>
+                <a:latin typeface="Verdana" panose="020B0604030504040204" pitchFamily="34" charset="0"/>
+                <a:ea typeface="宋体" panose="02010600030101010101" pitchFamily="2" charset="-122"/>
               </a:defRPr>
             </a:lvl2pPr>
             <a:lvl3pPr algn="l" rtl="0" eaLnBrk="0" fontAlgn="base" hangingPunct="0">
@@ -8802,8 +10075,8 @@
                 <a:solidFill>
                   <a:schemeClr val="tx2"/>
                 </a:solidFill>
-                <a:latin typeface="Verdana" pitchFamily="34" charset="0"/>
-                <a:ea typeface="宋体" pitchFamily="2" charset="-122"/>
+                <a:latin typeface="Verdana" panose="020B0604030504040204" pitchFamily="34" charset="0"/>
+                <a:ea typeface="宋体" panose="02010600030101010101" pitchFamily="2" charset="-122"/>
               </a:defRPr>
             </a:lvl3pPr>
             <a:lvl4pPr algn="l" rtl="0" eaLnBrk="0" fontAlgn="base" hangingPunct="0">
@@ -8817,8 +10090,8 @@
                 <a:solidFill>
                   <a:schemeClr val="tx2"/>
                 </a:solidFill>
-                <a:latin typeface="Verdana" pitchFamily="34" charset="0"/>
-                <a:ea typeface="宋体" pitchFamily="2" charset="-122"/>
+                <a:latin typeface="Verdana" panose="020B0604030504040204" pitchFamily="34" charset="0"/>
+                <a:ea typeface="宋体" panose="02010600030101010101" pitchFamily="2" charset="-122"/>
               </a:defRPr>
             </a:lvl4pPr>
             <a:lvl5pPr algn="l" rtl="0" eaLnBrk="0" fontAlgn="base" hangingPunct="0">
@@ -8832,8 +10105,8 @@
                 <a:solidFill>
                   <a:schemeClr val="tx2"/>
                 </a:solidFill>
-                <a:latin typeface="Verdana" pitchFamily="34" charset="0"/>
-                <a:ea typeface="宋体" pitchFamily="2" charset="-122"/>
+                <a:latin typeface="Verdana" panose="020B0604030504040204" pitchFamily="34" charset="0"/>
+                <a:ea typeface="宋体" panose="02010600030101010101" pitchFamily="2" charset="-122"/>
               </a:defRPr>
             </a:lvl5pPr>
             <a:lvl6pPr marL="457200" algn="l" rtl="0" fontAlgn="base">
@@ -8847,8 +10120,8 @@
                 <a:solidFill>
                   <a:schemeClr val="tx2"/>
                 </a:solidFill>
-                <a:latin typeface="Verdana" pitchFamily="34" charset="0"/>
-                <a:ea typeface="宋体" pitchFamily="2" charset="-122"/>
+                <a:latin typeface="Verdana" panose="020B0604030504040204" pitchFamily="34" charset="0"/>
+                <a:ea typeface="宋体" panose="02010600030101010101" pitchFamily="2" charset="-122"/>
               </a:defRPr>
             </a:lvl6pPr>
             <a:lvl7pPr marL="914400" algn="l" rtl="0" fontAlgn="base">
@@ -8862,8 +10135,8 @@
                 <a:solidFill>
                   <a:schemeClr val="tx2"/>
                 </a:solidFill>
-                <a:latin typeface="Verdana" pitchFamily="34" charset="0"/>
-                <a:ea typeface="宋体" pitchFamily="2" charset="-122"/>
+                <a:latin typeface="Verdana" panose="020B0604030504040204" pitchFamily="34" charset="0"/>
+                <a:ea typeface="宋体" panose="02010600030101010101" pitchFamily="2" charset="-122"/>
               </a:defRPr>
             </a:lvl7pPr>
             <a:lvl8pPr marL="1371600" algn="l" rtl="0" fontAlgn="base">
@@ -8877,8 +10150,8 @@
                 <a:solidFill>
                   <a:schemeClr val="tx2"/>
                 </a:solidFill>
-                <a:latin typeface="Verdana" pitchFamily="34" charset="0"/>
-                <a:ea typeface="宋体" pitchFamily="2" charset="-122"/>
+                <a:latin typeface="Verdana" panose="020B0604030504040204" pitchFamily="34" charset="0"/>
+                <a:ea typeface="宋体" panose="02010600030101010101" pitchFamily="2" charset="-122"/>
               </a:defRPr>
             </a:lvl8pPr>
             <a:lvl9pPr marL="1828800" algn="l" rtl="0" fontAlgn="base">
@@ -8892,8 +10165,8 @@
                 <a:solidFill>
                   <a:schemeClr val="tx2"/>
                 </a:solidFill>
-                <a:latin typeface="Verdana" pitchFamily="34" charset="0"/>
-                <a:ea typeface="宋体" pitchFamily="2" charset="-122"/>
+                <a:latin typeface="Verdana" panose="020B0604030504040204" pitchFamily="34" charset="0"/>
+                <a:ea typeface="宋体" panose="02010600030101010101" pitchFamily="2" charset="-122"/>
               </a:defRPr>
             </a:lvl9pPr>
           </a:lstStyle>
@@ -8901,35 +10174,222 @@
             <a:pPr eaLnBrk="1" hangingPunct="1"/>
             <a:r>
               <a:rPr lang="en-US" altLang="zh-CN" b="1" dirty="0" smtClean="0">
-                <a:latin typeface="黑体" pitchFamily="2" charset="-122"/>
-                <a:ea typeface="黑体" pitchFamily="2" charset="-122"/>
+                <a:latin typeface="黑体" panose="02010609060101010101" pitchFamily="2" charset="-122"/>
+                <a:ea typeface="黑体" panose="02010609060101010101" pitchFamily="2" charset="-122"/>
               </a:rPr>
               <a:t>3.8 </a:t>
             </a:r>
             <a:r>
               <a:rPr lang="zh-CN" altLang="en-US" b="1" dirty="0" smtClean="0">
-                <a:latin typeface="黑体" pitchFamily="2" charset="-122"/>
-                <a:ea typeface="黑体" pitchFamily="2" charset="-122"/>
+                <a:latin typeface="黑体" panose="02010609060101010101" pitchFamily="2" charset="-122"/>
+                <a:ea typeface="黑体" panose="02010609060101010101" pitchFamily="2" charset="-122"/>
               </a:rPr>
               <a:t>状态迁移图</a:t>
             </a:r>
             <a:endParaRPr lang="zh-CN" altLang="en-US" b="1" dirty="0" smtClean="0">
-              <a:latin typeface="黑体" pitchFamily="2" charset="-122"/>
-              <a:ea typeface="黑体" pitchFamily="2" charset="-122"/>
+              <a:latin typeface="黑体" panose="02010609060101010101" pitchFamily="2" charset="-122"/>
+              <a:ea typeface="黑体" panose="02010609060101010101" pitchFamily="2" charset="-122"/>
+            </a:endParaRPr>
+          </a:p>
+        </p:txBody>
+      </p:sp>
+      <p:sp>
+        <p:nvSpPr>
+          <p:cNvPr id="5" name="标题 1"/>
+          <p:cNvSpPr>
+            <a:spLocks noGrp="1"/>
+          </p:cNvSpPr>
+          <p:nvPr/>
+        </p:nvSpPr>
+        <p:spPr>
+          <a:xfrm>
+            <a:off x="603434" y="1630323"/>
+            <a:ext cx="7886700" cy="752475"/>
+          </a:xfrm>
+          <a:prstGeom prst="rect">
+            <a:avLst/>
+          </a:prstGeom>
+          <a:noFill/>
+          <a:ln>
+            <a:noFill/>
+          </a:ln>
+        </p:spPr>
+        <p:txBody>
+          <a:bodyPr vert="horz" wrap="square" lIns="91440" tIns="45720" rIns="91440" bIns="45720" numCol="1" anchor="b" anchorCtr="0" compatLnSpc="1"/>
+          <a:lstStyle>
+            <a:lvl1pPr algn="l" rtl="0" eaLnBrk="0" fontAlgn="base" hangingPunct="0">
+              <a:spcBef>
+                <a:spcPct val="0"/>
+              </a:spcBef>
+              <a:spcAft>
+                <a:spcPct val="0"/>
+              </a:spcAft>
+              <a:defRPr sz="3800">
+                <a:solidFill>
+                  <a:schemeClr val="tx2"/>
+                </a:solidFill>
+                <a:latin typeface="+mj-lt"/>
+                <a:ea typeface="+mj-ea"/>
+                <a:cs typeface="+mj-cs"/>
+              </a:defRPr>
+            </a:lvl1pPr>
+            <a:lvl2pPr algn="l" rtl="0" eaLnBrk="0" fontAlgn="base" hangingPunct="0">
+              <a:spcBef>
+                <a:spcPct val="0"/>
+              </a:spcBef>
+              <a:spcAft>
+                <a:spcPct val="0"/>
+              </a:spcAft>
+              <a:defRPr sz="3800">
+                <a:solidFill>
+                  <a:schemeClr val="tx2"/>
+                </a:solidFill>
+                <a:latin typeface="Verdana" panose="020B0604030504040204" pitchFamily="34" charset="0"/>
+                <a:ea typeface="宋体" panose="02010600030101010101" pitchFamily="2" charset="-122"/>
+              </a:defRPr>
+            </a:lvl2pPr>
+            <a:lvl3pPr algn="l" rtl="0" eaLnBrk="0" fontAlgn="base" hangingPunct="0">
+              <a:spcBef>
+                <a:spcPct val="0"/>
+              </a:spcBef>
+              <a:spcAft>
+                <a:spcPct val="0"/>
+              </a:spcAft>
+              <a:defRPr sz="3800">
+                <a:solidFill>
+                  <a:schemeClr val="tx2"/>
+                </a:solidFill>
+                <a:latin typeface="Verdana" panose="020B0604030504040204" pitchFamily="34" charset="0"/>
+                <a:ea typeface="宋体" panose="02010600030101010101" pitchFamily="2" charset="-122"/>
+              </a:defRPr>
+            </a:lvl3pPr>
+            <a:lvl4pPr algn="l" rtl="0" eaLnBrk="0" fontAlgn="base" hangingPunct="0">
+              <a:spcBef>
+                <a:spcPct val="0"/>
+              </a:spcBef>
+              <a:spcAft>
+                <a:spcPct val="0"/>
+              </a:spcAft>
+              <a:defRPr sz="3800">
+                <a:solidFill>
+                  <a:schemeClr val="tx2"/>
+                </a:solidFill>
+                <a:latin typeface="Verdana" panose="020B0604030504040204" pitchFamily="34" charset="0"/>
+                <a:ea typeface="宋体" panose="02010600030101010101" pitchFamily="2" charset="-122"/>
+              </a:defRPr>
+            </a:lvl4pPr>
+            <a:lvl5pPr algn="l" rtl="0" eaLnBrk="0" fontAlgn="base" hangingPunct="0">
+              <a:spcBef>
+                <a:spcPct val="0"/>
+              </a:spcBef>
+              <a:spcAft>
+                <a:spcPct val="0"/>
+              </a:spcAft>
+              <a:defRPr sz="3800">
+                <a:solidFill>
+                  <a:schemeClr val="tx2"/>
+                </a:solidFill>
+                <a:latin typeface="Verdana" panose="020B0604030504040204" pitchFamily="34" charset="0"/>
+                <a:ea typeface="宋体" panose="02010600030101010101" pitchFamily="2" charset="-122"/>
+              </a:defRPr>
+            </a:lvl5pPr>
+            <a:lvl6pPr marL="457200" algn="l" rtl="0" fontAlgn="base">
+              <a:spcBef>
+                <a:spcPct val="0"/>
+              </a:spcBef>
+              <a:spcAft>
+                <a:spcPct val="0"/>
+              </a:spcAft>
+              <a:defRPr sz="3800">
+                <a:solidFill>
+                  <a:schemeClr val="tx2"/>
+                </a:solidFill>
+                <a:latin typeface="Verdana" panose="020B0604030504040204" pitchFamily="34" charset="0"/>
+                <a:ea typeface="宋体" panose="02010600030101010101" pitchFamily="2" charset="-122"/>
+              </a:defRPr>
+            </a:lvl6pPr>
+            <a:lvl7pPr marL="914400" algn="l" rtl="0" fontAlgn="base">
+              <a:spcBef>
+                <a:spcPct val="0"/>
+              </a:spcBef>
+              <a:spcAft>
+                <a:spcPct val="0"/>
+              </a:spcAft>
+              <a:defRPr sz="3800">
+                <a:solidFill>
+                  <a:schemeClr val="tx2"/>
+                </a:solidFill>
+                <a:latin typeface="Verdana" panose="020B0604030504040204" pitchFamily="34" charset="0"/>
+                <a:ea typeface="宋体" panose="02010600030101010101" pitchFamily="2" charset="-122"/>
+              </a:defRPr>
+            </a:lvl7pPr>
+            <a:lvl8pPr marL="1371600" algn="l" rtl="0" fontAlgn="base">
+              <a:spcBef>
+                <a:spcPct val="0"/>
+              </a:spcBef>
+              <a:spcAft>
+                <a:spcPct val="0"/>
+              </a:spcAft>
+              <a:defRPr sz="3800">
+                <a:solidFill>
+                  <a:schemeClr val="tx2"/>
+                </a:solidFill>
+                <a:latin typeface="Verdana" panose="020B0604030504040204" pitchFamily="34" charset="0"/>
+                <a:ea typeface="宋体" panose="02010600030101010101" pitchFamily="2" charset="-122"/>
+              </a:defRPr>
+            </a:lvl8pPr>
+            <a:lvl9pPr marL="1828800" algn="l" rtl="0" fontAlgn="base">
+              <a:spcBef>
+                <a:spcPct val="0"/>
+              </a:spcBef>
+              <a:spcAft>
+                <a:spcPct val="0"/>
+              </a:spcAft>
+              <a:defRPr sz="3800">
+                <a:solidFill>
+                  <a:schemeClr val="tx2"/>
+                </a:solidFill>
+                <a:latin typeface="Verdana" panose="020B0604030504040204" pitchFamily="34" charset="0"/>
+                <a:ea typeface="宋体" panose="02010600030101010101" pitchFamily="2" charset="-122"/>
+              </a:defRPr>
+            </a:lvl9pPr>
+          </a:lstStyle>
+          <a:p>
+            <a:pPr marL="469900" indent="-469900">
+              <a:spcBef>
+                <a:spcPct val="20000"/>
+              </a:spcBef>
+              <a:buClr>
+                <a:schemeClr val="accent2"/>
+              </a:buClr>
+              <a:buFont typeface="Wingdings" panose="05000000000000000000" pitchFamily="2" charset="2"/>
+              <a:buChar char="o"/>
+            </a:pPr>
+            <a:r>
+              <a:rPr lang="zh-CN" altLang="en-US" sz="3100" b="1" dirty="0">
+                <a:sym typeface="+mn-ea"/>
+              </a:rPr>
+              <a:t>使用场合：多状态变化的情况</a:t>
+            </a:r>
+            <a:endParaRPr lang="zh-CN" altLang="en-US" sz="3100" b="1" dirty="0">
+              <a:solidFill>
+                <a:schemeClr val="tx1"/>
+              </a:solidFill>
+              <a:latin typeface="+mn-lt"/>
+              <a:ea typeface="+mn-ea"/>
+              <a:cs typeface="+mn-cs"/>
             </a:endParaRPr>
           </a:p>
         </p:txBody>
       </p:sp>
     </p:spTree>
-    <p:extLst>
-      <p:ext uri="{BB962C8B-B14F-4D97-AF65-F5344CB8AC3E}">
-        <p14:creationId xmlns:p14="http://schemas.microsoft.com/office/powerpoint/2010/main" val="1765832486"/>
-      </p:ext>
-    </p:extLst>
   </p:cSld>
   <p:clrMapOvr>
     <a:masterClrMapping/>
   </p:clrMapOvr>
+  <p:transition>
+    <p:blinds dir="vert"/>
+  </p:transition>
   <p:timing>
     <p:tnLst>
       <p:par>
@@ -8969,6 +10429,389 @@
         </p:nvSpPr>
         <p:spPr>
           <a:xfrm>
+            <a:off x="395536" y="1628800"/>
+            <a:ext cx="7886700" cy="752475"/>
+          </a:xfrm>
+        </p:spPr>
+        <p:txBody>
+          <a:bodyPr/>
+          <a:lstStyle/>
+          <a:p>
+            <a:pPr marL="469900" indent="-469900">
+              <a:spcBef>
+                <a:spcPct val="20000"/>
+              </a:spcBef>
+              <a:buClr>
+                <a:schemeClr val="accent2"/>
+              </a:buClr>
+              <a:buFont typeface="Wingdings" panose="05000000000000000000" pitchFamily="2" charset="2"/>
+              <a:buChar char="o"/>
+            </a:pPr>
+            <a:r>
+              <a:rPr lang="zh-CN" altLang="en-US" sz="3100" b="1" dirty="0">
+                <a:solidFill>
+                  <a:schemeClr val="tx1"/>
+                </a:solidFill>
+                <a:latin typeface="+mn-lt"/>
+                <a:ea typeface="+mn-ea"/>
+                <a:cs typeface="+mn-cs"/>
+              </a:rPr>
+              <a:t>根据需求设计测试用例</a:t>
+            </a:r>
+            <a:endParaRPr lang="zh-CN" altLang="en-US" sz="3100" b="1" dirty="0">
+              <a:solidFill>
+                <a:schemeClr val="tx1"/>
+              </a:solidFill>
+              <a:latin typeface="+mn-lt"/>
+              <a:ea typeface="+mn-ea"/>
+              <a:cs typeface="+mn-cs"/>
+            </a:endParaRPr>
+          </a:p>
+        </p:txBody>
+      </p:sp>
+      <p:sp>
+        <p:nvSpPr>
+          <p:cNvPr id="3" name="内容占位符 2"/>
+          <p:cNvSpPr>
+            <a:spLocks noGrp="1"/>
+          </p:cNvSpPr>
+          <p:nvPr>
+            <p:ph sz="half" idx="1"/>
+          </p:nvPr>
+        </p:nvSpPr>
+        <p:spPr>
+          <a:xfrm>
+            <a:off x="251460" y="2493010"/>
+            <a:ext cx="7972425" cy="3941445"/>
+          </a:xfrm>
+        </p:spPr>
+        <p:txBody>
+          <a:bodyPr>
+            <a:noAutofit/>
+          </a:bodyPr>
+          <a:lstStyle/>
+          <a:p>
+            <a:pPr marL="471170" lvl="1" indent="0">
+              <a:buNone/>
+            </a:pPr>
+            <a:r>
+              <a:rPr lang="en-US" altLang="zh-CN" sz="2700" b="1" dirty="0"/>
+              <a:t>1.</a:t>
+            </a:r>
+            <a:r>
+              <a:rPr lang="zh-CN" altLang="en-US" sz="2700" b="1" dirty="0"/>
+              <a:t>网上订票，此时订单处于“待支付”</a:t>
+            </a:r>
+            <a:endParaRPr lang="en-US" altLang="zh-CN" sz="2700" b="1" dirty="0"/>
+          </a:p>
+          <a:p>
+            <a:pPr marL="471170" lvl="1" indent="0">
+              <a:buNone/>
+            </a:pPr>
+            <a:r>
+              <a:rPr lang="en-US" altLang="zh-CN" sz="2700" b="1" dirty="0"/>
+              <a:t>2.</a:t>
+            </a:r>
+            <a:r>
+              <a:rPr lang="zh-CN" altLang="en-US" sz="2700" b="1" dirty="0"/>
+              <a:t>付款后，订单处于“已支付”</a:t>
+            </a:r>
+            <a:endParaRPr lang="en-US" altLang="zh-CN" sz="2700" b="1" dirty="0"/>
+          </a:p>
+          <a:p>
+            <a:pPr marL="471170" lvl="1" indent="0">
+              <a:buNone/>
+            </a:pPr>
+            <a:r>
+              <a:rPr lang="en-US" altLang="zh-CN" sz="2700" b="1" dirty="0"/>
+              <a:t>3.</a:t>
+            </a:r>
+            <a:r>
+              <a:rPr lang="zh-CN" altLang="en-US" sz="2700" b="1" dirty="0"/>
+              <a:t>火车站取票后，订单处于“已出票”</a:t>
+            </a:r>
+            <a:endParaRPr lang="en-US" altLang="zh-CN" sz="2700" b="1" dirty="0"/>
+          </a:p>
+          <a:p>
+            <a:pPr marL="471170" lvl="1" indent="0">
+              <a:buNone/>
+            </a:pPr>
+            <a:r>
+              <a:rPr lang="en-US" altLang="zh-CN" sz="2700" b="1" dirty="0"/>
+              <a:t>4.</a:t>
+            </a:r>
+            <a:r>
+              <a:rPr lang="zh-CN" altLang="en-US" sz="2700" b="1" dirty="0"/>
+              <a:t>检票后，订单处于“已使用”</a:t>
+            </a:r>
+            <a:endParaRPr lang="en-US" altLang="zh-CN" sz="2700" b="1" dirty="0"/>
+          </a:p>
+          <a:p>
+            <a:pPr marL="471170" lvl="1" indent="0">
+              <a:buNone/>
+            </a:pPr>
+            <a:r>
+              <a:rPr lang="en-US" altLang="zh-CN" sz="2700" b="1" dirty="0"/>
+              <a:t>5.</a:t>
+            </a:r>
+            <a:r>
+              <a:rPr lang="zh-CN" altLang="en-US" sz="2700" b="1" dirty="0"/>
+              <a:t>上车前任何时间都可以取消自己的订票信息，如果已经支付了车票的费用，则可以退款，订单处于“已取消”</a:t>
+            </a:r>
+            <a:endParaRPr lang="en-US" altLang="zh-CN" sz="2700" b="1" dirty="0"/>
+          </a:p>
+        </p:txBody>
+      </p:sp>
+      <p:sp>
+        <p:nvSpPr>
+          <p:cNvPr id="4" name="Rectangle 2"/>
+          <p:cNvSpPr txBox="1">
+            <a:spLocks noChangeArrowheads="1"/>
+          </p:cNvSpPr>
+          <p:nvPr/>
+        </p:nvSpPr>
+        <p:spPr bwMode="auto">
+          <a:xfrm>
+            <a:off x="574675" y="304800"/>
+            <a:ext cx="8001000" cy="1216025"/>
+          </a:xfrm>
+          <a:prstGeom prst="rect">
+            <a:avLst/>
+          </a:prstGeom>
+          <a:noFill/>
+          <a:ln>
+            <a:noFill/>
+          </a:ln>
+          <a:extLst>
+            <a:ext uri="{909E8E84-426E-40DD-AFC4-6F175D3DCCD1}">
+              <a14:hiddenFill xmlns:a14="http://schemas.microsoft.com/office/drawing/2010/main">
+                <a:solidFill>
+                  <a:srgbClr val="FFFFFF"/>
+                </a:solidFill>
+              </a14:hiddenFill>
+            </a:ext>
+            <a:ext uri="{91240B29-F687-4F45-9708-019B960494DF}">
+              <a14:hiddenLine xmlns:a14="http://schemas.microsoft.com/office/drawing/2010/main" w="9525">
+                <a:solidFill>
+                  <a:srgbClr val="000000"/>
+                </a:solidFill>
+                <a:miter lim="800000"/>
+                <a:headEnd/>
+                <a:tailEnd/>
+              </a14:hiddenLine>
+            </a:ext>
+          </a:extLst>
+        </p:spPr>
+        <p:txBody>
+          <a:bodyPr vert="horz" wrap="square" lIns="91440" tIns="45720" rIns="91440" bIns="45720" numCol="1" anchor="b" anchorCtr="0" compatLnSpc="1"/>
+          <a:lstStyle>
+            <a:lvl1pPr algn="l" rtl="0" eaLnBrk="0" fontAlgn="base" hangingPunct="0">
+              <a:spcBef>
+                <a:spcPct val="0"/>
+              </a:spcBef>
+              <a:spcAft>
+                <a:spcPct val="0"/>
+              </a:spcAft>
+              <a:defRPr sz="3800">
+                <a:solidFill>
+                  <a:schemeClr val="tx2"/>
+                </a:solidFill>
+                <a:latin typeface="+mj-lt"/>
+                <a:ea typeface="+mj-ea"/>
+                <a:cs typeface="+mj-cs"/>
+              </a:defRPr>
+            </a:lvl1pPr>
+            <a:lvl2pPr algn="l" rtl="0" eaLnBrk="0" fontAlgn="base" hangingPunct="0">
+              <a:spcBef>
+                <a:spcPct val="0"/>
+              </a:spcBef>
+              <a:spcAft>
+                <a:spcPct val="0"/>
+              </a:spcAft>
+              <a:defRPr sz="3800">
+                <a:solidFill>
+                  <a:schemeClr val="tx2"/>
+                </a:solidFill>
+                <a:latin typeface="Verdana" panose="020B0604030504040204" pitchFamily="34" charset="0"/>
+                <a:ea typeface="宋体" panose="02010600030101010101" pitchFamily="2" charset="-122"/>
+              </a:defRPr>
+            </a:lvl2pPr>
+            <a:lvl3pPr algn="l" rtl="0" eaLnBrk="0" fontAlgn="base" hangingPunct="0">
+              <a:spcBef>
+                <a:spcPct val="0"/>
+              </a:spcBef>
+              <a:spcAft>
+                <a:spcPct val="0"/>
+              </a:spcAft>
+              <a:defRPr sz="3800">
+                <a:solidFill>
+                  <a:schemeClr val="tx2"/>
+                </a:solidFill>
+                <a:latin typeface="Verdana" panose="020B0604030504040204" pitchFamily="34" charset="0"/>
+                <a:ea typeface="宋体" panose="02010600030101010101" pitchFamily="2" charset="-122"/>
+              </a:defRPr>
+            </a:lvl3pPr>
+            <a:lvl4pPr algn="l" rtl="0" eaLnBrk="0" fontAlgn="base" hangingPunct="0">
+              <a:spcBef>
+                <a:spcPct val="0"/>
+              </a:spcBef>
+              <a:spcAft>
+                <a:spcPct val="0"/>
+              </a:spcAft>
+              <a:defRPr sz="3800">
+                <a:solidFill>
+                  <a:schemeClr val="tx2"/>
+                </a:solidFill>
+                <a:latin typeface="Verdana" panose="020B0604030504040204" pitchFamily="34" charset="0"/>
+                <a:ea typeface="宋体" panose="02010600030101010101" pitchFamily="2" charset="-122"/>
+              </a:defRPr>
+            </a:lvl4pPr>
+            <a:lvl5pPr algn="l" rtl="0" eaLnBrk="0" fontAlgn="base" hangingPunct="0">
+              <a:spcBef>
+                <a:spcPct val="0"/>
+              </a:spcBef>
+              <a:spcAft>
+                <a:spcPct val="0"/>
+              </a:spcAft>
+              <a:defRPr sz="3800">
+                <a:solidFill>
+                  <a:schemeClr val="tx2"/>
+                </a:solidFill>
+                <a:latin typeface="Verdana" panose="020B0604030504040204" pitchFamily="34" charset="0"/>
+                <a:ea typeface="宋体" panose="02010600030101010101" pitchFamily="2" charset="-122"/>
+              </a:defRPr>
+            </a:lvl5pPr>
+            <a:lvl6pPr marL="457200" algn="l" rtl="0" fontAlgn="base">
+              <a:spcBef>
+                <a:spcPct val="0"/>
+              </a:spcBef>
+              <a:spcAft>
+                <a:spcPct val="0"/>
+              </a:spcAft>
+              <a:defRPr sz="3800">
+                <a:solidFill>
+                  <a:schemeClr val="tx2"/>
+                </a:solidFill>
+                <a:latin typeface="Verdana" panose="020B0604030504040204" pitchFamily="34" charset="0"/>
+                <a:ea typeface="宋体" panose="02010600030101010101" pitchFamily="2" charset="-122"/>
+              </a:defRPr>
+            </a:lvl6pPr>
+            <a:lvl7pPr marL="914400" algn="l" rtl="0" fontAlgn="base">
+              <a:spcBef>
+                <a:spcPct val="0"/>
+              </a:spcBef>
+              <a:spcAft>
+                <a:spcPct val="0"/>
+              </a:spcAft>
+              <a:defRPr sz="3800">
+                <a:solidFill>
+                  <a:schemeClr val="tx2"/>
+                </a:solidFill>
+                <a:latin typeface="Verdana" panose="020B0604030504040204" pitchFamily="34" charset="0"/>
+                <a:ea typeface="宋体" panose="02010600030101010101" pitchFamily="2" charset="-122"/>
+              </a:defRPr>
+            </a:lvl7pPr>
+            <a:lvl8pPr marL="1371600" algn="l" rtl="0" fontAlgn="base">
+              <a:spcBef>
+                <a:spcPct val="0"/>
+              </a:spcBef>
+              <a:spcAft>
+                <a:spcPct val="0"/>
+              </a:spcAft>
+              <a:defRPr sz="3800">
+                <a:solidFill>
+                  <a:schemeClr val="tx2"/>
+                </a:solidFill>
+                <a:latin typeface="Verdana" panose="020B0604030504040204" pitchFamily="34" charset="0"/>
+                <a:ea typeface="宋体" panose="02010600030101010101" pitchFamily="2" charset="-122"/>
+              </a:defRPr>
+            </a:lvl8pPr>
+            <a:lvl9pPr marL="1828800" algn="l" rtl="0" fontAlgn="base">
+              <a:spcBef>
+                <a:spcPct val="0"/>
+              </a:spcBef>
+              <a:spcAft>
+                <a:spcPct val="0"/>
+              </a:spcAft>
+              <a:defRPr sz="3800">
+                <a:solidFill>
+                  <a:schemeClr val="tx2"/>
+                </a:solidFill>
+                <a:latin typeface="Verdana" panose="020B0604030504040204" pitchFamily="34" charset="0"/>
+                <a:ea typeface="宋体" panose="02010600030101010101" pitchFamily="2" charset="-122"/>
+              </a:defRPr>
+            </a:lvl9pPr>
+          </a:lstStyle>
+          <a:p>
+            <a:pPr eaLnBrk="1" hangingPunct="1"/>
+            <a:r>
+              <a:rPr lang="en-US" altLang="zh-CN" b="1" dirty="0" smtClean="0">
+                <a:latin typeface="黑体" panose="02010609060101010101" pitchFamily="2" charset="-122"/>
+                <a:ea typeface="黑体" panose="02010609060101010101" pitchFamily="2" charset="-122"/>
+              </a:rPr>
+              <a:t>3.8 </a:t>
+            </a:r>
+            <a:r>
+              <a:rPr lang="zh-CN" altLang="en-US" b="1" dirty="0" smtClean="0">
+                <a:latin typeface="黑体" panose="02010609060101010101" pitchFamily="2" charset="-122"/>
+                <a:ea typeface="黑体" panose="02010609060101010101" pitchFamily="2" charset="-122"/>
+              </a:rPr>
+              <a:t>状态迁移图</a:t>
+            </a:r>
+            <a:endParaRPr lang="zh-CN" altLang="en-US" b="1" dirty="0" smtClean="0">
+              <a:latin typeface="黑体" panose="02010609060101010101" pitchFamily="2" charset="-122"/>
+              <a:ea typeface="黑体" panose="02010609060101010101" pitchFamily="2" charset="-122"/>
+            </a:endParaRPr>
+          </a:p>
+        </p:txBody>
+      </p:sp>
+    </p:spTree>
+  </p:cSld>
+  <p:clrMapOvr>
+    <a:masterClrMapping/>
+  </p:clrMapOvr>
+  <p:transition>
+    <p:blinds dir="vert"/>
+  </p:transition>
+  <p:timing>
+    <p:tnLst>
+      <p:par>
+        <p:cTn id="1" dur="indefinite" restart="never" nodeType="tmRoot"/>
+      </p:par>
+    </p:tnLst>
+  </p:timing>
+</p:sld>
+</file>
+
+<file path=ppt/slides/slide7.xml><?xml version="1.0" encoding="utf-8"?>
+<p:sld xmlns:a="http://schemas.openxmlformats.org/drawingml/2006/main" xmlns:r="http://schemas.openxmlformats.org/officeDocument/2006/relationships" xmlns:p="http://schemas.openxmlformats.org/presentationml/2006/main">
+  <p:cSld>
+    <p:spTree>
+      <p:nvGrpSpPr>
+        <p:cNvPr id="1" name=""/>
+        <p:cNvGrpSpPr/>
+        <p:nvPr/>
+      </p:nvGrpSpPr>
+      <p:grpSpPr>
+        <a:xfrm>
+          <a:off x="0" y="0"/>
+          <a:ext cx="0" cy="0"/>
+          <a:chOff x="0" y="0"/>
+          <a:chExt cx="0" cy="0"/>
+        </a:xfrm>
+      </p:grpSpPr>
+      <p:sp>
+        <p:nvSpPr>
+          <p:cNvPr id="2" name="标题 1"/>
+          <p:cNvSpPr>
+            <a:spLocks noGrp="1"/>
+          </p:cNvSpPr>
+          <p:nvPr>
+            <p:ph type="title"/>
+          </p:nvPr>
+        </p:nvSpPr>
+        <p:spPr>
+          <a:xfrm>
             <a:off x="450487" y="1737481"/>
             <a:ext cx="3529505" cy="752475"/>
           </a:xfrm>
@@ -8986,7 +10829,7 @@
               <a:buClr>
                 <a:schemeClr val="accent2"/>
               </a:buClr>
-              <a:buFont typeface="Wingdings" pitchFamily="2" charset="2"/>
+              <a:buFont typeface="Wingdings" panose="05000000000000000000" pitchFamily="2" charset="2"/>
               <a:buChar char="o"/>
             </a:pPr>
             <a:r>
@@ -9009,18 +10852,7 @@
                 <a:ea typeface="+mn-ea"/>
                 <a:cs typeface="+mn-cs"/>
               </a:rPr>
-              <a:t>状态迁移</a:t>
-            </a:r>
-            <a:r>
-              <a:rPr lang="zh-CN" altLang="zh-CN" sz="3100" b="1" dirty="0">
-                <a:solidFill>
-                  <a:schemeClr val="tx1"/>
-                </a:solidFill>
-                <a:latin typeface="+mn-lt"/>
-                <a:ea typeface="+mn-ea"/>
-                <a:cs typeface="+mn-cs"/>
-              </a:rPr>
-              <a:t>图</a:t>
+              <a:t>状态迁移图</a:t>
             </a:r>
             <a:endParaRPr lang="zh-CN" altLang="en-US" sz="3100" b="1" dirty="0">
               <a:solidFill>
@@ -9041,8 +10873,8 @@
         </p:nvGrpSpPr>
         <p:grpSpPr>
           <a:xfrm>
-            <a:off x="2785754" y="836712"/>
-            <a:ext cx="5602670" cy="5743904"/>
+            <a:off x="759460" y="2296795"/>
+            <a:ext cx="7628890" cy="3743960"/>
             <a:chOff x="307428" y="861849"/>
             <a:chExt cx="5602670" cy="5743904"/>
           </a:xfrm>
@@ -9565,11 +11397,7 @@
           </a:extLst>
         </p:spPr>
         <p:txBody>
-          <a:bodyPr vert="horz" wrap="square" lIns="91440" tIns="45720" rIns="91440" bIns="45720" numCol="1" anchor="b" anchorCtr="0" compatLnSpc="1">
-            <a:prstTxWarp prst="textNoShape">
-              <a:avLst/>
-            </a:prstTxWarp>
-          </a:bodyPr>
+          <a:bodyPr vert="horz" wrap="square" lIns="91440" tIns="45720" rIns="91440" bIns="45720" numCol="1" anchor="b" anchorCtr="0" compatLnSpc="1"/>
           <a:lstStyle>
             <a:lvl1pPr algn="l" rtl="0" eaLnBrk="0" fontAlgn="base" hangingPunct="0">
               <a:spcBef>
@@ -9598,8 +11426,8 @@
                 <a:solidFill>
                   <a:schemeClr val="tx2"/>
                 </a:solidFill>
-                <a:latin typeface="Verdana" pitchFamily="34" charset="0"/>
-                <a:ea typeface="宋体" pitchFamily="2" charset="-122"/>
+                <a:latin typeface="Verdana" panose="020B0604030504040204" pitchFamily="34" charset="0"/>
+                <a:ea typeface="宋体" panose="02010600030101010101" pitchFamily="2" charset="-122"/>
               </a:defRPr>
             </a:lvl2pPr>
             <a:lvl3pPr algn="l" rtl="0" eaLnBrk="0" fontAlgn="base" hangingPunct="0">
@@ -9613,8 +11441,8 @@
                 <a:solidFill>
                   <a:schemeClr val="tx2"/>
                 </a:solidFill>
-                <a:latin typeface="Verdana" pitchFamily="34" charset="0"/>
-                <a:ea typeface="宋体" pitchFamily="2" charset="-122"/>
+                <a:latin typeface="Verdana" panose="020B0604030504040204" pitchFamily="34" charset="0"/>
+                <a:ea typeface="宋体" panose="02010600030101010101" pitchFamily="2" charset="-122"/>
               </a:defRPr>
             </a:lvl3pPr>
             <a:lvl4pPr algn="l" rtl="0" eaLnBrk="0" fontAlgn="base" hangingPunct="0">
@@ -9628,8 +11456,8 @@
                 <a:solidFill>
                   <a:schemeClr val="tx2"/>
                 </a:solidFill>
-                <a:latin typeface="Verdana" pitchFamily="34" charset="0"/>
-                <a:ea typeface="宋体" pitchFamily="2" charset="-122"/>
+                <a:latin typeface="Verdana" panose="020B0604030504040204" pitchFamily="34" charset="0"/>
+                <a:ea typeface="宋体" panose="02010600030101010101" pitchFamily="2" charset="-122"/>
               </a:defRPr>
             </a:lvl4pPr>
             <a:lvl5pPr algn="l" rtl="0" eaLnBrk="0" fontAlgn="base" hangingPunct="0">
@@ -9643,8 +11471,8 @@
                 <a:solidFill>
                   <a:schemeClr val="tx2"/>
                 </a:solidFill>
-                <a:latin typeface="Verdana" pitchFamily="34" charset="0"/>
-                <a:ea typeface="宋体" pitchFamily="2" charset="-122"/>
+                <a:latin typeface="Verdana" panose="020B0604030504040204" pitchFamily="34" charset="0"/>
+                <a:ea typeface="宋体" panose="02010600030101010101" pitchFamily="2" charset="-122"/>
               </a:defRPr>
             </a:lvl5pPr>
             <a:lvl6pPr marL="457200" algn="l" rtl="0" fontAlgn="base">
@@ -9658,8 +11486,8 @@
                 <a:solidFill>
                   <a:schemeClr val="tx2"/>
                 </a:solidFill>
-                <a:latin typeface="Verdana" pitchFamily="34" charset="0"/>
-                <a:ea typeface="宋体" pitchFamily="2" charset="-122"/>
+                <a:latin typeface="Verdana" panose="020B0604030504040204" pitchFamily="34" charset="0"/>
+                <a:ea typeface="宋体" panose="02010600030101010101" pitchFamily="2" charset="-122"/>
               </a:defRPr>
             </a:lvl6pPr>
             <a:lvl7pPr marL="914400" algn="l" rtl="0" fontAlgn="base">
@@ -9673,8 +11501,8 @@
                 <a:solidFill>
                   <a:schemeClr val="tx2"/>
                 </a:solidFill>
-                <a:latin typeface="Verdana" pitchFamily="34" charset="0"/>
-                <a:ea typeface="宋体" pitchFamily="2" charset="-122"/>
+                <a:latin typeface="Verdana" panose="020B0604030504040204" pitchFamily="34" charset="0"/>
+                <a:ea typeface="宋体" panose="02010600030101010101" pitchFamily="2" charset="-122"/>
               </a:defRPr>
             </a:lvl7pPr>
             <a:lvl8pPr marL="1371600" algn="l" rtl="0" fontAlgn="base">
@@ -9688,8 +11516,8 @@
                 <a:solidFill>
                   <a:schemeClr val="tx2"/>
                 </a:solidFill>
-                <a:latin typeface="Verdana" pitchFamily="34" charset="0"/>
-                <a:ea typeface="宋体" pitchFamily="2" charset="-122"/>
+                <a:latin typeface="Verdana" panose="020B0604030504040204" pitchFamily="34" charset="0"/>
+                <a:ea typeface="宋体" panose="02010600030101010101" pitchFamily="2" charset="-122"/>
               </a:defRPr>
             </a:lvl8pPr>
             <a:lvl9pPr marL="1828800" algn="l" rtl="0" fontAlgn="base">
@@ -9703,8 +11531,8 @@
                 <a:solidFill>
                   <a:schemeClr val="tx2"/>
                 </a:solidFill>
-                <a:latin typeface="Verdana" pitchFamily="34" charset="0"/>
-                <a:ea typeface="宋体" pitchFamily="2" charset="-122"/>
+                <a:latin typeface="Verdana" panose="020B0604030504040204" pitchFamily="34" charset="0"/>
+                <a:ea typeface="宋体" panose="02010600030101010101" pitchFamily="2" charset="-122"/>
               </a:defRPr>
             </a:lvl9pPr>
           </a:lstStyle>
@@ -9712,35 +11540,33 @@
             <a:pPr eaLnBrk="1" hangingPunct="1"/>
             <a:r>
               <a:rPr lang="en-US" altLang="zh-CN" b="1" dirty="0" smtClean="0">
-                <a:latin typeface="黑体" pitchFamily="2" charset="-122"/>
-                <a:ea typeface="黑体" pitchFamily="2" charset="-122"/>
+                <a:latin typeface="黑体" panose="02010609060101010101" pitchFamily="2" charset="-122"/>
+                <a:ea typeface="黑体" panose="02010609060101010101" pitchFamily="2" charset="-122"/>
               </a:rPr>
               <a:t>3.8 </a:t>
             </a:r>
             <a:r>
               <a:rPr lang="zh-CN" altLang="en-US" b="1" dirty="0" smtClean="0">
-                <a:latin typeface="黑体" pitchFamily="2" charset="-122"/>
-                <a:ea typeface="黑体" pitchFamily="2" charset="-122"/>
+                <a:latin typeface="黑体" panose="02010609060101010101" pitchFamily="2" charset="-122"/>
+                <a:ea typeface="黑体" panose="02010609060101010101" pitchFamily="2" charset="-122"/>
               </a:rPr>
               <a:t>状态迁移图</a:t>
             </a:r>
             <a:endParaRPr lang="zh-CN" altLang="en-US" b="1" dirty="0" smtClean="0">
-              <a:latin typeface="黑体" pitchFamily="2" charset="-122"/>
-              <a:ea typeface="黑体" pitchFamily="2" charset="-122"/>
+              <a:latin typeface="黑体" panose="02010609060101010101" pitchFamily="2" charset="-122"/>
+              <a:ea typeface="黑体" panose="02010609060101010101" pitchFamily="2" charset="-122"/>
             </a:endParaRPr>
           </a:p>
         </p:txBody>
       </p:sp>
     </p:spTree>
-    <p:extLst>
-      <p:ext uri="{BB962C8B-B14F-4D97-AF65-F5344CB8AC3E}">
-        <p14:creationId xmlns:p14="http://schemas.microsoft.com/office/powerpoint/2010/main" val="1152323386"/>
-      </p:ext>
-    </p:extLst>
   </p:cSld>
   <p:clrMapOvr>
     <a:masterClrMapping/>
   </p:clrMapOvr>
+  <p:transition>
+    <p:blinds dir="vert"/>
+  </p:transition>
   <p:timing>
     <p:tnLst>
       <p:par>
@@ -9751,7 +11577,7 @@
 </p:sld>
 </file>
 
-<file path=ppt/slides/slide7.xml><?xml version="1.0" encoding="utf-8"?>
+<file path=ppt/slides/slide8.xml><?xml version="1.0" encoding="utf-8"?>
 <p:sld xmlns:a="http://schemas.openxmlformats.org/drawingml/2006/main" xmlns:r="http://schemas.openxmlformats.org/officeDocument/2006/relationships" xmlns:p="http://schemas.openxmlformats.org/presentationml/2006/main">
   <p:cSld>
     <p:spTree>
@@ -9768,460 +11594,15 @@
           <a:chExt cx="0" cy="0"/>
         </a:xfrm>
       </p:grpSpPr>
-      <p:sp>
-        <p:nvSpPr>
-          <p:cNvPr id="2" name="标题 1"/>
-          <p:cNvSpPr>
-            <a:spLocks noGrp="1"/>
-          </p:cNvSpPr>
-          <p:nvPr>
-            <p:ph type="title"/>
-          </p:nvPr>
-        </p:nvSpPr>
-        <p:spPr>
-          <a:xfrm>
-            <a:off x="351505" y="1655995"/>
-            <a:ext cx="7886700" cy="752475"/>
-          </a:xfrm>
-          <a:ln w="28575">
-            <a:noFill/>
-            <a:tailEnd type="triangle" w="lg" len="lg"/>
-          </a:ln>
-        </p:spPr>
-        <p:style>
-          <a:lnRef idx="1">
-            <a:schemeClr val="accent1"/>
-          </a:lnRef>
-          <a:fillRef idx="0">
-            <a:schemeClr val="accent1"/>
-          </a:fillRef>
-          <a:effectRef idx="0">
-            <a:schemeClr val="accent1"/>
-          </a:effectRef>
-          <a:fontRef idx="minor">
-            <a:schemeClr val="tx1"/>
-          </a:fontRef>
-        </p:style>
-        <p:txBody>
-          <a:bodyPr>
-            <a:normAutofit/>
-          </a:bodyPr>
-          <a:lstStyle/>
-          <a:p>
-            <a:pPr marL="469900" indent="-469900">
-              <a:spcBef>
-                <a:spcPct val="20000"/>
-              </a:spcBef>
-              <a:buClr>
-                <a:schemeClr val="accent2"/>
-              </a:buClr>
-              <a:buFont typeface="Wingdings" pitchFamily="2" charset="2"/>
-              <a:buChar char="o"/>
-            </a:pPr>
-            <a:r>
-              <a:rPr lang="zh-CN" altLang="zh-CN" sz="3100" b="1" dirty="0">
-                <a:solidFill>
-                  <a:schemeClr val="tx1"/>
-                </a:solidFill>
-                <a:latin typeface="+mn-lt"/>
-                <a:ea typeface="+mn-ea"/>
-                <a:cs typeface="+mn-cs"/>
-              </a:rPr>
-              <a:t>画出状态迁移树</a:t>
-            </a:r>
-            <a:endParaRPr lang="zh-CN" altLang="en-US" sz="3100" b="1" dirty="0">
-              <a:solidFill>
-                <a:schemeClr val="tx1"/>
-              </a:solidFill>
-              <a:latin typeface="+mn-lt"/>
-              <a:ea typeface="+mn-ea"/>
-              <a:cs typeface="+mn-cs"/>
-            </a:endParaRPr>
-          </a:p>
-        </p:txBody>
-      </p:sp>
-      <p:sp>
-        <p:nvSpPr>
-          <p:cNvPr id="4" name="矩形 3"/>
-          <p:cNvSpPr/>
-          <p:nvPr/>
-        </p:nvSpPr>
-        <p:spPr>
-          <a:xfrm>
-            <a:off x="683568" y="2399670"/>
-            <a:ext cx="1052348" cy="512379"/>
-          </a:xfrm>
-          <a:prstGeom prst="rect">
-            <a:avLst/>
-          </a:prstGeom>
-          <a:noFill/>
-        </p:spPr>
-        <p:style>
-          <a:lnRef idx="2">
-            <a:schemeClr val="accent1">
-              <a:shade val="50000"/>
-            </a:schemeClr>
-          </a:lnRef>
-          <a:fillRef idx="1">
-            <a:schemeClr val="accent1"/>
-          </a:fillRef>
-          <a:effectRef idx="0">
-            <a:schemeClr val="accent1"/>
-          </a:effectRef>
-          <a:fontRef idx="minor">
-            <a:schemeClr val="lt1"/>
-          </a:fontRef>
-        </p:style>
-        <p:txBody>
-          <a:bodyPr rtlCol="0" anchor="ctr"/>
-          <a:lstStyle/>
-          <a:p>
-            <a:pPr algn="ctr"/>
-            <a:r>
-              <a:rPr lang="zh-CN" altLang="en-US" sz="2400" b="1" dirty="0" smtClean="0">
-                <a:solidFill>
-                  <a:schemeClr val="tx1"/>
-                </a:solidFill>
-              </a:rPr>
-              <a:t>预定</a:t>
-            </a:r>
-            <a:endParaRPr lang="zh-CN" altLang="en-US" sz="2400" b="1" dirty="0">
-              <a:solidFill>
-                <a:schemeClr val="tx1"/>
-              </a:solidFill>
-            </a:endParaRPr>
-          </a:p>
-        </p:txBody>
-      </p:sp>
-      <p:sp>
-        <p:nvSpPr>
-          <p:cNvPr id="5" name="矩形 4"/>
-          <p:cNvSpPr/>
-          <p:nvPr/>
-        </p:nvSpPr>
-        <p:spPr>
-          <a:xfrm>
-            <a:off x="2843444" y="2376021"/>
-            <a:ext cx="1344762" cy="512379"/>
-          </a:xfrm>
-          <a:prstGeom prst="rect">
-            <a:avLst/>
-          </a:prstGeom>
-          <a:noFill/>
-        </p:spPr>
-        <p:style>
-          <a:lnRef idx="2">
-            <a:schemeClr val="accent1">
-              <a:shade val="50000"/>
-            </a:schemeClr>
-          </a:lnRef>
-          <a:fillRef idx="1">
-            <a:schemeClr val="accent1"/>
-          </a:fillRef>
-          <a:effectRef idx="0">
-            <a:schemeClr val="accent1"/>
-          </a:effectRef>
-          <a:fontRef idx="minor">
-            <a:schemeClr val="lt1"/>
-          </a:fontRef>
-        </p:style>
-        <p:txBody>
-          <a:bodyPr rtlCol="0" anchor="ctr"/>
-          <a:lstStyle/>
-          <a:p>
-            <a:pPr algn="ctr"/>
-            <a:r>
-              <a:rPr lang="zh-CN" altLang="en-US" sz="2400" b="1" dirty="0" smtClean="0">
-                <a:solidFill>
-                  <a:schemeClr val="tx1"/>
-                </a:solidFill>
-              </a:rPr>
-              <a:t>已支付</a:t>
-            </a:r>
-            <a:endParaRPr lang="zh-CN" altLang="en-US" sz="2400" b="1" dirty="0">
-              <a:solidFill>
-                <a:schemeClr val="tx1"/>
-              </a:solidFill>
-            </a:endParaRPr>
-          </a:p>
-        </p:txBody>
-      </p:sp>
-      <p:sp>
-        <p:nvSpPr>
-          <p:cNvPr id="6" name="矩形 5"/>
-          <p:cNvSpPr/>
-          <p:nvPr/>
-        </p:nvSpPr>
-        <p:spPr>
-          <a:xfrm>
-            <a:off x="5050616" y="2382591"/>
-            <a:ext cx="1369838" cy="512379"/>
-          </a:xfrm>
-          <a:prstGeom prst="rect">
-            <a:avLst/>
-          </a:prstGeom>
-          <a:noFill/>
-        </p:spPr>
-        <p:style>
-          <a:lnRef idx="2">
-            <a:schemeClr val="accent1">
-              <a:shade val="50000"/>
-            </a:schemeClr>
-          </a:lnRef>
-          <a:fillRef idx="1">
-            <a:schemeClr val="accent1"/>
-          </a:fillRef>
-          <a:effectRef idx="0">
-            <a:schemeClr val="accent1"/>
-          </a:effectRef>
-          <a:fontRef idx="minor">
-            <a:schemeClr val="lt1"/>
-          </a:fontRef>
-        </p:style>
-        <p:txBody>
-          <a:bodyPr rtlCol="0" anchor="ctr"/>
-          <a:lstStyle/>
-          <a:p>
-            <a:pPr algn="ctr"/>
-            <a:r>
-              <a:rPr lang="zh-CN" altLang="en-US" sz="2400" b="1" dirty="0" smtClean="0">
-                <a:solidFill>
-                  <a:schemeClr val="tx1"/>
-                </a:solidFill>
-              </a:rPr>
-              <a:t>已出票</a:t>
-            </a:r>
-            <a:endParaRPr lang="zh-CN" altLang="en-US" sz="2400" b="1" dirty="0">
-              <a:solidFill>
-                <a:schemeClr val="tx1"/>
-              </a:solidFill>
-            </a:endParaRPr>
-          </a:p>
-        </p:txBody>
-      </p:sp>
-      <p:sp>
-        <p:nvSpPr>
-          <p:cNvPr id="7" name="矩形 6"/>
-          <p:cNvSpPr/>
-          <p:nvPr/>
-        </p:nvSpPr>
-        <p:spPr>
-          <a:xfrm>
-            <a:off x="7301456" y="2318214"/>
-            <a:ext cx="1567270" cy="512379"/>
-          </a:xfrm>
-          <a:prstGeom prst="rect">
-            <a:avLst/>
-          </a:prstGeom>
-          <a:noFill/>
-        </p:spPr>
-        <p:style>
-          <a:lnRef idx="2">
-            <a:schemeClr val="accent1">
-              <a:shade val="50000"/>
-            </a:schemeClr>
-          </a:lnRef>
-          <a:fillRef idx="1">
-            <a:schemeClr val="accent1"/>
-          </a:fillRef>
-          <a:effectRef idx="0">
-            <a:schemeClr val="accent1"/>
-          </a:effectRef>
-          <a:fontRef idx="minor">
-            <a:schemeClr val="lt1"/>
-          </a:fontRef>
-        </p:style>
-        <p:txBody>
-          <a:bodyPr rtlCol="0" anchor="ctr"/>
-          <a:lstStyle/>
-          <a:p>
-            <a:pPr algn="ctr"/>
-            <a:r>
-              <a:rPr lang="zh-CN" altLang="en-US" sz="2400" b="1" dirty="0" smtClean="0">
-                <a:solidFill>
-                  <a:schemeClr val="tx1"/>
-                </a:solidFill>
-              </a:rPr>
-              <a:t>已使用</a:t>
-            </a:r>
-            <a:endParaRPr lang="zh-CN" altLang="en-US" sz="2400" b="1" dirty="0">
-              <a:solidFill>
-                <a:schemeClr val="tx1"/>
-              </a:solidFill>
-            </a:endParaRPr>
-          </a:p>
-        </p:txBody>
-      </p:sp>
-      <p:sp>
-        <p:nvSpPr>
-          <p:cNvPr id="8" name="矩形 7"/>
-          <p:cNvSpPr/>
-          <p:nvPr/>
-        </p:nvSpPr>
-        <p:spPr>
-          <a:xfrm>
-            <a:off x="2957742" y="3852725"/>
-            <a:ext cx="1385527" cy="512379"/>
-          </a:xfrm>
-          <a:prstGeom prst="rect">
-            <a:avLst/>
-          </a:prstGeom>
-          <a:noFill/>
-        </p:spPr>
-        <p:style>
-          <a:lnRef idx="2">
-            <a:schemeClr val="accent1">
-              <a:shade val="50000"/>
-            </a:schemeClr>
-          </a:lnRef>
-          <a:fillRef idx="1">
-            <a:schemeClr val="accent1"/>
-          </a:fillRef>
-          <a:effectRef idx="0">
-            <a:schemeClr val="accent1"/>
-          </a:effectRef>
-          <a:fontRef idx="minor">
-            <a:schemeClr val="lt1"/>
-          </a:fontRef>
-        </p:style>
-        <p:txBody>
-          <a:bodyPr rtlCol="0" anchor="ctr"/>
-          <a:lstStyle/>
-          <a:p>
-            <a:pPr algn="ctr"/>
-            <a:r>
-              <a:rPr lang="zh-CN" altLang="en-US" sz="2400" b="1" dirty="0" smtClean="0">
-                <a:solidFill>
-                  <a:schemeClr val="tx1"/>
-                </a:solidFill>
-              </a:rPr>
-              <a:t>已取消</a:t>
-            </a:r>
-            <a:endParaRPr lang="zh-CN" altLang="en-US" sz="2400" b="1" dirty="0">
-              <a:solidFill>
-                <a:schemeClr val="tx1"/>
-              </a:solidFill>
-            </a:endParaRPr>
-          </a:p>
-        </p:txBody>
-      </p:sp>
-      <p:sp>
-        <p:nvSpPr>
-          <p:cNvPr id="9" name="矩形 8"/>
-          <p:cNvSpPr/>
-          <p:nvPr/>
-        </p:nvSpPr>
-        <p:spPr>
-          <a:xfrm>
-            <a:off x="5105794" y="3852724"/>
-            <a:ext cx="1381453" cy="512379"/>
-          </a:xfrm>
-          <a:prstGeom prst="rect">
-            <a:avLst/>
-          </a:prstGeom>
-          <a:noFill/>
-        </p:spPr>
-        <p:style>
-          <a:lnRef idx="2">
-            <a:schemeClr val="accent1">
-              <a:shade val="50000"/>
-            </a:schemeClr>
-          </a:lnRef>
-          <a:fillRef idx="1">
-            <a:schemeClr val="accent1"/>
-          </a:fillRef>
-          <a:effectRef idx="0">
-            <a:schemeClr val="accent1"/>
-          </a:effectRef>
-          <a:fontRef idx="minor">
-            <a:schemeClr val="lt1"/>
-          </a:fontRef>
-        </p:style>
-        <p:txBody>
-          <a:bodyPr rtlCol="0" anchor="ctr"/>
-          <a:lstStyle/>
-          <a:p>
-            <a:pPr algn="ctr"/>
-            <a:r>
-              <a:rPr lang="zh-CN" altLang="en-US" sz="2400" b="1" dirty="0" smtClean="0">
-                <a:solidFill>
-                  <a:schemeClr val="tx1"/>
-                </a:solidFill>
-              </a:rPr>
-              <a:t>已取消</a:t>
-            </a:r>
-            <a:endParaRPr lang="zh-CN" altLang="en-US" sz="2400" b="1" dirty="0">
-              <a:solidFill>
-                <a:schemeClr val="tx1"/>
-              </a:solidFill>
-            </a:endParaRPr>
-          </a:p>
-        </p:txBody>
-      </p:sp>
-      <p:sp>
-        <p:nvSpPr>
-          <p:cNvPr id="10" name="矩形 9"/>
-          <p:cNvSpPr/>
-          <p:nvPr/>
-        </p:nvSpPr>
-        <p:spPr>
-          <a:xfrm>
-            <a:off x="7056776" y="3852725"/>
-            <a:ext cx="1523917" cy="512379"/>
-          </a:xfrm>
-          <a:prstGeom prst="rect">
-            <a:avLst/>
-          </a:prstGeom>
-          <a:noFill/>
-        </p:spPr>
-        <p:style>
-          <a:lnRef idx="2">
-            <a:schemeClr val="accent1">
-              <a:shade val="50000"/>
-            </a:schemeClr>
-          </a:lnRef>
-          <a:fillRef idx="1">
-            <a:schemeClr val="accent1"/>
-          </a:fillRef>
-          <a:effectRef idx="0">
-            <a:schemeClr val="accent1"/>
-          </a:effectRef>
-          <a:fontRef idx="minor">
-            <a:schemeClr val="lt1"/>
-          </a:fontRef>
-        </p:style>
-        <p:txBody>
-          <a:bodyPr rtlCol="0" anchor="ctr"/>
-          <a:lstStyle/>
-          <a:p>
-            <a:pPr algn="ctr"/>
-            <a:r>
-              <a:rPr lang="zh-CN" altLang="en-US" sz="2400" b="1" dirty="0" smtClean="0">
-                <a:solidFill>
-                  <a:schemeClr val="tx1"/>
-                </a:solidFill>
-              </a:rPr>
-              <a:t>已取消</a:t>
-            </a:r>
-            <a:endParaRPr lang="zh-CN" altLang="en-US" sz="2400" b="1" dirty="0">
-              <a:solidFill>
-                <a:schemeClr val="tx1"/>
-              </a:solidFill>
-            </a:endParaRPr>
-          </a:p>
-        </p:txBody>
-      </p:sp>
       <p:cxnSp>
         <p:nvCxnSpPr>
-          <p:cNvPr id="11" name="直接箭头连接符 10"/>
-          <p:cNvCxnSpPr>
-            <a:endCxn id="5" idx="1"/>
-          </p:cNvCxnSpPr>
+          <p:cNvPr id="13" name="直接箭头连接符 12"/>
+          <p:cNvCxnSpPr/>
           <p:nvPr/>
         </p:nvCxnSpPr>
         <p:spPr>
           <a:xfrm flipV="1">
-            <a:off x="1747741" y="2632211"/>
+            <a:off x="3967547" y="2483445"/>
             <a:ext cx="1095703" cy="23648"/>
           </a:xfrm>
           <a:prstGeom prst="straightConnector1">
@@ -10249,15 +11630,474 @@
           </a:fontRef>
         </p:style>
       </p:cxnSp>
+      <p:sp>
+        <p:nvSpPr>
+          <p:cNvPr id="2" name="标题 1"/>
+          <p:cNvSpPr>
+            <a:spLocks noGrp="1"/>
+          </p:cNvSpPr>
+          <p:nvPr>
+            <p:ph type="title"/>
+          </p:nvPr>
+        </p:nvSpPr>
+        <p:spPr>
+          <a:xfrm>
+            <a:off x="351505" y="1512485"/>
+            <a:ext cx="7886700" cy="752475"/>
+          </a:xfrm>
+          <a:ln w="28575">
+            <a:noFill/>
+            <a:tailEnd type="triangle" w="lg" len="lg"/>
+          </a:ln>
+        </p:spPr>
+        <p:style>
+          <a:lnRef idx="1">
+            <a:schemeClr val="accent1"/>
+          </a:lnRef>
+          <a:fillRef idx="0">
+            <a:schemeClr val="accent1"/>
+          </a:fillRef>
+          <a:effectRef idx="0">
+            <a:schemeClr val="accent1"/>
+          </a:effectRef>
+          <a:fontRef idx="minor">
+            <a:schemeClr val="tx1"/>
+          </a:fontRef>
+        </p:style>
+        <p:txBody>
+          <a:bodyPr>
+            <a:normAutofit/>
+          </a:bodyPr>
+          <a:lstStyle/>
+          <a:p>
+            <a:pPr marL="469900" indent="-469900">
+              <a:spcBef>
+                <a:spcPct val="20000"/>
+              </a:spcBef>
+              <a:buClr>
+                <a:schemeClr val="accent2"/>
+              </a:buClr>
+              <a:buFont typeface="Wingdings" panose="05000000000000000000" pitchFamily="2" charset="2"/>
+              <a:buChar char="o"/>
+            </a:pPr>
+            <a:r>
+              <a:rPr lang="zh-CN" altLang="zh-CN" sz="3100" b="1" dirty="0">
+                <a:solidFill>
+                  <a:schemeClr val="tx1"/>
+                </a:solidFill>
+                <a:latin typeface="+mn-lt"/>
+                <a:ea typeface="+mn-ea"/>
+                <a:cs typeface="+mn-cs"/>
+              </a:rPr>
+              <a:t>画出状态迁移树</a:t>
+            </a:r>
+            <a:endParaRPr lang="zh-CN" altLang="en-US" sz="3100" b="1" dirty="0">
+              <a:solidFill>
+                <a:schemeClr val="tx1"/>
+              </a:solidFill>
+              <a:latin typeface="+mn-lt"/>
+              <a:ea typeface="+mn-ea"/>
+              <a:cs typeface="+mn-cs"/>
+            </a:endParaRPr>
+          </a:p>
+        </p:txBody>
+      </p:sp>
+      <p:sp>
+        <p:nvSpPr>
+          <p:cNvPr id="4" name="矩形 3"/>
+          <p:cNvSpPr/>
+          <p:nvPr/>
+        </p:nvSpPr>
+        <p:spPr>
+          <a:xfrm>
+            <a:off x="683568" y="2256160"/>
+            <a:ext cx="1052348" cy="512379"/>
+          </a:xfrm>
+          <a:prstGeom prst="rect">
+            <a:avLst/>
+          </a:prstGeom>
+          <a:solidFill>
+            <a:schemeClr val="bg1"/>
+          </a:solidFill>
+        </p:spPr>
+        <p:style>
+          <a:lnRef idx="2">
+            <a:schemeClr val="accent1">
+              <a:shade val="50000"/>
+            </a:schemeClr>
+          </a:lnRef>
+          <a:fillRef idx="1">
+            <a:schemeClr val="accent1"/>
+          </a:fillRef>
+          <a:effectRef idx="0">
+            <a:schemeClr val="accent1"/>
+          </a:effectRef>
+          <a:fontRef idx="minor">
+            <a:schemeClr val="lt1"/>
+          </a:fontRef>
+        </p:style>
+        <p:txBody>
+          <a:bodyPr rtlCol="0" anchor="ctr"/>
+          <a:lstStyle/>
+          <a:p>
+            <a:pPr algn="ctr"/>
+            <a:r>
+              <a:rPr lang="zh-CN" altLang="en-US" sz="2400" b="1" dirty="0" smtClean="0">
+                <a:solidFill>
+                  <a:schemeClr val="tx1"/>
+                </a:solidFill>
+              </a:rPr>
+              <a:t>预定</a:t>
+            </a:r>
+            <a:endParaRPr lang="zh-CN" altLang="en-US" sz="2400" b="1" dirty="0">
+              <a:solidFill>
+                <a:schemeClr val="tx1"/>
+              </a:solidFill>
+            </a:endParaRPr>
+          </a:p>
+        </p:txBody>
+      </p:sp>
+      <p:sp>
+        <p:nvSpPr>
+          <p:cNvPr id="5" name="矩形 4"/>
+          <p:cNvSpPr/>
+          <p:nvPr/>
+        </p:nvSpPr>
+        <p:spPr>
+          <a:xfrm>
+            <a:off x="2843444" y="2232511"/>
+            <a:ext cx="1344762" cy="512379"/>
+          </a:xfrm>
+          <a:prstGeom prst="rect">
+            <a:avLst/>
+          </a:prstGeom>
+          <a:solidFill>
+            <a:schemeClr val="bg1"/>
+          </a:solidFill>
+        </p:spPr>
+        <p:style>
+          <a:lnRef idx="2">
+            <a:schemeClr val="accent1">
+              <a:shade val="50000"/>
+            </a:schemeClr>
+          </a:lnRef>
+          <a:fillRef idx="1">
+            <a:schemeClr val="accent1"/>
+          </a:fillRef>
+          <a:effectRef idx="0">
+            <a:schemeClr val="accent1"/>
+          </a:effectRef>
+          <a:fontRef idx="minor">
+            <a:schemeClr val="lt1"/>
+          </a:fontRef>
+        </p:style>
+        <p:txBody>
+          <a:bodyPr rtlCol="0" anchor="ctr"/>
+          <a:lstStyle/>
+          <a:p>
+            <a:pPr algn="ctr"/>
+            <a:r>
+              <a:rPr lang="zh-CN" altLang="en-US" sz="2400" b="1" dirty="0" smtClean="0">
+                <a:solidFill>
+                  <a:schemeClr val="tx1"/>
+                </a:solidFill>
+              </a:rPr>
+              <a:t>已支付</a:t>
+            </a:r>
+            <a:endParaRPr lang="zh-CN" altLang="en-US" sz="2400" b="1" dirty="0">
+              <a:solidFill>
+                <a:schemeClr val="tx1"/>
+              </a:solidFill>
+            </a:endParaRPr>
+          </a:p>
+        </p:txBody>
+      </p:sp>
+      <p:sp>
+        <p:nvSpPr>
+          <p:cNvPr id="6" name="矩形 5"/>
+          <p:cNvSpPr/>
+          <p:nvPr/>
+        </p:nvSpPr>
+        <p:spPr>
+          <a:xfrm>
+            <a:off x="5050616" y="2239081"/>
+            <a:ext cx="1369838" cy="512379"/>
+          </a:xfrm>
+          <a:prstGeom prst="rect">
+            <a:avLst/>
+          </a:prstGeom>
+          <a:solidFill>
+            <a:schemeClr val="bg1"/>
+          </a:solidFill>
+        </p:spPr>
+        <p:style>
+          <a:lnRef idx="2">
+            <a:schemeClr val="accent1">
+              <a:shade val="50000"/>
+            </a:schemeClr>
+          </a:lnRef>
+          <a:fillRef idx="1">
+            <a:schemeClr val="accent1"/>
+          </a:fillRef>
+          <a:effectRef idx="0">
+            <a:schemeClr val="accent1"/>
+          </a:effectRef>
+          <a:fontRef idx="minor">
+            <a:schemeClr val="lt1"/>
+          </a:fontRef>
+        </p:style>
+        <p:txBody>
+          <a:bodyPr rtlCol="0" anchor="ctr"/>
+          <a:lstStyle/>
+          <a:p>
+            <a:pPr algn="ctr"/>
+            <a:r>
+              <a:rPr lang="zh-CN" altLang="en-US" sz="2400" b="1" dirty="0" smtClean="0">
+                <a:solidFill>
+                  <a:schemeClr val="tx1"/>
+                </a:solidFill>
+              </a:rPr>
+              <a:t>已出票</a:t>
+            </a:r>
+            <a:endParaRPr lang="zh-CN" altLang="en-US" sz="2400" b="1" dirty="0">
+              <a:solidFill>
+                <a:schemeClr val="tx1"/>
+              </a:solidFill>
+            </a:endParaRPr>
+          </a:p>
+        </p:txBody>
+      </p:sp>
+      <p:sp>
+        <p:nvSpPr>
+          <p:cNvPr id="7" name="矩形 6"/>
+          <p:cNvSpPr/>
+          <p:nvPr/>
+        </p:nvSpPr>
+        <p:spPr>
+          <a:xfrm>
+            <a:off x="7301456" y="2174704"/>
+            <a:ext cx="1567270" cy="512379"/>
+          </a:xfrm>
+          <a:prstGeom prst="rect">
+            <a:avLst/>
+          </a:prstGeom>
+          <a:solidFill>
+            <a:schemeClr val="bg1"/>
+          </a:solidFill>
+        </p:spPr>
+        <p:style>
+          <a:lnRef idx="2">
+            <a:schemeClr val="accent1">
+              <a:shade val="50000"/>
+            </a:schemeClr>
+          </a:lnRef>
+          <a:fillRef idx="1">
+            <a:schemeClr val="accent1"/>
+          </a:fillRef>
+          <a:effectRef idx="0">
+            <a:schemeClr val="accent1"/>
+          </a:effectRef>
+          <a:fontRef idx="minor">
+            <a:schemeClr val="lt1"/>
+          </a:fontRef>
+        </p:style>
+        <p:txBody>
+          <a:bodyPr rtlCol="0" anchor="ctr"/>
+          <a:lstStyle/>
+          <a:p>
+            <a:pPr algn="ctr"/>
+            <a:r>
+              <a:rPr lang="zh-CN" altLang="en-US" sz="2400" b="1" dirty="0" smtClean="0">
+                <a:solidFill>
+                  <a:schemeClr val="tx1"/>
+                </a:solidFill>
+              </a:rPr>
+              <a:t>已使用</a:t>
+            </a:r>
+            <a:endParaRPr lang="zh-CN" altLang="en-US" sz="2400" b="1" dirty="0">
+              <a:solidFill>
+                <a:schemeClr val="tx1"/>
+              </a:solidFill>
+            </a:endParaRPr>
+          </a:p>
+        </p:txBody>
+      </p:sp>
+      <p:sp>
+        <p:nvSpPr>
+          <p:cNvPr id="8" name="矩形 7"/>
+          <p:cNvSpPr/>
+          <p:nvPr/>
+        </p:nvSpPr>
+        <p:spPr>
+          <a:xfrm>
+            <a:off x="2957742" y="3637460"/>
+            <a:ext cx="1385527" cy="512379"/>
+          </a:xfrm>
+          <a:prstGeom prst="rect">
+            <a:avLst/>
+          </a:prstGeom>
+          <a:solidFill>
+            <a:schemeClr val="bg1"/>
+          </a:solidFill>
+        </p:spPr>
+        <p:style>
+          <a:lnRef idx="2">
+            <a:schemeClr val="accent1">
+              <a:shade val="50000"/>
+            </a:schemeClr>
+          </a:lnRef>
+          <a:fillRef idx="1">
+            <a:schemeClr val="accent1"/>
+          </a:fillRef>
+          <a:effectRef idx="0">
+            <a:schemeClr val="accent1"/>
+          </a:effectRef>
+          <a:fontRef idx="minor">
+            <a:schemeClr val="lt1"/>
+          </a:fontRef>
+        </p:style>
+        <p:txBody>
+          <a:bodyPr rtlCol="0" anchor="ctr"/>
+          <a:lstStyle/>
+          <a:p>
+            <a:pPr algn="ctr"/>
+            <a:r>
+              <a:rPr lang="zh-CN" altLang="en-US" sz="2400" b="1" dirty="0" smtClean="0">
+                <a:solidFill>
+                  <a:schemeClr val="tx1"/>
+                </a:solidFill>
+              </a:rPr>
+              <a:t>已取消</a:t>
+            </a:r>
+            <a:endParaRPr lang="zh-CN" altLang="en-US" sz="2400" b="1" dirty="0">
+              <a:solidFill>
+                <a:schemeClr val="tx1"/>
+              </a:solidFill>
+            </a:endParaRPr>
+          </a:p>
+        </p:txBody>
+      </p:sp>
+      <p:sp>
+        <p:nvSpPr>
+          <p:cNvPr id="9" name="矩形 8"/>
+          <p:cNvSpPr/>
+          <p:nvPr/>
+        </p:nvSpPr>
+        <p:spPr>
+          <a:xfrm>
+            <a:off x="5105794" y="3637459"/>
+            <a:ext cx="1381453" cy="512379"/>
+          </a:xfrm>
+          <a:prstGeom prst="rect">
+            <a:avLst/>
+          </a:prstGeom>
+          <a:solidFill>
+            <a:schemeClr val="bg1"/>
+          </a:solidFill>
+        </p:spPr>
+        <p:style>
+          <a:lnRef idx="2">
+            <a:schemeClr val="accent1">
+              <a:shade val="50000"/>
+            </a:schemeClr>
+          </a:lnRef>
+          <a:fillRef idx="1">
+            <a:schemeClr val="accent1"/>
+          </a:fillRef>
+          <a:effectRef idx="0">
+            <a:schemeClr val="accent1"/>
+          </a:effectRef>
+          <a:fontRef idx="minor">
+            <a:schemeClr val="lt1"/>
+          </a:fontRef>
+        </p:style>
+        <p:txBody>
+          <a:bodyPr rtlCol="0" anchor="ctr"/>
+          <a:lstStyle/>
+          <a:p>
+            <a:pPr algn="ctr"/>
+            <a:r>
+              <a:rPr lang="zh-CN" altLang="en-US" sz="2400" b="1" dirty="0" smtClean="0">
+                <a:solidFill>
+                  <a:schemeClr val="tx1"/>
+                </a:solidFill>
+              </a:rPr>
+              <a:t>已取消</a:t>
+            </a:r>
+            <a:endParaRPr lang="zh-CN" altLang="en-US" sz="2400" b="1" dirty="0">
+              <a:solidFill>
+                <a:schemeClr val="tx1"/>
+              </a:solidFill>
+            </a:endParaRPr>
+          </a:p>
+        </p:txBody>
+      </p:sp>
+      <p:sp>
+        <p:nvSpPr>
+          <p:cNvPr id="10" name="矩形 9"/>
+          <p:cNvSpPr/>
+          <p:nvPr/>
+        </p:nvSpPr>
+        <p:spPr>
+          <a:xfrm>
+            <a:off x="7056776" y="3565705"/>
+            <a:ext cx="1523917" cy="512379"/>
+          </a:xfrm>
+          <a:prstGeom prst="rect">
+            <a:avLst/>
+          </a:prstGeom>
+          <a:solidFill>
+            <a:schemeClr val="bg1"/>
+          </a:solidFill>
+        </p:spPr>
+        <p:style>
+          <a:lnRef idx="2">
+            <a:schemeClr val="accent1">
+              <a:shade val="50000"/>
+            </a:schemeClr>
+          </a:lnRef>
+          <a:fillRef idx="1">
+            <a:schemeClr val="accent1"/>
+          </a:fillRef>
+          <a:effectRef idx="0">
+            <a:schemeClr val="accent1"/>
+          </a:effectRef>
+          <a:fontRef idx="minor">
+            <a:schemeClr val="lt1"/>
+          </a:fontRef>
+        </p:style>
+        <p:txBody>
+          <a:bodyPr rtlCol="0" anchor="ctr"/>
+          <a:lstStyle/>
+          <a:p>
+            <a:pPr algn="ctr"/>
+            <a:r>
+              <a:rPr lang="zh-CN" altLang="en-US" sz="2400" b="1" dirty="0" smtClean="0">
+                <a:solidFill>
+                  <a:schemeClr val="tx1"/>
+                </a:solidFill>
+              </a:rPr>
+              <a:t>已取消</a:t>
+            </a:r>
+            <a:endParaRPr lang="zh-CN" altLang="en-US" sz="2400" b="1" dirty="0">
+              <a:solidFill>
+                <a:schemeClr val="tx1"/>
+              </a:solidFill>
+            </a:endParaRPr>
+          </a:p>
+        </p:txBody>
+      </p:sp>
       <p:cxnSp>
         <p:nvCxnSpPr>
-          <p:cNvPr id="13" name="直接箭头连接符 12"/>
-          <p:cNvCxnSpPr/>
+          <p:cNvPr id="11" name="直接箭头连接符 10"/>
+          <p:cNvCxnSpPr>
+            <a:endCxn id="5" idx="1"/>
+          </p:cNvCxnSpPr>
           <p:nvPr/>
         </p:nvCxnSpPr>
         <p:spPr>
           <a:xfrm flipV="1">
-            <a:off x="3895792" y="2626955"/>
+            <a:off x="1747741" y="2417581"/>
             <a:ext cx="1095703" cy="23648"/>
           </a:xfrm>
           <a:prstGeom prst="straightConnector1">
@@ -10293,7 +12133,7 @@
         </p:nvCxnSpPr>
         <p:spPr>
           <a:xfrm>
-            <a:off x="6374090" y="2597557"/>
+            <a:off x="6445845" y="2454047"/>
             <a:ext cx="910460" cy="0"/>
           </a:xfrm>
           <a:prstGeom prst="straightConnector1">
@@ -10329,12 +12169,15 @@
         </p:nvCxnSpPr>
         <p:spPr>
           <a:xfrm>
-            <a:off x="1594027" y="2912048"/>
+            <a:off x="1594027" y="2768538"/>
             <a:ext cx="1363717" cy="1196864"/>
           </a:xfrm>
           <a:prstGeom prst="straightConnector1">
             <a:avLst/>
           </a:prstGeom>
+          <a:solidFill>
+            <a:schemeClr val="bg1"/>
+          </a:solidFill>
           <a:ln w="28575">
             <a:solidFill>
               <a:schemeClr val="tx1"/>
@@ -10361,14 +12204,15 @@
         <p:nvCxnSpPr>
           <p:cNvPr id="19" name="直接箭头连接符 18"/>
           <p:cNvCxnSpPr>
+            <a:stCxn id="5" idx="2"/>
             <a:endCxn id="9" idx="1"/>
           </p:cNvCxnSpPr>
           <p:nvPr/>
         </p:nvCxnSpPr>
         <p:spPr>
           <a:xfrm>
-            <a:off x="3483916" y="2880517"/>
-            <a:ext cx="1621878" cy="1228397"/>
+            <a:off x="3515995" y="2745105"/>
+            <a:ext cx="1590040" cy="1148715"/>
           </a:xfrm>
           <a:prstGeom prst="straightConnector1">
             <a:avLst/>
@@ -10399,14 +12243,15 @@
         <p:nvCxnSpPr>
           <p:cNvPr id="21" name="直接箭头连接符 20"/>
           <p:cNvCxnSpPr>
+            <a:stCxn id="6" idx="2"/>
             <a:endCxn id="10" idx="1"/>
           </p:cNvCxnSpPr>
           <p:nvPr/>
         </p:nvCxnSpPr>
         <p:spPr>
           <a:xfrm>
-            <a:off x="5917720" y="2912048"/>
-            <a:ext cx="1139056" cy="1196867"/>
+            <a:off x="5735955" y="2751455"/>
+            <a:ext cx="1320800" cy="1070610"/>
           </a:xfrm>
           <a:prstGeom prst="straightConnector1">
             <a:avLst/>
@@ -10441,7 +12286,7 @@
         </p:nvSpPr>
         <p:spPr>
           <a:xfrm>
-            <a:off x="251520" y="4281594"/>
+            <a:off x="179765" y="4209839"/>
             <a:ext cx="8892481" cy="2603790"/>
           </a:xfrm>
           <a:prstGeom prst="rect">
@@ -10455,7 +12300,7 @@
           </a:bodyPr>
           <a:lstStyle/>
           <a:p>
-            <a:pPr marL="471487" lvl="1" eaLnBrk="0" hangingPunct="0">
+            <a:pPr marL="471170" lvl="1" eaLnBrk="0" hangingPunct="0">
               <a:spcBef>
                 <a:spcPct val="20000"/>
               </a:spcBef>
@@ -10476,7 +12321,7 @@
             </a:endParaRPr>
           </a:p>
           <a:p>
-            <a:pPr marL="471487" lvl="1" eaLnBrk="0" hangingPunct="0">
+            <a:pPr marL="471170" lvl="1" eaLnBrk="0" hangingPunct="0">
               <a:spcBef>
                 <a:spcPct val="20000"/>
               </a:spcBef>
@@ -10518,7 +12363,7 @@
             </a:endParaRPr>
           </a:p>
           <a:p>
-            <a:pPr marL="471487" lvl="1" eaLnBrk="0" hangingPunct="0">
+            <a:pPr marL="471170" lvl="1" eaLnBrk="0" hangingPunct="0">
               <a:spcBef>
                 <a:spcPct val="20000"/>
               </a:spcBef>
@@ -10588,7 +12433,7 @@
             </a:endParaRPr>
           </a:p>
           <a:p>
-            <a:pPr marL="471487" lvl="1" eaLnBrk="0" hangingPunct="0">
+            <a:pPr marL="471170" lvl="1" eaLnBrk="0" hangingPunct="0">
               <a:spcBef>
                 <a:spcPct val="20000"/>
               </a:spcBef>
@@ -10644,7 +12489,7 @@
             </a:endParaRPr>
           </a:p>
           <a:p>
-            <a:pPr marL="471487" lvl="1" eaLnBrk="0" hangingPunct="0">
+            <a:pPr marL="471170" lvl="1" eaLnBrk="0" hangingPunct="0">
               <a:spcBef>
                 <a:spcPct val="20000"/>
               </a:spcBef>
@@ -10756,11 +12601,7 @@
           </a:extLst>
         </p:spPr>
         <p:txBody>
-          <a:bodyPr vert="horz" wrap="square" lIns="91440" tIns="45720" rIns="91440" bIns="45720" numCol="1" anchor="b" anchorCtr="0" compatLnSpc="1">
-            <a:prstTxWarp prst="textNoShape">
-              <a:avLst/>
-            </a:prstTxWarp>
-          </a:bodyPr>
+          <a:bodyPr vert="horz" wrap="square" lIns="91440" tIns="45720" rIns="91440" bIns="45720" numCol="1" anchor="b" anchorCtr="0" compatLnSpc="1"/>
           <a:lstStyle>
             <a:lvl1pPr algn="l" rtl="0" eaLnBrk="0" fontAlgn="base" hangingPunct="0">
               <a:spcBef>
@@ -10789,8 +12630,8 @@
                 <a:solidFill>
                   <a:schemeClr val="tx2"/>
                 </a:solidFill>
-                <a:latin typeface="Verdana" pitchFamily="34" charset="0"/>
-                <a:ea typeface="宋体" pitchFamily="2" charset="-122"/>
+                <a:latin typeface="Verdana" panose="020B0604030504040204" pitchFamily="34" charset="0"/>
+                <a:ea typeface="宋体" panose="02010600030101010101" pitchFamily="2" charset="-122"/>
               </a:defRPr>
             </a:lvl2pPr>
             <a:lvl3pPr algn="l" rtl="0" eaLnBrk="0" fontAlgn="base" hangingPunct="0">
@@ -10804,8 +12645,8 @@
                 <a:solidFill>
                   <a:schemeClr val="tx2"/>
                 </a:solidFill>
-                <a:latin typeface="Verdana" pitchFamily="34" charset="0"/>
-                <a:ea typeface="宋体" pitchFamily="2" charset="-122"/>
+                <a:latin typeface="Verdana" panose="020B0604030504040204" pitchFamily="34" charset="0"/>
+                <a:ea typeface="宋体" panose="02010600030101010101" pitchFamily="2" charset="-122"/>
               </a:defRPr>
             </a:lvl3pPr>
             <a:lvl4pPr algn="l" rtl="0" eaLnBrk="0" fontAlgn="base" hangingPunct="0">
@@ -10819,8 +12660,8 @@
                 <a:solidFill>
                   <a:schemeClr val="tx2"/>
                 </a:solidFill>
-                <a:latin typeface="Verdana" pitchFamily="34" charset="0"/>
-                <a:ea typeface="宋体" pitchFamily="2" charset="-122"/>
+                <a:latin typeface="Verdana" panose="020B0604030504040204" pitchFamily="34" charset="0"/>
+                <a:ea typeface="宋体" panose="02010600030101010101" pitchFamily="2" charset="-122"/>
               </a:defRPr>
             </a:lvl4pPr>
             <a:lvl5pPr algn="l" rtl="0" eaLnBrk="0" fontAlgn="base" hangingPunct="0">
@@ -10834,8 +12675,8 @@
                 <a:solidFill>
                   <a:schemeClr val="tx2"/>
                 </a:solidFill>
-                <a:latin typeface="Verdana" pitchFamily="34" charset="0"/>
-                <a:ea typeface="宋体" pitchFamily="2" charset="-122"/>
+                <a:latin typeface="Verdana" panose="020B0604030504040204" pitchFamily="34" charset="0"/>
+                <a:ea typeface="宋体" panose="02010600030101010101" pitchFamily="2" charset="-122"/>
               </a:defRPr>
             </a:lvl5pPr>
             <a:lvl6pPr marL="457200" algn="l" rtl="0" fontAlgn="base">
@@ -10849,8 +12690,8 @@
                 <a:solidFill>
                   <a:schemeClr val="tx2"/>
                 </a:solidFill>
-                <a:latin typeface="Verdana" pitchFamily="34" charset="0"/>
-                <a:ea typeface="宋体" pitchFamily="2" charset="-122"/>
+                <a:latin typeface="Verdana" panose="020B0604030504040204" pitchFamily="34" charset="0"/>
+                <a:ea typeface="宋体" panose="02010600030101010101" pitchFamily="2" charset="-122"/>
               </a:defRPr>
             </a:lvl6pPr>
             <a:lvl7pPr marL="914400" algn="l" rtl="0" fontAlgn="base">
@@ -10864,8 +12705,8 @@
                 <a:solidFill>
                   <a:schemeClr val="tx2"/>
                 </a:solidFill>
-                <a:latin typeface="Verdana" pitchFamily="34" charset="0"/>
-                <a:ea typeface="宋体" pitchFamily="2" charset="-122"/>
+                <a:latin typeface="Verdana" panose="020B0604030504040204" pitchFamily="34" charset="0"/>
+                <a:ea typeface="宋体" panose="02010600030101010101" pitchFamily="2" charset="-122"/>
               </a:defRPr>
             </a:lvl7pPr>
             <a:lvl8pPr marL="1371600" algn="l" rtl="0" fontAlgn="base">
@@ -10879,8 +12720,8 @@
                 <a:solidFill>
                   <a:schemeClr val="tx2"/>
                 </a:solidFill>
-                <a:latin typeface="Verdana" pitchFamily="34" charset="0"/>
-                <a:ea typeface="宋体" pitchFamily="2" charset="-122"/>
+                <a:latin typeface="Verdana" panose="020B0604030504040204" pitchFamily="34" charset="0"/>
+                <a:ea typeface="宋体" panose="02010600030101010101" pitchFamily="2" charset="-122"/>
               </a:defRPr>
             </a:lvl8pPr>
             <a:lvl9pPr marL="1828800" algn="l" rtl="0" fontAlgn="base">
@@ -10894,8 +12735,8 @@
                 <a:solidFill>
                   <a:schemeClr val="tx2"/>
                 </a:solidFill>
-                <a:latin typeface="Verdana" pitchFamily="34" charset="0"/>
-                <a:ea typeface="宋体" pitchFamily="2" charset="-122"/>
+                <a:latin typeface="Verdana" panose="020B0604030504040204" pitchFamily="34" charset="0"/>
+                <a:ea typeface="宋体" panose="02010600030101010101" pitchFamily="2" charset="-122"/>
               </a:defRPr>
             </a:lvl9pPr>
           </a:lstStyle>
@@ -10903,46 +12744,528 @@
             <a:pPr eaLnBrk="1" hangingPunct="1"/>
             <a:r>
               <a:rPr lang="en-US" altLang="zh-CN" b="1" dirty="0" smtClean="0">
-                <a:latin typeface="黑体" pitchFamily="2" charset="-122"/>
-                <a:ea typeface="黑体" pitchFamily="2" charset="-122"/>
+                <a:latin typeface="黑体" panose="02010609060101010101" pitchFamily="2" charset="-122"/>
+                <a:ea typeface="黑体" panose="02010609060101010101" pitchFamily="2" charset="-122"/>
               </a:rPr>
               <a:t>3.8 </a:t>
             </a:r>
             <a:r>
               <a:rPr lang="zh-CN" altLang="en-US" b="1" dirty="0" smtClean="0">
-                <a:latin typeface="黑体" pitchFamily="2" charset="-122"/>
-                <a:ea typeface="黑体" pitchFamily="2" charset="-122"/>
+                <a:latin typeface="黑体" panose="02010609060101010101" pitchFamily="2" charset="-122"/>
+                <a:ea typeface="黑体" panose="02010609060101010101" pitchFamily="2" charset="-122"/>
               </a:rPr>
               <a:t>状态迁移图</a:t>
             </a:r>
             <a:endParaRPr lang="zh-CN" altLang="en-US" b="1" dirty="0" smtClean="0">
-              <a:latin typeface="黑体" pitchFamily="2" charset="-122"/>
-              <a:ea typeface="黑体" pitchFamily="2" charset="-122"/>
+              <a:latin typeface="黑体" panose="02010609060101010101" pitchFamily="2" charset="-122"/>
+              <a:ea typeface="黑体" panose="02010609060101010101" pitchFamily="2" charset="-122"/>
             </a:endParaRPr>
           </a:p>
         </p:txBody>
       </p:sp>
     </p:spTree>
-    <p:extLst>
-      <p:ext uri="{BB962C8B-B14F-4D97-AF65-F5344CB8AC3E}">
-        <p14:creationId xmlns:p14="http://schemas.microsoft.com/office/powerpoint/2010/main" val="896981537"/>
-      </p:ext>
-    </p:extLst>
   </p:cSld>
   <p:clrMapOvr>
     <a:masterClrMapping/>
   </p:clrMapOvr>
+  <p:transition>
+    <p:blinds dir="vert"/>
+  </p:transition>
   <p:timing>
     <p:tnLst>
       <p:par>
-        <p:cTn id="1" dur="indefinite" restart="never" nodeType="tmRoot"/>
+        <p:cTn id="1" dur="indefinite" restart="never" nodeType="tmRoot">
+          <p:childTnLst>
+            <p:seq concurrent="1" nextAc="seek">
+              <p:cTn id="2" dur="indefinite" nodeType="mainSeq">
+                <p:childTnLst>
+                  <p:par>
+                    <p:cTn id="3" fill="hold">
+                      <p:stCondLst>
+                        <p:cond delay="indefinite"/>
+                      </p:stCondLst>
+                      <p:childTnLst>
+                        <p:par>
+                          <p:cTn id="4" fill="hold">
+                            <p:stCondLst>
+                              <p:cond delay="0"/>
+                            </p:stCondLst>
+                            <p:childTnLst>
+                              <p:par>
+                                <p:cTn id="5" presetID="2" presetClass="entr" presetSubtype="4" fill="hold" nodeType="clickEffect">
+                                  <p:stCondLst>
+                                    <p:cond delay="0"/>
+                                  </p:stCondLst>
+                                  <p:childTnLst>
+                                    <p:set>
+                                      <p:cBhvr>
+                                        <p:cTn id="6" dur="1" fill="hold">
+                                          <p:stCondLst>
+                                            <p:cond delay="0"/>
+                                          </p:stCondLst>
+                                        </p:cTn>
+                                        <p:tgtEl>
+                                          <p:spTgt spid="26">
+                                            <p:txEl>
+                                              <p:pRg st="0" end="0"/>
+                                            </p:txEl>
+                                          </p:spTgt>
+                                        </p:tgtEl>
+                                        <p:attrNameLst>
+                                          <p:attrName>style.visibility</p:attrName>
+                                        </p:attrNameLst>
+                                      </p:cBhvr>
+                                      <p:to>
+                                        <p:strVal val="visible"/>
+                                      </p:to>
+                                    </p:set>
+                                    <p:anim calcmode="lin" valueType="num">
+                                      <p:cBhvr additive="base">
+                                        <p:cTn id="7" dur="500" fill="hold"/>
+                                        <p:tgtEl>
+                                          <p:spTgt spid="26">
+                                            <p:txEl>
+                                              <p:pRg st="0" end="0"/>
+                                            </p:txEl>
+                                          </p:spTgt>
+                                        </p:tgtEl>
+                                        <p:attrNameLst>
+                                          <p:attrName>ppt_x</p:attrName>
+                                        </p:attrNameLst>
+                                      </p:cBhvr>
+                                      <p:tavLst>
+                                        <p:tav tm="0">
+                                          <p:val>
+                                            <p:strVal val="#ppt_x"/>
+                                          </p:val>
+                                        </p:tav>
+                                        <p:tav tm="100000">
+                                          <p:val>
+                                            <p:strVal val="#ppt_x"/>
+                                          </p:val>
+                                        </p:tav>
+                                      </p:tavLst>
+                                    </p:anim>
+                                    <p:anim calcmode="lin" valueType="num">
+                                      <p:cBhvr additive="base">
+                                        <p:cTn id="8" dur="500" fill="hold"/>
+                                        <p:tgtEl>
+                                          <p:spTgt spid="26">
+                                            <p:txEl>
+                                              <p:pRg st="0" end="0"/>
+                                            </p:txEl>
+                                          </p:spTgt>
+                                        </p:tgtEl>
+                                        <p:attrNameLst>
+                                          <p:attrName>ppt_y</p:attrName>
+                                        </p:attrNameLst>
+                                      </p:cBhvr>
+                                      <p:tavLst>
+                                        <p:tav tm="0">
+                                          <p:val>
+                                            <p:strVal val="1+#ppt_h/2"/>
+                                          </p:val>
+                                        </p:tav>
+                                        <p:tav tm="100000">
+                                          <p:val>
+                                            <p:strVal val="#ppt_y"/>
+                                          </p:val>
+                                        </p:tav>
+                                      </p:tavLst>
+                                    </p:anim>
+                                  </p:childTnLst>
+                                </p:cTn>
+                              </p:par>
+                            </p:childTnLst>
+                          </p:cTn>
+                        </p:par>
+                      </p:childTnLst>
+                    </p:cTn>
+                  </p:par>
+                  <p:par>
+                    <p:cTn id="9" fill="hold">
+                      <p:stCondLst>
+                        <p:cond delay="indefinite"/>
+                      </p:stCondLst>
+                      <p:childTnLst>
+                        <p:par>
+                          <p:cTn id="10" fill="hold">
+                            <p:stCondLst>
+                              <p:cond delay="0"/>
+                            </p:stCondLst>
+                            <p:childTnLst>
+                              <p:par>
+                                <p:cTn id="11" presetID="2" presetClass="entr" presetSubtype="4" fill="hold" nodeType="clickEffect">
+                                  <p:stCondLst>
+                                    <p:cond delay="0"/>
+                                  </p:stCondLst>
+                                  <p:childTnLst>
+                                    <p:set>
+                                      <p:cBhvr>
+                                        <p:cTn id="12" dur="1" fill="hold">
+                                          <p:stCondLst>
+                                            <p:cond delay="0"/>
+                                          </p:stCondLst>
+                                        </p:cTn>
+                                        <p:tgtEl>
+                                          <p:spTgt spid="26">
+                                            <p:txEl>
+                                              <p:pRg st="1" end="1"/>
+                                            </p:txEl>
+                                          </p:spTgt>
+                                        </p:tgtEl>
+                                        <p:attrNameLst>
+                                          <p:attrName>style.visibility</p:attrName>
+                                        </p:attrNameLst>
+                                      </p:cBhvr>
+                                      <p:to>
+                                        <p:strVal val="visible"/>
+                                      </p:to>
+                                    </p:set>
+                                    <p:anim calcmode="lin" valueType="num">
+                                      <p:cBhvr additive="base">
+                                        <p:cTn id="13" dur="500" fill="hold"/>
+                                        <p:tgtEl>
+                                          <p:spTgt spid="26">
+                                            <p:txEl>
+                                              <p:pRg st="1" end="1"/>
+                                            </p:txEl>
+                                          </p:spTgt>
+                                        </p:tgtEl>
+                                        <p:attrNameLst>
+                                          <p:attrName>ppt_x</p:attrName>
+                                        </p:attrNameLst>
+                                      </p:cBhvr>
+                                      <p:tavLst>
+                                        <p:tav tm="0">
+                                          <p:val>
+                                            <p:strVal val="#ppt_x"/>
+                                          </p:val>
+                                        </p:tav>
+                                        <p:tav tm="100000">
+                                          <p:val>
+                                            <p:strVal val="#ppt_x"/>
+                                          </p:val>
+                                        </p:tav>
+                                      </p:tavLst>
+                                    </p:anim>
+                                    <p:anim calcmode="lin" valueType="num">
+                                      <p:cBhvr additive="base">
+                                        <p:cTn id="14" dur="500" fill="hold"/>
+                                        <p:tgtEl>
+                                          <p:spTgt spid="26">
+                                            <p:txEl>
+                                              <p:pRg st="1" end="1"/>
+                                            </p:txEl>
+                                          </p:spTgt>
+                                        </p:tgtEl>
+                                        <p:attrNameLst>
+                                          <p:attrName>ppt_y</p:attrName>
+                                        </p:attrNameLst>
+                                      </p:cBhvr>
+                                      <p:tavLst>
+                                        <p:tav tm="0">
+                                          <p:val>
+                                            <p:strVal val="1+#ppt_h/2"/>
+                                          </p:val>
+                                        </p:tav>
+                                        <p:tav tm="100000">
+                                          <p:val>
+                                            <p:strVal val="#ppt_y"/>
+                                          </p:val>
+                                        </p:tav>
+                                      </p:tavLst>
+                                    </p:anim>
+                                  </p:childTnLst>
+                                </p:cTn>
+                              </p:par>
+                              <p:par>
+                                <p:cTn id="15" presetID="2" presetClass="entr" presetSubtype="4" fill="hold" nodeType="withEffect">
+                                  <p:stCondLst>
+                                    <p:cond delay="0"/>
+                                  </p:stCondLst>
+                                  <p:childTnLst>
+                                    <p:set>
+                                      <p:cBhvr>
+                                        <p:cTn id="16" dur="1" fill="hold">
+                                          <p:stCondLst>
+                                            <p:cond delay="0"/>
+                                          </p:stCondLst>
+                                        </p:cTn>
+                                        <p:tgtEl>
+                                          <p:spTgt spid="26">
+                                            <p:txEl>
+                                              <p:pRg st="2" end="2"/>
+                                            </p:txEl>
+                                          </p:spTgt>
+                                        </p:tgtEl>
+                                        <p:attrNameLst>
+                                          <p:attrName>style.visibility</p:attrName>
+                                        </p:attrNameLst>
+                                      </p:cBhvr>
+                                      <p:to>
+                                        <p:strVal val="visible"/>
+                                      </p:to>
+                                    </p:set>
+                                    <p:anim calcmode="lin" valueType="num">
+                                      <p:cBhvr additive="base">
+                                        <p:cTn id="17" dur="500" fill="hold"/>
+                                        <p:tgtEl>
+                                          <p:spTgt spid="26">
+                                            <p:txEl>
+                                              <p:pRg st="2" end="2"/>
+                                            </p:txEl>
+                                          </p:spTgt>
+                                        </p:tgtEl>
+                                        <p:attrNameLst>
+                                          <p:attrName>ppt_x</p:attrName>
+                                        </p:attrNameLst>
+                                      </p:cBhvr>
+                                      <p:tavLst>
+                                        <p:tav tm="0">
+                                          <p:val>
+                                            <p:strVal val="#ppt_x"/>
+                                          </p:val>
+                                        </p:tav>
+                                        <p:tav tm="100000">
+                                          <p:val>
+                                            <p:strVal val="#ppt_x"/>
+                                          </p:val>
+                                        </p:tav>
+                                      </p:tavLst>
+                                    </p:anim>
+                                    <p:anim calcmode="lin" valueType="num">
+                                      <p:cBhvr additive="base">
+                                        <p:cTn id="18" dur="500" fill="hold"/>
+                                        <p:tgtEl>
+                                          <p:spTgt spid="26">
+                                            <p:txEl>
+                                              <p:pRg st="2" end="2"/>
+                                            </p:txEl>
+                                          </p:spTgt>
+                                        </p:tgtEl>
+                                        <p:attrNameLst>
+                                          <p:attrName>ppt_y</p:attrName>
+                                        </p:attrNameLst>
+                                      </p:cBhvr>
+                                      <p:tavLst>
+                                        <p:tav tm="0">
+                                          <p:val>
+                                            <p:strVal val="1+#ppt_h/2"/>
+                                          </p:val>
+                                        </p:tav>
+                                        <p:tav tm="100000">
+                                          <p:val>
+                                            <p:strVal val="#ppt_y"/>
+                                          </p:val>
+                                        </p:tav>
+                                      </p:tavLst>
+                                    </p:anim>
+                                  </p:childTnLst>
+                                </p:cTn>
+                              </p:par>
+                              <p:par>
+                                <p:cTn id="19" presetID="2" presetClass="entr" presetSubtype="4" fill="hold" nodeType="withEffect">
+                                  <p:stCondLst>
+                                    <p:cond delay="0"/>
+                                  </p:stCondLst>
+                                  <p:childTnLst>
+                                    <p:set>
+                                      <p:cBhvr>
+                                        <p:cTn id="20" dur="1" fill="hold">
+                                          <p:stCondLst>
+                                            <p:cond delay="0"/>
+                                          </p:stCondLst>
+                                        </p:cTn>
+                                        <p:tgtEl>
+                                          <p:spTgt spid="26">
+                                            <p:txEl>
+                                              <p:pRg st="3" end="3"/>
+                                            </p:txEl>
+                                          </p:spTgt>
+                                        </p:tgtEl>
+                                        <p:attrNameLst>
+                                          <p:attrName>style.visibility</p:attrName>
+                                        </p:attrNameLst>
+                                      </p:cBhvr>
+                                      <p:to>
+                                        <p:strVal val="visible"/>
+                                      </p:to>
+                                    </p:set>
+                                    <p:anim calcmode="lin" valueType="num">
+                                      <p:cBhvr additive="base">
+                                        <p:cTn id="21" dur="500" fill="hold"/>
+                                        <p:tgtEl>
+                                          <p:spTgt spid="26">
+                                            <p:txEl>
+                                              <p:pRg st="3" end="3"/>
+                                            </p:txEl>
+                                          </p:spTgt>
+                                        </p:tgtEl>
+                                        <p:attrNameLst>
+                                          <p:attrName>ppt_x</p:attrName>
+                                        </p:attrNameLst>
+                                      </p:cBhvr>
+                                      <p:tavLst>
+                                        <p:tav tm="0">
+                                          <p:val>
+                                            <p:strVal val="#ppt_x"/>
+                                          </p:val>
+                                        </p:tav>
+                                        <p:tav tm="100000">
+                                          <p:val>
+                                            <p:strVal val="#ppt_x"/>
+                                          </p:val>
+                                        </p:tav>
+                                      </p:tavLst>
+                                    </p:anim>
+                                    <p:anim calcmode="lin" valueType="num">
+                                      <p:cBhvr additive="base">
+                                        <p:cTn id="22" dur="500" fill="hold"/>
+                                        <p:tgtEl>
+                                          <p:spTgt spid="26">
+                                            <p:txEl>
+                                              <p:pRg st="3" end="3"/>
+                                            </p:txEl>
+                                          </p:spTgt>
+                                        </p:tgtEl>
+                                        <p:attrNameLst>
+                                          <p:attrName>ppt_y</p:attrName>
+                                        </p:attrNameLst>
+                                      </p:cBhvr>
+                                      <p:tavLst>
+                                        <p:tav tm="0">
+                                          <p:val>
+                                            <p:strVal val="1+#ppt_h/2"/>
+                                          </p:val>
+                                        </p:tav>
+                                        <p:tav tm="100000">
+                                          <p:val>
+                                            <p:strVal val="#ppt_y"/>
+                                          </p:val>
+                                        </p:tav>
+                                      </p:tavLst>
+                                    </p:anim>
+                                  </p:childTnLst>
+                                </p:cTn>
+                              </p:par>
+                              <p:par>
+                                <p:cTn id="23" presetID="2" presetClass="entr" presetSubtype="4" fill="hold" nodeType="withEffect">
+                                  <p:stCondLst>
+                                    <p:cond delay="0"/>
+                                  </p:stCondLst>
+                                  <p:childTnLst>
+                                    <p:set>
+                                      <p:cBhvr>
+                                        <p:cTn id="24" dur="1" fill="hold">
+                                          <p:stCondLst>
+                                            <p:cond delay="0"/>
+                                          </p:stCondLst>
+                                        </p:cTn>
+                                        <p:tgtEl>
+                                          <p:spTgt spid="26">
+                                            <p:txEl>
+                                              <p:pRg st="4" end="4"/>
+                                            </p:txEl>
+                                          </p:spTgt>
+                                        </p:tgtEl>
+                                        <p:attrNameLst>
+                                          <p:attrName>style.visibility</p:attrName>
+                                        </p:attrNameLst>
+                                      </p:cBhvr>
+                                      <p:to>
+                                        <p:strVal val="visible"/>
+                                      </p:to>
+                                    </p:set>
+                                    <p:anim calcmode="lin" valueType="num">
+                                      <p:cBhvr additive="base">
+                                        <p:cTn id="25" dur="500" fill="hold"/>
+                                        <p:tgtEl>
+                                          <p:spTgt spid="26">
+                                            <p:txEl>
+                                              <p:pRg st="4" end="4"/>
+                                            </p:txEl>
+                                          </p:spTgt>
+                                        </p:tgtEl>
+                                        <p:attrNameLst>
+                                          <p:attrName>ppt_x</p:attrName>
+                                        </p:attrNameLst>
+                                      </p:cBhvr>
+                                      <p:tavLst>
+                                        <p:tav tm="0">
+                                          <p:val>
+                                            <p:strVal val="#ppt_x"/>
+                                          </p:val>
+                                        </p:tav>
+                                        <p:tav tm="100000">
+                                          <p:val>
+                                            <p:strVal val="#ppt_x"/>
+                                          </p:val>
+                                        </p:tav>
+                                      </p:tavLst>
+                                    </p:anim>
+                                    <p:anim calcmode="lin" valueType="num">
+                                      <p:cBhvr additive="base">
+                                        <p:cTn id="26" dur="500" fill="hold"/>
+                                        <p:tgtEl>
+                                          <p:spTgt spid="26">
+                                            <p:txEl>
+                                              <p:pRg st="4" end="4"/>
+                                            </p:txEl>
+                                          </p:spTgt>
+                                        </p:tgtEl>
+                                        <p:attrNameLst>
+                                          <p:attrName>ppt_y</p:attrName>
+                                        </p:attrNameLst>
+                                      </p:cBhvr>
+                                      <p:tavLst>
+                                        <p:tav tm="0">
+                                          <p:val>
+                                            <p:strVal val="1+#ppt_h/2"/>
+                                          </p:val>
+                                        </p:tav>
+                                        <p:tav tm="100000">
+                                          <p:val>
+                                            <p:strVal val="#ppt_y"/>
+                                          </p:val>
+                                        </p:tav>
+                                      </p:tavLst>
+                                    </p:anim>
+                                  </p:childTnLst>
+                                </p:cTn>
+                              </p:par>
+                            </p:childTnLst>
+                          </p:cTn>
+                        </p:par>
+                      </p:childTnLst>
+                    </p:cTn>
+                  </p:par>
+                </p:childTnLst>
+              </p:cTn>
+              <p:prevCondLst>
+                <p:cond evt="onPrev" delay="0">
+                  <p:tgtEl>
+                    <p:sldTgt/>
+                  </p:tgtEl>
+                </p:cond>
+              </p:prevCondLst>
+              <p:nextCondLst>
+                <p:cond evt="onNext" delay="0">
+                  <p:tgtEl>
+                    <p:sldTgt/>
+                  </p:tgtEl>
+                </p:cond>
+              </p:nextCondLst>
+            </p:seq>
+          </p:childTnLst>
+        </p:cTn>
       </p:par>
     </p:tnLst>
   </p:timing>
 </p:sld>
 </file>
 
-<file path=ppt/slides/slide8.xml><?xml version="1.0" encoding="utf-8"?>
+<file path=ppt/slides/slide9.xml><?xml version="1.0" encoding="utf-8"?>
 <p:sld xmlns:a="http://schemas.openxmlformats.org/drawingml/2006/main" xmlns:r="http://schemas.openxmlformats.org/officeDocument/2006/relationships" xmlns:p="http://schemas.openxmlformats.org/presentationml/2006/main">
   <p:cSld>
     <p:spTree>
@@ -10971,8 +13294,8 @@
         </p:nvSpPr>
         <p:spPr>
           <a:xfrm>
-            <a:off x="619125" y="1659181"/>
-            <a:ext cx="7972425" cy="5730875"/>
+            <a:off x="619125" y="1731010"/>
+            <a:ext cx="7972425" cy="4717415"/>
           </a:xfrm>
           <a:ln>
             <a:noFill/>
@@ -11016,7 +13339,7 @@
         </p:nvSpPr>
         <p:spPr>
           <a:xfrm>
-            <a:off x="4139952" y="2749100"/>
+            <a:off x="3494157" y="2533835"/>
             <a:ext cx="1386440" cy="1373668"/>
           </a:xfrm>
           <a:prstGeom prst="ellipse">
@@ -11069,8 +13392,8 @@
         </p:nvSpPr>
         <p:spPr>
           <a:xfrm>
-            <a:off x="1187624" y="4244688"/>
-            <a:ext cx="1728156" cy="1560576"/>
+            <a:off x="1187450" y="4244975"/>
+            <a:ext cx="1504315" cy="1560830"/>
           </a:xfrm>
           <a:prstGeom prst="ellipse">
             <a:avLst/>
@@ -11177,8 +13500,8 @@
         </p:nvCxnSpPr>
         <p:spPr>
           <a:xfrm>
-            <a:off x="5526392" y="3435934"/>
-            <a:ext cx="1028700" cy="808754"/>
+            <a:off x="4880610" y="3220720"/>
+            <a:ext cx="1419860" cy="1144270"/>
           </a:xfrm>
           <a:prstGeom prst="straightConnector1">
             <a:avLst/>
@@ -11208,13 +13531,15 @@
       <p:cxnSp>
         <p:nvCxnSpPr>
           <p:cNvPr id="10" name="直接箭头连接符 9"/>
-          <p:cNvCxnSpPr/>
+          <p:cNvCxnSpPr>
+            <a:stCxn id="4" idx="2"/>
+          </p:cNvCxnSpPr>
           <p:nvPr/>
         </p:nvCxnSpPr>
         <p:spPr>
           <a:xfrm flipH="1">
-            <a:off x="2344280" y="3435934"/>
-            <a:ext cx="1795672" cy="808754"/>
+            <a:off x="1985645" y="3220720"/>
+            <a:ext cx="1508760" cy="1024255"/>
           </a:xfrm>
           <a:prstGeom prst="straightConnector1">
             <a:avLst/>
@@ -11244,15 +13569,13 @@
       <p:cxnSp>
         <p:nvCxnSpPr>
           <p:cNvPr id="12" name="直接箭头连接符 11"/>
-          <p:cNvCxnSpPr>
-            <a:endCxn id="4" idx="3"/>
-          </p:cNvCxnSpPr>
+          <p:cNvCxnSpPr/>
           <p:nvPr/>
         </p:nvCxnSpPr>
         <p:spPr>
           <a:xfrm flipV="1">
-            <a:off x="2915780" y="3921599"/>
-            <a:ext cx="1427211" cy="771717"/>
+            <a:off x="2484120" y="3644900"/>
+            <a:ext cx="1151890" cy="791845"/>
           </a:xfrm>
           <a:prstGeom prst="straightConnector1">
             <a:avLst/>
@@ -11287,8 +13610,8 @@
         </p:nvCxnSpPr>
         <p:spPr>
           <a:xfrm>
-            <a:off x="2915780" y="5341388"/>
-            <a:ext cx="3203829" cy="0"/>
+            <a:off x="2627630" y="5300980"/>
+            <a:ext cx="3384550" cy="0"/>
           </a:xfrm>
           <a:prstGeom prst="straightConnector1">
             <a:avLst/>
@@ -11323,8 +13646,8 @@
         </p:nvCxnSpPr>
         <p:spPr>
           <a:xfrm flipH="1" flipV="1">
-            <a:off x="5334368" y="3976464"/>
-            <a:ext cx="706374" cy="572836"/>
+            <a:off x="4787900" y="3572510"/>
+            <a:ext cx="1252855" cy="976630"/>
           </a:xfrm>
           <a:prstGeom prst="straightConnector1">
             <a:avLst/>
@@ -11354,13 +13677,15 @@
       <p:cxnSp>
         <p:nvCxnSpPr>
           <p:cNvPr id="18" name="直接箭头连接符 17"/>
-          <p:cNvCxnSpPr/>
+          <p:cNvCxnSpPr>
+            <a:endCxn id="5" idx="5"/>
+          </p:cNvCxnSpPr>
           <p:nvPr/>
         </p:nvCxnSpPr>
         <p:spPr>
-          <a:xfrm flipH="1">
-            <a:off x="2634718" y="5557412"/>
-            <a:ext cx="3662172" cy="0"/>
+          <a:xfrm flipH="1" flipV="1">
+            <a:off x="2471420" y="5577205"/>
+            <a:ext cx="3756660" cy="12065"/>
           </a:xfrm>
           <a:prstGeom prst="straightConnector1">
             <a:avLst/>
@@ -11428,11 +13753,7 @@
           </a:extLst>
         </p:spPr>
         <p:txBody>
-          <a:bodyPr vert="horz" wrap="square" lIns="91440" tIns="45720" rIns="91440" bIns="45720" numCol="1" anchor="b" anchorCtr="0" compatLnSpc="1">
-            <a:prstTxWarp prst="textNoShape">
-              <a:avLst/>
-            </a:prstTxWarp>
-          </a:bodyPr>
+          <a:bodyPr vert="horz" wrap="square" lIns="91440" tIns="45720" rIns="91440" bIns="45720" numCol="1" anchor="b" anchorCtr="0" compatLnSpc="1"/>
           <a:lstStyle>
             <a:lvl1pPr algn="l" rtl="0" eaLnBrk="0" fontAlgn="base" hangingPunct="0">
               <a:spcBef>
@@ -11461,8 +13782,8 @@
                 <a:solidFill>
                   <a:schemeClr val="tx2"/>
                 </a:solidFill>
-                <a:latin typeface="Verdana" pitchFamily="34" charset="0"/>
-                <a:ea typeface="宋体" pitchFamily="2" charset="-122"/>
+                <a:latin typeface="Verdana" panose="020B0604030504040204" pitchFamily="34" charset="0"/>
+                <a:ea typeface="宋体" panose="02010600030101010101" pitchFamily="2" charset="-122"/>
               </a:defRPr>
             </a:lvl2pPr>
             <a:lvl3pPr algn="l" rtl="0" eaLnBrk="0" fontAlgn="base" hangingPunct="0">
@@ -11476,8 +13797,8 @@
                 <a:solidFill>
                   <a:schemeClr val="tx2"/>
                 </a:solidFill>
-                <a:latin typeface="Verdana" pitchFamily="34" charset="0"/>
-                <a:ea typeface="宋体" pitchFamily="2" charset="-122"/>
+                <a:latin typeface="Verdana" panose="020B0604030504040204" pitchFamily="34" charset="0"/>
+                <a:ea typeface="宋体" panose="02010600030101010101" pitchFamily="2" charset="-122"/>
               </a:defRPr>
             </a:lvl3pPr>
             <a:lvl4pPr algn="l" rtl="0" eaLnBrk="0" fontAlgn="base" hangingPunct="0">
@@ -11491,8 +13812,8 @@
                 <a:solidFill>
                   <a:schemeClr val="tx2"/>
                 </a:solidFill>
-                <a:latin typeface="Verdana" pitchFamily="34" charset="0"/>
-                <a:ea typeface="宋体" pitchFamily="2" charset="-122"/>
+                <a:latin typeface="Verdana" panose="020B0604030504040204" pitchFamily="34" charset="0"/>
+                <a:ea typeface="宋体" panose="02010600030101010101" pitchFamily="2" charset="-122"/>
               </a:defRPr>
             </a:lvl4pPr>
             <a:lvl5pPr algn="l" rtl="0" eaLnBrk="0" fontAlgn="base" hangingPunct="0">
@@ -11506,8 +13827,8 @@
                 <a:solidFill>
                   <a:schemeClr val="tx2"/>
                 </a:solidFill>
-                <a:latin typeface="Verdana" pitchFamily="34" charset="0"/>
-                <a:ea typeface="宋体" pitchFamily="2" charset="-122"/>
+                <a:latin typeface="Verdana" panose="020B0604030504040204" pitchFamily="34" charset="0"/>
+                <a:ea typeface="宋体" panose="02010600030101010101" pitchFamily="2" charset="-122"/>
               </a:defRPr>
             </a:lvl5pPr>
             <a:lvl6pPr marL="457200" algn="l" rtl="0" fontAlgn="base">
@@ -11521,8 +13842,8 @@
                 <a:solidFill>
                   <a:schemeClr val="tx2"/>
                 </a:solidFill>
-                <a:latin typeface="Verdana" pitchFamily="34" charset="0"/>
-                <a:ea typeface="宋体" pitchFamily="2" charset="-122"/>
+                <a:latin typeface="Verdana" panose="020B0604030504040204" pitchFamily="34" charset="0"/>
+                <a:ea typeface="宋体" panose="02010600030101010101" pitchFamily="2" charset="-122"/>
               </a:defRPr>
             </a:lvl6pPr>
             <a:lvl7pPr marL="914400" algn="l" rtl="0" fontAlgn="base">
@@ -11536,8 +13857,8 @@
                 <a:solidFill>
                   <a:schemeClr val="tx2"/>
                 </a:solidFill>
-                <a:latin typeface="Verdana" pitchFamily="34" charset="0"/>
-                <a:ea typeface="宋体" pitchFamily="2" charset="-122"/>
+                <a:latin typeface="Verdana" panose="020B0604030504040204" pitchFamily="34" charset="0"/>
+                <a:ea typeface="宋体" panose="02010600030101010101" pitchFamily="2" charset="-122"/>
               </a:defRPr>
             </a:lvl7pPr>
             <a:lvl8pPr marL="1371600" algn="l" rtl="0" fontAlgn="base">
@@ -11551,8 +13872,8 @@
                 <a:solidFill>
                   <a:schemeClr val="tx2"/>
                 </a:solidFill>
-                <a:latin typeface="Verdana" pitchFamily="34" charset="0"/>
-                <a:ea typeface="宋体" pitchFamily="2" charset="-122"/>
+                <a:latin typeface="Verdana" panose="020B0604030504040204" pitchFamily="34" charset="0"/>
+                <a:ea typeface="宋体" panose="02010600030101010101" pitchFamily="2" charset="-122"/>
               </a:defRPr>
             </a:lvl8pPr>
             <a:lvl9pPr marL="1828800" algn="l" rtl="0" fontAlgn="base">
@@ -11566,8 +13887,8 @@
                 <a:solidFill>
                   <a:schemeClr val="tx2"/>
                 </a:solidFill>
-                <a:latin typeface="Verdana" pitchFamily="34" charset="0"/>
-                <a:ea typeface="宋体" pitchFamily="2" charset="-122"/>
+                <a:latin typeface="Verdana" panose="020B0604030504040204" pitchFamily="34" charset="0"/>
+                <a:ea typeface="宋体" panose="02010600030101010101" pitchFamily="2" charset="-122"/>
               </a:defRPr>
             </a:lvl9pPr>
           </a:lstStyle>
@@ -11575,566 +13896,39 @@
             <a:pPr eaLnBrk="1" hangingPunct="1"/>
             <a:r>
               <a:rPr lang="en-US" altLang="zh-CN" b="1" dirty="0" smtClean="0">
-                <a:latin typeface="黑体" pitchFamily="2" charset="-122"/>
-                <a:ea typeface="黑体" pitchFamily="2" charset="-122"/>
+                <a:latin typeface="黑体" panose="02010609060101010101" pitchFamily="2" charset="-122"/>
+                <a:ea typeface="黑体" panose="02010609060101010101" pitchFamily="2" charset="-122"/>
               </a:rPr>
               <a:t>3.8 </a:t>
             </a:r>
             <a:r>
               <a:rPr lang="zh-CN" altLang="en-US" b="1" dirty="0" smtClean="0">
-                <a:latin typeface="黑体" pitchFamily="2" charset="-122"/>
-                <a:ea typeface="黑体" pitchFamily="2" charset="-122"/>
+                <a:latin typeface="黑体" panose="02010609060101010101" pitchFamily="2" charset="-122"/>
+                <a:ea typeface="黑体" panose="02010609060101010101" pitchFamily="2" charset="-122"/>
               </a:rPr>
               <a:t>状态迁移图</a:t>
             </a:r>
             <a:endParaRPr lang="zh-CN" altLang="en-US" b="1" dirty="0" smtClean="0">
-              <a:latin typeface="黑体" pitchFamily="2" charset="-122"/>
-              <a:ea typeface="黑体" pitchFamily="2" charset="-122"/>
+              <a:latin typeface="黑体" panose="02010609060101010101" pitchFamily="2" charset="-122"/>
+              <a:ea typeface="黑体" panose="02010609060101010101" pitchFamily="2" charset="-122"/>
             </a:endParaRPr>
           </a:p>
         </p:txBody>
       </p:sp>
     </p:spTree>
-    <p:extLst>
-      <p:ext uri="{BB962C8B-B14F-4D97-AF65-F5344CB8AC3E}">
-        <p14:creationId xmlns:p14="http://schemas.microsoft.com/office/powerpoint/2010/main" val="1515385993"/>
-      </p:ext>
-    </p:extLst>
   </p:cSld>
   <p:clrMapOvr>
     <a:masterClrMapping/>
   </p:clrMapOvr>
+  <p:transition>
+    <p:blinds dir="vert"/>
+  </p:transition>
   <p:timing>
     <p:tnLst>
       <p:par>
         <p:cTn id="1" dur="indefinite" restart="never" nodeType="tmRoot"/>
       </p:par>
     </p:tnLst>
-  </p:timing>
-</p:sld>
-</file>
-
-<file path=ppt/slides/slide9.xml><?xml version="1.0" encoding="utf-8"?>
-<p:sld xmlns:a="http://schemas.openxmlformats.org/drawingml/2006/main" xmlns:r="http://schemas.openxmlformats.org/officeDocument/2006/relationships" xmlns:p="http://schemas.openxmlformats.org/presentationml/2006/main">
-  <p:cSld>
-    <p:spTree>
-      <p:nvGrpSpPr>
-        <p:cNvPr id="1" name=""/>
-        <p:cNvGrpSpPr/>
-        <p:nvPr/>
-      </p:nvGrpSpPr>
-      <p:grpSpPr>
-        <a:xfrm>
-          <a:off x="0" y="0"/>
-          <a:ext cx="0" cy="0"/>
-          <a:chOff x="0" y="0"/>
-          <a:chExt cx="0" cy="0"/>
-        </a:xfrm>
-      </p:grpSpPr>
-      <p:sp>
-        <p:nvSpPr>
-          <p:cNvPr id="3" name="内容占位符 2"/>
-          <p:cNvSpPr>
-            <a:spLocks noGrp="1"/>
-          </p:cNvSpPr>
-          <p:nvPr>
-            <p:ph sz="half" idx="1"/>
-          </p:nvPr>
-        </p:nvSpPr>
-        <p:spPr>
-          <a:xfrm>
-            <a:off x="611560" y="1658565"/>
-            <a:ext cx="7972425" cy="5730875"/>
-          </a:xfrm>
-        </p:spPr>
-        <p:txBody>
-          <a:bodyPr>
-            <a:normAutofit/>
-          </a:bodyPr>
-          <a:lstStyle/>
-          <a:p>
-            <a:r>
-              <a:rPr lang="zh-CN" altLang="en-US" sz="3100" b="1" dirty="0"/>
-              <a:t>依据雪梨教育平台判图片作业的图片查看器涉及状态转换的部分，使用状态转换方法测试测试用例，包括对数字的检查</a:t>
-            </a:r>
-            <a:endParaRPr lang="en-US" altLang="zh-CN" sz="3100" b="1" dirty="0"/>
-          </a:p>
-          <a:p>
-            <a:endParaRPr lang="en-US" altLang="zh-CN" dirty="0" smtClean="0"/>
-          </a:p>
-          <a:p>
-            <a:pPr lvl="1"/>
-            <a:endParaRPr lang="en-US" altLang="zh-CN" dirty="0" smtClean="0"/>
-          </a:p>
-        </p:txBody>
-      </p:sp>
-      <p:pic>
-        <p:nvPicPr>
-          <p:cNvPr id="6" name="图片 5"/>
-          <p:cNvPicPr>
-            <a:picLocks noChangeAspect="1"/>
-          </p:cNvPicPr>
-          <p:nvPr/>
-        </p:nvPicPr>
-        <p:blipFill>
-          <a:blip r:embed="rId2"/>
-          <a:stretch>
-            <a:fillRect/>
-          </a:stretch>
-        </p:blipFill>
-        <p:spPr>
-          <a:xfrm>
-            <a:off x="1979712" y="3140968"/>
-            <a:ext cx="4959004" cy="3526403"/>
-          </a:xfrm>
-          <a:prstGeom prst="rect">
-            <a:avLst/>
-          </a:prstGeom>
-        </p:spPr>
-      </p:pic>
-      <p:sp>
-        <p:nvSpPr>
-          <p:cNvPr id="5" name="Rectangle 2"/>
-          <p:cNvSpPr txBox="1">
-            <a:spLocks noChangeArrowheads="1"/>
-          </p:cNvSpPr>
-          <p:nvPr/>
-        </p:nvSpPr>
-        <p:spPr bwMode="auto">
-          <a:xfrm>
-            <a:off x="574675" y="304800"/>
-            <a:ext cx="8001000" cy="1216025"/>
-          </a:xfrm>
-          <a:prstGeom prst="rect">
-            <a:avLst/>
-          </a:prstGeom>
-          <a:noFill/>
-          <a:ln>
-            <a:noFill/>
-          </a:ln>
-          <a:extLst>
-            <a:ext uri="{909E8E84-426E-40DD-AFC4-6F175D3DCCD1}">
-              <a14:hiddenFill xmlns:a14="http://schemas.microsoft.com/office/drawing/2010/main">
-                <a:solidFill>
-                  <a:srgbClr val="FFFFFF"/>
-                </a:solidFill>
-              </a14:hiddenFill>
-            </a:ext>
-            <a:ext uri="{91240B29-F687-4F45-9708-019B960494DF}">
-              <a14:hiddenLine xmlns:a14="http://schemas.microsoft.com/office/drawing/2010/main" w="9525">
-                <a:solidFill>
-                  <a:srgbClr val="000000"/>
-                </a:solidFill>
-                <a:miter lim="800000"/>
-                <a:headEnd/>
-                <a:tailEnd/>
-              </a14:hiddenLine>
-            </a:ext>
-          </a:extLst>
-        </p:spPr>
-        <p:txBody>
-          <a:bodyPr vert="horz" wrap="square" lIns="91440" tIns="45720" rIns="91440" bIns="45720" numCol="1" anchor="b" anchorCtr="0" compatLnSpc="1">
-            <a:prstTxWarp prst="textNoShape">
-              <a:avLst/>
-            </a:prstTxWarp>
-          </a:bodyPr>
-          <a:lstStyle>
-            <a:lvl1pPr algn="l" rtl="0" eaLnBrk="0" fontAlgn="base" hangingPunct="0">
-              <a:spcBef>
-                <a:spcPct val="0"/>
-              </a:spcBef>
-              <a:spcAft>
-                <a:spcPct val="0"/>
-              </a:spcAft>
-              <a:defRPr sz="3800">
-                <a:solidFill>
-                  <a:schemeClr val="tx2"/>
-                </a:solidFill>
-                <a:latin typeface="+mj-lt"/>
-                <a:ea typeface="+mj-ea"/>
-                <a:cs typeface="+mj-cs"/>
-              </a:defRPr>
-            </a:lvl1pPr>
-            <a:lvl2pPr algn="l" rtl="0" eaLnBrk="0" fontAlgn="base" hangingPunct="0">
-              <a:spcBef>
-                <a:spcPct val="0"/>
-              </a:spcBef>
-              <a:spcAft>
-                <a:spcPct val="0"/>
-              </a:spcAft>
-              <a:defRPr sz="3800">
-                <a:solidFill>
-                  <a:schemeClr val="tx2"/>
-                </a:solidFill>
-                <a:latin typeface="Verdana" pitchFamily="34" charset="0"/>
-                <a:ea typeface="宋体" pitchFamily="2" charset="-122"/>
-              </a:defRPr>
-            </a:lvl2pPr>
-            <a:lvl3pPr algn="l" rtl="0" eaLnBrk="0" fontAlgn="base" hangingPunct="0">
-              <a:spcBef>
-                <a:spcPct val="0"/>
-              </a:spcBef>
-              <a:spcAft>
-                <a:spcPct val="0"/>
-              </a:spcAft>
-              <a:defRPr sz="3800">
-                <a:solidFill>
-                  <a:schemeClr val="tx2"/>
-                </a:solidFill>
-                <a:latin typeface="Verdana" pitchFamily="34" charset="0"/>
-                <a:ea typeface="宋体" pitchFamily="2" charset="-122"/>
-              </a:defRPr>
-            </a:lvl3pPr>
-            <a:lvl4pPr algn="l" rtl="0" eaLnBrk="0" fontAlgn="base" hangingPunct="0">
-              <a:spcBef>
-                <a:spcPct val="0"/>
-              </a:spcBef>
-              <a:spcAft>
-                <a:spcPct val="0"/>
-              </a:spcAft>
-              <a:defRPr sz="3800">
-                <a:solidFill>
-                  <a:schemeClr val="tx2"/>
-                </a:solidFill>
-                <a:latin typeface="Verdana" pitchFamily="34" charset="0"/>
-                <a:ea typeface="宋体" pitchFamily="2" charset="-122"/>
-              </a:defRPr>
-            </a:lvl4pPr>
-            <a:lvl5pPr algn="l" rtl="0" eaLnBrk="0" fontAlgn="base" hangingPunct="0">
-              <a:spcBef>
-                <a:spcPct val="0"/>
-              </a:spcBef>
-              <a:spcAft>
-                <a:spcPct val="0"/>
-              </a:spcAft>
-              <a:defRPr sz="3800">
-                <a:solidFill>
-                  <a:schemeClr val="tx2"/>
-                </a:solidFill>
-                <a:latin typeface="Verdana" pitchFamily="34" charset="0"/>
-                <a:ea typeface="宋体" pitchFamily="2" charset="-122"/>
-              </a:defRPr>
-            </a:lvl5pPr>
-            <a:lvl6pPr marL="457200" algn="l" rtl="0" fontAlgn="base">
-              <a:spcBef>
-                <a:spcPct val="0"/>
-              </a:spcBef>
-              <a:spcAft>
-                <a:spcPct val="0"/>
-              </a:spcAft>
-              <a:defRPr sz="3800">
-                <a:solidFill>
-                  <a:schemeClr val="tx2"/>
-                </a:solidFill>
-                <a:latin typeface="Verdana" pitchFamily="34" charset="0"/>
-                <a:ea typeface="宋体" pitchFamily="2" charset="-122"/>
-              </a:defRPr>
-            </a:lvl6pPr>
-            <a:lvl7pPr marL="914400" algn="l" rtl="0" fontAlgn="base">
-              <a:spcBef>
-                <a:spcPct val="0"/>
-              </a:spcBef>
-              <a:spcAft>
-                <a:spcPct val="0"/>
-              </a:spcAft>
-              <a:defRPr sz="3800">
-                <a:solidFill>
-                  <a:schemeClr val="tx2"/>
-                </a:solidFill>
-                <a:latin typeface="Verdana" pitchFamily="34" charset="0"/>
-                <a:ea typeface="宋体" pitchFamily="2" charset="-122"/>
-              </a:defRPr>
-            </a:lvl7pPr>
-            <a:lvl8pPr marL="1371600" algn="l" rtl="0" fontAlgn="base">
-              <a:spcBef>
-                <a:spcPct val="0"/>
-              </a:spcBef>
-              <a:spcAft>
-                <a:spcPct val="0"/>
-              </a:spcAft>
-              <a:defRPr sz="3800">
-                <a:solidFill>
-                  <a:schemeClr val="tx2"/>
-                </a:solidFill>
-                <a:latin typeface="Verdana" pitchFamily="34" charset="0"/>
-                <a:ea typeface="宋体" pitchFamily="2" charset="-122"/>
-              </a:defRPr>
-            </a:lvl8pPr>
-            <a:lvl9pPr marL="1828800" algn="l" rtl="0" fontAlgn="base">
-              <a:spcBef>
-                <a:spcPct val="0"/>
-              </a:spcBef>
-              <a:spcAft>
-                <a:spcPct val="0"/>
-              </a:spcAft>
-              <a:defRPr sz="3800">
-                <a:solidFill>
-                  <a:schemeClr val="tx2"/>
-                </a:solidFill>
-                <a:latin typeface="Verdana" pitchFamily="34" charset="0"/>
-                <a:ea typeface="宋体" pitchFamily="2" charset="-122"/>
-              </a:defRPr>
-            </a:lvl9pPr>
-          </a:lstStyle>
-          <a:p>
-            <a:pPr eaLnBrk="1" hangingPunct="1"/>
-            <a:r>
-              <a:rPr lang="en-US" altLang="zh-CN" b="1" dirty="0" smtClean="0">
-                <a:latin typeface="黑体" pitchFamily="2" charset="-122"/>
-                <a:ea typeface="黑体" pitchFamily="2" charset="-122"/>
-              </a:rPr>
-              <a:t>3.8 </a:t>
-            </a:r>
-            <a:r>
-              <a:rPr lang="zh-CN" altLang="en-US" b="1" dirty="0" smtClean="0">
-                <a:latin typeface="黑体" pitchFamily="2" charset="-122"/>
-                <a:ea typeface="黑体" pitchFamily="2" charset="-122"/>
-              </a:rPr>
-              <a:t>状态迁移图</a:t>
-            </a:r>
-            <a:endParaRPr lang="zh-CN" altLang="en-US" b="1" dirty="0" smtClean="0">
-              <a:latin typeface="黑体" pitchFamily="2" charset="-122"/>
-              <a:ea typeface="黑体" pitchFamily="2" charset="-122"/>
-            </a:endParaRPr>
-          </a:p>
-        </p:txBody>
-      </p:sp>
-    </p:spTree>
-    <p:extLst>
-      <p:ext uri="{BB962C8B-B14F-4D97-AF65-F5344CB8AC3E}">
-        <p14:creationId xmlns:p14="http://schemas.microsoft.com/office/powerpoint/2010/main" val="4003647022"/>
-      </p:ext>
-    </p:extLst>
-  </p:cSld>
-  <p:clrMapOvr>
-    <a:masterClrMapping/>
-  </p:clrMapOvr>
-  <p:timing>
-    <p:tnLst>
-      <p:par>
-        <p:cTn id="1" dur="indefinite" restart="never" nodeType="tmRoot">
-          <p:childTnLst>
-            <p:seq concurrent="1" nextAc="seek">
-              <p:cTn id="2" dur="indefinite" nodeType="mainSeq">
-                <p:childTnLst>
-                  <p:par>
-                    <p:cTn id="3" fill="hold">
-                      <p:stCondLst>
-                        <p:cond delay="indefinite"/>
-                      </p:stCondLst>
-                      <p:childTnLst>
-                        <p:par>
-                          <p:cTn id="4" fill="hold">
-                            <p:stCondLst>
-                              <p:cond delay="0"/>
-                            </p:stCondLst>
-                            <p:childTnLst>
-                              <p:par>
-                                <p:cTn id="5" presetID="2" presetClass="entr" presetSubtype="4" fill="hold" grpId="0" nodeType="clickEffect">
-                                  <p:stCondLst>
-                                    <p:cond delay="0"/>
-                                  </p:stCondLst>
-                                  <p:childTnLst>
-                                    <p:set>
-                                      <p:cBhvr>
-                                        <p:cTn id="6" dur="1" fill="hold">
-                                          <p:stCondLst>
-                                            <p:cond delay="0"/>
-                                          </p:stCondLst>
-                                        </p:cTn>
-                                        <p:tgtEl>
-                                          <p:spTgt spid="3">
-                                            <p:txEl>
-                                              <p:pRg st="0" end="0"/>
-                                            </p:txEl>
-                                          </p:spTgt>
-                                        </p:tgtEl>
-                                        <p:attrNameLst>
-                                          <p:attrName>style.visibility</p:attrName>
-                                        </p:attrNameLst>
-                                      </p:cBhvr>
-                                      <p:to>
-                                        <p:strVal val="visible"/>
-                                      </p:to>
-                                    </p:set>
-                                    <p:anim calcmode="lin" valueType="num">
-                                      <p:cBhvr additive="base">
-                                        <p:cTn id="7" dur="500" fill="hold"/>
-                                        <p:tgtEl>
-                                          <p:spTgt spid="3">
-                                            <p:txEl>
-                                              <p:pRg st="0" end="0"/>
-                                            </p:txEl>
-                                          </p:spTgt>
-                                        </p:tgtEl>
-                                        <p:attrNameLst>
-                                          <p:attrName>ppt_x</p:attrName>
-                                        </p:attrNameLst>
-                                      </p:cBhvr>
-                                      <p:tavLst>
-                                        <p:tav tm="0">
-                                          <p:val>
-                                            <p:strVal val="#ppt_x"/>
-                                          </p:val>
-                                        </p:tav>
-                                        <p:tav tm="100000">
-                                          <p:val>
-                                            <p:strVal val="#ppt_x"/>
-                                          </p:val>
-                                        </p:tav>
-                                      </p:tavLst>
-                                    </p:anim>
-                                    <p:anim calcmode="lin" valueType="num">
-                                      <p:cBhvr additive="base">
-                                        <p:cTn id="8" dur="500" fill="hold"/>
-                                        <p:tgtEl>
-                                          <p:spTgt spid="3">
-                                            <p:txEl>
-                                              <p:pRg st="0" end="0"/>
-                                            </p:txEl>
-                                          </p:spTgt>
-                                        </p:tgtEl>
-                                        <p:attrNameLst>
-                                          <p:attrName>ppt_y</p:attrName>
-                                        </p:attrNameLst>
-                                      </p:cBhvr>
-                                      <p:tavLst>
-                                        <p:tav tm="0">
-                                          <p:val>
-                                            <p:strVal val="1+#ppt_h/2"/>
-                                          </p:val>
-                                        </p:tav>
-                                        <p:tav tm="100000">
-                                          <p:val>
-                                            <p:strVal val="#ppt_y"/>
-                                          </p:val>
-                                        </p:tav>
-                                      </p:tavLst>
-                                    </p:anim>
-                                  </p:childTnLst>
-                                </p:cTn>
-                              </p:par>
-                            </p:childTnLst>
-                          </p:cTn>
-                        </p:par>
-                      </p:childTnLst>
-                    </p:cTn>
-                  </p:par>
-                  <p:par>
-                    <p:cTn id="9" fill="hold">
-                      <p:stCondLst>
-                        <p:cond delay="indefinite"/>
-                      </p:stCondLst>
-                      <p:childTnLst>
-                        <p:par>
-                          <p:cTn id="10" fill="hold">
-                            <p:stCondLst>
-                              <p:cond delay="0"/>
-                            </p:stCondLst>
-                            <p:childTnLst>
-                              <p:par>
-                                <p:cTn id="11" presetID="2" presetClass="entr" presetSubtype="12" fill="hold" nodeType="clickEffect">
-                                  <p:stCondLst>
-                                    <p:cond delay="0"/>
-                                  </p:stCondLst>
-                                  <p:childTnLst>
-                                    <p:set>
-                                      <p:cBhvr>
-                                        <p:cTn id="12" dur="1" fill="hold">
-                                          <p:stCondLst>
-                                            <p:cond delay="0"/>
-                                          </p:stCondLst>
-                                        </p:cTn>
-                                        <p:tgtEl>
-                                          <p:spTgt spid="6"/>
-                                        </p:tgtEl>
-                                        <p:attrNameLst>
-                                          <p:attrName>style.visibility</p:attrName>
-                                        </p:attrNameLst>
-                                      </p:cBhvr>
-                                      <p:to>
-                                        <p:strVal val="visible"/>
-                                      </p:to>
-                                    </p:set>
-                                    <p:anim calcmode="lin" valueType="num">
-                                      <p:cBhvr additive="base">
-                                        <p:cTn id="13" dur="500" fill="hold"/>
-                                        <p:tgtEl>
-                                          <p:spTgt spid="6"/>
-                                        </p:tgtEl>
-                                        <p:attrNameLst>
-                                          <p:attrName>ppt_x</p:attrName>
-                                        </p:attrNameLst>
-                                      </p:cBhvr>
-                                      <p:tavLst>
-                                        <p:tav tm="0">
-                                          <p:val>
-                                            <p:strVal val="0-#ppt_w/2"/>
-                                          </p:val>
-                                        </p:tav>
-                                        <p:tav tm="100000">
-                                          <p:val>
-                                            <p:strVal val="#ppt_x"/>
-                                          </p:val>
-                                        </p:tav>
-                                      </p:tavLst>
-                                    </p:anim>
-                                    <p:anim calcmode="lin" valueType="num">
-                                      <p:cBhvr additive="base">
-                                        <p:cTn id="14" dur="500" fill="hold"/>
-                                        <p:tgtEl>
-                                          <p:spTgt spid="6"/>
-                                        </p:tgtEl>
-                                        <p:attrNameLst>
-                                          <p:attrName>ppt_y</p:attrName>
-                                        </p:attrNameLst>
-                                      </p:cBhvr>
-                                      <p:tavLst>
-                                        <p:tav tm="0">
-                                          <p:val>
-                                            <p:strVal val="1+#ppt_h/2"/>
-                                          </p:val>
-                                        </p:tav>
-                                        <p:tav tm="100000">
-                                          <p:val>
-                                            <p:strVal val="#ppt_y"/>
-                                          </p:val>
-                                        </p:tav>
-                                      </p:tavLst>
-                                    </p:anim>
-                                  </p:childTnLst>
-                                </p:cTn>
-                              </p:par>
-                            </p:childTnLst>
-                          </p:cTn>
-                        </p:par>
-                      </p:childTnLst>
-                    </p:cTn>
-                  </p:par>
-                </p:childTnLst>
-              </p:cTn>
-              <p:prevCondLst>
-                <p:cond evt="onPrev" delay="0">
-                  <p:tgtEl>
-                    <p:sldTgt/>
-                  </p:tgtEl>
-                </p:cond>
-              </p:prevCondLst>
-              <p:nextCondLst>
-                <p:cond evt="onNext" delay="0">
-                  <p:tgtEl>
-                    <p:sldTgt/>
-                  </p:tgtEl>
-                </p:cond>
-              </p:nextCondLst>
-            </p:seq>
-          </p:childTnLst>
-        </p:cTn>
-      </p:par>
-    </p:tnLst>
-    <p:bldLst>
-      <p:bldP spid="3" grpId="0" build="p"/>
-    </p:bldLst>
   </p:timing>
 </p:sld>
 </file>
@@ -12359,7 +14153,6 @@
       </a:bgFillStyleLst>
     </a:fmtScheme>
   </a:themeElements>
-  <a:objectDefaults/>
   <a:extraClrSchemeLst>
     <a:extraClrScheme>
       <a:clrScheme name="Profile 1">
@@ -12731,6 +14524,11 @@
       <a:clrMap bg1="lt1" tx1="dk1" bg2="lt2" tx2="dk2" accent1="accent1" accent2="accent2" accent3="accent3" accent4="accent4" accent5="accent5" accent6="accent6" hlink="hlink" folHlink="folHlink"/>
     </a:extraClrScheme>
   </a:extraClrSchemeLst>
+  <a:extLst>
+    <a:ext uri="{05A4C25C-085E-4340-85A3-A5531E510DB2}">
+      <thm15:themeFamily xmlns:thm15="http://schemas.microsoft.com/office/thememl/2012/main" name="Office Theme" id="{62F939B6-93AF-4DB8-9C6B-D6C7DFDC589F}" vid="{4A3C46E8-61CC-4603-A589-7422A47A8E4A}"/>
+    </a:ext>
+  </a:extLst>
 </a:theme>
 </file>
 
@@ -13012,8 +14810,11 @@
       </a:bgFillStyleLst>
     </a:fmtScheme>
   </a:themeElements>
-  <a:objectDefaults/>
-  <a:extraClrSchemeLst/>
+  <a:extLst>
+    <a:ext uri="{05A4C25C-085E-4340-85A3-A5531E510DB2}">
+      <thm15:themeFamily xmlns:thm15="http://schemas.microsoft.com/office/thememl/2012/main" name="Office Theme" id="{62F939B6-93AF-4DB8-9C6B-D6C7DFDC589F}" vid="{4A3C46E8-61CC-4603-A589-7422A47A8E4A}"/>
+    </a:ext>
+  </a:extLst>
 </a:theme>
 </file>
 
@@ -13295,7 +15096,10 @@
       </a:bgFillStyleLst>
     </a:fmtScheme>
   </a:themeElements>
-  <a:objectDefaults/>
-  <a:extraClrSchemeLst/>
+  <a:extLst>
+    <a:ext uri="{05A4C25C-085E-4340-85A3-A5531E510DB2}">
+      <thm15:themeFamily xmlns:thm15="http://schemas.microsoft.com/office/thememl/2012/main" name="Office Theme" id="{62F939B6-93AF-4DB8-9C6B-D6C7DFDC589F}" vid="{4A3C46E8-61CC-4603-A589-7422A47A8E4A}"/>
+    </a:ext>
+  </a:extLst>
 </a:theme>
 </file>